--- a/Python-Meetup/20200719/面向一小部分程序员的数学学习相关话题简言.pptx
+++ b/Python-Meetup/20200719/面向一小部分程序员的数学学习相关话题简言.pptx
@@ -255,7 +255,7 @@
                 <a:latin typeface="微软雅黑" panose="020B0503020204020204" pitchFamily="34" charset="-122"/>
                 <a:ea typeface="微软雅黑" panose="020B0503020204020204" pitchFamily="34" charset="-122"/>
               </a:rPr>
-              <a:t>2020年7月9日</a:t>
+              <a:t>2020年7月10日</a:t>
             </a:fld>
             <a:endParaRPr lang="zh-CN" altLang="en-US" dirty="0">
               <a:latin typeface="微软雅黑" panose="020B0503020204020204" pitchFamily="34" charset="-122"/>
@@ -447,7 +447,7 @@
             <a:fld id="{07D6BDDC-F39A-4E16-93D6-E40B88AA6D58}" type="datetime2">
               <a:rPr lang="zh-CN" altLang="en-US" smtClean="0"/>
               <a:pPr/>
-              <a:t>2020年7月9日</a:t>
+              <a:t>2020年7月10日</a:t>
             </a:fld>
             <a:endParaRPr lang="zh-CN" altLang="en-US" dirty="0"/>
           </a:p>
@@ -2387,7 +2387,7 @@
             <a:fld id="{4947C3F0-2957-4D41-9FB7-182757A04D67}" type="datetime2">
               <a:rPr lang="zh-CN" altLang="en-US" smtClean="0"/>
               <a:pPr/>
-              <a:t>2020年7月9日</a:t>
+              <a:t>2020年7月10日</a:t>
             </a:fld>
             <a:endParaRPr lang="zh-CN" altLang="en-US" dirty="0"/>
           </a:p>
@@ -2620,7 +2620,7 @@
             <a:fld id="{8DF8E148-EC1F-43A2-8C9E-1F57F6D08A76}" type="datetime2">
               <a:rPr lang="zh-CN" altLang="en-US" smtClean="0"/>
               <a:pPr/>
-              <a:t>2020年7月9日</a:t>
+              <a:t>2020年7月10日</a:t>
             </a:fld>
             <a:endParaRPr lang="zh-CN" altLang="en-US" dirty="0"/>
           </a:p>
@@ -3502,7 +3502,7 @@
             <a:fld id="{FB7B4C11-1E14-4887-9E78-A9346EC068F1}" type="datetime2">
               <a:rPr lang="zh-CN" altLang="en-US" smtClean="0"/>
               <a:pPr/>
-              <a:t>2020年7月9日</a:t>
+              <a:t>2020年7月10日</a:t>
             </a:fld>
             <a:endParaRPr lang="zh-CN" altLang="en-US" dirty="0"/>
           </a:p>
@@ -3761,7 +3761,7 @@
             <a:fld id="{86FD5D46-E987-42B2-B42C-B8920598FADE}" type="datetime2">
               <a:rPr lang="zh-CN" altLang="en-US" smtClean="0"/>
               <a:pPr/>
-              <a:t>2020年7月9日</a:t>
+              <a:t>2020年7月10日</a:t>
             </a:fld>
             <a:endParaRPr lang="zh-CN" altLang="en-US" dirty="0"/>
           </a:p>
@@ -5087,7 +5087,7 @@
             <a:fld id="{8365F240-A7EF-41C8-A85B-C448CF84B5E5}" type="datetime2">
               <a:rPr lang="zh-CN" altLang="en-US" smtClean="0"/>
               <a:pPr/>
-              <a:t>2020年7月9日</a:t>
+              <a:t>2020年7月10日</a:t>
             </a:fld>
             <a:endParaRPr lang="zh-CN" altLang="en-US" dirty="0"/>
           </a:p>
@@ -5422,7 +5422,7 @@
             <a:fld id="{F770B30E-8728-44DB-AEE3-E4A75AEDBBD9}" type="datetime2">
               <a:rPr lang="zh-CN" altLang="en-US" smtClean="0"/>
               <a:pPr/>
-              <a:t>2020年7月9日</a:t>
+              <a:t>2020年7月10日</a:t>
             </a:fld>
             <a:endParaRPr lang="zh-CN" altLang="en-US" dirty="0"/>
           </a:p>
@@ -5923,7 +5923,7 @@
             <a:fld id="{680BCF82-A51A-4389-A573-378AD02C5141}" type="datetime2">
               <a:rPr lang="zh-CN" altLang="en-US" smtClean="0"/>
               <a:pPr/>
-              <a:t>2020年7月9日</a:t>
+              <a:t>2020年7月10日</a:t>
             </a:fld>
             <a:endParaRPr lang="zh-CN" altLang="en-US" dirty="0"/>
           </a:p>
@@ -6078,7 +6078,7 @@
             <a:fld id="{CE03A716-E3DC-4D9D-823C-60FCD8C9B163}" type="datetime2">
               <a:rPr lang="zh-CN" altLang="en-US" smtClean="0"/>
               <a:pPr/>
-              <a:t>2020年7月9日</a:t>
+              <a:t>2020年7月10日</a:t>
             </a:fld>
             <a:endParaRPr lang="zh-CN" altLang="en-US" dirty="0"/>
           </a:p>
@@ -6438,7 +6438,7 @@
             <a:fld id="{C16B8A94-44E5-4844-A22C-F796FCAA90D9}" type="datetime2">
               <a:rPr lang="zh-CN" altLang="en-US" smtClean="0"/>
               <a:pPr/>
-              <a:t>2020年7月9日</a:t>
+              <a:t>2020年7月10日</a:t>
             </a:fld>
             <a:endParaRPr lang="zh-CN" altLang="en-US" dirty="0"/>
           </a:p>
@@ -6980,7 +6980,7 @@
             <a:fld id="{F288B2AC-AC0A-4E49-82A3-94EE74FA7FBF}" type="datetime2">
               <a:rPr lang="zh-CN" altLang="en-US" smtClean="0"/>
               <a:pPr/>
-              <a:t>2020年7月9日</a:t>
+              <a:t>2020年7月10日</a:t>
             </a:fld>
             <a:endParaRPr lang="zh-CN" altLang="en-US" dirty="0"/>
           </a:p>
@@ -7466,7 +7466,7 @@
             <a:fld id="{1878E339-1BD2-4FEE-A113-9A0301740CF6}" type="datetime2">
               <a:rPr lang="zh-CN" altLang="en-US" smtClean="0"/>
               <a:pPr/>
-              <a:t>2020年7月9日</a:t>
+              <a:t>2020年7月10日</a:t>
             </a:fld>
             <a:endParaRPr lang="zh-CN" altLang="en-US" dirty="0"/>
           </a:p>
@@ -8389,7 +8389,7 @@
             <a:fld id="{A339CB27-C670-4AAB-948C-7E3D1D9FAE30}" type="datetime2">
               <a:rPr lang="zh-CN" altLang="en-US" smtClean="0"/>
               <a:pPr/>
-              <a:t>2020年7月9日</a:t>
+              <a:t>2020年7月10日</a:t>
             </a:fld>
             <a:endParaRPr lang="zh-CN" altLang="en-US" dirty="0"/>
           </a:p>
@@ -8879,135 +8879,325 @@
       </p:sp>
       <p:sp>
         <p:nvSpPr>
-          <p:cNvPr id="3" name="副标题 2"/>
-          <p:cNvSpPr>
-            <a:spLocks noGrp="1"/>
+          <p:cNvPr id="6" name="副标题 2">
+            <a:extLst>
+              <a:ext uri="{FF2B5EF4-FFF2-40B4-BE49-F238E27FC236}">
+                <a16:creationId xmlns:a16="http://schemas.microsoft.com/office/drawing/2014/main" id="{726A2AC9-E166-4DDF-BA44-D5D37850FB41}"/>
+              </a:ext>
+            </a:extLst>
+          </p:cNvPr>
+          <p:cNvSpPr txBox="1">
+            <a:spLocks/>
           </p:cNvSpPr>
-          <p:nvPr>
-            <p:ph type="subTitle" idx="1"/>
-          </p:nvPr>
+          <p:nvPr/>
         </p:nvSpPr>
         <p:spPr>
           <a:xfrm>
-            <a:off x="2428668" y="3933057"/>
+            <a:off x="2428668" y="3717032"/>
             <a:ext cx="8329031" cy="1527944"/>
           </a:xfrm>
+          <a:prstGeom prst="rect">
+            <a:avLst/>
+          </a:prstGeom>
         </p:spPr>
         <p:txBody>
           <a:bodyPr rtlCol="0">
-            <a:normAutofit/>
+            <a:normAutofit lnSpcReduction="10000"/>
           </a:bodyPr>
-          <a:lstStyle/>
+          <a:lstStyle>
+            <a:lvl1pPr marL="246888" indent="-246888" algn="l" defTabSz="914400" rtl="0" eaLnBrk="1" latinLnBrk="0" hangingPunct="1">
+              <a:lnSpc>
+                <a:spcPct val="90000"/>
+              </a:lnSpc>
+              <a:spcBef>
+                <a:spcPts val="1400"/>
+              </a:spcBef>
+              <a:buFont typeface="Euphemia" pitchFamily="34" charset="0"/>
+              <a:buChar char="›"/>
+              <a:defRPr sz="2800" kern="1200">
+                <a:solidFill>
+                  <a:schemeClr val="tx1"/>
+                </a:solidFill>
+                <a:latin typeface="微软雅黑" panose="020B0503020204020204" pitchFamily="34" charset="-122"/>
+                <a:ea typeface="微软雅黑" panose="020B0503020204020204" pitchFamily="34" charset="-122"/>
+                <a:cs typeface="+mn-cs"/>
+              </a:defRPr>
+            </a:lvl1pPr>
+            <a:lvl2pPr marL="612648" indent="-246888" algn="l" defTabSz="914400" rtl="0" eaLnBrk="1" latinLnBrk="0" hangingPunct="1">
+              <a:lnSpc>
+                <a:spcPct val="90000"/>
+              </a:lnSpc>
+              <a:spcBef>
+                <a:spcPts val="600"/>
+              </a:spcBef>
+              <a:buFont typeface="Euphemia" pitchFamily="34" charset="0"/>
+              <a:buChar char="–"/>
+              <a:defRPr sz="2400" kern="1200">
+                <a:solidFill>
+                  <a:schemeClr val="tx1"/>
+                </a:solidFill>
+                <a:latin typeface="微软雅黑" panose="020B0503020204020204" pitchFamily="34" charset="-122"/>
+                <a:ea typeface="微软雅黑" panose="020B0503020204020204" pitchFamily="34" charset="-122"/>
+                <a:cs typeface="+mn-cs"/>
+              </a:defRPr>
+            </a:lvl2pPr>
+            <a:lvl3pPr marL="978408" indent="-246888" algn="l" defTabSz="914400" rtl="0" eaLnBrk="1" latinLnBrk="0" hangingPunct="1">
+              <a:lnSpc>
+                <a:spcPct val="90000"/>
+              </a:lnSpc>
+              <a:spcBef>
+                <a:spcPts val="600"/>
+              </a:spcBef>
+              <a:buFont typeface="Euphemia" pitchFamily="34" charset="0"/>
+              <a:buChar char="›"/>
+              <a:defRPr sz="2000" kern="1200">
+                <a:solidFill>
+                  <a:schemeClr val="tx1"/>
+                </a:solidFill>
+                <a:latin typeface="微软雅黑" panose="020B0503020204020204" pitchFamily="34" charset="-122"/>
+                <a:ea typeface="微软雅黑" panose="020B0503020204020204" pitchFamily="34" charset="-122"/>
+                <a:cs typeface="+mn-cs"/>
+              </a:defRPr>
+            </a:lvl3pPr>
+            <a:lvl4pPr marL="1344168" indent="-246888" algn="l" defTabSz="914400" rtl="0" eaLnBrk="1" latinLnBrk="0" hangingPunct="1">
+              <a:lnSpc>
+                <a:spcPct val="90000"/>
+              </a:lnSpc>
+              <a:spcBef>
+                <a:spcPts val="600"/>
+              </a:spcBef>
+              <a:buFont typeface="Arial" pitchFamily="34" charset="0"/>
+              <a:buChar char="–"/>
+              <a:defRPr sz="1800" kern="1200">
+                <a:solidFill>
+                  <a:schemeClr val="tx1"/>
+                </a:solidFill>
+                <a:latin typeface="微软雅黑" panose="020B0503020204020204" pitchFamily="34" charset="-122"/>
+                <a:ea typeface="微软雅黑" panose="020B0503020204020204" pitchFamily="34" charset="-122"/>
+                <a:cs typeface="+mn-cs"/>
+              </a:defRPr>
+            </a:lvl4pPr>
+            <a:lvl5pPr marL="1709928" indent="-246888" algn="l" defTabSz="914400" rtl="0" eaLnBrk="1" latinLnBrk="0" hangingPunct="1">
+              <a:lnSpc>
+                <a:spcPct val="90000"/>
+              </a:lnSpc>
+              <a:spcBef>
+                <a:spcPts val="600"/>
+              </a:spcBef>
+              <a:buFont typeface="Euphemia" pitchFamily="34" charset="0"/>
+              <a:buChar char="›"/>
+              <a:defRPr sz="1800" kern="1200">
+                <a:solidFill>
+                  <a:schemeClr val="tx1"/>
+                </a:solidFill>
+                <a:latin typeface="微软雅黑" panose="020B0503020204020204" pitchFamily="34" charset="-122"/>
+                <a:ea typeface="微软雅黑" panose="020B0503020204020204" pitchFamily="34" charset="-122"/>
+                <a:cs typeface="+mn-cs"/>
+              </a:defRPr>
+            </a:lvl5pPr>
+            <a:lvl6pPr marL="2075688" indent="-246888" algn="l" defTabSz="914400" rtl="0" eaLnBrk="1" latinLnBrk="0" hangingPunct="1">
+              <a:lnSpc>
+                <a:spcPct val="90000"/>
+              </a:lnSpc>
+              <a:spcBef>
+                <a:spcPts val="600"/>
+              </a:spcBef>
+              <a:buFont typeface="Euphemia" pitchFamily="34" charset="0"/>
+              <a:buChar char="–"/>
+              <a:defRPr sz="1800" kern="1200">
+                <a:solidFill>
+                  <a:schemeClr val="tx1"/>
+                </a:solidFill>
+                <a:latin typeface="+mn-lt"/>
+                <a:ea typeface="+mn-ea"/>
+                <a:cs typeface="+mn-cs"/>
+              </a:defRPr>
+            </a:lvl6pPr>
+            <a:lvl7pPr marL="2441448" indent="-246888" algn="l" defTabSz="914400" rtl="0" eaLnBrk="1" latinLnBrk="0" hangingPunct="1">
+              <a:lnSpc>
+                <a:spcPct val="90000"/>
+              </a:lnSpc>
+              <a:spcBef>
+                <a:spcPts val="600"/>
+              </a:spcBef>
+              <a:buFont typeface="Euphemia" pitchFamily="34" charset="0"/>
+              <a:buChar char="›"/>
+              <a:defRPr sz="1800" kern="1200">
+                <a:solidFill>
+                  <a:schemeClr val="tx1"/>
+                </a:solidFill>
+                <a:latin typeface="+mn-lt"/>
+                <a:ea typeface="+mn-ea"/>
+                <a:cs typeface="+mn-cs"/>
+              </a:defRPr>
+            </a:lvl7pPr>
+            <a:lvl8pPr marL="2807208" indent="-246888" algn="l" defTabSz="914400" rtl="0" eaLnBrk="1" latinLnBrk="0" hangingPunct="1">
+              <a:lnSpc>
+                <a:spcPct val="90000"/>
+              </a:lnSpc>
+              <a:spcBef>
+                <a:spcPts val="600"/>
+              </a:spcBef>
+              <a:buFont typeface="Euphemia" pitchFamily="34" charset="0"/>
+              <a:buChar char="–"/>
+              <a:defRPr sz="1800" kern="1200" baseline="0">
+                <a:solidFill>
+                  <a:schemeClr val="tx1"/>
+                </a:solidFill>
+                <a:latin typeface="+mn-lt"/>
+                <a:ea typeface="+mn-ea"/>
+                <a:cs typeface="+mn-cs"/>
+              </a:defRPr>
+            </a:lvl8pPr>
+            <a:lvl9pPr marL="3172968" indent="-246888" algn="l" defTabSz="914400" rtl="0" eaLnBrk="1" latinLnBrk="0" hangingPunct="1">
+              <a:lnSpc>
+                <a:spcPct val="90000"/>
+              </a:lnSpc>
+              <a:spcBef>
+                <a:spcPts val="600"/>
+              </a:spcBef>
+              <a:buFont typeface="Euphemia" pitchFamily="34" charset="0"/>
+              <a:buChar char="›"/>
+              <a:defRPr sz="1800" kern="1200" baseline="0">
+                <a:solidFill>
+                  <a:schemeClr val="tx1"/>
+                </a:solidFill>
+                <a:latin typeface="+mn-lt"/>
+                <a:ea typeface="+mn-ea"/>
+                <a:cs typeface="+mn-cs"/>
+              </a:defRPr>
+            </a:lvl9pPr>
+          </a:lstStyle>
           <a:p>
-            <a:pPr rtl="0"/>
-            <a:r>
-              <a:rPr lang="zh-CN" altLang="en-US" sz="2800" dirty="0">
+            <a:r>
+              <a:rPr lang="zh-CN" altLang="en-US" dirty="0">
                 <a:solidFill>
                   <a:schemeClr val="accent4"/>
                 </a:solidFill>
                 <a:latin typeface="Arial" panose="020B0604020202020204" pitchFamily="34" charset="0"/>
-                <a:ea typeface="微软雅黑" panose="020B0503020204020204" pitchFamily="34" charset="-122"/>
                 <a:sym typeface="Arial" panose="020B0604020202020204" pitchFamily="34" charset="0"/>
               </a:rPr>
               <a:t>分享人：</a:t>
             </a:r>
             <a:r>
-              <a:rPr lang="en-US" altLang="zh-CN" sz="2800" dirty="0">
+              <a:rPr lang="en-US" altLang="zh-CN" dirty="0">
                 <a:solidFill>
                   <a:schemeClr val="accent4"/>
                 </a:solidFill>
                 <a:latin typeface="Arial" panose="020B0604020202020204" pitchFamily="34" charset="0"/>
-                <a:ea typeface="微软雅黑" panose="020B0503020204020204" pitchFamily="34" charset="-122"/>
                 <a:sym typeface="Arial" panose="020B0604020202020204" pitchFamily="34" charset="0"/>
               </a:rPr>
               <a:t>Ai</a:t>
             </a:r>
             <a:r>
-              <a:rPr lang="zh-CN" altLang="en-US" sz="2800" dirty="0">
+              <a:rPr lang="zh-CN" altLang="en-US" dirty="0">
                 <a:solidFill>
                   <a:schemeClr val="accent4"/>
                 </a:solidFill>
                 <a:latin typeface="Arial" panose="020B0604020202020204" pitchFamily="34" charset="0"/>
-                <a:ea typeface="微软雅黑" panose="020B0503020204020204" pitchFamily="34" charset="-122"/>
                 <a:sym typeface="Arial" panose="020B0604020202020204" pitchFamily="34" charset="0"/>
               </a:rPr>
               <a:t>兔兔</a:t>
             </a:r>
-            <a:endParaRPr lang="en-US" altLang="zh-CN" sz="2800" dirty="0">
+            <a:endParaRPr lang="en-US" altLang="zh-CN" dirty="0">
               <a:solidFill>
                 <a:schemeClr val="accent4"/>
               </a:solidFill>
               <a:latin typeface="Arial" panose="020B0604020202020204" pitchFamily="34" charset="0"/>
-              <a:ea typeface="微软雅黑" panose="020B0503020204020204" pitchFamily="34" charset="-122"/>
               <a:sym typeface="Arial" panose="020B0604020202020204" pitchFamily="34" charset="0"/>
             </a:endParaRPr>
           </a:p>
           <a:p>
             <a:r>
-              <a:rPr lang="en-US" altLang="zh-CN" sz="2800" dirty="0">
+              <a:rPr lang="en-US" altLang="zh-CN" dirty="0">
                 <a:solidFill>
                   <a:schemeClr val="accent4"/>
                 </a:solidFill>
                 <a:latin typeface="Arial" panose="020B0604020202020204" pitchFamily="34" charset="0"/>
-                <a:ea typeface="微软雅黑" panose="020B0503020204020204" pitchFamily="34" charset="-122"/>
                 <a:sym typeface="Arial" panose="020B0604020202020204" pitchFamily="34" charset="0"/>
               </a:rPr>
               <a:t>Blog</a:t>
             </a:r>
             <a:r>
-              <a:rPr lang="zh-CN" altLang="en-US" sz="2800" dirty="0">
+              <a:rPr lang="zh-CN" altLang="en-US" dirty="0">
                 <a:solidFill>
                   <a:schemeClr val="accent4"/>
                 </a:solidFill>
                 <a:latin typeface="Arial" panose="020B0604020202020204" pitchFamily="34" charset="0"/>
-                <a:ea typeface="微软雅黑" panose="020B0503020204020204" pitchFamily="34" charset="-122"/>
                 <a:sym typeface="Arial" panose="020B0604020202020204" pitchFamily="34" charset="0"/>
               </a:rPr>
               <a:t>：</a:t>
             </a:r>
             <a:r>
-              <a:rPr lang="en-US" altLang="zh-CN" sz="2800" dirty="0">
+              <a:rPr lang="en-US" altLang="zh-CN" dirty="0">
                 <a:hlinkClick r:id="rId3"/>
               </a:rPr>
-              <a:t>http://sakigami-yang.me/</a:t>
-            </a:r>
-            <a:endParaRPr lang="en-US" altLang="zh-CN" sz="2800" dirty="0"/>
+              <a:t>http://</a:t>
+            </a:r>
+            <a:r>
+              <a:rPr lang="en-US" altLang="zh-CN" dirty="0" err="1">
+                <a:hlinkClick r:id="rId3"/>
+              </a:rPr>
+              <a:t>sakigami-yang.me</a:t>
+            </a:r>
+            <a:r>
+              <a:rPr lang="en-US" altLang="zh-CN" dirty="0">
+                <a:hlinkClick r:id="rId3"/>
+              </a:rPr>
+              <a:t>/</a:t>
+            </a:r>
+            <a:endParaRPr lang="en-US" altLang="zh-CN" dirty="0"/>
           </a:p>
           <a:p>
             <a:r>
-              <a:rPr lang="en-US" altLang="zh-CN" sz="2800" dirty="0" err="1">
+              <a:rPr lang="en-US" altLang="zh-CN" dirty="0">
                 <a:solidFill>
                   <a:schemeClr val="accent4"/>
                 </a:solidFill>
                 <a:latin typeface="Arial" panose="020B0604020202020204" pitchFamily="34" charset="0"/>
-                <a:ea typeface="微软雅黑" panose="020B0503020204020204" pitchFamily="34" charset="-122"/>
                 <a:sym typeface="Arial" panose="020B0604020202020204" pitchFamily="34" charset="0"/>
               </a:rPr>
-              <a:t>Github</a:t>
-            </a:r>
-            <a:r>
-              <a:rPr lang="zh-CN" altLang="en-US" sz="2800" dirty="0">
+              <a:t>GitHub</a:t>
+            </a:r>
+            <a:r>
+              <a:rPr lang="zh-CN" altLang="en-US" dirty="0">
                 <a:solidFill>
                   <a:schemeClr val="accent4"/>
                 </a:solidFill>
                 <a:latin typeface="Arial" panose="020B0604020202020204" pitchFamily="34" charset="0"/>
-                <a:ea typeface="微软雅黑" panose="020B0503020204020204" pitchFamily="34" charset="-122"/>
                 <a:sym typeface="Arial" panose="020B0604020202020204" pitchFamily="34" charset="0"/>
               </a:rPr>
               <a:t>：</a:t>
             </a:r>
             <a:r>
-              <a:rPr lang="en-US" altLang="zh-CN" sz="2800" dirty="0">
+              <a:rPr lang="en-US" altLang="zh-CN" dirty="0">
                 <a:hlinkClick r:id="rId4"/>
               </a:rPr>
-              <a:t>https://github.com/SakigamiYang</a:t>
-            </a:r>
-            <a:endParaRPr lang="zh-CN" altLang="en-US" sz="2800" dirty="0">
+              <a:t>https://</a:t>
+            </a:r>
+            <a:r>
+              <a:rPr lang="en-US" altLang="zh-CN" dirty="0" err="1">
+                <a:hlinkClick r:id="rId4"/>
+              </a:rPr>
+              <a:t>github.com</a:t>
+            </a:r>
+            <a:r>
+              <a:rPr lang="en-US" altLang="zh-CN" dirty="0">
+                <a:hlinkClick r:id="rId4"/>
+              </a:rPr>
+              <a:t>/</a:t>
+            </a:r>
+            <a:r>
+              <a:rPr lang="en-US" altLang="zh-CN" dirty="0" err="1">
+                <a:hlinkClick r:id="rId4"/>
+              </a:rPr>
+              <a:t>SakigamiYang</a:t>
+            </a:r>
+            <a:endParaRPr lang="zh-CN" altLang="en-US" dirty="0">
               <a:solidFill>
                 <a:schemeClr val="accent4"/>
               </a:solidFill>
               <a:latin typeface="Arial" panose="020B0604020202020204" pitchFamily="34" charset="0"/>
-              <a:ea typeface="微软雅黑" panose="020B0503020204020204" pitchFamily="34" charset="-122"/>
               <a:sym typeface="Arial" panose="020B0604020202020204" pitchFamily="34" charset="0"/>
             </a:endParaRPr>
           </a:p>
@@ -9126,15 +9316,27 @@
               </a:lnSpc>
             </a:pPr>
             <a:r>
-              <a:rPr lang="zh-CN" altLang="en-US" sz="3700" dirty="0"/>
+              <a:rPr lang="zh-CN" altLang="en-US" sz="3700" b="1" dirty="0">
+                <a:solidFill>
+                  <a:schemeClr val="accent2"/>
+                </a:solidFill>
+              </a:rPr>
               <a:t>通用</a:t>
             </a:r>
             <a:r>
-              <a:rPr lang="en-US" altLang="zh-CN" sz="3700" dirty="0"/>
+              <a:rPr lang="en-US" altLang="zh-CN" sz="3700" b="1" dirty="0">
+                <a:solidFill>
+                  <a:schemeClr val="accent2"/>
+                </a:solidFill>
+              </a:rPr>
               <a:t>/</a:t>
             </a:r>
             <a:r>
-              <a:rPr lang="zh-CN" altLang="en-US" sz="3700" dirty="0"/>
+              <a:rPr lang="zh-CN" altLang="en-US" sz="3700" b="1" dirty="0">
+                <a:solidFill>
+                  <a:schemeClr val="accent2"/>
+                </a:solidFill>
+              </a:rPr>
               <a:t>数学基础</a:t>
             </a:r>
             <a:br>
@@ -9153,15 +9355,27 @@
               </a:lnSpc>
             </a:pPr>
             <a:r>
-              <a:rPr lang="zh-CN" altLang="en-US" sz="3700" dirty="0"/>
+              <a:rPr lang="zh-CN" altLang="en-US" sz="3700" b="1" dirty="0">
+                <a:solidFill>
+                  <a:schemeClr val="accent2"/>
+                </a:solidFill>
+              </a:rPr>
               <a:t>离散数学</a:t>
             </a:r>
             <a:r>
-              <a:rPr lang="en-US" altLang="zh-CN" sz="3700" dirty="0"/>
+              <a:rPr lang="en-US" altLang="zh-CN" sz="3700" b="1" dirty="0">
+                <a:solidFill>
+                  <a:schemeClr val="accent2"/>
+                </a:solidFill>
+              </a:rPr>
               <a:t>/</a:t>
             </a:r>
             <a:r>
-              <a:rPr lang="zh-CN" altLang="en-US" sz="3700" dirty="0"/>
+              <a:rPr lang="zh-CN" altLang="en-US" sz="3700" b="1" dirty="0">
+                <a:solidFill>
+                  <a:schemeClr val="accent2"/>
+                </a:solidFill>
+              </a:rPr>
               <a:t>代数学</a:t>
             </a:r>
             <a:br>
@@ -9228,7 +9442,11 @@
               </a:lnSpc>
             </a:pPr>
             <a:r>
-              <a:rPr lang="zh-CN" altLang="en-US" sz="3700" dirty="0"/>
+              <a:rPr lang="zh-CN" altLang="en-US" sz="3700" b="1" dirty="0">
+                <a:solidFill>
+                  <a:schemeClr val="accent2"/>
+                </a:solidFill>
+              </a:rPr>
               <a:t>分析学</a:t>
             </a:r>
             <a:br>
@@ -9279,15 +9497,27 @@
               </a:lnSpc>
             </a:pPr>
             <a:r>
-              <a:rPr lang="zh-CN" altLang="en-US" sz="3700" dirty="0"/>
+              <a:rPr lang="zh-CN" altLang="en-US" sz="3700" b="1" dirty="0">
+                <a:solidFill>
+                  <a:schemeClr val="accent2"/>
+                </a:solidFill>
+              </a:rPr>
               <a:t>几何学</a:t>
             </a:r>
             <a:r>
-              <a:rPr lang="en-US" altLang="zh-CN" sz="3700" dirty="0"/>
+              <a:rPr lang="en-US" altLang="zh-CN" sz="3700" b="1" dirty="0">
+                <a:solidFill>
+                  <a:schemeClr val="accent2"/>
+                </a:solidFill>
+              </a:rPr>
               <a:t>/</a:t>
             </a:r>
             <a:r>
-              <a:rPr lang="zh-CN" altLang="en-US" sz="3700" dirty="0"/>
+              <a:rPr lang="zh-CN" altLang="en-US" sz="3700" b="1" dirty="0">
+                <a:solidFill>
+                  <a:schemeClr val="accent2"/>
+                </a:solidFill>
+              </a:rPr>
               <a:t>拓扑学</a:t>
             </a:r>
             <a:br>
@@ -9306,15 +9536,27 @@
               </a:lnSpc>
             </a:pPr>
             <a:r>
-              <a:rPr lang="zh-CN" altLang="en-US" sz="3700" dirty="0"/>
+              <a:rPr lang="zh-CN" altLang="en-US" sz="3700" b="1" dirty="0">
+                <a:solidFill>
+                  <a:schemeClr val="accent2"/>
+                </a:solidFill>
+              </a:rPr>
               <a:t>应用数学</a:t>
             </a:r>
             <a:r>
-              <a:rPr lang="en-US" altLang="zh-CN" sz="3700" dirty="0"/>
+              <a:rPr lang="en-US" altLang="zh-CN" sz="3700" b="1" dirty="0">
+                <a:solidFill>
+                  <a:schemeClr val="accent2"/>
+                </a:solidFill>
+              </a:rPr>
               <a:t>/</a:t>
             </a:r>
             <a:r>
-              <a:rPr lang="zh-CN" altLang="en-US" sz="3700" dirty="0"/>
+              <a:rPr lang="zh-CN" altLang="en-US" sz="3700" b="1" dirty="0">
+                <a:solidFill>
+                  <a:schemeClr val="accent2"/>
+                </a:solidFill>
+              </a:rPr>
               <a:t>其他</a:t>
             </a:r>
             <a:br>
@@ -10748,6 +10990,75 @@
                       </p:childTnLst>
                     </p:cTn>
                   </p:par>
+                  <p:par>
+                    <p:cTn id="9" fill="hold">
+                      <p:stCondLst>
+                        <p:cond delay="indefinite"/>
+                      </p:stCondLst>
+                      <p:childTnLst>
+                        <p:par>
+                          <p:cTn id="10" fill="hold">
+                            <p:stCondLst>
+                              <p:cond delay="0"/>
+                            </p:stCondLst>
+                            <p:childTnLst>
+                              <p:par>
+                                <p:cTn id="11" presetID="1" presetClass="emph" presetSubtype="2" fill="hold" nodeType="clickEffect">
+                                  <p:stCondLst>
+                                    <p:cond delay="0"/>
+                                  </p:stCondLst>
+                                  <p:childTnLst>
+                                    <p:animClr clrSpc="rgb" dir="cw">
+                                      <p:cBhvr>
+                                        <p:cTn id="12" dur="2000" fill="hold"/>
+                                        <p:tgtEl>
+                                          <p:spTgt spid="14"/>
+                                        </p:tgtEl>
+                                        <p:attrNameLst>
+                                          <p:attrName>fillcolor</p:attrName>
+                                        </p:attrNameLst>
+                                      </p:cBhvr>
+                                      <p:to>
+                                        <a:schemeClr val="accent2"/>
+                                      </p:to>
+                                    </p:animClr>
+                                    <p:set>
+                                      <p:cBhvr>
+                                        <p:cTn id="13" dur="2000" fill="hold"/>
+                                        <p:tgtEl>
+                                          <p:spTgt spid="14"/>
+                                        </p:tgtEl>
+                                        <p:attrNameLst>
+                                          <p:attrName>fill.type</p:attrName>
+                                        </p:attrNameLst>
+                                      </p:cBhvr>
+                                      <p:to>
+                                        <p:strVal val="solid"/>
+                                      </p:to>
+                                    </p:set>
+                                    <p:set>
+                                      <p:cBhvr>
+                                        <p:cTn id="14" dur="2000" fill="hold"/>
+                                        <p:tgtEl>
+                                          <p:spTgt spid="14"/>
+                                        </p:tgtEl>
+                                        <p:attrNameLst>
+                                          <p:attrName>fill.on</p:attrName>
+                                        </p:attrNameLst>
+                                      </p:cBhvr>
+                                      <p:to>
+                                        <p:strVal val="true"/>
+                                      </p:to>
+                                    </p:set>
+                                  </p:childTnLst>
+                                </p:cTn>
+                              </p:par>
+                            </p:childTnLst>
+                          </p:cTn>
+                        </p:par>
+                      </p:childTnLst>
+                    </p:cTn>
+                  </p:par>
                 </p:childTnLst>
               </p:cTn>
               <p:prevCondLst>
@@ -10824,66 +11135,6 @@
               <a:t>一个简单的例子</a:t>
             </a:r>
             <a:endParaRPr lang="zh-CN" altLang="en-US" dirty="0"/>
-          </a:p>
-        </p:txBody>
-      </p:sp>
-      <p:sp>
-        <p:nvSpPr>
-          <p:cNvPr id="4" name="内容占位符 3">
-            <a:extLst>
-              <a:ext uri="{FF2B5EF4-FFF2-40B4-BE49-F238E27FC236}">
-                <a16:creationId xmlns:a16="http://schemas.microsoft.com/office/drawing/2014/main" id="{1BF87581-84F3-427E-B891-7B54F0666AA5}"/>
-              </a:ext>
-            </a:extLst>
-          </p:cNvPr>
-          <p:cNvSpPr>
-            <a:spLocks noGrp="1"/>
-          </p:cNvSpPr>
-          <p:nvPr>
-            <p:ph idx="1"/>
-          </p:nvPr>
-        </p:nvSpPr>
-        <p:spPr>
-          <a:xfrm>
-            <a:off x="1917947" y="1988840"/>
-            <a:ext cx="4403728" cy="648072"/>
-          </a:xfrm>
-          <a:ln w="19050">
-            <a:solidFill>
-              <a:schemeClr val="bg2"/>
-            </a:solidFill>
-          </a:ln>
-        </p:spPr>
-        <p:txBody>
-          <a:bodyPr>
-            <a:normAutofit/>
-          </a:bodyPr>
-          <a:lstStyle/>
-          <a:p>
-            <a:r>
-              <a:rPr lang="zh-CN" altLang="en-US" sz="1400" dirty="0">
-                <a:solidFill>
-                  <a:schemeClr val="bg2"/>
-                </a:solidFill>
-              </a:rPr>
-              <a:t>感性认知</a:t>
-            </a:r>
-            <a:endParaRPr lang="en-US" altLang="zh-CN" sz="1400" dirty="0">
-              <a:solidFill>
-                <a:schemeClr val="bg2"/>
-              </a:solidFill>
-            </a:endParaRPr>
-          </a:p>
-          <a:p>
-            <a:pPr lvl="1"/>
-            <a:r>
-              <a:rPr lang="zh-CN" altLang="en-US" sz="1400" dirty="0">
-                <a:solidFill>
-                  <a:schemeClr val="bg2"/>
-                </a:solidFill>
-              </a:rPr>
-              <a:t>积分都是什么？（感性、具象）</a:t>
-            </a:r>
           </a:p>
         </p:txBody>
       </p:sp>
@@ -11126,7 +11377,7 @@
               </a:prstGeom>
               <a:ln w="19050">
                 <a:solidFill>
-                  <a:schemeClr val="bg2"/>
+                  <a:schemeClr val="tx1"/>
                 </a:solidFill>
               </a:ln>
             </p:spPr>
@@ -11300,18 +11551,21 @@
               </a:lstStyle>
               <a:p>
                 <a:r>
-                  <a:rPr lang="zh-CN" altLang="en-US" sz="1400" dirty="0">
+                  <a:rPr lang="zh-CN" altLang="en-US" sz="1400" b="1" dirty="0">
                     <a:solidFill>
-                      <a:schemeClr val="bg2"/>
+                      <a:schemeClr val="accent2"/>
                     </a:solidFill>
                   </a:rPr>
-                  <a:t>执行计算</a:t>
+                  <a:t>执行计算 → </a:t>
                 </a:r>
-                <a:endParaRPr lang="en-US" altLang="zh-CN" sz="1400" dirty="0">
-                  <a:solidFill>
-                    <a:schemeClr val="bg2"/>
-                  </a:solidFill>
-                </a:endParaRPr>
+                <a:r>
+                  <a:rPr lang="en-US" altLang="zh-CN" sz="1400" b="1" dirty="0">
+                    <a:solidFill>
+                      <a:schemeClr val="accent2"/>
+                    </a:solidFill>
+                  </a:rPr>
+                  <a:t>How?</a:t>
+                </a:r>
               </a:p>
               <a:p>
                 <a:pPr lvl="1"/>
@@ -11322,7 +11576,7 @@
                         <m:ctrlPr>
                           <a:rPr lang="en-US" altLang="zh-CN" sz="1400" i="1" smtClean="0">
                             <a:solidFill>
-                              <a:schemeClr val="bg2"/>
+                              <a:schemeClr val="tx1"/>
                             </a:solidFill>
                             <a:latin typeface="Cambria Math" panose="02040503050406030204" pitchFamily="18" charset="0"/>
                           </a:rPr>
@@ -11334,7 +11588,7 @@
                             <m:ctrlPr>
                               <a:rPr lang="en-US" altLang="zh-CN" sz="1400" i="1" smtClean="0">
                                 <a:solidFill>
-                                  <a:schemeClr val="bg2"/>
+                                  <a:schemeClr val="tx1"/>
                                 </a:solidFill>
                                 <a:latin typeface="Cambria Math" panose="02040503050406030204" pitchFamily="18" charset="0"/>
                               </a:rPr>
@@ -11347,7 +11601,7 @@
                               </m:rPr>
                               <a:rPr lang="en-US" altLang="zh-CN" sz="1400" smtClean="0">
                                 <a:solidFill>
-                                  <a:schemeClr val="bg2"/>
+                                  <a:schemeClr val="tx1"/>
                                 </a:solidFill>
                                 <a:latin typeface="Cambria Math" panose="02040503050406030204" pitchFamily="18" charset="0"/>
                               </a:rPr>
@@ -11358,7 +11612,7 @@
                             <m:r>
                               <a:rPr lang="en-US" altLang="zh-CN" sz="1400" i="1" smtClean="0">
                                 <a:solidFill>
-                                  <a:schemeClr val="bg2"/>
+                                  <a:schemeClr val="tx1"/>
                                 </a:solidFill>
                                 <a:latin typeface="Cambria Math" panose="02040503050406030204" pitchFamily="18" charset="0"/>
                               </a:rPr>
@@ -11367,7 +11621,7 @@
                             <m:r>
                               <a:rPr lang="en-US" altLang="zh-CN" sz="1400" i="1" smtClean="0">
                                 <a:solidFill>
-                                  <a:schemeClr val="bg2"/>
+                                  <a:schemeClr val="tx1"/>
                                 </a:solidFill>
                                 <a:latin typeface="Cambria Math" panose="02040503050406030204" pitchFamily="18" charset="0"/>
                               </a:rPr>
@@ -11382,7 +11636,7 @@
                             <m:ctrlPr>
                               <a:rPr lang="en-US" altLang="zh-CN" sz="1400" i="1" smtClean="0">
                                 <a:solidFill>
-                                  <a:schemeClr val="bg2"/>
+                                  <a:schemeClr val="tx1"/>
                                 </a:solidFill>
                                 <a:latin typeface="Cambria Math" panose="02040503050406030204" pitchFamily="18" charset="0"/>
                               </a:rPr>
@@ -11394,7 +11648,7 @@
                                 <m:ctrlPr>
                                   <a:rPr lang="en-US" altLang="zh-CN" sz="1400" i="1" smtClean="0">
                                     <a:solidFill>
-                                      <a:schemeClr val="bg2"/>
+                                      <a:schemeClr val="tx1"/>
                                     </a:solidFill>
                                     <a:latin typeface="Cambria Math" panose="02040503050406030204" pitchFamily="18" charset="0"/>
                                   </a:rPr>
@@ -11407,7 +11661,7 @@
                                   </m:rPr>
                                   <a:rPr lang="en-US" altLang="zh-CN" sz="1400" smtClean="0">
                                     <a:solidFill>
-                                      <a:schemeClr val="bg2"/>
+                                      <a:schemeClr val="tx1"/>
                                     </a:solidFill>
                                     <a:latin typeface="Cambria Math" panose="02040503050406030204" pitchFamily="18" charset="0"/>
                                   </a:rPr>
@@ -11418,7 +11672,7 @@
                                 <m:r>
                                   <a:rPr lang="en-US" altLang="zh-CN" sz="1400" i="1" smtClean="0">
                                     <a:solidFill>
-                                      <a:schemeClr val="bg2"/>
+                                      <a:schemeClr val="tx1"/>
                                     </a:solidFill>
                                     <a:latin typeface="Cambria Math" panose="02040503050406030204" pitchFamily="18" charset="0"/>
                                   </a:rPr>
@@ -11431,7 +11685,7 @@
                             <m:r>
                               <a:rPr lang="en-US" altLang="zh-CN" sz="1400" i="1" smtClean="0">
                                 <a:solidFill>
-                                  <a:schemeClr val="bg2"/>
+                                  <a:schemeClr val="tx1"/>
                                 </a:solidFill>
                                 <a:latin typeface="Cambria Math" panose="02040503050406030204" pitchFamily="18" charset="0"/>
                               </a:rPr>
@@ -11444,7 +11698,7 @@
                     <m:r>
                       <a:rPr lang="en-US" altLang="zh-CN" sz="1400" i="1" smtClean="0">
                         <a:solidFill>
-                          <a:schemeClr val="bg2"/>
+                          <a:schemeClr val="tx1"/>
                         </a:solidFill>
                         <a:latin typeface="Cambria Math" panose="02040503050406030204" pitchFamily="18" charset="0"/>
                       </a:rPr>
@@ -11453,7 +11707,7 @@
                     <m:r>
                       <a:rPr lang="zh-CN" altLang="en-US" sz="1400" i="1">
                         <a:solidFill>
-                          <a:schemeClr val="bg2"/>
+                          <a:schemeClr val="tx1"/>
                         </a:solidFill>
                         <a:latin typeface="Cambria Math" panose="02040503050406030204" pitchFamily="18" charset="0"/>
                       </a:rPr>
@@ -11464,7 +11718,7 @@
                         <m:ctrlPr>
                           <a:rPr lang="en-US" altLang="zh-CN" sz="1400" i="1" smtClean="0">
                             <a:solidFill>
-                              <a:schemeClr val="bg2"/>
+                              <a:schemeClr val="tx1"/>
                             </a:solidFill>
                             <a:latin typeface="Cambria Math" panose="02040503050406030204" pitchFamily="18" charset="0"/>
                           </a:rPr>
@@ -11476,7 +11730,7 @@
                             <m:ctrlPr>
                               <a:rPr lang="en-US" altLang="zh-CN" sz="1400" i="1" smtClean="0">
                                 <a:solidFill>
-                                  <a:schemeClr val="bg2"/>
+                                  <a:schemeClr val="tx1"/>
                                 </a:solidFill>
                                 <a:latin typeface="Cambria Math" panose="02040503050406030204" pitchFamily="18" charset="0"/>
                               </a:rPr>
@@ -11486,7 +11740,7 @@
                             <m:r>
                               <a:rPr lang="en-US" altLang="zh-CN" sz="1400" i="1" smtClean="0">
                                 <a:solidFill>
-                                  <a:schemeClr val="bg2"/>
+                                  <a:schemeClr val="tx1"/>
                                 </a:solidFill>
                                 <a:latin typeface="Cambria Math" panose="02040503050406030204" pitchFamily="18" charset="0"/>
                               </a:rPr>
@@ -11499,7 +11753,7 @@
                         <m:r>
                           <a:rPr lang="en-US" altLang="zh-CN" sz="1400" i="1" smtClean="0">
                             <a:solidFill>
-                              <a:schemeClr val="bg2"/>
+                              <a:schemeClr val="tx1"/>
                             </a:solidFill>
                             <a:latin typeface="Cambria Math" panose="02040503050406030204" pitchFamily="18" charset="0"/>
                           </a:rPr>
@@ -11510,7 +11764,7 @@
                     <m:r>
                       <a:rPr lang="en-US" altLang="zh-CN" sz="1400" i="1" smtClean="0">
                         <a:solidFill>
-                          <a:schemeClr val="bg2"/>
+                          <a:schemeClr val="tx1"/>
                         </a:solidFill>
                         <a:latin typeface="Cambria Math" panose="02040503050406030204" pitchFamily="18" charset="0"/>
                       </a:rPr>
@@ -11519,7 +11773,7 @@
                     <m:r>
                       <a:rPr lang="zh-CN" altLang="en-US" sz="1400" i="1">
                         <a:solidFill>
-                          <a:schemeClr val="bg2"/>
+                          <a:schemeClr val="tx1"/>
                         </a:solidFill>
                         <a:latin typeface="Cambria Math" panose="02040503050406030204" pitchFamily="18" charset="0"/>
                       </a:rPr>
@@ -11530,7 +11784,7 @@
                         <m:ctrlPr>
                           <a:rPr lang="zh-CN" altLang="en-US" sz="1400" i="1" smtClean="0">
                             <a:solidFill>
-                              <a:schemeClr val="bg2"/>
+                              <a:schemeClr val="tx1"/>
                             </a:solidFill>
                             <a:latin typeface="Cambria Math" panose="02040503050406030204" pitchFamily="18" charset="0"/>
                           </a:rPr>
@@ -11543,7 +11797,7 @@
                           </m:rPr>
                           <a:rPr lang="en-US" altLang="zh-CN" sz="1400" i="1" smtClean="0">
                             <a:solidFill>
-                              <a:schemeClr val="bg2"/>
+                              <a:schemeClr val="tx1"/>
                             </a:solidFill>
                             <a:latin typeface="Cambria Math" panose="02040503050406030204" pitchFamily="18" charset="0"/>
                           </a:rPr>
@@ -11552,7 +11806,7 @@
                         <m:r>
                           <a:rPr lang="en-US" altLang="zh-CN" sz="1400" i="1" smtClean="0">
                             <a:solidFill>
-                              <a:schemeClr val="bg2"/>
+                              <a:schemeClr val="tx1"/>
                             </a:solidFill>
                             <a:latin typeface="Cambria Math" panose="02040503050406030204" pitchFamily="18" charset="0"/>
                           </a:rPr>
@@ -11563,7 +11817,7 @@
                         <m:r>
                           <a:rPr lang="en-US" altLang="zh-CN" sz="1400" i="1" smtClean="0">
                             <a:solidFill>
-                              <a:schemeClr val="bg2"/>
+                              <a:schemeClr val="tx1"/>
                             </a:solidFill>
                             <a:latin typeface="Cambria Math" panose="02040503050406030204" pitchFamily="18" charset="0"/>
                           </a:rPr>
@@ -11576,7 +11830,7 @@
                             <m:ctrlPr>
                               <a:rPr lang="en-US" altLang="zh-CN" sz="1400" i="1" smtClean="0">
                                 <a:solidFill>
-                                  <a:schemeClr val="bg2"/>
+                                  <a:schemeClr val="tx1"/>
                                 </a:solidFill>
                                 <a:latin typeface="Cambria Math" panose="02040503050406030204" pitchFamily="18" charset="0"/>
                               </a:rPr>
@@ -11589,7 +11843,7 @@
                               </m:rPr>
                               <a:rPr lang="en-US" altLang="zh-CN" sz="1400" smtClean="0">
                                 <a:solidFill>
-                                  <a:schemeClr val="bg2"/>
+                                  <a:schemeClr val="tx1"/>
                                 </a:solidFill>
                                 <a:latin typeface="Cambria Math" panose="02040503050406030204" pitchFamily="18" charset="0"/>
                               </a:rPr>
@@ -11600,7 +11854,7 @@
                             <m:r>
                               <a:rPr lang="en-US" altLang="zh-CN" sz="1400" i="1" smtClean="0">
                                 <a:solidFill>
-                                  <a:schemeClr val="bg2"/>
+                                  <a:schemeClr val="tx1"/>
                                 </a:solidFill>
                                 <a:latin typeface="Cambria Math" panose="02040503050406030204" pitchFamily="18" charset="0"/>
                               </a:rPr>
@@ -11609,7 +11863,7 @@
                             <m:r>
                               <a:rPr lang="en-US" altLang="zh-CN" sz="1400" i="1" smtClean="0">
                                 <a:solidFill>
-                                  <a:schemeClr val="bg2"/>
+                                  <a:schemeClr val="tx1"/>
                                 </a:solidFill>
                                 <a:latin typeface="Cambria Math" panose="02040503050406030204" pitchFamily="18" charset="0"/>
                               </a:rPr>
@@ -11618,7 +11872,7 @@
                             <m:r>
                               <a:rPr lang="en-US" altLang="zh-CN" sz="1400" i="1" smtClean="0">
                                 <a:solidFill>
-                                  <a:schemeClr val="bg2"/>
+                                  <a:schemeClr val="tx1"/>
                                 </a:solidFill>
                                 <a:latin typeface="Cambria Math" panose="02040503050406030204" pitchFamily="18" charset="0"/>
                               </a:rPr>
@@ -11629,7 +11883,7 @@
                         <m:r>
                           <a:rPr lang="en-US" altLang="zh-CN" sz="1400" i="1" smtClean="0">
                             <a:solidFill>
-                              <a:schemeClr val="bg2"/>
+                              <a:schemeClr val="tx1"/>
                             </a:solidFill>
                             <a:latin typeface="Cambria Math" panose="02040503050406030204" pitchFamily="18" charset="0"/>
                           </a:rPr>
@@ -11641,7 +11895,7 @@
                 </a14:m>
                 <a:endParaRPr lang="en-US" altLang="zh-CN" sz="1400" dirty="0">
                   <a:solidFill>
-                    <a:schemeClr val="bg2"/>
+                    <a:schemeClr val="tx1"/>
                   </a:solidFill>
                 </a:endParaRPr>
               </a:p>
@@ -11679,7 +11933,7 @@
               </a:blipFill>
               <a:ln w="19050">
                 <a:solidFill>
-                  <a:schemeClr val="bg2"/>
+                  <a:schemeClr val="tx1"/>
                 </a:solidFill>
               </a:ln>
             </p:spPr>
@@ -11724,7 +11978,7 @@
               </a:prstGeom>
               <a:ln w="19050">
                 <a:solidFill>
-                  <a:schemeClr val="bg2"/>
+                  <a:schemeClr val="tx1"/>
                 </a:solidFill>
               </a:ln>
             </p:spPr>
@@ -11898,28 +12152,31 @@
               </a:lstStyle>
               <a:p>
                 <a:r>
-                  <a:rPr lang="zh-CN" altLang="en-US" sz="1400" dirty="0">
+                  <a:rPr lang="zh-CN" altLang="en-US" sz="1400" b="1" dirty="0">
                     <a:solidFill>
-                      <a:schemeClr val="bg2"/>
+                      <a:schemeClr val="accent2"/>
                     </a:solidFill>
                   </a:rPr>
-                  <a:t>系统推理</a:t>
+                  <a:t>系统推理 → </a:t>
                 </a:r>
-                <a:endParaRPr lang="en-US" altLang="zh-CN" sz="1400" dirty="0">
-                  <a:solidFill>
-                    <a:schemeClr val="bg2"/>
-                  </a:solidFill>
-                </a:endParaRPr>
+                <a:r>
+                  <a:rPr lang="en-US" altLang="zh-CN" sz="1400" b="1" dirty="0">
+                    <a:solidFill>
+                      <a:schemeClr val="accent2"/>
+                    </a:solidFill>
+                  </a:rPr>
+                  <a:t>Reasonable?</a:t>
+                </a:r>
               </a:p>
               <a:p>
                 <a:pPr lvl="1"/>
                 <a:r>
                   <a:rPr lang="zh-CN" altLang="en-US" sz="1400" dirty="0">
                     <a:solidFill>
-                      <a:schemeClr val="bg2"/>
+                      <a:schemeClr val="tx1"/>
                     </a:solidFill>
                   </a:rPr>
-                  <a:t>我在中学时发现球体积 </a:t>
+                  <a:t>中学时我发现球体积 </a:t>
                 </a:r>
                 <a14:m>
                   <m:oMath xmlns:m="http://schemas.openxmlformats.org/officeDocument/2006/math">
@@ -11929,7 +12186,7 @@
                         <m:ctrlPr>
                           <a:rPr lang="en-US" altLang="zh-CN" sz="1400" b="0" i="1" smtClean="0">
                             <a:solidFill>
-                              <a:schemeClr val="bg2"/>
+                              <a:schemeClr val="tx1"/>
                             </a:solidFill>
                             <a:latin typeface="Cambria Math" panose="02040503050406030204" pitchFamily="18" charset="0"/>
                           </a:rPr>
@@ -11939,7 +12196,7 @@
                         <m:r>
                           <a:rPr lang="en-US" altLang="zh-CN" sz="1400" b="0" i="1" smtClean="0">
                             <a:solidFill>
-                              <a:schemeClr val="bg2"/>
+                              <a:schemeClr val="tx1"/>
                             </a:solidFill>
                             <a:latin typeface="Cambria Math" panose="02040503050406030204" pitchFamily="18" charset="0"/>
                           </a:rPr>
@@ -11950,7 +12207,7 @@
                         <m:r>
                           <a:rPr lang="en-US" altLang="zh-CN" sz="1400" b="0" i="1" smtClean="0">
                             <a:solidFill>
-                              <a:schemeClr val="bg2"/>
+                              <a:schemeClr val="tx1"/>
                             </a:solidFill>
                             <a:latin typeface="Cambria Math" panose="02040503050406030204" pitchFamily="18" charset="0"/>
                           </a:rPr>
@@ -11961,7 +12218,7 @@
                     <m:r>
                       <a:rPr lang="en-US" altLang="zh-CN" sz="1400" b="0" i="1" smtClean="0">
                         <a:solidFill>
-                          <a:schemeClr val="bg2"/>
+                          <a:schemeClr val="tx1"/>
                         </a:solidFill>
                         <a:latin typeface="Cambria Math" panose="02040503050406030204" pitchFamily="18" charset="0"/>
                       </a:rPr>
@@ -11972,7 +12229,7 @@
                         <m:ctrlPr>
                           <a:rPr lang="en-US" altLang="zh-CN" sz="1400" b="0" i="1" smtClean="0">
                             <a:solidFill>
-                              <a:schemeClr val="bg2"/>
+                              <a:schemeClr val="tx1"/>
                             </a:solidFill>
                             <a:latin typeface="Cambria Math" panose="02040503050406030204" pitchFamily="18" charset="0"/>
                           </a:rPr>
@@ -11982,7 +12239,7 @@
                         <m:r>
                           <a:rPr lang="en-US" altLang="zh-CN" sz="1400" b="0" i="1" smtClean="0">
                             <a:solidFill>
-                              <a:schemeClr val="bg2"/>
+                              <a:schemeClr val="tx1"/>
                             </a:solidFill>
                             <a:latin typeface="Cambria Math" panose="02040503050406030204" pitchFamily="18" charset="0"/>
                           </a:rPr>
@@ -11993,7 +12250,7 @@
                         <m:r>
                           <a:rPr lang="en-US" altLang="zh-CN" sz="1400" b="0" i="1" smtClean="0">
                             <a:solidFill>
-                              <a:schemeClr val="bg2"/>
+                              <a:schemeClr val="tx1"/>
                             </a:solidFill>
                             <a:latin typeface="Cambria Math" panose="02040503050406030204" pitchFamily="18" charset="0"/>
                           </a:rPr>
@@ -12004,7 +12261,7 @@
                     <m:r>
                       <a:rPr lang="en-US" altLang="zh-CN" sz="1400" b="0" i="1" smtClean="0">
                         <a:solidFill>
-                          <a:schemeClr val="bg2"/>
+                          <a:schemeClr val="tx1"/>
                         </a:solidFill>
                         <a:latin typeface="Cambria Math" panose="02040503050406030204" pitchFamily="18" charset="0"/>
                       </a:rPr>
@@ -12013,7 +12270,7 @@
                     <m:r>
                       <a:rPr lang="zh-CN" altLang="en-US" sz="1400" i="1">
                         <a:solidFill>
-                          <a:schemeClr val="bg2"/>
+                          <a:schemeClr val="tx1"/>
                         </a:solidFill>
                         <a:latin typeface="Cambria Math" panose="02040503050406030204" pitchFamily="18" charset="0"/>
                       </a:rPr>
@@ -12022,7 +12279,7 @@
                     <m:r>
                       <a:rPr lang="zh-CN" altLang="en-US" sz="1400" i="1" smtClean="0">
                         <a:solidFill>
-                          <a:schemeClr val="bg2"/>
+                          <a:schemeClr val="tx1"/>
                         </a:solidFill>
                         <a:latin typeface="Cambria Math" panose="02040503050406030204" pitchFamily="18" charset="0"/>
                       </a:rPr>
@@ -12033,7 +12290,7 @@
                 <a:r>
                   <a:rPr lang="zh-CN" altLang="en-US" sz="1400" dirty="0">
                     <a:solidFill>
-                      <a:schemeClr val="bg2"/>
+                      <a:schemeClr val="tx1"/>
                     </a:solidFill>
                   </a:rPr>
                   <a:t> </a:t>
@@ -12043,7 +12300,7 @@
                     <m:r>
                       <a:rPr lang="en-US" altLang="zh-CN" sz="1400" b="0" i="0" dirty="0" smtClean="0">
                         <a:solidFill>
-                          <a:schemeClr val="bg2"/>
+                          <a:schemeClr val="tx1"/>
                         </a:solidFill>
                         <a:latin typeface="Cambria Math" panose="02040503050406030204" pitchFamily="18" charset="0"/>
                       </a:rPr>
@@ -12052,7 +12309,7 @@
                     <m:r>
                       <a:rPr lang="el-GR" altLang="zh-CN" sz="1400" i="1" dirty="0" smtClean="0">
                         <a:solidFill>
-                          <a:schemeClr val="bg2"/>
+                          <a:schemeClr val="tx1"/>
                         </a:solidFill>
                         <a:latin typeface="Cambria Math" panose="02040503050406030204" pitchFamily="18" charset="0"/>
                       </a:rPr>
@@ -12063,7 +12320,7 @@
                         <m:ctrlPr>
                           <a:rPr lang="en-US" altLang="zh-CN" sz="1400" i="1" dirty="0" smtClean="0">
                             <a:solidFill>
-                              <a:schemeClr val="bg2"/>
+                              <a:schemeClr val="tx1"/>
                             </a:solidFill>
                             <a:latin typeface="Cambria Math" panose="02040503050406030204" pitchFamily="18" charset="0"/>
                           </a:rPr>
@@ -12073,7 +12330,7 @@
                         <m:r>
                           <a:rPr lang="en-US" altLang="zh-CN" sz="1400" b="0" i="1" dirty="0" smtClean="0">
                             <a:solidFill>
-                              <a:schemeClr val="bg2"/>
+                              <a:schemeClr val="tx1"/>
                             </a:solidFill>
                             <a:latin typeface="Cambria Math" panose="02040503050406030204" pitchFamily="18" charset="0"/>
                           </a:rPr>
@@ -12084,7 +12341,7 @@
                         <m:r>
                           <a:rPr lang="en-US" altLang="zh-CN" sz="1400" i="1" dirty="0" smtClean="0">
                             <a:solidFill>
-                              <a:schemeClr val="bg2"/>
+                              <a:schemeClr val="tx1"/>
                             </a:solidFill>
                             <a:latin typeface="Cambria Math" panose="02040503050406030204" pitchFamily="18" charset="0"/>
                           </a:rPr>
@@ -12095,7 +12352,7 @@
                     <m:r>
                       <a:rPr lang="en-US" altLang="zh-CN" sz="1400" b="0" i="1" dirty="0" smtClean="0">
                         <a:solidFill>
-                          <a:schemeClr val="bg2"/>
+                          <a:schemeClr val="tx1"/>
                         </a:solidFill>
                         <a:latin typeface="Cambria Math" panose="02040503050406030204" pitchFamily="18" charset="0"/>
                       </a:rPr>
@@ -12104,7 +12361,7 @@
                     <m:r>
                       <a:rPr lang="zh-CN" altLang="en-US" sz="1400" i="1" dirty="0">
                         <a:solidFill>
-                          <a:schemeClr val="bg2"/>
+                          <a:schemeClr val="tx1"/>
                         </a:solidFill>
                         <a:latin typeface="Cambria Math" panose="02040503050406030204" pitchFamily="18" charset="0"/>
                       </a:rPr>
@@ -12115,7 +12372,7 @@
                 <a:r>
                   <a:rPr lang="zh-CN" altLang="en-US" sz="1400" dirty="0">
                     <a:solidFill>
-                      <a:schemeClr val="bg2"/>
+                      <a:schemeClr val="tx1"/>
                     </a:solidFill>
                   </a:rPr>
                   <a:t>好是球表面积公式。</a:t>
@@ -12123,14 +12380,14 @@
                 <a:br>
                   <a:rPr lang="en-US" altLang="zh-CN" sz="1400" dirty="0">
                     <a:solidFill>
-                      <a:schemeClr val="bg2"/>
+                      <a:schemeClr val="tx1"/>
                     </a:solidFill>
                   </a:rPr>
                 </a:br>
                 <a:r>
                   <a:rPr lang="zh-CN" altLang="en-US" sz="1400" dirty="0">
                     <a:solidFill>
-                      <a:schemeClr val="bg2"/>
+                      <a:schemeClr val="tx1"/>
                     </a:solidFill>
                   </a:rPr>
                   <a:t>上了大学以后知道球体积其实就是一系列球壳 </a:t>
@@ -12142,7 +12399,7 @@
                         <m:ctrlPr>
                           <a:rPr lang="en-US" altLang="zh-CN" sz="1400" b="0" i="1" smtClean="0">
                             <a:solidFill>
-                              <a:schemeClr val="bg2"/>
+                              <a:schemeClr val="tx1"/>
                             </a:solidFill>
                             <a:latin typeface="Cambria Math" panose="02040503050406030204" pitchFamily="18" charset="0"/>
                           </a:rPr>
@@ -12152,7 +12409,7 @@
                         <m:r>
                           <a:rPr lang="en-US" altLang="zh-CN" sz="1400" b="0" i="1" smtClean="0">
                             <a:solidFill>
-                              <a:schemeClr val="bg2"/>
+                              <a:schemeClr val="tx1"/>
                             </a:solidFill>
                             <a:latin typeface="Cambria Math" panose="02040503050406030204" pitchFamily="18" charset="0"/>
                           </a:rPr>
@@ -12163,7 +12420,7 @@
                         <m:r>
                           <a:rPr lang="en-US" altLang="zh-CN" sz="1400" b="0" i="1" smtClean="0">
                             <a:solidFill>
-                              <a:schemeClr val="bg2"/>
+                              <a:schemeClr val="tx1"/>
                             </a:solidFill>
                             <a:latin typeface="Cambria Math" panose="02040503050406030204" pitchFamily="18" charset="0"/>
                           </a:rPr>
@@ -12174,7 +12431,7 @@
                     <m:r>
                       <a:rPr lang="en-US" altLang="zh-CN" sz="1400" b="0" i="1" smtClean="0">
                         <a:solidFill>
-                          <a:schemeClr val="bg2"/>
+                          <a:schemeClr val="tx1"/>
                         </a:solidFill>
                         <a:latin typeface="Cambria Math" panose="02040503050406030204" pitchFamily="18" charset="0"/>
                       </a:rPr>
@@ -12185,7 +12442,7 @@
                         <m:ctrlPr>
                           <a:rPr lang="en-US" altLang="zh-CN" sz="1400" b="0" i="1" smtClean="0">
                             <a:solidFill>
-                              <a:schemeClr val="bg2"/>
+                              <a:schemeClr val="tx1"/>
                             </a:solidFill>
                             <a:latin typeface="Cambria Math" panose="02040503050406030204" pitchFamily="18" charset="0"/>
                           </a:rPr>
@@ -12195,7 +12452,7 @@
                         <m:r>
                           <a:rPr lang="en-US" altLang="zh-CN" sz="1400" b="0" i="1" smtClean="0">
                             <a:solidFill>
-                              <a:schemeClr val="bg2"/>
+                              <a:schemeClr val="tx1"/>
                             </a:solidFill>
                             <a:latin typeface="Cambria Math" panose="02040503050406030204" pitchFamily="18" charset="0"/>
                           </a:rPr>
@@ -12206,7 +12463,7 @@
                         <m:r>
                           <a:rPr lang="en-US" altLang="zh-CN" sz="1400" b="0" i="1" smtClean="0">
                             <a:solidFill>
-                              <a:schemeClr val="bg2"/>
+                              <a:schemeClr val="tx1"/>
                             </a:solidFill>
                             <a:latin typeface="Cambria Math" panose="02040503050406030204" pitchFamily="18" charset="0"/>
                           </a:rPr>
@@ -12217,7 +12474,7 @@
                     <m:r>
                       <a:rPr lang="en-US" altLang="zh-CN" sz="1400" b="0" i="1" smtClean="0">
                         <a:solidFill>
-                          <a:schemeClr val="bg2"/>
+                          <a:schemeClr val="tx1"/>
                         </a:solidFill>
                         <a:latin typeface="Cambria Math" panose="02040503050406030204" pitchFamily="18" charset="0"/>
                       </a:rPr>
@@ -12228,7 +12485,7 @@
                         <m:ctrlPr>
                           <a:rPr lang="en-US" altLang="zh-CN" sz="1400" b="0" i="1" smtClean="0">
                             <a:solidFill>
-                              <a:schemeClr val="bg2"/>
+                              <a:schemeClr val="tx1"/>
                             </a:solidFill>
                             <a:latin typeface="Cambria Math" panose="02040503050406030204" pitchFamily="18" charset="0"/>
                           </a:rPr>
@@ -12238,7 +12495,7 @@
                         <m:r>
                           <a:rPr lang="en-US" altLang="zh-CN" sz="1400" b="0" i="1" smtClean="0">
                             <a:solidFill>
-                              <a:schemeClr val="bg2"/>
+                              <a:schemeClr val="tx1"/>
                             </a:solidFill>
                             <a:latin typeface="Cambria Math" panose="02040503050406030204" pitchFamily="18" charset="0"/>
                           </a:rPr>
@@ -12249,7 +12506,7 @@
                         <m:r>
                           <a:rPr lang="en-US" altLang="zh-CN" sz="1400" b="0" i="1" smtClean="0">
                             <a:solidFill>
-                              <a:schemeClr val="bg2"/>
+                              <a:schemeClr val="tx1"/>
                             </a:solidFill>
                             <a:latin typeface="Cambria Math" panose="02040503050406030204" pitchFamily="18" charset="0"/>
                           </a:rPr>
@@ -12260,7 +12517,7 @@
                     <m:r>
                       <a:rPr lang="en-US" altLang="zh-CN" sz="1400" b="0" i="1" smtClean="0">
                         <a:solidFill>
-                          <a:schemeClr val="bg2"/>
+                          <a:schemeClr val="tx1"/>
                         </a:solidFill>
                         <a:latin typeface="Cambria Math" panose="02040503050406030204" pitchFamily="18" charset="0"/>
                       </a:rPr>
@@ -12271,7 +12528,7 @@
                         <m:ctrlPr>
                           <a:rPr lang="en-US" altLang="zh-CN" sz="1400" b="0" i="1" smtClean="0">
                             <a:solidFill>
-                              <a:schemeClr val="bg2"/>
+                              <a:schemeClr val="tx1"/>
                             </a:solidFill>
                             <a:latin typeface="Cambria Math" panose="02040503050406030204" pitchFamily="18" charset="0"/>
                           </a:rPr>
@@ -12281,7 +12538,7 @@
                         <m:r>
                           <a:rPr lang="en-US" altLang="zh-CN" sz="1400" b="0" i="1" smtClean="0">
                             <a:solidFill>
-                              <a:schemeClr val="bg2"/>
+                              <a:schemeClr val="tx1"/>
                             </a:solidFill>
                             <a:latin typeface="Cambria Math" panose="02040503050406030204" pitchFamily="18" charset="0"/>
                           </a:rPr>
@@ -12292,7 +12549,7 @@
                         <m:r>
                           <a:rPr lang="en-US" altLang="zh-CN" sz="1400" b="0" i="1" smtClean="0">
                             <a:solidFill>
-                              <a:schemeClr val="bg2"/>
+                              <a:schemeClr val="tx1"/>
                             </a:solidFill>
                             <a:latin typeface="Cambria Math" panose="02040503050406030204" pitchFamily="18" charset="0"/>
                           </a:rPr>
@@ -12303,7 +12560,7 @@
                     <m:r>
                       <a:rPr lang="en-US" altLang="zh-CN" sz="1400" b="0" i="1" smtClean="0">
                         <a:solidFill>
-                          <a:schemeClr val="bg2"/>
+                          <a:schemeClr val="tx1"/>
                         </a:solidFill>
                         <a:latin typeface="Cambria Math" panose="02040503050406030204" pitchFamily="18" charset="0"/>
                       </a:rPr>
@@ -12314,7 +12571,7 @@
                         <m:ctrlPr>
                           <a:rPr lang="en-US" altLang="zh-CN" sz="1400" b="0" i="1" smtClean="0">
                             <a:solidFill>
-                              <a:schemeClr val="bg2"/>
+                              <a:schemeClr val="tx1"/>
                             </a:solidFill>
                             <a:latin typeface="Cambria Math" panose="02040503050406030204" pitchFamily="18" charset="0"/>
                           </a:rPr>
@@ -12324,7 +12581,7 @@
                         <m:r>
                           <a:rPr lang="en-US" altLang="zh-CN" sz="1400" b="0" i="1" smtClean="0">
                             <a:solidFill>
-                              <a:schemeClr val="bg2"/>
+                              <a:schemeClr val="tx1"/>
                             </a:solidFill>
                             <a:latin typeface="Cambria Math" panose="02040503050406030204" pitchFamily="18" charset="0"/>
                           </a:rPr>
@@ -12333,7 +12590,7 @@
                         <m:r>
                           <a:rPr lang="en-US" altLang="zh-CN" sz="1400" b="0" i="1" smtClean="0">
                             <a:solidFill>
-                              <a:schemeClr val="bg2"/>
+                              <a:schemeClr val="tx1"/>
                             </a:solidFill>
                             <a:latin typeface="Cambria Math" panose="02040503050406030204" pitchFamily="18" charset="0"/>
                           </a:rPr>
@@ -12342,7 +12599,7 @@
                         <m:r>
                           <a:rPr lang="en-US" altLang="zh-CN" sz="1400" b="0" i="1" smtClean="0">
                             <a:solidFill>
-                              <a:schemeClr val="bg2"/>
+                              <a:schemeClr val="tx1"/>
                             </a:solidFill>
                             <a:latin typeface="Cambria Math" panose="02040503050406030204" pitchFamily="18" charset="0"/>
                           </a:rPr>
@@ -12351,7 +12608,7 @@
                         <m:r>
                           <a:rPr lang="en-US" altLang="zh-CN" sz="1400" b="0" i="1" smtClean="0">
                             <a:solidFill>
-                              <a:schemeClr val="bg2"/>
+                              <a:schemeClr val="tx1"/>
                             </a:solidFill>
                             <a:latin typeface="Cambria Math" panose="02040503050406030204" pitchFamily="18" charset="0"/>
                           </a:rPr>
@@ -12362,7 +12619,7 @@
                     <m:r>
                       <a:rPr lang="en-US" altLang="zh-CN" sz="1400" b="0" i="1" smtClean="0">
                         <a:solidFill>
-                          <a:schemeClr val="bg2"/>
+                          <a:schemeClr val="tx1"/>
                         </a:solidFill>
                         <a:latin typeface="Cambria Math" panose="02040503050406030204" pitchFamily="18" charset="0"/>
                       </a:rPr>
@@ -12371,7 +12628,7 @@
                     <m:r>
                       <a:rPr lang="zh-CN" altLang="en-US" sz="1400" i="1">
                         <a:solidFill>
-                          <a:schemeClr val="bg2"/>
+                          <a:schemeClr val="tx1"/>
                         </a:solidFill>
                         <a:latin typeface="Cambria Math" panose="02040503050406030204" pitchFamily="18" charset="0"/>
                       </a:rPr>
@@ -12382,7 +12639,7 @@
                 <a:r>
                   <a:rPr lang="zh-CN" altLang="en-US" sz="1400" dirty="0">
                     <a:solidFill>
-                      <a:schemeClr val="bg2"/>
+                      <a:schemeClr val="tx1"/>
                     </a:solidFill>
                   </a:rPr>
                   <a:t>表面积在 </a:t>
@@ -12392,7 +12649,7 @@
                     <m:r>
                       <a:rPr lang="en-US" altLang="zh-CN" sz="1400" b="0" i="1" smtClean="0">
                         <a:solidFill>
-                          <a:schemeClr val="bg2"/>
+                          <a:schemeClr val="tx1"/>
                         </a:solidFill>
                         <a:latin typeface="Cambria Math" panose="02040503050406030204" pitchFamily="18" charset="0"/>
                       </a:rPr>
@@ -12401,7 +12658,7 @@
                     <m:r>
                       <a:rPr lang="en-US" altLang="zh-CN" sz="1400" b="0" i="1" smtClean="0">
                         <a:solidFill>
-                          <a:schemeClr val="bg2"/>
+                          <a:schemeClr val="tx1"/>
                         </a:solidFill>
                         <a:latin typeface="Cambria Math" panose="02040503050406030204" pitchFamily="18" charset="0"/>
                       </a:rPr>
@@ -12410,7 +12667,7 @@
                     <m:r>
                       <a:rPr lang="en-US" altLang="zh-CN" sz="1400" b="0" i="1" smtClean="0">
                         <a:solidFill>
-                          <a:schemeClr val="bg2"/>
+                          <a:schemeClr val="tx1"/>
                         </a:solidFill>
                         <a:latin typeface="Cambria Math" panose="02040503050406030204" pitchFamily="18" charset="0"/>
                       </a:rPr>
@@ -12421,7 +12678,7 @@
                 <a:r>
                   <a:rPr lang="zh-CN" altLang="en-US" sz="1400" dirty="0">
                     <a:solidFill>
-                      <a:schemeClr val="bg2"/>
+                      <a:schemeClr val="tx1"/>
                     </a:solidFill>
                   </a:rPr>
                   <a:t> 上的积分，记为 </a:t>
@@ -12431,7 +12688,7 @@
                     <m:r>
                       <a:rPr lang="en-US" altLang="zh-CN" sz="1400" b="0" i="1" smtClean="0">
                         <a:solidFill>
-                          <a:schemeClr val="bg2"/>
+                          <a:schemeClr val="tx1"/>
                         </a:solidFill>
                         <a:latin typeface="Cambria Math" panose="02040503050406030204" pitchFamily="18" charset="0"/>
                       </a:rPr>
@@ -12442,14 +12699,14 @@
                 <a:r>
                   <a:rPr lang="zh-CN" altLang="en-US" sz="1400" dirty="0">
                     <a:solidFill>
-                      <a:schemeClr val="bg2"/>
+                      <a:schemeClr val="tx1"/>
                     </a:solidFill>
                   </a:rPr>
                   <a:t>。那么问题来了。</a:t>
                 </a:r>
                 <a:endParaRPr lang="en-US" altLang="zh-CN" sz="1400" dirty="0">
                   <a:solidFill>
-                    <a:schemeClr val="bg2"/>
+                    <a:schemeClr val="tx1"/>
                   </a:solidFill>
                 </a:endParaRPr>
               </a:p>
@@ -12458,17 +12715,17 @@
                 <a:r>
                   <a:rPr lang="zh-CN" altLang="en-US" sz="1400" dirty="0">
                     <a:solidFill>
-                      <a:schemeClr val="bg2"/>
+                      <a:schemeClr val="tx1"/>
                     </a:solidFill>
                   </a:rPr>
-                  <a:t>如果把球像切菜一样直上直下的切片，每一片在平面 </a:t>
+                  <a:t>如果把球像切萝卜一样直上直下的切片，每一片在平面 </a:t>
                 </a:r>
                 <a14:m>
                   <m:oMath xmlns:m="http://schemas.openxmlformats.org/officeDocument/2006/math">
                     <m:r>
                       <a:rPr lang="en-US" altLang="zh-CN" sz="1400" b="0" i="1" smtClean="0">
                         <a:solidFill>
-                          <a:schemeClr val="bg2"/>
+                          <a:schemeClr val="tx1"/>
                         </a:solidFill>
                         <a:latin typeface="Cambria Math" panose="02040503050406030204" pitchFamily="18" charset="0"/>
                       </a:rPr>
@@ -12477,7 +12734,7 @@
                     <m:r>
                       <a:rPr lang="en-US" altLang="zh-CN" sz="1400" b="0" i="1" smtClean="0">
                         <a:solidFill>
-                          <a:schemeClr val="bg2"/>
+                          <a:schemeClr val="tx1"/>
                         </a:solidFill>
                         <a:latin typeface="Cambria Math" panose="02040503050406030204" pitchFamily="18" charset="0"/>
                       </a:rPr>
@@ -12486,7 +12743,7 @@
                     <m:r>
                       <a:rPr lang="en-US" altLang="zh-CN" sz="1400" b="0" i="1" smtClean="0">
                         <a:solidFill>
-                          <a:schemeClr val="bg2"/>
+                          <a:schemeClr val="tx1"/>
                         </a:solidFill>
                         <a:latin typeface="Cambria Math" panose="02040503050406030204" pitchFamily="18" charset="0"/>
                       </a:rPr>
@@ -12495,7 +12752,7 @@
                     <m:r>
                       <a:rPr lang="en-US" altLang="zh-CN" sz="1400" b="0" i="1" smtClean="0">
                         <a:solidFill>
-                          <a:schemeClr val="bg2"/>
+                          <a:schemeClr val="tx1"/>
                         </a:solidFill>
                         <a:latin typeface="Cambria Math" panose="02040503050406030204" pitchFamily="18" charset="0"/>
                       </a:rPr>
@@ -12506,7 +12763,7 @@
                 <a:r>
                   <a:rPr lang="zh-CN" altLang="en-US" sz="1400" dirty="0">
                     <a:solidFill>
-                      <a:schemeClr val="bg2"/>
+                      <a:schemeClr val="tx1"/>
                     </a:solidFill>
                   </a:rPr>
                   <a:t>上，方程为 </a:t>
@@ -12518,7 +12775,7 @@
                         <m:ctrlPr>
                           <a:rPr lang="en-US" altLang="zh-CN" sz="1400" b="0" i="1" smtClean="0">
                             <a:solidFill>
-                              <a:schemeClr val="bg2"/>
+                              <a:schemeClr val="tx1"/>
                             </a:solidFill>
                             <a:latin typeface="Cambria Math" panose="02040503050406030204" pitchFamily="18" charset="0"/>
                           </a:rPr>
@@ -12528,7 +12785,7 @@
                         <m:r>
                           <a:rPr lang="en-US" altLang="zh-CN" sz="1400" b="0" i="1" smtClean="0">
                             <a:solidFill>
-                              <a:schemeClr val="bg2"/>
+                              <a:schemeClr val="tx1"/>
                             </a:solidFill>
                             <a:latin typeface="Cambria Math" panose="02040503050406030204" pitchFamily="18" charset="0"/>
                           </a:rPr>
@@ -12539,7 +12796,7 @@
                         <m:r>
                           <a:rPr lang="en-US" altLang="zh-CN" sz="1400" b="0" i="1" smtClean="0">
                             <a:solidFill>
-                              <a:schemeClr val="bg2"/>
+                              <a:schemeClr val="tx1"/>
                             </a:solidFill>
                             <a:latin typeface="Cambria Math" panose="02040503050406030204" pitchFamily="18" charset="0"/>
                           </a:rPr>
@@ -12550,7 +12807,7 @@
                     <m:r>
                       <a:rPr lang="en-US" altLang="zh-CN" sz="1400" b="0" i="1" smtClean="0">
                         <a:solidFill>
-                          <a:schemeClr val="bg2"/>
+                          <a:schemeClr val="tx1"/>
                         </a:solidFill>
                         <a:latin typeface="Cambria Math" panose="02040503050406030204" pitchFamily="18" charset="0"/>
                       </a:rPr>
@@ -12561,7 +12818,7 @@
                         <m:ctrlPr>
                           <a:rPr lang="en-US" altLang="zh-CN" sz="1400" b="0" i="1" smtClean="0">
                             <a:solidFill>
-                              <a:schemeClr val="bg2"/>
+                              <a:schemeClr val="tx1"/>
                             </a:solidFill>
                             <a:latin typeface="Cambria Math" panose="02040503050406030204" pitchFamily="18" charset="0"/>
                           </a:rPr>
@@ -12571,7 +12828,7 @@
                         <m:r>
                           <a:rPr lang="en-US" altLang="zh-CN" sz="1400" b="0" i="1" smtClean="0">
                             <a:solidFill>
-                              <a:schemeClr val="bg2"/>
+                              <a:schemeClr val="tx1"/>
                             </a:solidFill>
                             <a:latin typeface="Cambria Math" panose="02040503050406030204" pitchFamily="18" charset="0"/>
                           </a:rPr>
@@ -12582,7 +12839,7 @@
                         <m:r>
                           <a:rPr lang="en-US" altLang="zh-CN" sz="1400" b="0" i="1" smtClean="0">
                             <a:solidFill>
-                              <a:schemeClr val="bg2"/>
+                              <a:schemeClr val="tx1"/>
                             </a:solidFill>
                             <a:latin typeface="Cambria Math" panose="02040503050406030204" pitchFamily="18" charset="0"/>
                           </a:rPr>
@@ -12593,7 +12850,7 @@
                     <m:r>
                       <a:rPr lang="en-US" altLang="zh-CN" sz="1400" b="0" i="1" smtClean="0">
                         <a:solidFill>
-                          <a:schemeClr val="bg2"/>
+                          <a:schemeClr val="tx1"/>
                         </a:solidFill>
                         <a:latin typeface="Cambria Math" panose="02040503050406030204" pitchFamily="18" charset="0"/>
                       </a:rPr>
@@ -12604,7 +12861,7 @@
                         <m:ctrlPr>
                           <a:rPr lang="en-US" altLang="zh-CN" sz="1400" b="0" i="1" smtClean="0">
                             <a:solidFill>
-                              <a:schemeClr val="bg2"/>
+                              <a:schemeClr val="tx1"/>
                             </a:solidFill>
                             <a:latin typeface="Cambria Math" panose="02040503050406030204" pitchFamily="18" charset="0"/>
                           </a:rPr>
@@ -12614,7 +12871,7 @@
                         <m:r>
                           <a:rPr lang="en-US" altLang="zh-CN" sz="1400" b="0" i="1" smtClean="0">
                             <a:solidFill>
-                              <a:schemeClr val="bg2"/>
+                              <a:schemeClr val="tx1"/>
                             </a:solidFill>
                             <a:latin typeface="Cambria Math" panose="02040503050406030204" pitchFamily="18" charset="0"/>
                           </a:rPr>
@@ -12625,7 +12882,7 @@
                         <m:r>
                           <a:rPr lang="en-US" altLang="zh-CN" sz="1400" b="0" i="1" smtClean="0">
                             <a:solidFill>
-                              <a:schemeClr val="bg2"/>
+                              <a:schemeClr val="tx1"/>
                             </a:solidFill>
                             <a:latin typeface="Cambria Math" panose="02040503050406030204" pitchFamily="18" charset="0"/>
                           </a:rPr>
@@ -12636,7 +12893,7 @@
                     <m:r>
                       <a:rPr lang="en-US" altLang="zh-CN" sz="1400" b="0" i="1" smtClean="0">
                         <a:solidFill>
-                          <a:schemeClr val="bg2"/>
+                          <a:schemeClr val="tx1"/>
                         </a:solidFill>
                         <a:latin typeface="Cambria Math" panose="02040503050406030204" pitchFamily="18" charset="0"/>
                       </a:rPr>
@@ -12647,7 +12904,7 @@
                         <m:ctrlPr>
                           <a:rPr lang="en-US" altLang="zh-CN" sz="1400" b="0" i="1" smtClean="0">
                             <a:solidFill>
-                              <a:schemeClr val="bg2"/>
+                              <a:schemeClr val="tx1"/>
                             </a:solidFill>
                             <a:latin typeface="Cambria Math" panose="02040503050406030204" pitchFamily="18" charset="0"/>
                           </a:rPr>
@@ -12657,7 +12914,7 @@
                         <m:r>
                           <a:rPr lang="en-US" altLang="zh-CN" sz="1400" b="0" i="1" smtClean="0">
                             <a:solidFill>
-                              <a:schemeClr val="bg2"/>
+                              <a:schemeClr val="tx1"/>
                             </a:solidFill>
                             <a:latin typeface="Cambria Math" panose="02040503050406030204" pitchFamily="18" charset="0"/>
                           </a:rPr>
@@ -12668,7 +12925,7 @@
                         <m:r>
                           <a:rPr lang="en-US" altLang="zh-CN" sz="1400" b="0" i="1" smtClean="0">
                             <a:solidFill>
-                              <a:schemeClr val="bg2"/>
+                              <a:schemeClr val="tx1"/>
                             </a:solidFill>
                             <a:latin typeface="Cambria Math" panose="02040503050406030204" pitchFamily="18" charset="0"/>
                           </a:rPr>
@@ -12679,7 +12936,7 @@
                     <m:r>
                       <a:rPr lang="en-US" altLang="zh-CN" sz="1400" b="0" i="1" smtClean="0">
                         <a:solidFill>
-                          <a:schemeClr val="bg2"/>
+                          <a:schemeClr val="tx1"/>
                         </a:solidFill>
                         <a:latin typeface="Cambria Math" panose="02040503050406030204" pitchFamily="18" charset="0"/>
                       </a:rPr>
@@ -12690,7 +12947,7 @@
                         <m:ctrlPr>
                           <a:rPr lang="en-US" altLang="zh-CN" sz="1400" b="0" i="1" smtClean="0">
                             <a:solidFill>
-                              <a:schemeClr val="bg2"/>
+                              <a:schemeClr val="tx1"/>
                             </a:solidFill>
                             <a:latin typeface="Cambria Math" panose="02040503050406030204" pitchFamily="18" charset="0"/>
                           </a:rPr>
@@ -12700,7 +12957,7 @@
                         <m:r>
                           <a:rPr lang="en-US" altLang="zh-CN" sz="1400" b="0" i="1" smtClean="0">
                             <a:solidFill>
-                              <a:schemeClr val="bg2"/>
+                              <a:schemeClr val="tx1"/>
                             </a:solidFill>
                             <a:latin typeface="Cambria Math" panose="02040503050406030204" pitchFamily="18" charset="0"/>
                           </a:rPr>
@@ -12709,7 +12966,7 @@
                         <m:r>
                           <a:rPr lang="en-US" altLang="zh-CN" sz="1400" b="0" i="1" smtClean="0">
                             <a:solidFill>
-                              <a:schemeClr val="bg2"/>
+                              <a:schemeClr val="tx1"/>
                             </a:solidFill>
                             <a:latin typeface="Cambria Math" panose="02040503050406030204" pitchFamily="18" charset="0"/>
                           </a:rPr>
@@ -12718,7 +12975,7 @@
                         <m:r>
                           <a:rPr lang="en-US" altLang="zh-CN" sz="1400" b="0" i="1" smtClean="0">
                             <a:solidFill>
-                              <a:schemeClr val="bg2"/>
+                              <a:schemeClr val="tx1"/>
                             </a:solidFill>
                             <a:latin typeface="Cambria Math" panose="02040503050406030204" pitchFamily="18" charset="0"/>
                           </a:rPr>
@@ -12727,7 +12984,7 @@
                         <m:r>
                           <a:rPr lang="en-US" altLang="zh-CN" sz="1400" b="0" i="1" smtClean="0">
                             <a:solidFill>
-                              <a:schemeClr val="bg2"/>
+                              <a:schemeClr val="tx1"/>
                             </a:solidFill>
                             <a:latin typeface="Cambria Math" panose="02040503050406030204" pitchFamily="18" charset="0"/>
                           </a:rPr>
@@ -12736,7 +12993,7 @@
                         <m:r>
                           <a:rPr lang="en-US" altLang="zh-CN" sz="1400" b="0" i="1" smtClean="0">
                             <a:solidFill>
-                              <a:schemeClr val="bg2"/>
+                              <a:schemeClr val="tx1"/>
                             </a:solidFill>
                             <a:latin typeface="Cambria Math" panose="02040503050406030204" pitchFamily="18" charset="0"/>
                           </a:rPr>
@@ -12745,7 +13002,7 @@
                         <m:r>
                           <a:rPr lang="en-US" altLang="zh-CN" sz="1400" b="0" i="1" smtClean="0">
                             <a:solidFill>
-                              <a:schemeClr val="bg2"/>
+                              <a:schemeClr val="tx1"/>
                             </a:solidFill>
                             <a:latin typeface="Cambria Math" panose="02040503050406030204" pitchFamily="18" charset="0"/>
                           </a:rPr>
@@ -12758,7 +13015,7 @@
                 <a:r>
                   <a:rPr lang="zh-CN" altLang="en-US" sz="1400" dirty="0">
                     <a:solidFill>
-                      <a:schemeClr val="bg2"/>
+                      <a:schemeClr val="tx1"/>
                     </a:solidFill>
                   </a:rPr>
                   <a:t>  记为 </a:t>
@@ -12768,7 +13025,7 @@
                     <m:r>
                       <a:rPr lang="en-US" altLang="zh-CN" sz="1400" b="0" i="1" smtClean="0">
                         <a:solidFill>
-                          <a:schemeClr val="bg2"/>
+                          <a:schemeClr val="tx1"/>
                         </a:solidFill>
                         <a:latin typeface="Cambria Math" panose="02040503050406030204" pitchFamily="18" charset="0"/>
                       </a:rPr>
@@ -12777,7 +13034,7 @@
                     <m:r>
                       <a:rPr lang="en-US" altLang="zh-CN" sz="1400" b="0" i="1" smtClean="0">
                         <a:solidFill>
-                          <a:schemeClr val="bg2"/>
+                          <a:schemeClr val="tx1"/>
                         </a:solidFill>
                         <a:latin typeface="Cambria Math" panose="02040503050406030204" pitchFamily="18" charset="0"/>
                       </a:rPr>
@@ -12786,7 +13043,7 @@
                     <m:r>
                       <a:rPr lang="en-US" altLang="zh-CN" sz="1400" b="0" i="1" smtClean="0">
                         <a:solidFill>
-                          <a:schemeClr val="bg2"/>
+                          <a:schemeClr val="tx1"/>
                         </a:solidFill>
                         <a:latin typeface="Cambria Math" panose="02040503050406030204" pitchFamily="18" charset="0"/>
                       </a:rPr>
@@ -12795,7 +13052,7 @@
                     <m:r>
                       <a:rPr lang="en-US" altLang="zh-CN" sz="1400" b="0" i="1" smtClean="0">
                         <a:solidFill>
-                          <a:schemeClr val="bg2"/>
+                          <a:schemeClr val="tx1"/>
                         </a:solidFill>
                         <a:latin typeface="Cambria Math" panose="02040503050406030204" pitchFamily="18" charset="0"/>
                       </a:rPr>
@@ -12806,7 +13063,7 @@
                 <a:r>
                   <a:rPr lang="zh-CN" altLang="en-US" sz="1400" dirty="0">
                     <a:solidFill>
-                      <a:schemeClr val="bg2"/>
+                      <a:schemeClr val="tx1"/>
                     </a:solidFill>
                   </a:rPr>
                   <a:t>，就会得到另一个体积公式</a:t>
@@ -12816,7 +13073,7 @@
                     <m:r>
                       <a:rPr lang="en-US" altLang="zh-CN" sz="1400" b="0" i="0" smtClean="0">
                         <a:solidFill>
-                          <a:schemeClr val="bg2"/>
+                          <a:schemeClr val="tx1"/>
                         </a:solidFill>
                         <a:latin typeface="Cambria Math" panose="02040503050406030204" pitchFamily="18" charset="0"/>
                       </a:rPr>
@@ -12827,7 +13084,7 @@
                         <m:ctrlPr>
                           <a:rPr lang="en-US" altLang="zh-CN" sz="1400" b="0" i="1" smtClean="0">
                             <a:solidFill>
-                              <a:schemeClr val="bg2"/>
+                              <a:schemeClr val="tx1"/>
                             </a:solidFill>
                             <a:latin typeface="Cambria Math" panose="02040503050406030204" pitchFamily="18" charset="0"/>
                           </a:rPr>
@@ -12840,7 +13097,7 @@
                           </m:rPr>
                           <a:rPr lang="en-US" altLang="zh-CN" sz="1400" b="0" i="0" smtClean="0">
                             <a:solidFill>
-                              <a:schemeClr val="bg2"/>
+                              <a:schemeClr val="tx1"/>
                             </a:solidFill>
                             <a:latin typeface="Cambria Math" panose="02040503050406030204" pitchFamily="18" charset="0"/>
                           </a:rPr>
@@ -12851,7 +13108,7 @@
                         <m:r>
                           <a:rPr lang="en-US" altLang="zh-CN" sz="1400" b="0" i="1" smtClean="0">
                             <a:solidFill>
-                              <a:schemeClr val="bg2"/>
+                              <a:schemeClr val="tx1"/>
                             </a:solidFill>
                             <a:latin typeface="Cambria Math" panose="02040503050406030204" pitchFamily="18" charset="0"/>
                           </a:rPr>
@@ -12862,7 +13119,7 @@
                     <m:r>
                       <a:rPr lang="en-US" altLang="zh-CN" sz="1400" b="0" i="1" smtClean="0">
                         <a:solidFill>
-                          <a:schemeClr val="bg2"/>
+                          <a:schemeClr val="tx1"/>
                         </a:solidFill>
                         <a:latin typeface="Cambria Math" panose="02040503050406030204" pitchFamily="18" charset="0"/>
                       </a:rPr>
@@ -12873,7 +13130,7 @@
                         <m:ctrlPr>
                           <a:rPr lang="zh-CN" altLang="en-US" sz="1400" i="1" smtClean="0">
                             <a:solidFill>
-                              <a:schemeClr val="bg2"/>
+                              <a:schemeClr val="tx1"/>
                             </a:solidFill>
                             <a:latin typeface="Cambria Math" panose="02040503050406030204" pitchFamily="18" charset="0"/>
                           </a:rPr>
@@ -12886,7 +13143,7 @@
                           </m:rPr>
                           <a:rPr lang="en-US" altLang="zh-CN" sz="1400" b="0" i="1" smtClean="0">
                             <a:solidFill>
-                              <a:schemeClr val="bg2"/>
+                              <a:schemeClr val="tx1"/>
                             </a:solidFill>
                             <a:latin typeface="Cambria Math" panose="02040503050406030204" pitchFamily="18" charset="0"/>
                           </a:rPr>
@@ -12895,7 +13152,7 @@
                         <m:r>
                           <a:rPr lang="en-US" altLang="zh-CN" sz="1400" b="0" i="1" smtClean="0">
                             <a:solidFill>
-                              <a:schemeClr val="bg2"/>
+                              <a:schemeClr val="tx1"/>
                             </a:solidFill>
                             <a:latin typeface="Cambria Math" panose="02040503050406030204" pitchFamily="18" charset="0"/>
                           </a:rPr>
@@ -12906,7 +13163,7 @@
                         <m:r>
                           <a:rPr lang="en-US" altLang="zh-CN" sz="1400" b="0" i="1" smtClean="0">
                             <a:solidFill>
-                              <a:schemeClr val="bg2"/>
+                              <a:schemeClr val="tx1"/>
                             </a:solidFill>
                             <a:latin typeface="Cambria Math" panose="02040503050406030204" pitchFamily="18" charset="0"/>
                           </a:rPr>
@@ -12920,7 +13177,7 @@
                             <m:ctrlPr>
                               <a:rPr lang="en-US" altLang="zh-CN" sz="1400" i="1" smtClean="0">
                                 <a:solidFill>
-                                  <a:schemeClr val="bg2"/>
+                                  <a:schemeClr val="tx1"/>
                                 </a:solidFill>
                                 <a:latin typeface="Cambria Math" panose="02040503050406030204" pitchFamily="18" charset="0"/>
                               </a:rPr>
@@ -12933,7 +13190,7 @@
                               </m:rPr>
                               <a:rPr lang="en-US" altLang="zh-CN" sz="1400" b="0" i="1" smtClean="0">
                                 <a:solidFill>
-                                  <a:schemeClr val="bg2"/>
+                                  <a:schemeClr val="tx1"/>
                                 </a:solidFill>
                                 <a:latin typeface="Cambria Math" panose="02040503050406030204" pitchFamily="18" charset="0"/>
                               </a:rPr>
@@ -12942,7 +13199,7 @@
                             <m:r>
                               <a:rPr lang="en-US" altLang="zh-CN" sz="1400" b="0" i="1" smtClean="0">
                                 <a:solidFill>
-                                  <a:schemeClr val="bg2"/>
+                                  <a:schemeClr val="tx1"/>
                                 </a:solidFill>
                                 <a:latin typeface="Cambria Math" panose="02040503050406030204" pitchFamily="18" charset="0"/>
                               </a:rPr>
@@ -12951,7 +13208,7 @@
                             <m:r>
                               <a:rPr lang="en-US" altLang="zh-CN" sz="1400" b="0" i="1" smtClean="0">
                                 <a:solidFill>
-                                  <a:schemeClr val="bg2"/>
+                                  <a:schemeClr val="tx1"/>
                                 </a:solidFill>
                                 <a:latin typeface="Cambria Math" panose="02040503050406030204" pitchFamily="18" charset="0"/>
                               </a:rPr>
@@ -12960,7 +13217,7 @@
                             <m:r>
                               <a:rPr lang="en-US" altLang="zh-CN" sz="1400" b="0" i="1" smtClean="0">
                                 <a:solidFill>
-                                  <a:schemeClr val="bg2"/>
+                                  <a:schemeClr val="tx1"/>
                                 </a:solidFill>
                                 <a:latin typeface="Cambria Math" panose="02040503050406030204" pitchFamily="18" charset="0"/>
                               </a:rPr>
@@ -12972,7 +13229,7 @@
                             <m:r>
                               <a:rPr lang="en-US" altLang="zh-CN" sz="1400" b="0" i="1" smtClean="0">
                                 <a:solidFill>
-                                  <a:schemeClr val="bg2"/>
+                                  <a:schemeClr val="tx1"/>
                                 </a:solidFill>
                                 <a:latin typeface="Cambria Math" panose="02040503050406030204" pitchFamily="18" charset="0"/>
                               </a:rPr>
@@ -12987,7 +13244,7 @@
                 <a:r>
                   <a:rPr lang="zh-CN" altLang="en-US" sz="1400" dirty="0">
                     <a:solidFill>
-                      <a:schemeClr val="bg2"/>
+                      <a:schemeClr val="tx1"/>
                     </a:solidFill>
                   </a:rPr>
                   <a:t> ，那么是否有 </a:t>
@@ -12997,7 +13254,7 @@
                     <m:r>
                       <a:rPr lang="en-US" altLang="zh-CN" sz="1400" b="0" i="1" smtClean="0">
                         <a:solidFill>
-                          <a:schemeClr val="bg2"/>
+                          <a:schemeClr val="tx1"/>
                         </a:solidFill>
                         <a:latin typeface="Cambria Math" panose="02040503050406030204" pitchFamily="18" charset="0"/>
                       </a:rPr>
@@ -13006,7 +13263,7 @@
                     <m:r>
                       <a:rPr lang="en-US" altLang="zh-CN" sz="1400" b="0" i="1" smtClean="0">
                         <a:solidFill>
-                          <a:schemeClr val="bg2"/>
+                          <a:schemeClr val="tx1"/>
                         </a:solidFill>
                         <a:latin typeface="Cambria Math" panose="02040503050406030204" pitchFamily="18" charset="0"/>
                       </a:rPr>
@@ -13017,7 +13274,7 @@
                         <m:ctrlPr>
                           <a:rPr lang="en-US" altLang="zh-CN" sz="1400" b="0" i="1" smtClean="0">
                             <a:solidFill>
-                              <a:schemeClr val="bg2"/>
+                              <a:schemeClr val="tx1"/>
                             </a:solidFill>
                             <a:latin typeface="Cambria Math" panose="02040503050406030204" pitchFamily="18" charset="0"/>
                           </a:rPr>
@@ -13027,7 +13284,7 @@
                         <m:r>
                           <a:rPr lang="en-US" altLang="zh-CN" sz="1400" b="0" i="1" smtClean="0">
                             <a:solidFill>
-                              <a:schemeClr val="bg2"/>
+                              <a:schemeClr val="tx1"/>
                             </a:solidFill>
                             <a:latin typeface="Cambria Math" panose="02040503050406030204" pitchFamily="18" charset="0"/>
                           </a:rPr>
@@ -13038,7 +13295,7 @@
                         <m:r>
                           <a:rPr lang="en-US" altLang="zh-CN" sz="1400" b="0" i="1" smtClean="0">
                             <a:solidFill>
-                              <a:schemeClr val="bg2"/>
+                              <a:schemeClr val="tx1"/>
                             </a:solidFill>
                             <a:latin typeface="Cambria Math" panose="02040503050406030204" pitchFamily="18" charset="0"/>
                           </a:rPr>
@@ -13051,14 +13308,14 @@
                 <a:r>
                   <a:rPr lang="zh-CN" altLang="en-US" sz="1400" dirty="0">
                     <a:solidFill>
-                      <a:schemeClr val="bg2"/>
+                      <a:schemeClr val="tx1"/>
                     </a:solidFill>
                   </a:rPr>
                   <a:t> ？为什么？</a:t>
                 </a:r>
                 <a:endParaRPr lang="en-US" altLang="zh-CN" sz="1400" dirty="0">
                   <a:solidFill>
-                    <a:schemeClr val="bg2"/>
+                    <a:schemeClr val="tx1"/>
                   </a:solidFill>
                 </a:endParaRPr>
               </a:p>
@@ -13067,7 +13324,7 @@
                 <a:r>
                   <a:rPr lang="zh-CN" altLang="en-US" sz="1400" dirty="0">
                     <a:solidFill>
-                      <a:schemeClr val="bg2"/>
+                      <a:schemeClr val="tx1"/>
                     </a:solidFill>
                   </a:rPr>
                   <a:t>进一步地，我们考虑一个以球形 </a:t>
@@ -13077,7 +13334,7 @@
                     <m:r>
                       <a:rPr lang="en-US" altLang="zh-CN" sz="1400" b="0" i="1" smtClean="0">
                         <a:solidFill>
-                          <a:schemeClr val="bg2"/>
+                          <a:schemeClr val="tx1"/>
                         </a:solidFill>
                         <a:latin typeface="Cambria Math" panose="02040503050406030204" pitchFamily="18" charset="0"/>
                       </a:rPr>
@@ -13088,7 +13345,7 @@
                 <a:r>
                   <a:rPr lang="zh-CN" altLang="en-US" sz="1400" dirty="0">
                     <a:solidFill>
-                      <a:schemeClr val="bg2"/>
+                      <a:schemeClr val="tx1"/>
                     </a:solidFill>
                   </a:rPr>
                   <a:t> 为形态的物体，它在每一点 </a:t>
@@ -13100,7 +13357,7 @@
                         <m:ctrlPr>
                           <a:rPr lang="en-US" altLang="zh-CN" sz="1400" b="0" i="1" smtClean="0">
                             <a:solidFill>
-                              <a:schemeClr val="bg2"/>
+                              <a:schemeClr val="tx1"/>
                             </a:solidFill>
                             <a:latin typeface="Cambria Math" panose="02040503050406030204" pitchFamily="18" charset="0"/>
                           </a:rPr>
@@ -13110,7 +13367,7 @@
                         <m:r>
                           <a:rPr lang="en-US" altLang="zh-CN" sz="1400" b="0" i="1" smtClean="0">
                             <a:solidFill>
-                              <a:schemeClr val="bg2"/>
+                              <a:schemeClr val="tx1"/>
                             </a:solidFill>
                             <a:latin typeface="Cambria Math" panose="02040503050406030204" pitchFamily="18" charset="0"/>
                           </a:rPr>
@@ -13119,7 +13376,7 @@
                         <m:r>
                           <a:rPr lang="en-US" altLang="zh-CN" sz="1400" b="0" i="1" smtClean="0">
                             <a:solidFill>
-                              <a:schemeClr val="bg2"/>
+                              <a:schemeClr val="tx1"/>
                             </a:solidFill>
                             <a:latin typeface="Cambria Math" panose="02040503050406030204" pitchFamily="18" charset="0"/>
                           </a:rPr>
@@ -13128,7 +13385,7 @@
                         <m:r>
                           <a:rPr lang="en-US" altLang="zh-CN" sz="1400" b="0" i="1" smtClean="0">
                             <a:solidFill>
-                              <a:schemeClr val="bg2"/>
+                              <a:schemeClr val="tx1"/>
                             </a:solidFill>
                             <a:latin typeface="Cambria Math" panose="02040503050406030204" pitchFamily="18" charset="0"/>
                           </a:rPr>
@@ -13137,7 +13394,7 @@
                         <m:r>
                           <a:rPr lang="en-US" altLang="zh-CN" sz="1400" b="0" i="1" smtClean="0">
                             <a:solidFill>
-                              <a:schemeClr val="bg2"/>
+                              <a:schemeClr val="tx1"/>
                             </a:solidFill>
                             <a:latin typeface="Cambria Math" panose="02040503050406030204" pitchFamily="18" charset="0"/>
                           </a:rPr>
@@ -13146,7 +13403,7 @@
                         <m:r>
                           <a:rPr lang="en-US" altLang="zh-CN" sz="1400" b="0" i="1" smtClean="0">
                             <a:solidFill>
-                              <a:schemeClr val="bg2"/>
+                              <a:schemeClr val="tx1"/>
                             </a:solidFill>
                             <a:latin typeface="Cambria Math" panose="02040503050406030204" pitchFamily="18" charset="0"/>
                           </a:rPr>
@@ -13159,7 +13416,7 @@
                 <a:r>
                   <a:rPr lang="zh-CN" altLang="en-US" sz="1400" dirty="0">
                     <a:solidFill>
-                      <a:schemeClr val="bg2"/>
+                      <a:schemeClr val="tx1"/>
                     </a:solidFill>
                   </a:rPr>
                   <a:t> 的密度为 </a:t>
@@ -13169,7 +13426,7 @@
                     <m:r>
                       <a:rPr lang="en-US" altLang="zh-CN" sz="1400" b="0" i="1" smtClean="0">
                         <a:solidFill>
-                          <a:schemeClr val="bg2"/>
+                          <a:schemeClr val="tx1"/>
                         </a:solidFill>
                         <a:latin typeface="Cambria Math" panose="02040503050406030204" pitchFamily="18" charset="0"/>
                       </a:rPr>
@@ -13178,7 +13435,7 @@
                     <m:r>
                       <a:rPr lang="en-US" altLang="zh-CN" sz="1400" b="0" i="1" smtClean="0">
                         <a:solidFill>
-                          <a:schemeClr val="bg2"/>
+                          <a:schemeClr val="tx1"/>
                         </a:solidFill>
                         <a:latin typeface="Cambria Math" panose="02040503050406030204" pitchFamily="18" charset="0"/>
                       </a:rPr>
@@ -13187,7 +13444,7 @@
                     <m:r>
                       <a:rPr lang="en-US" altLang="zh-CN" sz="1400" b="0" i="1" smtClean="0">
                         <a:solidFill>
-                          <a:schemeClr val="bg2"/>
+                          <a:schemeClr val="tx1"/>
                         </a:solidFill>
                         <a:latin typeface="Cambria Math" panose="02040503050406030204" pitchFamily="18" charset="0"/>
                       </a:rPr>
@@ -13196,7 +13453,7 @@
                     <m:r>
                       <a:rPr lang="en-US" altLang="zh-CN" sz="1400" b="0" i="1" smtClean="0">
                         <a:solidFill>
-                          <a:schemeClr val="bg2"/>
+                          <a:schemeClr val="tx1"/>
                         </a:solidFill>
                         <a:latin typeface="Cambria Math" panose="02040503050406030204" pitchFamily="18" charset="0"/>
                       </a:rPr>
@@ -13205,7 +13462,7 @@
                     <m:r>
                       <a:rPr lang="en-US" altLang="zh-CN" sz="1400" b="0" i="1" smtClean="0">
                         <a:solidFill>
-                          <a:schemeClr val="bg2"/>
+                          <a:schemeClr val="tx1"/>
                         </a:solidFill>
                         <a:latin typeface="Cambria Math" panose="02040503050406030204" pitchFamily="18" charset="0"/>
                       </a:rPr>
@@ -13214,7 +13471,7 @@
                     <m:r>
                       <a:rPr lang="en-US" altLang="zh-CN" sz="1400" b="0" i="1" smtClean="0">
                         <a:solidFill>
-                          <a:schemeClr val="bg2"/>
+                          <a:schemeClr val="tx1"/>
                         </a:solidFill>
                         <a:latin typeface="Cambria Math" panose="02040503050406030204" pitchFamily="18" charset="0"/>
                       </a:rPr>
@@ -13223,7 +13480,7 @@
                     <m:r>
                       <a:rPr lang="en-US" altLang="zh-CN" sz="1400" b="0" i="1" smtClean="0">
                         <a:solidFill>
-                          <a:schemeClr val="bg2"/>
+                          <a:schemeClr val="tx1"/>
                         </a:solidFill>
                         <a:latin typeface="Cambria Math" panose="02040503050406030204" pitchFamily="18" charset="0"/>
                       </a:rPr>
@@ -13232,7 +13489,7 @@
                     <m:r>
                       <a:rPr lang="en-US" altLang="zh-CN" sz="1400" b="0" i="1" smtClean="0">
                         <a:solidFill>
-                          <a:schemeClr val="bg2"/>
+                          <a:schemeClr val="tx1"/>
                         </a:solidFill>
                         <a:latin typeface="Cambria Math" panose="02040503050406030204" pitchFamily="18" charset="0"/>
                       </a:rPr>
@@ -13243,7 +13500,7 @@
                 <a:r>
                   <a:rPr lang="zh-CN" altLang="en-US" sz="1400" dirty="0">
                     <a:solidFill>
-                      <a:schemeClr val="bg2"/>
+                      <a:schemeClr val="tx1"/>
                     </a:solidFill>
                   </a:rPr>
                   <a:t> ，那么物体的质量应该为 </a:t>
@@ -13253,7 +13510,7 @@
                     <m:r>
                       <a:rPr lang="en-US" altLang="zh-CN" sz="1400" b="0" i="1" dirty="0" smtClean="0">
                         <a:solidFill>
-                          <a:schemeClr val="bg2"/>
+                          <a:schemeClr val="tx1"/>
                         </a:solidFill>
                         <a:latin typeface="Cambria Math" panose="02040503050406030204" pitchFamily="18" charset="0"/>
                       </a:rPr>
@@ -13262,7 +13519,7 @@
                     <m:r>
                       <a:rPr lang="en-US" altLang="zh-CN" sz="1400" b="0" i="1" dirty="0" smtClean="0">
                         <a:solidFill>
-                          <a:schemeClr val="bg2"/>
+                          <a:schemeClr val="tx1"/>
                         </a:solidFill>
                         <a:latin typeface="Cambria Math" panose="02040503050406030204" pitchFamily="18" charset="0"/>
                       </a:rPr>
@@ -13274,7 +13531,7 @@
                         <m:ctrlPr>
                           <a:rPr lang="zh-CN" altLang="en-US" sz="1400" i="1" smtClean="0">
                             <a:solidFill>
-                              <a:schemeClr val="bg2"/>
+                              <a:schemeClr val="tx1"/>
                             </a:solidFill>
                             <a:latin typeface="Cambria Math" panose="02040503050406030204" pitchFamily="18" charset="0"/>
                           </a:rPr>
@@ -13287,7 +13544,7 @@
                           </m:rPr>
                           <a:rPr lang="en-US" altLang="zh-CN" sz="1400" b="0" i="1" smtClean="0">
                             <a:solidFill>
-                              <a:schemeClr val="bg2"/>
+                              <a:schemeClr val="tx1"/>
                             </a:solidFill>
                             <a:latin typeface="Cambria Math" panose="02040503050406030204" pitchFamily="18" charset="0"/>
                           </a:rPr>
@@ -13299,7 +13556,7 @@
                         <m:r>
                           <a:rPr lang="en-US" altLang="zh-CN" sz="1400" b="0" i="1" smtClean="0">
                             <a:solidFill>
-                              <a:schemeClr val="bg2"/>
+                              <a:schemeClr val="tx1"/>
                             </a:solidFill>
                             <a:latin typeface="Cambria Math" panose="02040503050406030204" pitchFamily="18" charset="0"/>
                           </a:rPr>
@@ -13310,7 +13567,7 @@
                             <m:ctrlPr>
                               <a:rPr lang="en-US" altLang="zh-CN" sz="1400" b="0" i="1" smtClean="0">
                                 <a:solidFill>
-                                  <a:schemeClr val="bg2"/>
+                                  <a:schemeClr val="tx1"/>
                                 </a:solidFill>
                                 <a:latin typeface="Cambria Math" panose="02040503050406030204" pitchFamily="18" charset="0"/>
                               </a:rPr>
@@ -13320,7 +13577,7 @@
                             <m:r>
                               <a:rPr lang="en-US" altLang="zh-CN" sz="1400" b="0" i="1" smtClean="0">
                                 <a:solidFill>
-                                  <a:schemeClr val="bg2"/>
+                                  <a:schemeClr val="tx1"/>
                                 </a:solidFill>
                                 <a:latin typeface="Cambria Math" panose="02040503050406030204" pitchFamily="18" charset="0"/>
                               </a:rPr>
@@ -13329,7 +13586,7 @@
                             <m:r>
                               <a:rPr lang="en-US" altLang="zh-CN" sz="1400" b="0" i="1" smtClean="0">
                                 <a:solidFill>
-                                  <a:schemeClr val="bg2"/>
+                                  <a:schemeClr val="tx1"/>
                                 </a:solidFill>
                                 <a:latin typeface="Cambria Math" panose="02040503050406030204" pitchFamily="18" charset="0"/>
                               </a:rPr>
@@ -13338,7 +13595,7 @@
                             <m:r>
                               <a:rPr lang="en-US" altLang="zh-CN" sz="1400" b="0" i="1" smtClean="0">
                                 <a:solidFill>
-                                  <a:schemeClr val="bg2"/>
+                                  <a:schemeClr val="tx1"/>
                                 </a:solidFill>
                                 <a:latin typeface="Cambria Math" panose="02040503050406030204" pitchFamily="18" charset="0"/>
                               </a:rPr>
@@ -13347,7 +13604,7 @@
                             <m:r>
                               <a:rPr lang="en-US" altLang="zh-CN" sz="1400" b="0" i="1" smtClean="0">
                                 <a:solidFill>
-                                  <a:schemeClr val="bg2"/>
+                                  <a:schemeClr val="tx1"/>
                                 </a:solidFill>
                                 <a:latin typeface="Cambria Math" panose="02040503050406030204" pitchFamily="18" charset="0"/>
                               </a:rPr>
@@ -13356,7 +13613,7 @@
                             <m:r>
                               <a:rPr lang="en-US" altLang="zh-CN" sz="1400" b="0" i="1" smtClean="0">
                                 <a:solidFill>
-                                  <a:schemeClr val="bg2"/>
+                                  <a:schemeClr val="tx1"/>
                                 </a:solidFill>
                                 <a:latin typeface="Cambria Math" panose="02040503050406030204" pitchFamily="18" charset="0"/>
                               </a:rPr>
@@ -13367,7 +13624,7 @@
                         <m:r>
                           <a:rPr lang="en-US" altLang="zh-CN" sz="1400" b="0" i="1" smtClean="0">
                             <a:solidFill>
-                              <a:schemeClr val="bg2"/>
+                              <a:schemeClr val="tx1"/>
                             </a:solidFill>
                             <a:latin typeface="Cambria Math" panose="02040503050406030204" pitchFamily="18" charset="0"/>
                           </a:rPr>
@@ -13380,7 +13637,7 @@
                 <a:r>
                   <a:rPr lang="zh-CN" altLang="en-US" sz="1400" dirty="0">
                     <a:solidFill>
-                      <a:schemeClr val="bg2"/>
+                      <a:schemeClr val="tx1"/>
                     </a:solidFill>
                   </a:rPr>
                   <a:t> 。请问，是不是对于每个函数 </a:t>
@@ -13393,7 +13650,7 @@
                         <m:ctrlPr>
                           <a:rPr lang="en-US" altLang="zh-CN" sz="1400" b="0" i="1" smtClean="0">
                             <a:solidFill>
-                              <a:schemeClr val="bg2"/>
+                              <a:schemeClr val="tx1"/>
                             </a:solidFill>
                             <a:latin typeface="Cambria Math" panose="02040503050406030204" pitchFamily="18" charset="0"/>
                           </a:rPr>
@@ -13403,7 +13660,7 @@
                         <m:r>
                           <a:rPr lang="en-US" altLang="zh-CN" sz="1400" b="0" i="1" smtClean="0">
                             <a:solidFill>
-                              <a:schemeClr val="bg2"/>
+                              <a:schemeClr val="tx1"/>
                             </a:solidFill>
                             <a:latin typeface="Cambria Math" panose="02040503050406030204" pitchFamily="18" charset="0"/>
                           </a:rPr>
@@ -13416,7 +13673,7 @@
                 <a:r>
                   <a:rPr lang="zh-CN" altLang="en-US" sz="1400" dirty="0">
                     <a:solidFill>
-                      <a:schemeClr val="bg2"/>
+                      <a:schemeClr val="tx1"/>
                     </a:solidFill>
                   </a:rPr>
                   <a:t> ，都可以作为上面的 </a:t>
@@ -13426,7 +13683,7 @@
                     <m:r>
                       <a:rPr lang="en-US" altLang="zh-CN" sz="1400" b="0" i="1" smtClean="0">
                         <a:solidFill>
-                          <a:schemeClr val="bg2"/>
+                          <a:schemeClr val="tx1"/>
                         </a:solidFill>
                         <a:latin typeface="Cambria Math" panose="02040503050406030204" pitchFamily="18" charset="0"/>
                       </a:rPr>
@@ -13437,14 +13694,14 @@
                 <a:r>
                   <a:rPr lang="zh-CN" altLang="en-US" sz="1400" b="0" dirty="0">
                     <a:solidFill>
-                      <a:schemeClr val="bg2"/>
+                      <a:schemeClr val="tx1"/>
                     </a:solidFill>
                   </a:rPr>
                   <a:t> 给出密度？</a:t>
                 </a:r>
                 <a:endParaRPr lang="en-US" altLang="zh-CN" sz="1400" b="0" dirty="0">
                   <a:solidFill>
-                    <a:schemeClr val="bg2"/>
+                    <a:schemeClr val="tx1"/>
                   </a:solidFill>
                 </a:endParaRPr>
               </a:p>
@@ -13453,7 +13710,7 @@
                 <a:r>
                   <a:rPr lang="zh-CN" altLang="en-US" sz="1400" dirty="0">
                     <a:solidFill>
-                      <a:schemeClr val="bg2"/>
+                      <a:schemeClr val="tx1"/>
                     </a:solidFill>
                   </a:rPr>
                   <a:t>其次，给出 </a:t>
@@ -13465,7 +13722,7 @@
                         <m:ctrlPr>
                           <a:rPr lang="en-US" altLang="zh-CN" sz="1400" b="0" i="1" smtClean="0">
                             <a:solidFill>
-                              <a:schemeClr val="bg2"/>
+                              <a:schemeClr val="tx1"/>
                             </a:solidFill>
                             <a:latin typeface="Cambria Math" panose="02040503050406030204" pitchFamily="18" charset="0"/>
                           </a:rPr>
@@ -13475,7 +13732,7 @@
                         <m:r>
                           <a:rPr lang="en-US" altLang="zh-CN" sz="1400" b="0" i="1" smtClean="0">
                             <a:solidFill>
-                              <a:schemeClr val="bg2"/>
+                              <a:schemeClr val="tx1"/>
                             </a:solidFill>
                             <a:latin typeface="Cambria Math" panose="02040503050406030204" pitchFamily="18" charset="0"/>
                           </a:rPr>
@@ -13486,7 +13743,7 @@
                         <m:r>
                           <a:rPr lang="en-US" altLang="zh-CN" sz="1400" b="0" i="1" smtClean="0">
                             <a:solidFill>
-                              <a:schemeClr val="bg2"/>
+                              <a:schemeClr val="tx1"/>
                             </a:solidFill>
                             <a:latin typeface="Cambria Math" panose="02040503050406030204" pitchFamily="18" charset="0"/>
                           </a:rPr>
@@ -13497,7 +13754,7 @@
                     <m:r>
                       <a:rPr lang="en-US" altLang="zh-CN" sz="1400" b="0" i="1" smtClean="0">
                         <a:solidFill>
-                          <a:schemeClr val="bg2"/>
+                          <a:schemeClr val="tx1"/>
                         </a:solidFill>
                         <a:latin typeface="Cambria Math" panose="02040503050406030204" pitchFamily="18" charset="0"/>
                       </a:rPr>
@@ -13508,7 +13765,7 @@
                 <a:r>
                   <a:rPr lang="zh-CN" altLang="en-US" sz="1400" dirty="0">
                     <a:solidFill>
-                      <a:schemeClr val="bg2"/>
+                      <a:schemeClr val="tx1"/>
                     </a:solidFill>
                   </a:rPr>
                   <a:t> </a:t>
@@ -13520,7 +13777,7 @@
                         <m:ctrlPr>
                           <a:rPr lang="zh-CN" altLang="en-US" sz="1400" i="1">
                             <a:solidFill>
-                              <a:schemeClr val="bg2"/>
+                              <a:schemeClr val="tx1"/>
                             </a:solidFill>
                             <a:latin typeface="Cambria Math" panose="02040503050406030204" pitchFamily="18" charset="0"/>
                           </a:rPr>
@@ -13533,7 +13790,7 @@
                           </m:rPr>
                           <a:rPr lang="en-US" altLang="zh-CN" sz="1400" i="1">
                             <a:solidFill>
-                              <a:schemeClr val="bg2"/>
+                              <a:schemeClr val="tx1"/>
                             </a:solidFill>
                             <a:latin typeface="Cambria Math" panose="02040503050406030204" pitchFamily="18" charset="0"/>
                           </a:rPr>
@@ -13542,7 +13799,7 @@
                         <m:r>
                           <a:rPr lang="en-US" altLang="zh-CN" sz="1400" i="1">
                             <a:solidFill>
-                              <a:schemeClr val="bg2"/>
+                              <a:schemeClr val="tx1"/>
                             </a:solidFill>
                             <a:latin typeface="Cambria Math" panose="02040503050406030204" pitchFamily="18" charset="0"/>
                           </a:rPr>
@@ -13553,7 +13810,7 @@
                         <m:r>
                           <a:rPr lang="en-US" altLang="zh-CN" sz="1400" i="1">
                             <a:solidFill>
-                              <a:schemeClr val="bg2"/>
+                              <a:schemeClr val="tx1"/>
                             </a:solidFill>
                             <a:latin typeface="Cambria Math" panose="02040503050406030204" pitchFamily="18" charset="0"/>
                           </a:rPr>
@@ -13567,7 +13824,7 @@
                             <m:ctrlPr>
                               <a:rPr lang="en-US" altLang="zh-CN" sz="1400" i="1">
                                 <a:solidFill>
-                                  <a:schemeClr val="bg2"/>
+                                  <a:schemeClr val="tx1"/>
                                 </a:solidFill>
                                 <a:latin typeface="Cambria Math" panose="02040503050406030204" pitchFamily="18" charset="0"/>
                               </a:rPr>
@@ -13580,7 +13837,7 @@
                               </m:rPr>
                               <a:rPr lang="en-US" altLang="zh-CN" sz="1400" i="1">
                                 <a:solidFill>
-                                  <a:schemeClr val="bg2"/>
+                                  <a:schemeClr val="tx1"/>
                                 </a:solidFill>
                                 <a:latin typeface="Cambria Math" panose="02040503050406030204" pitchFamily="18" charset="0"/>
                               </a:rPr>
@@ -13589,7 +13846,7 @@
                             <m:r>
                               <a:rPr lang="en-US" altLang="zh-CN" sz="1400" i="1">
                                 <a:solidFill>
-                                  <a:schemeClr val="bg2"/>
+                                  <a:schemeClr val="tx1"/>
                                 </a:solidFill>
                                 <a:latin typeface="Cambria Math" panose="02040503050406030204" pitchFamily="18" charset="0"/>
                               </a:rPr>
@@ -13598,7 +13855,7 @@
                             <m:r>
                               <a:rPr lang="en-US" altLang="zh-CN" sz="1400" i="1">
                                 <a:solidFill>
-                                  <a:schemeClr val="bg2"/>
+                                  <a:schemeClr val="tx1"/>
                                 </a:solidFill>
                                 <a:latin typeface="Cambria Math" panose="02040503050406030204" pitchFamily="18" charset="0"/>
                               </a:rPr>
@@ -13607,7 +13864,7 @@
                             <m:r>
                               <a:rPr lang="en-US" altLang="zh-CN" sz="1400" i="1">
                                 <a:solidFill>
-                                  <a:schemeClr val="bg2"/>
+                                  <a:schemeClr val="tx1"/>
                                 </a:solidFill>
                                 <a:latin typeface="Cambria Math" panose="02040503050406030204" pitchFamily="18" charset="0"/>
                               </a:rPr>
@@ -13619,7 +13876,7 @@
                             <m:r>
                               <a:rPr lang="en-US" altLang="zh-CN" sz="1400" b="0" i="1" smtClean="0">
                                 <a:solidFill>
-                                  <a:schemeClr val="bg2"/>
+                                  <a:schemeClr val="tx1"/>
                                 </a:solidFill>
                                 <a:latin typeface="Cambria Math" panose="02040503050406030204" pitchFamily="18" charset="0"/>
                               </a:rPr>
@@ -13628,7 +13885,7 @@
                             <m:r>
                               <a:rPr lang="en-US" altLang="zh-CN" sz="1400" b="0" i="1" smtClean="0">
                                 <a:solidFill>
-                                  <a:schemeClr val="bg2"/>
+                                  <a:schemeClr val="tx1"/>
                                 </a:solidFill>
                                 <a:latin typeface="Cambria Math" panose="02040503050406030204" pitchFamily="18" charset="0"/>
                               </a:rPr>
@@ -13637,7 +13894,7 @@
                             <m:r>
                               <a:rPr lang="en-US" altLang="zh-CN" sz="1400" b="0" i="1" smtClean="0">
                                 <a:solidFill>
-                                  <a:schemeClr val="bg2"/>
+                                  <a:schemeClr val="tx1"/>
                                 </a:solidFill>
                                 <a:latin typeface="Cambria Math" panose="02040503050406030204" pitchFamily="18" charset="0"/>
                               </a:rPr>
@@ -13646,7 +13903,7 @@
                             <m:r>
                               <a:rPr lang="en-US" altLang="zh-CN" sz="1400" b="0" i="1" smtClean="0">
                                 <a:solidFill>
-                                  <a:schemeClr val="bg2"/>
+                                  <a:schemeClr val="tx1"/>
                                 </a:solidFill>
                                 <a:latin typeface="Cambria Math" panose="02040503050406030204" pitchFamily="18" charset="0"/>
                               </a:rPr>
@@ -13655,7 +13912,7 @@
                             <m:r>
                               <a:rPr lang="en-US" altLang="zh-CN" sz="1400" b="0" i="1" smtClean="0">
                                 <a:solidFill>
-                                  <a:schemeClr val="bg2"/>
+                                  <a:schemeClr val="tx1"/>
                                 </a:solidFill>
                                 <a:latin typeface="Cambria Math" panose="02040503050406030204" pitchFamily="18" charset="0"/>
                               </a:rPr>
@@ -13664,7 +13921,7 @@
                             <m:r>
                               <a:rPr lang="en-US" altLang="zh-CN" sz="1400" b="0" i="1" smtClean="0">
                                 <a:solidFill>
-                                  <a:schemeClr val="bg2"/>
+                                  <a:schemeClr val="tx1"/>
                                 </a:solidFill>
                                 <a:latin typeface="Cambria Math" panose="02040503050406030204" pitchFamily="18" charset="0"/>
                               </a:rPr>
@@ -13673,7 +13930,7 @@
                             <m:r>
                               <a:rPr lang="en-US" altLang="zh-CN" sz="1400" b="0" i="1" smtClean="0">
                                 <a:solidFill>
-                                  <a:schemeClr val="bg2"/>
+                                  <a:schemeClr val="tx1"/>
                                 </a:solidFill>
                                 <a:latin typeface="Cambria Math" panose="02040503050406030204" pitchFamily="18" charset="0"/>
                               </a:rPr>
@@ -13682,7 +13939,7 @@
                             <m:r>
                               <a:rPr lang="en-US" altLang="zh-CN" sz="1400" b="0" i="1" smtClean="0">
                                 <a:solidFill>
-                                  <a:schemeClr val="bg2"/>
+                                  <a:schemeClr val="tx1"/>
                                 </a:solidFill>
                                 <a:latin typeface="Cambria Math" panose="02040503050406030204" pitchFamily="18" charset="0"/>
                               </a:rPr>
@@ -13691,7 +13948,7 @@
                             <m:r>
                               <a:rPr lang="en-US" altLang="zh-CN" sz="1400" i="1">
                                 <a:solidFill>
-                                  <a:schemeClr val="bg2"/>
+                                  <a:schemeClr val="tx1"/>
                                 </a:solidFill>
                                 <a:latin typeface="Cambria Math" panose="02040503050406030204" pitchFamily="18" charset="0"/>
                               </a:rPr>
@@ -13706,7 +13963,7 @@
                 <a:r>
                   <a:rPr lang="en-US" altLang="zh-CN" sz="1400" b="0" dirty="0">
                     <a:solidFill>
-                      <a:schemeClr val="bg2"/>
+                      <a:schemeClr val="tx1"/>
                     </a:solidFill>
                   </a:rPr>
                   <a:t> </a:t>
@@ -13714,7 +13971,7 @@
                 <a:r>
                   <a:rPr lang="zh-CN" altLang="en-US" sz="1400" b="0" dirty="0">
                     <a:solidFill>
-                      <a:schemeClr val="bg2"/>
+                      <a:schemeClr val="tx1"/>
                     </a:solidFill>
                   </a:rPr>
                   <a:t>，我们猜测应该有 </a:t>
@@ -13724,7 +13981,7 @@
                     <m:r>
                       <a:rPr lang="en-US" altLang="zh-CN" sz="1400" b="0" i="1" smtClean="0">
                         <a:solidFill>
-                          <a:schemeClr val="bg2"/>
+                          <a:schemeClr val="tx1"/>
                         </a:solidFill>
                         <a:latin typeface="Cambria Math" panose="02040503050406030204" pitchFamily="18" charset="0"/>
                       </a:rPr>
@@ -13733,7 +13990,7 @@
                     <m:r>
                       <a:rPr lang="en-US" altLang="zh-CN" sz="1400" b="0" i="1" smtClean="0">
                         <a:solidFill>
-                          <a:schemeClr val="bg2"/>
+                          <a:schemeClr val="tx1"/>
                         </a:solidFill>
                         <a:latin typeface="Cambria Math" panose="02040503050406030204" pitchFamily="18" charset="0"/>
                       </a:rPr>
@@ -13744,7 +14001,7 @@
                         <m:ctrlPr>
                           <a:rPr lang="en-US" altLang="zh-CN" sz="1400" b="0" i="1" smtClean="0">
                             <a:solidFill>
-                              <a:schemeClr val="bg2"/>
+                              <a:schemeClr val="tx1"/>
                             </a:solidFill>
                             <a:latin typeface="Cambria Math" panose="02040503050406030204" pitchFamily="18" charset="0"/>
                           </a:rPr>
@@ -13754,7 +14011,7 @@
                         <m:r>
                           <a:rPr lang="en-US" altLang="zh-CN" sz="1400" b="0" i="1" smtClean="0">
                             <a:solidFill>
-                              <a:schemeClr val="bg2"/>
+                              <a:schemeClr val="tx1"/>
                             </a:solidFill>
                             <a:latin typeface="Cambria Math" panose="02040503050406030204" pitchFamily="18" charset="0"/>
                           </a:rPr>
@@ -13765,7 +14022,7 @@
                         <m:r>
                           <a:rPr lang="en-US" altLang="zh-CN" sz="1400" b="0" i="1" smtClean="0">
                             <a:solidFill>
-                              <a:schemeClr val="bg2"/>
+                              <a:schemeClr val="tx1"/>
                             </a:solidFill>
                             <a:latin typeface="Cambria Math" panose="02040503050406030204" pitchFamily="18" charset="0"/>
                           </a:rPr>
@@ -13778,7 +14035,7 @@
                 <a:r>
                   <a:rPr lang="en-US" altLang="zh-CN" sz="1400" b="0" dirty="0">
                     <a:solidFill>
-                      <a:schemeClr val="bg2"/>
+                      <a:schemeClr val="tx1"/>
                     </a:solidFill>
                   </a:rPr>
                   <a:t> </a:t>
@@ -13786,7 +14043,7 @@
                 <a:r>
                   <a:rPr lang="zh-CN" altLang="en-US" sz="1400" b="0" dirty="0">
                     <a:solidFill>
-                      <a:schemeClr val="bg2"/>
+                      <a:schemeClr val="tx1"/>
                     </a:solidFill>
                   </a:rPr>
                   <a:t>，那么是不是所有的密度函数 </a:t>
@@ -13796,7 +14053,7 @@
                     <m:r>
                       <a:rPr lang="en-US" altLang="zh-CN" sz="1400" b="0" i="1" smtClean="0">
                         <a:solidFill>
-                          <a:schemeClr val="bg2"/>
+                          <a:schemeClr val="tx1"/>
                         </a:solidFill>
                         <a:latin typeface="Cambria Math" panose="02040503050406030204" pitchFamily="18" charset="0"/>
                       </a:rPr>
@@ -13805,7 +14062,7 @@
                     <m:r>
                       <a:rPr lang="en-US" altLang="zh-CN" sz="1400" b="0" i="1" smtClean="0">
                         <a:solidFill>
-                          <a:schemeClr val="bg2"/>
+                          <a:schemeClr val="tx1"/>
                         </a:solidFill>
                         <a:latin typeface="Cambria Math" panose="02040503050406030204" pitchFamily="18" charset="0"/>
                       </a:rPr>
@@ -13814,7 +14071,7 @@
                     <m:r>
                       <a:rPr lang="zh-CN" altLang="en-US" sz="1400" i="1">
                         <a:solidFill>
-                          <a:schemeClr val="bg2"/>
+                          <a:schemeClr val="tx1"/>
                         </a:solidFill>
                         <a:latin typeface="Cambria Math" panose="02040503050406030204" pitchFamily="18" charset="0"/>
                       </a:rPr>
@@ -13825,14 +14082,14 @@
                 <a:r>
                   <a:rPr lang="zh-CN" altLang="en-US" sz="1400" b="0" dirty="0">
                     <a:solidFill>
-                      <a:schemeClr val="bg2"/>
+                      <a:schemeClr val="tx1"/>
                     </a:solidFill>
                   </a:rPr>
                   <a:t>都满足这个式子呢？</a:t>
                 </a:r>
                 <a:endParaRPr lang="en-US" altLang="zh-CN" sz="1400" b="0" dirty="0">
                   <a:solidFill>
-                    <a:schemeClr val="bg2"/>
+                    <a:schemeClr val="tx1"/>
                   </a:solidFill>
                 </a:endParaRPr>
               </a:p>
@@ -13870,7 +14127,7 @@
               </a:blipFill>
               <a:ln w="19050">
                 <a:solidFill>
-                  <a:schemeClr val="bg2"/>
+                  <a:schemeClr val="tx1"/>
                 </a:solidFill>
               </a:ln>
             </p:spPr>
@@ -13913,7 +14170,7 @@
           </a:prstGeom>
           <a:ln w="19050">
             <a:solidFill>
-              <a:schemeClr val="bg2"/>
+              <a:schemeClr val="tx1"/>
             </a:solidFill>
           </a:ln>
         </p:spPr>
@@ -14087,28 +14344,250 @@
           </a:lstStyle>
           <a:p>
             <a:r>
-              <a:rPr lang="zh-CN" altLang="en-US" sz="1400" dirty="0">
+              <a:rPr lang="zh-CN" altLang="en-US" sz="1400" b="1" dirty="0">
                 <a:solidFill>
-                  <a:schemeClr val="bg2"/>
+                  <a:schemeClr val="accent2"/>
                 </a:solidFill>
               </a:rPr>
-              <a:t>域间关系</a:t>
-            </a:r>
-            <a:endParaRPr lang="en-US" altLang="zh-CN" sz="1400" dirty="0">
-              <a:solidFill>
-                <a:schemeClr val="bg2"/>
-              </a:solidFill>
-            </a:endParaRPr>
+              <a:t>域间关系 → </a:t>
+            </a:r>
+            <a:r>
+              <a:rPr lang="en-US" altLang="zh-CN" sz="1400" b="1" dirty="0">
+                <a:solidFill>
+                  <a:schemeClr val="accent2"/>
+                </a:solidFill>
+              </a:rPr>
+              <a:t>Higher (abstraction)?</a:t>
+            </a:r>
           </a:p>
           <a:p>
             <a:pPr lvl="1"/>
             <a:r>
-              <a:rPr lang="zh-CN" altLang="en-US" sz="1400" dirty="0">
+              <a:rPr lang="zh-CN" altLang="en-US" sz="1400" dirty="0"/>
+              <a:t>傅里叶变换 和 最小二乘逼近 的关系是什么？（分析数学→线性代数的跨域）</a:t>
+            </a:r>
+          </a:p>
+        </p:txBody>
+      </p:sp>
+      <p:sp>
+        <p:nvSpPr>
+          <p:cNvPr id="9" name="内容占位符 3">
+            <a:extLst>
+              <a:ext uri="{FF2B5EF4-FFF2-40B4-BE49-F238E27FC236}">
+                <a16:creationId xmlns:a16="http://schemas.microsoft.com/office/drawing/2014/main" id="{A4442D70-E654-4A42-BD7B-E3A3EB6F2806}"/>
+              </a:ext>
+            </a:extLst>
+          </p:cNvPr>
+          <p:cNvSpPr txBox="1">
+            <a:spLocks/>
+          </p:cNvSpPr>
+          <p:nvPr/>
+        </p:nvSpPr>
+        <p:spPr>
+          <a:xfrm>
+            <a:off x="1917947" y="1988840"/>
+            <a:ext cx="4403729" cy="648072"/>
+          </a:xfrm>
+          <a:prstGeom prst="rect">
+            <a:avLst/>
+          </a:prstGeom>
+          <a:ln w="19050">
+            <a:solidFill>
+              <a:schemeClr val="tx1"/>
+            </a:solidFill>
+          </a:ln>
+        </p:spPr>
+        <p:txBody>
+          <a:bodyPr vert="horz" lIns="91440" tIns="45720" rIns="91440" bIns="45720" rtlCol="0">
+            <a:normAutofit/>
+          </a:bodyPr>
+          <a:lstStyle>
+            <a:lvl1pPr marL="246888" indent="-246888" algn="l" defTabSz="914400" rtl="0" eaLnBrk="1" latinLnBrk="0" hangingPunct="1">
+              <a:lnSpc>
+                <a:spcPct val="90000"/>
+              </a:lnSpc>
+              <a:spcBef>
+                <a:spcPts val="1400"/>
+              </a:spcBef>
+              <a:buFont typeface="Euphemia" pitchFamily="34" charset="0"/>
+              <a:buChar char="›"/>
+              <a:defRPr sz="2800" kern="1200">
                 <a:solidFill>
-                  <a:schemeClr val="bg2"/>
+                  <a:schemeClr val="tx1"/>
+                </a:solidFill>
+                <a:latin typeface="微软雅黑" panose="020B0503020204020204" pitchFamily="34" charset="-122"/>
+                <a:ea typeface="微软雅黑" panose="020B0503020204020204" pitchFamily="34" charset="-122"/>
+                <a:cs typeface="+mn-cs"/>
+              </a:defRPr>
+            </a:lvl1pPr>
+            <a:lvl2pPr marL="612648" indent="-246888" algn="l" defTabSz="914400" rtl="0" eaLnBrk="1" latinLnBrk="0" hangingPunct="1">
+              <a:lnSpc>
+                <a:spcPct val="90000"/>
+              </a:lnSpc>
+              <a:spcBef>
+                <a:spcPts val="600"/>
+              </a:spcBef>
+              <a:buFont typeface="Euphemia" pitchFamily="34" charset="0"/>
+              <a:buChar char="–"/>
+              <a:defRPr sz="2400" kern="1200">
+                <a:solidFill>
+                  <a:schemeClr val="tx1"/>
+                </a:solidFill>
+                <a:latin typeface="微软雅黑" panose="020B0503020204020204" pitchFamily="34" charset="-122"/>
+                <a:ea typeface="微软雅黑" panose="020B0503020204020204" pitchFamily="34" charset="-122"/>
+                <a:cs typeface="+mn-cs"/>
+              </a:defRPr>
+            </a:lvl2pPr>
+            <a:lvl3pPr marL="978408" indent="-246888" algn="l" defTabSz="914400" rtl="0" eaLnBrk="1" latinLnBrk="0" hangingPunct="1">
+              <a:lnSpc>
+                <a:spcPct val="90000"/>
+              </a:lnSpc>
+              <a:spcBef>
+                <a:spcPts val="600"/>
+              </a:spcBef>
+              <a:buFont typeface="Euphemia" pitchFamily="34" charset="0"/>
+              <a:buChar char="›"/>
+              <a:defRPr sz="2000" kern="1200">
+                <a:solidFill>
+                  <a:schemeClr val="tx1"/>
+                </a:solidFill>
+                <a:latin typeface="微软雅黑" panose="020B0503020204020204" pitchFamily="34" charset="-122"/>
+                <a:ea typeface="微软雅黑" panose="020B0503020204020204" pitchFamily="34" charset="-122"/>
+                <a:cs typeface="+mn-cs"/>
+              </a:defRPr>
+            </a:lvl3pPr>
+            <a:lvl4pPr marL="1344168" indent="-246888" algn="l" defTabSz="914400" rtl="0" eaLnBrk="1" latinLnBrk="0" hangingPunct="1">
+              <a:lnSpc>
+                <a:spcPct val="90000"/>
+              </a:lnSpc>
+              <a:spcBef>
+                <a:spcPts val="600"/>
+              </a:spcBef>
+              <a:buFont typeface="Arial" pitchFamily="34" charset="0"/>
+              <a:buChar char="–"/>
+              <a:defRPr sz="1800" kern="1200">
+                <a:solidFill>
+                  <a:schemeClr val="tx1"/>
+                </a:solidFill>
+                <a:latin typeface="微软雅黑" panose="020B0503020204020204" pitchFamily="34" charset="-122"/>
+                <a:ea typeface="微软雅黑" panose="020B0503020204020204" pitchFamily="34" charset="-122"/>
+                <a:cs typeface="+mn-cs"/>
+              </a:defRPr>
+            </a:lvl4pPr>
+            <a:lvl5pPr marL="1709928" indent="-246888" algn="l" defTabSz="914400" rtl="0" eaLnBrk="1" latinLnBrk="0" hangingPunct="1">
+              <a:lnSpc>
+                <a:spcPct val="90000"/>
+              </a:lnSpc>
+              <a:spcBef>
+                <a:spcPts val="600"/>
+              </a:spcBef>
+              <a:buFont typeface="Euphemia" pitchFamily="34" charset="0"/>
+              <a:buChar char="›"/>
+              <a:defRPr sz="1800" kern="1200">
+                <a:solidFill>
+                  <a:schemeClr val="tx1"/>
+                </a:solidFill>
+                <a:latin typeface="微软雅黑" panose="020B0503020204020204" pitchFamily="34" charset="-122"/>
+                <a:ea typeface="微软雅黑" panose="020B0503020204020204" pitchFamily="34" charset="-122"/>
+                <a:cs typeface="+mn-cs"/>
+              </a:defRPr>
+            </a:lvl5pPr>
+            <a:lvl6pPr marL="2075688" indent="-246888" algn="l" defTabSz="914400" rtl="0" eaLnBrk="1" latinLnBrk="0" hangingPunct="1">
+              <a:lnSpc>
+                <a:spcPct val="90000"/>
+              </a:lnSpc>
+              <a:spcBef>
+                <a:spcPts val="600"/>
+              </a:spcBef>
+              <a:buFont typeface="Euphemia" pitchFamily="34" charset="0"/>
+              <a:buChar char="–"/>
+              <a:defRPr sz="1800" kern="1200">
+                <a:solidFill>
+                  <a:schemeClr val="tx1"/>
+                </a:solidFill>
+                <a:latin typeface="+mn-lt"/>
+                <a:ea typeface="+mn-ea"/>
+                <a:cs typeface="+mn-cs"/>
+              </a:defRPr>
+            </a:lvl6pPr>
+            <a:lvl7pPr marL="2441448" indent="-246888" algn="l" defTabSz="914400" rtl="0" eaLnBrk="1" latinLnBrk="0" hangingPunct="1">
+              <a:lnSpc>
+                <a:spcPct val="90000"/>
+              </a:lnSpc>
+              <a:spcBef>
+                <a:spcPts val="600"/>
+              </a:spcBef>
+              <a:buFont typeface="Euphemia" pitchFamily="34" charset="0"/>
+              <a:buChar char="›"/>
+              <a:defRPr sz="1800" kern="1200">
+                <a:solidFill>
+                  <a:schemeClr val="tx1"/>
+                </a:solidFill>
+                <a:latin typeface="+mn-lt"/>
+                <a:ea typeface="+mn-ea"/>
+                <a:cs typeface="+mn-cs"/>
+              </a:defRPr>
+            </a:lvl7pPr>
+            <a:lvl8pPr marL="2807208" indent="-246888" algn="l" defTabSz="914400" rtl="0" eaLnBrk="1" latinLnBrk="0" hangingPunct="1">
+              <a:lnSpc>
+                <a:spcPct val="90000"/>
+              </a:lnSpc>
+              <a:spcBef>
+                <a:spcPts val="600"/>
+              </a:spcBef>
+              <a:buFont typeface="Euphemia" pitchFamily="34" charset="0"/>
+              <a:buChar char="–"/>
+              <a:defRPr sz="1800" kern="1200" baseline="0">
+                <a:solidFill>
+                  <a:schemeClr val="tx1"/>
+                </a:solidFill>
+                <a:latin typeface="+mn-lt"/>
+                <a:ea typeface="+mn-ea"/>
+                <a:cs typeface="+mn-cs"/>
+              </a:defRPr>
+            </a:lvl8pPr>
+            <a:lvl9pPr marL="3172968" indent="-246888" algn="l" defTabSz="914400" rtl="0" eaLnBrk="1" latinLnBrk="0" hangingPunct="1">
+              <a:lnSpc>
+                <a:spcPct val="90000"/>
+              </a:lnSpc>
+              <a:spcBef>
+                <a:spcPts val="600"/>
+              </a:spcBef>
+              <a:buFont typeface="Euphemia" pitchFamily="34" charset="0"/>
+              <a:buChar char="›"/>
+              <a:defRPr sz="1800" kern="1200" baseline="0">
+                <a:solidFill>
+                  <a:schemeClr val="tx1"/>
+                </a:solidFill>
+                <a:latin typeface="+mn-lt"/>
+                <a:ea typeface="+mn-ea"/>
+                <a:cs typeface="+mn-cs"/>
+              </a:defRPr>
+            </a:lvl9pPr>
+          </a:lstStyle>
+          <a:p>
+            <a:r>
+              <a:rPr lang="zh-CN" altLang="en-US" sz="1400" b="1" dirty="0">
+                <a:solidFill>
+                  <a:schemeClr val="accent2"/>
                 </a:solidFill>
               </a:rPr>
-              <a:t>傅里叶变换 和 最小二乘逼近 的关系是什么？（分析数学→线性代数的跨域）</a:t>
+              <a:t>感性认知 → </a:t>
+            </a:r>
+            <a:r>
+              <a:rPr lang="en-US" altLang="zh-CN" sz="1400" b="1" dirty="0">
+                <a:solidFill>
+                  <a:schemeClr val="accent2"/>
+                </a:solidFill>
+              </a:rPr>
+              <a:t>What?</a:t>
+            </a:r>
+          </a:p>
+          <a:p>
+            <a:pPr lvl="1"/>
+            <a:r>
+              <a:rPr lang="zh-CN" altLang="en-US" sz="1400" dirty="0"/>
+              <a:t>积分是什么？分割的面积？微量的求和？</a:t>
             </a:r>
           </a:p>
         </p:txBody>
@@ -14156,93 +14635,37 @@
                             </p:stCondLst>
                             <p:childTnLst>
                               <p:par>
-                                <p:cTn id="5" presetID="7" presetClass="emph" presetSubtype="2" fill="hold" nodeType="clickEffect">
+                                <p:cTn id="5" presetID="10" presetClass="entr" presetSubtype="0" fill="hold" grpId="0" nodeType="clickEffect">
                                   <p:stCondLst>
                                     <p:cond delay="0"/>
                                   </p:stCondLst>
                                   <p:childTnLst>
-                                    <p:animClr clrSpc="rgb" dir="cw">
+                                    <p:set>
                                       <p:cBhvr>
-                                        <p:cTn id="6" dur="1000" fill="hold"/>
+                                        <p:cTn id="6" dur="1" fill="hold">
+                                          <p:stCondLst>
+                                            <p:cond delay="0"/>
+                                          </p:stCondLst>
+                                        </p:cTn>
                                         <p:tgtEl>
-                                          <p:spTgt spid="4"/>
+                                          <p:spTgt spid="9"/>
                                         </p:tgtEl>
                                         <p:attrNameLst>
-                                          <p:attrName>stroke.color</p:attrName>
+                                          <p:attrName>style.visibility</p:attrName>
                                         </p:attrNameLst>
                                       </p:cBhvr>
                                       <p:to>
-                                        <a:schemeClr val="accent2"/>
-                                      </p:to>
-                                    </p:animClr>
-                                    <p:set>
-                                      <p:cBhvr>
-                                        <p:cTn id="7" dur="1000" fill="hold"/>
-                                        <p:tgtEl>
-                                          <p:spTgt spid="4"/>
-                                        </p:tgtEl>
-                                        <p:attrNameLst>
-                                          <p:attrName>stroke.on</p:attrName>
-                                        </p:attrNameLst>
-                                      </p:cBhvr>
-                                      <p:to>
-                                        <p:strVal val="true"/>
+                                        <p:strVal val="visible"/>
                                       </p:to>
                                     </p:set>
-                                  </p:childTnLst>
-                                </p:cTn>
-                              </p:par>
-                              <p:par>
-                                <p:cTn id="8" presetID="3" presetClass="emph" presetSubtype="2" fill="hold" nodeType="withEffect">
-                                  <p:stCondLst>
-                                    <p:cond delay="0"/>
-                                  </p:stCondLst>
-                                  <p:childTnLst>
-                                    <p:animClr clrSpc="rgb" dir="cw">
-                                      <p:cBhvr override="childStyle">
-                                        <p:cTn id="9" dur="1000" fill="hold"/>
+                                    <p:animEffect transition="in" filter="fade">
+                                      <p:cBhvr>
+                                        <p:cTn id="7" dur="500"/>
                                         <p:tgtEl>
-                                          <p:spTgt spid="4">
-                                            <p:txEl>
-                                              <p:pRg st="0" end="0"/>
-                                            </p:txEl>
-                                          </p:spTgt>
+                                          <p:spTgt spid="9"/>
                                         </p:tgtEl>
-                                        <p:attrNameLst>
-                                          <p:attrName>style.color</p:attrName>
-                                        </p:attrNameLst>
                                       </p:cBhvr>
-                                      <p:to>
-                                        <a:srgbClr val="465562"/>
-                                      </p:to>
-                                    </p:animClr>
-                                  </p:childTnLst>
-                                </p:cTn>
-                              </p:par>
-                              <p:par>
-                                <p:cTn id="10" presetID="3" presetClass="emph" presetSubtype="2" fill="hold" nodeType="withEffect">
-                                  <p:stCondLst>
-                                    <p:cond delay="0"/>
-                                  </p:stCondLst>
-                                  <p:childTnLst>
-                                    <p:animClr clrSpc="rgb" dir="cw">
-                                      <p:cBhvr override="childStyle">
-                                        <p:cTn id="11" dur="1000" fill="hold"/>
-                                        <p:tgtEl>
-                                          <p:spTgt spid="4">
-                                            <p:txEl>
-                                              <p:pRg st="1" end="1"/>
-                                            </p:txEl>
-                                          </p:spTgt>
-                                        </p:tgtEl>
-                                        <p:attrNameLst>
-                                          <p:attrName>style.color</p:attrName>
-                                        </p:attrNameLst>
-                                      </p:cBhvr>
-                                      <p:to>
-                                        <a:srgbClr val="465562"/>
-                                      </p:to>
-                                    </p:animClr>
+                                    </p:animEffect>
                                   </p:childTnLst>
                                 </p:cTn>
                               </p:par>
@@ -14253,196 +14676,49 @@
                     </p:cTn>
                   </p:par>
                   <p:par>
-                    <p:cTn id="12" fill="hold">
+                    <p:cTn id="8" fill="hold">
                       <p:stCondLst>
                         <p:cond delay="indefinite"/>
                       </p:stCondLst>
                       <p:childTnLst>
                         <p:par>
-                          <p:cTn id="13" fill="hold">
+                          <p:cTn id="9" fill="hold">
                             <p:stCondLst>
                               <p:cond delay="0"/>
                             </p:stCondLst>
                             <p:childTnLst>
                               <p:par>
-                                <p:cTn id="14" presetID="7" presetClass="emph" presetSubtype="2" fill="hold" nodeType="clickEffect">
+                                <p:cTn id="10" presetID="10" presetClass="entr" presetSubtype="0" fill="hold" grpId="0" nodeType="clickEffect">
                                   <p:stCondLst>
                                     <p:cond delay="0"/>
                                   </p:stCondLst>
                                   <p:childTnLst>
-                                    <p:animClr clrSpc="rgb" dir="cw">
+                                    <p:set>
                                       <p:cBhvr>
-                                        <p:cTn id="15" dur="1000" fill="hold"/>
+                                        <p:cTn id="11" dur="1" fill="hold">
+                                          <p:stCondLst>
+                                            <p:cond delay="0"/>
+                                          </p:stCondLst>
+                                        </p:cTn>
                                         <p:tgtEl>
                                           <p:spTgt spid="6"/>
                                         </p:tgtEl>
                                         <p:attrNameLst>
-                                          <p:attrName>stroke.color</p:attrName>
+                                          <p:attrName>style.visibility</p:attrName>
                                         </p:attrNameLst>
                                       </p:cBhvr>
                                       <p:to>
-                                        <a:schemeClr val="accent2"/>
+                                        <p:strVal val="visible"/>
                                       </p:to>
-                                    </p:animClr>
-                                    <p:set>
+                                    </p:set>
+                                    <p:animEffect transition="in" filter="fade">
                                       <p:cBhvr>
-                                        <p:cTn id="16" dur="1000" fill="hold"/>
+                                        <p:cTn id="12" dur="500"/>
                                         <p:tgtEl>
                                           <p:spTgt spid="6"/>
                                         </p:tgtEl>
-                                        <p:attrNameLst>
-                                          <p:attrName>stroke.on</p:attrName>
-                                        </p:attrNameLst>
                                       </p:cBhvr>
-                                      <p:to>
-                                        <p:strVal val="true"/>
-                                      </p:to>
-                                    </p:set>
-                                  </p:childTnLst>
-                                </p:cTn>
-                              </p:par>
-                              <p:par>
-                                <p:cTn id="17" presetID="3" presetClass="emph" presetSubtype="2" fill="hold" nodeType="withEffect">
-                                  <p:stCondLst>
-                                    <p:cond delay="0"/>
-                                  </p:stCondLst>
-                                  <p:childTnLst>
-                                    <p:animClr clrSpc="rgb" dir="cw">
-                                      <p:cBhvr override="childStyle">
-                                        <p:cTn id="18" dur="1000" fill="hold"/>
-                                        <p:tgtEl>
-                                          <p:spTgt spid="6">
-                                            <p:txEl>
-                                              <p:pRg st="0" end="0"/>
-                                            </p:txEl>
-                                          </p:spTgt>
-                                        </p:tgtEl>
-                                        <p:attrNameLst>
-                                          <p:attrName>style.color</p:attrName>
-                                        </p:attrNameLst>
-                                      </p:cBhvr>
-                                      <p:to>
-                                        <a:srgbClr val="465562"/>
-                                      </p:to>
-                                    </p:animClr>
-                                  </p:childTnLst>
-                                </p:cTn>
-                              </p:par>
-                              <p:par>
-                                <p:cTn id="19" presetID="3" presetClass="emph" presetSubtype="2" fill="hold" nodeType="withEffect">
-                                  <p:stCondLst>
-                                    <p:cond delay="0"/>
-                                  </p:stCondLst>
-                                  <p:childTnLst>
-                                    <p:animClr clrSpc="rgb" dir="cw">
-                                      <p:cBhvr override="childStyle">
-                                        <p:cTn id="20" dur="1000" fill="hold"/>
-                                        <p:tgtEl>
-                                          <p:spTgt spid="6">
-                                            <p:txEl>
-                                              <p:pRg st="1" end="1"/>
-                                            </p:txEl>
-                                          </p:spTgt>
-                                        </p:tgtEl>
-                                        <p:attrNameLst>
-                                          <p:attrName>style.color</p:attrName>
-                                        </p:attrNameLst>
-                                      </p:cBhvr>
-                                      <p:to>
-                                        <a:srgbClr val="465562"/>
-                                      </p:to>
-                                    </p:animClr>
-                                  </p:childTnLst>
-                                </p:cTn>
-                              </p:par>
-                              <p:par>
-                                <p:cTn id="21" presetID="7" presetClass="emph" presetSubtype="2" fill="hold" nodeType="withEffect">
-                                  <p:stCondLst>
-                                    <p:cond delay="0"/>
-                                  </p:stCondLst>
-                                  <p:childTnLst>
-                                    <p:animClr clrSpc="rgb" dir="cw">
-                                      <p:cBhvr>
-                                        <p:cTn id="22" dur="1000" fill="hold"/>
-                                        <p:tgtEl>
-                                          <p:spTgt spid="4"/>
-                                        </p:tgtEl>
-                                        <p:attrNameLst>
-                                          <p:attrName>stroke.color</p:attrName>
-                                        </p:attrNameLst>
-                                      </p:cBhvr>
-                                      <p:to>
-                                        <a:srgbClr val="F2ECE2"/>
-                                      </p:to>
-                                    </p:animClr>
-                                    <p:set>
-                                      <p:cBhvr>
-                                        <p:cTn id="23" dur="1000" fill="hold"/>
-                                        <p:tgtEl>
-                                          <p:spTgt spid="4"/>
-                                        </p:tgtEl>
-                                        <p:attrNameLst>
-                                          <p:attrName>stroke.on</p:attrName>
-                                        </p:attrNameLst>
-                                      </p:cBhvr>
-                                      <p:to>
-                                        <p:strVal val="true"/>
-                                      </p:to>
-                                    </p:set>
-                                  </p:childTnLst>
-                                </p:cTn>
-                              </p:par>
-                              <p:par>
-                                <p:cTn id="24" presetID="3" presetClass="emph" presetSubtype="2" fill="hold" nodeType="withEffect">
-                                  <p:stCondLst>
-                                    <p:cond delay="0"/>
-                                  </p:stCondLst>
-                                  <p:childTnLst>
-                                    <p:animClr clrSpc="rgb" dir="cw">
-                                      <p:cBhvr override="childStyle">
-                                        <p:cTn id="25" dur="1000" fill="hold"/>
-                                        <p:tgtEl>
-                                          <p:spTgt spid="4">
-                                            <p:txEl>
-                                              <p:pRg st="0" end="0"/>
-                                            </p:txEl>
-                                          </p:spTgt>
-                                        </p:tgtEl>
-                                        <p:attrNameLst>
-                                          <p:attrName>style.color</p:attrName>
-                                        </p:attrNameLst>
-                                      </p:cBhvr>
-                                      <p:to>
-                                        <a:srgbClr val="F2ECE2"/>
-                                      </p:to>
-                                    </p:animClr>
-                                  </p:childTnLst>
-                                </p:cTn>
-                              </p:par>
-                              <p:par>
-                                <p:cTn id="26" presetID="3" presetClass="emph" presetSubtype="2" fill="hold" nodeType="withEffect">
-                                  <p:stCondLst>
-                                    <p:cond delay="0"/>
-                                  </p:stCondLst>
-                                  <p:childTnLst>
-                                    <p:animClr clrSpc="rgb" dir="cw">
-                                      <p:cBhvr override="childStyle">
-                                        <p:cTn id="27" dur="1000" fill="hold"/>
-                                        <p:tgtEl>
-                                          <p:spTgt spid="4">
-                                            <p:txEl>
-                                              <p:pRg st="1" end="1"/>
-                                            </p:txEl>
-                                          </p:spTgt>
-                                        </p:tgtEl>
-                                        <p:attrNameLst>
-                                          <p:attrName>style.color</p:attrName>
-                                        </p:attrNameLst>
-                                      </p:cBhvr>
-                                      <p:to>
-                                        <a:srgbClr val="F2ECE2"/>
-                                      </p:to>
-                                    </p:animClr>
+                                    </p:animEffect>
                                   </p:childTnLst>
                                 </p:cTn>
                               </p:par>
@@ -14453,277 +14729,49 @@
                     </p:cTn>
                   </p:par>
                   <p:par>
-                    <p:cTn id="28" fill="hold">
+                    <p:cTn id="13" fill="hold">
                       <p:stCondLst>
                         <p:cond delay="indefinite"/>
                       </p:stCondLst>
                       <p:childTnLst>
                         <p:par>
-                          <p:cTn id="29" fill="hold">
+                          <p:cTn id="14" fill="hold">
                             <p:stCondLst>
                               <p:cond delay="0"/>
                             </p:stCondLst>
                             <p:childTnLst>
                               <p:par>
-                                <p:cTn id="30" presetID="7" presetClass="emph" presetSubtype="2" fill="hold" nodeType="clickEffect">
+                                <p:cTn id="15" presetID="10" presetClass="entr" presetSubtype="0" fill="hold" grpId="0" nodeType="clickEffect">
                                   <p:stCondLst>
                                     <p:cond delay="0"/>
                                   </p:stCondLst>
                                   <p:childTnLst>
-                                    <p:animClr clrSpc="rgb" dir="cw">
+                                    <p:set>
                                       <p:cBhvr>
-                                        <p:cTn id="31" dur="1000" fill="hold"/>
+                                        <p:cTn id="16" dur="1" fill="hold">
+                                          <p:stCondLst>
+                                            <p:cond delay="0"/>
+                                          </p:stCondLst>
+                                        </p:cTn>
                                         <p:tgtEl>
                                           <p:spTgt spid="7"/>
                                         </p:tgtEl>
                                         <p:attrNameLst>
-                                          <p:attrName>stroke.color</p:attrName>
+                                          <p:attrName>style.visibility</p:attrName>
                                         </p:attrNameLst>
                                       </p:cBhvr>
                                       <p:to>
-                                        <a:schemeClr val="accent2"/>
+                                        <p:strVal val="visible"/>
                                       </p:to>
-                                    </p:animClr>
-                                    <p:set>
+                                    </p:set>
+                                    <p:animEffect transition="in" filter="fade">
                                       <p:cBhvr>
-                                        <p:cTn id="32" dur="1000" fill="hold"/>
+                                        <p:cTn id="17" dur="500"/>
                                         <p:tgtEl>
                                           <p:spTgt spid="7"/>
                                         </p:tgtEl>
-                                        <p:attrNameLst>
-                                          <p:attrName>stroke.on</p:attrName>
-                                        </p:attrNameLst>
                                       </p:cBhvr>
-                                      <p:to>
-                                        <p:strVal val="true"/>
-                                      </p:to>
-                                    </p:set>
-                                  </p:childTnLst>
-                                </p:cTn>
-                              </p:par>
-                              <p:par>
-                                <p:cTn id="33" presetID="3" presetClass="emph" presetSubtype="2" fill="hold" nodeType="withEffect">
-                                  <p:stCondLst>
-                                    <p:cond delay="0"/>
-                                  </p:stCondLst>
-                                  <p:childTnLst>
-                                    <p:animClr clrSpc="rgb" dir="cw">
-                                      <p:cBhvr override="childStyle">
-                                        <p:cTn id="34" dur="1000" fill="hold"/>
-                                        <p:tgtEl>
-                                          <p:spTgt spid="7">
-                                            <p:txEl>
-                                              <p:pRg st="0" end="0"/>
-                                            </p:txEl>
-                                          </p:spTgt>
-                                        </p:tgtEl>
-                                        <p:attrNameLst>
-                                          <p:attrName>style.color</p:attrName>
-                                        </p:attrNameLst>
-                                      </p:cBhvr>
-                                      <p:to>
-                                        <a:srgbClr val="465562"/>
-                                      </p:to>
-                                    </p:animClr>
-                                  </p:childTnLst>
-                                </p:cTn>
-                              </p:par>
-                              <p:par>
-                                <p:cTn id="35" presetID="3" presetClass="emph" presetSubtype="2" fill="hold" nodeType="withEffect">
-                                  <p:stCondLst>
-                                    <p:cond delay="0"/>
-                                  </p:stCondLst>
-                                  <p:childTnLst>
-                                    <p:animClr clrSpc="rgb" dir="cw">
-                                      <p:cBhvr override="childStyle">
-                                        <p:cTn id="36" dur="1000" fill="hold"/>
-                                        <p:tgtEl>
-                                          <p:spTgt spid="7">
-                                            <p:txEl>
-                                              <p:pRg st="1" end="1"/>
-                                            </p:txEl>
-                                          </p:spTgt>
-                                        </p:tgtEl>
-                                        <p:attrNameLst>
-                                          <p:attrName>style.color</p:attrName>
-                                        </p:attrNameLst>
-                                      </p:cBhvr>
-                                      <p:to>
-                                        <a:srgbClr val="465562"/>
-                                      </p:to>
-                                    </p:animClr>
-                                  </p:childTnLst>
-                                </p:cTn>
-                              </p:par>
-                              <p:par>
-                                <p:cTn id="37" presetID="3" presetClass="emph" presetSubtype="2" fill="hold" nodeType="withEffect">
-                                  <p:stCondLst>
-                                    <p:cond delay="0"/>
-                                  </p:stCondLst>
-                                  <p:childTnLst>
-                                    <p:animClr clrSpc="rgb" dir="cw">
-                                      <p:cBhvr override="childStyle">
-                                        <p:cTn id="38" dur="2000" fill="hold"/>
-                                        <p:tgtEl>
-                                          <p:spTgt spid="7">
-                                            <p:txEl>
-                                              <p:charRg st="147" end="303"/>
-                                            </p:txEl>
-                                          </p:spTgt>
-                                        </p:tgtEl>
-                                        <p:attrNameLst>
-                                          <p:attrName>style.color</p:attrName>
-                                        </p:attrNameLst>
-                                      </p:cBhvr>
-                                      <p:to>
-                                        <a:srgbClr val="465562"/>
-                                      </p:to>
-                                    </p:animClr>
-                                  </p:childTnLst>
-                                </p:cTn>
-                              </p:par>
-                              <p:par>
-                                <p:cTn id="39" presetID="3" presetClass="emph" presetSubtype="2" fill="hold" nodeType="withEffect">
-                                  <p:stCondLst>
-                                    <p:cond delay="0"/>
-                                  </p:stCondLst>
-                                  <p:childTnLst>
-                                    <p:animClr clrSpc="rgb" dir="cw">
-                                      <p:cBhvr override="childStyle">
-                                        <p:cTn id="40" dur="2000" fill="hold"/>
-                                        <p:tgtEl>
-                                          <p:spTgt spid="7">
-                                            <p:txEl>
-                                              <p:charRg st="303" end="453"/>
-                                            </p:txEl>
-                                          </p:spTgt>
-                                        </p:tgtEl>
-                                        <p:attrNameLst>
-                                          <p:attrName>style.color</p:attrName>
-                                        </p:attrNameLst>
-                                      </p:cBhvr>
-                                      <p:to>
-                                        <a:srgbClr val="465562"/>
-                                      </p:to>
-                                    </p:animClr>
-                                  </p:childTnLst>
-                                </p:cTn>
-                              </p:par>
-                              <p:par>
-                                <p:cTn id="41" presetID="3" presetClass="emph" presetSubtype="2" fill="hold" nodeType="withEffect">
-                                  <p:stCondLst>
-                                    <p:cond delay="0"/>
-                                  </p:stCondLst>
-                                  <p:childTnLst>
-                                    <p:animClr clrSpc="rgb" dir="cw">
-                                      <p:cBhvr override="childStyle">
-                                        <p:cTn id="42" dur="2000" fill="hold"/>
-                                        <p:tgtEl>
-                                          <p:spTgt spid="7">
-                                            <p:txEl>
-                                              <p:charRg st="453" end="556"/>
-                                            </p:txEl>
-                                          </p:spTgt>
-                                        </p:tgtEl>
-                                        <p:attrNameLst>
-                                          <p:attrName>style.color</p:attrName>
-                                        </p:attrNameLst>
-                                      </p:cBhvr>
-                                      <p:to>
-                                        <a:srgbClr val="465562"/>
-                                      </p:to>
-                                    </p:animClr>
-                                  </p:childTnLst>
-                                </p:cTn>
-                              </p:par>
-                              <p:par>
-                                <p:cTn id="43" presetID="7" presetClass="emph" presetSubtype="2" fill="hold" nodeType="withEffect">
-                                  <p:stCondLst>
-                                    <p:cond delay="0"/>
-                                  </p:stCondLst>
-                                  <p:childTnLst>
-                                    <p:animClr clrSpc="rgb" dir="cw">
-                                      <p:cBhvr>
-                                        <p:cTn id="44" dur="1000" fill="hold"/>
-                                        <p:tgtEl>
-                                          <p:spTgt spid="6"/>
-                                        </p:tgtEl>
-                                        <p:attrNameLst>
-                                          <p:attrName>stroke.color</p:attrName>
-                                        </p:attrNameLst>
-                                      </p:cBhvr>
-                                      <p:to>
-                                        <a:srgbClr val="F2ECE2"/>
-                                      </p:to>
-                                    </p:animClr>
-                                    <p:set>
-                                      <p:cBhvr>
-                                        <p:cTn id="45" dur="1000" fill="hold"/>
-                                        <p:tgtEl>
-                                          <p:spTgt spid="6"/>
-                                        </p:tgtEl>
-                                        <p:attrNameLst>
-                                          <p:attrName>stroke.on</p:attrName>
-                                        </p:attrNameLst>
-                                      </p:cBhvr>
-                                      <p:to>
-                                        <p:strVal val="true"/>
-                                      </p:to>
-                                    </p:set>
-                                  </p:childTnLst>
-                                </p:cTn>
-                              </p:par>
-                              <p:par>
-                                <p:cTn id="46" presetID="3" presetClass="emph" presetSubtype="2" fill="hold" nodeType="withEffect">
-                                  <p:stCondLst>
-                                    <p:cond delay="0"/>
-                                  </p:stCondLst>
-                                  <p:childTnLst>
-                                    <p:animClr clrSpc="rgb" dir="cw">
-                                      <p:cBhvr override="childStyle">
-                                        <p:cTn id="47" dur="1000" fill="hold"/>
-                                        <p:tgtEl>
-                                          <p:spTgt spid="6">
-                                            <p:txEl>
-                                              <p:pRg st="0" end="0"/>
-                                            </p:txEl>
-                                          </p:spTgt>
-                                        </p:tgtEl>
-                                        <p:attrNameLst>
-                                          <p:attrName>style.color</p:attrName>
-                                        </p:attrNameLst>
-                                      </p:cBhvr>
-                                      <p:to>
-                                        <a:srgbClr val="F2ECE2"/>
-                                      </p:to>
-                                    </p:animClr>
-                                  </p:childTnLst>
-                                </p:cTn>
-                              </p:par>
-                              <p:par>
-                                <p:cTn id="48" presetID="3" presetClass="emph" presetSubtype="2" fill="hold" nodeType="withEffect">
-                                  <p:stCondLst>
-                                    <p:cond delay="0"/>
-                                  </p:stCondLst>
-                                  <p:childTnLst>
-                                    <p:animClr clrSpc="rgb" dir="cw">
-                                      <p:cBhvr override="childStyle">
-                                        <p:cTn id="49" dur="1000" fill="hold"/>
-                                        <p:tgtEl>
-                                          <p:spTgt spid="6">
-                                            <p:txEl>
-                                              <p:pRg st="1" end="1"/>
-                                            </p:txEl>
-                                          </p:spTgt>
-                                        </p:tgtEl>
-                                        <p:attrNameLst>
-                                          <p:attrName>style.color</p:attrName>
-                                        </p:attrNameLst>
-                                      </p:cBhvr>
-                                      <p:to>
-                                        <a:srgbClr val="F2ECE2"/>
-                                      </p:to>
-                                    </p:animClr>
+                                    </p:animEffect>
                                   </p:childTnLst>
                                 </p:cTn>
                               </p:par>
@@ -14734,277 +14782,49 @@
                     </p:cTn>
                   </p:par>
                   <p:par>
-                    <p:cTn id="50" fill="hold">
+                    <p:cTn id="18" fill="hold">
                       <p:stCondLst>
                         <p:cond delay="indefinite"/>
                       </p:stCondLst>
                       <p:childTnLst>
                         <p:par>
-                          <p:cTn id="51" fill="hold">
+                          <p:cTn id="19" fill="hold">
                             <p:stCondLst>
                               <p:cond delay="0"/>
                             </p:stCondLst>
                             <p:childTnLst>
                               <p:par>
-                                <p:cTn id="52" presetID="7" presetClass="emph" presetSubtype="2" fill="hold" nodeType="clickEffect">
+                                <p:cTn id="20" presetID="10" presetClass="entr" presetSubtype="0" fill="hold" grpId="0" nodeType="clickEffect">
                                   <p:stCondLst>
                                     <p:cond delay="0"/>
                                   </p:stCondLst>
                                   <p:childTnLst>
-                                    <p:animClr clrSpc="rgb" dir="cw">
+                                    <p:set>
                                       <p:cBhvr>
-                                        <p:cTn id="53" dur="1000" fill="hold"/>
+                                        <p:cTn id="21" dur="1" fill="hold">
+                                          <p:stCondLst>
+                                            <p:cond delay="0"/>
+                                          </p:stCondLst>
+                                        </p:cTn>
                                         <p:tgtEl>
                                           <p:spTgt spid="8"/>
                                         </p:tgtEl>
                                         <p:attrNameLst>
-                                          <p:attrName>stroke.color</p:attrName>
+                                          <p:attrName>style.visibility</p:attrName>
                                         </p:attrNameLst>
                                       </p:cBhvr>
                                       <p:to>
-                                        <a:schemeClr val="accent2"/>
+                                        <p:strVal val="visible"/>
                                       </p:to>
-                                    </p:animClr>
-                                    <p:set>
+                                    </p:set>
+                                    <p:animEffect transition="in" filter="fade">
                                       <p:cBhvr>
-                                        <p:cTn id="54" dur="1000" fill="hold"/>
+                                        <p:cTn id="22" dur="500"/>
                                         <p:tgtEl>
                                           <p:spTgt spid="8"/>
                                         </p:tgtEl>
-                                        <p:attrNameLst>
-                                          <p:attrName>stroke.on</p:attrName>
-                                        </p:attrNameLst>
                                       </p:cBhvr>
-                                      <p:to>
-                                        <p:strVal val="true"/>
-                                      </p:to>
-                                    </p:set>
-                                  </p:childTnLst>
-                                </p:cTn>
-                              </p:par>
-                              <p:par>
-                                <p:cTn id="55" presetID="3" presetClass="emph" presetSubtype="2" fill="hold" nodeType="withEffect">
-                                  <p:stCondLst>
-                                    <p:cond delay="0"/>
-                                  </p:stCondLst>
-                                  <p:childTnLst>
-                                    <p:animClr clrSpc="rgb" dir="cw">
-                                      <p:cBhvr override="childStyle">
-                                        <p:cTn id="56" dur="1000" fill="hold"/>
-                                        <p:tgtEl>
-                                          <p:spTgt spid="8">
-                                            <p:txEl>
-                                              <p:pRg st="0" end="0"/>
-                                            </p:txEl>
-                                          </p:spTgt>
-                                        </p:tgtEl>
-                                        <p:attrNameLst>
-                                          <p:attrName>style.color</p:attrName>
-                                        </p:attrNameLst>
-                                      </p:cBhvr>
-                                      <p:to>
-                                        <a:srgbClr val="465562"/>
-                                      </p:to>
-                                    </p:animClr>
-                                  </p:childTnLst>
-                                </p:cTn>
-                              </p:par>
-                              <p:par>
-                                <p:cTn id="57" presetID="3" presetClass="emph" presetSubtype="2" fill="hold" nodeType="withEffect">
-                                  <p:stCondLst>
-                                    <p:cond delay="0"/>
-                                  </p:stCondLst>
-                                  <p:childTnLst>
-                                    <p:animClr clrSpc="rgb" dir="cw">
-                                      <p:cBhvr override="childStyle">
-                                        <p:cTn id="58" dur="1000" fill="hold"/>
-                                        <p:tgtEl>
-                                          <p:spTgt spid="8">
-                                            <p:txEl>
-                                              <p:pRg st="1" end="1"/>
-                                            </p:txEl>
-                                          </p:spTgt>
-                                        </p:tgtEl>
-                                        <p:attrNameLst>
-                                          <p:attrName>style.color</p:attrName>
-                                        </p:attrNameLst>
-                                      </p:cBhvr>
-                                      <p:to>
-                                        <a:srgbClr val="465562"/>
-                                      </p:to>
-                                    </p:animClr>
-                                  </p:childTnLst>
-                                </p:cTn>
-                              </p:par>
-                              <p:par>
-                                <p:cTn id="59" presetID="7" presetClass="emph" presetSubtype="2" fill="hold" nodeType="withEffect">
-                                  <p:stCondLst>
-                                    <p:cond delay="0"/>
-                                  </p:stCondLst>
-                                  <p:childTnLst>
-                                    <p:animClr clrSpc="rgb" dir="cw">
-                                      <p:cBhvr>
-                                        <p:cTn id="60" dur="1000" fill="hold"/>
-                                        <p:tgtEl>
-                                          <p:spTgt spid="7"/>
-                                        </p:tgtEl>
-                                        <p:attrNameLst>
-                                          <p:attrName>stroke.color</p:attrName>
-                                        </p:attrNameLst>
-                                      </p:cBhvr>
-                                      <p:to>
-                                        <a:srgbClr val="F2ECE2"/>
-                                      </p:to>
-                                    </p:animClr>
-                                    <p:set>
-                                      <p:cBhvr>
-                                        <p:cTn id="61" dur="1000" fill="hold"/>
-                                        <p:tgtEl>
-                                          <p:spTgt spid="7"/>
-                                        </p:tgtEl>
-                                        <p:attrNameLst>
-                                          <p:attrName>stroke.on</p:attrName>
-                                        </p:attrNameLst>
-                                      </p:cBhvr>
-                                      <p:to>
-                                        <p:strVal val="true"/>
-                                      </p:to>
-                                    </p:set>
-                                  </p:childTnLst>
-                                </p:cTn>
-                              </p:par>
-                              <p:par>
-                                <p:cTn id="62" presetID="3" presetClass="emph" presetSubtype="2" fill="hold" nodeType="withEffect">
-                                  <p:stCondLst>
-                                    <p:cond delay="0"/>
-                                  </p:stCondLst>
-                                  <p:childTnLst>
-                                    <p:animClr clrSpc="rgb" dir="cw">
-                                      <p:cBhvr override="childStyle">
-                                        <p:cTn id="63" dur="1000" fill="hold"/>
-                                        <p:tgtEl>
-                                          <p:spTgt spid="7">
-                                            <p:txEl>
-                                              <p:pRg st="0" end="0"/>
-                                            </p:txEl>
-                                          </p:spTgt>
-                                        </p:tgtEl>
-                                        <p:attrNameLst>
-                                          <p:attrName>style.color</p:attrName>
-                                        </p:attrNameLst>
-                                      </p:cBhvr>
-                                      <p:to>
-                                        <a:srgbClr val="F2ECE2"/>
-                                      </p:to>
-                                    </p:animClr>
-                                  </p:childTnLst>
-                                </p:cTn>
-                              </p:par>
-                              <p:par>
-                                <p:cTn id="64" presetID="3" presetClass="emph" presetSubtype="2" fill="hold" nodeType="withEffect">
-                                  <p:stCondLst>
-                                    <p:cond delay="0"/>
-                                  </p:stCondLst>
-                                  <p:childTnLst>
-                                    <p:animClr clrSpc="rgb" dir="cw">
-                                      <p:cBhvr override="childStyle">
-                                        <p:cTn id="65" dur="1000" fill="hold"/>
-                                        <p:tgtEl>
-                                          <p:spTgt spid="7">
-                                            <p:txEl>
-                                              <p:pRg st="1" end="1"/>
-                                            </p:txEl>
-                                          </p:spTgt>
-                                        </p:tgtEl>
-                                        <p:attrNameLst>
-                                          <p:attrName>style.color</p:attrName>
-                                        </p:attrNameLst>
-                                      </p:cBhvr>
-                                      <p:to>
-                                        <a:srgbClr val="F2ECE2"/>
-                                      </p:to>
-                                    </p:animClr>
-                                  </p:childTnLst>
-                                </p:cTn>
-                              </p:par>
-                              <p:par>
-                                <p:cTn id="66" presetID="3" presetClass="emph" presetSubtype="2" fill="hold" nodeType="withEffect">
-                                  <p:stCondLst>
-                                    <p:cond delay="0"/>
-                                  </p:stCondLst>
-                                  <p:childTnLst>
-                                    <p:animClr clrSpc="rgb" dir="cw">
-                                      <p:cBhvr override="childStyle">
-                                        <p:cTn id="67" dur="1000" fill="hold"/>
-                                        <p:tgtEl>
-                                          <p:spTgt spid="7">
-                                            <p:txEl>
-                                              <p:charRg st="147" end="303"/>
-                                            </p:txEl>
-                                          </p:spTgt>
-                                        </p:tgtEl>
-                                        <p:attrNameLst>
-                                          <p:attrName>style.color</p:attrName>
-                                        </p:attrNameLst>
-                                      </p:cBhvr>
-                                      <p:to>
-                                        <a:srgbClr val="F2ECE2"/>
-                                      </p:to>
-                                    </p:animClr>
-                                  </p:childTnLst>
-                                </p:cTn>
-                              </p:par>
-                              <p:par>
-                                <p:cTn id="68" presetID="3" presetClass="emph" presetSubtype="2" fill="hold" nodeType="withEffect">
-                                  <p:stCondLst>
-                                    <p:cond delay="0"/>
-                                  </p:stCondLst>
-                                  <p:childTnLst>
-                                    <p:animClr clrSpc="rgb" dir="cw">
-                                      <p:cBhvr override="childStyle">
-                                        <p:cTn id="69" dur="1000" fill="hold"/>
-                                        <p:tgtEl>
-                                          <p:spTgt spid="7">
-                                            <p:txEl>
-                                              <p:charRg st="303" end="453"/>
-                                            </p:txEl>
-                                          </p:spTgt>
-                                        </p:tgtEl>
-                                        <p:attrNameLst>
-                                          <p:attrName>style.color</p:attrName>
-                                        </p:attrNameLst>
-                                      </p:cBhvr>
-                                      <p:to>
-                                        <a:srgbClr val="F2ECE2"/>
-                                      </p:to>
-                                    </p:animClr>
-                                  </p:childTnLst>
-                                </p:cTn>
-                              </p:par>
-                              <p:par>
-                                <p:cTn id="70" presetID="3" presetClass="emph" presetSubtype="2" fill="hold" nodeType="withEffect">
-                                  <p:stCondLst>
-                                    <p:cond delay="0"/>
-                                  </p:stCondLst>
-                                  <p:childTnLst>
-                                    <p:animClr clrSpc="rgb" dir="cw">
-                                      <p:cBhvr override="childStyle">
-                                        <p:cTn id="71" dur="1000" fill="hold"/>
-                                        <p:tgtEl>
-                                          <p:spTgt spid="7">
-                                            <p:txEl>
-                                              <p:charRg st="453" end="556"/>
-                                            </p:txEl>
-                                          </p:spTgt>
-                                        </p:tgtEl>
-                                        <p:attrNameLst>
-                                          <p:attrName>style.color</p:attrName>
-                                        </p:attrNameLst>
-                                      </p:cBhvr>
-                                      <p:to>
-                                        <a:srgbClr val="F2ECE2"/>
-                                      </p:to>
-                                    </p:animClr>
+                                    </p:animEffect>
                                   </p:childTnLst>
                                 </p:cTn>
                               </p:par>
@@ -15035,6 +14855,12 @@
         </p:cTn>
       </p:par>
     </p:tnLst>
+    <p:bldLst>
+      <p:bldP spid="6" grpId="0" animBg="1"/>
+      <p:bldP spid="7" grpId="0" animBg="1"/>
+      <p:bldP spid="8" grpId="0" animBg="1"/>
+      <p:bldP spid="9" grpId="0" animBg="1"/>
+    </p:bldLst>
   </p:timing>
 </p:sld>
 </file>
@@ -15250,10 +15076,18 @@
           <a:lstStyle/>
           <a:p>
             <a:r>
-              <a:rPr lang="zh-CN" altLang="en-US" sz="1200" dirty="0"/>
+              <a:rPr lang="zh-CN" altLang="en-US" sz="1200" b="1" dirty="0">
+                <a:solidFill>
+                  <a:schemeClr val="accent2"/>
+                </a:solidFill>
+              </a:rPr>
               <a:t>抽象→具象</a:t>
             </a:r>
-            <a:endParaRPr lang="en-US" altLang="zh-CN" sz="1200" dirty="0"/>
+            <a:endParaRPr lang="en-US" altLang="zh-CN" sz="1200" b="1" dirty="0">
+              <a:solidFill>
+                <a:schemeClr val="accent2"/>
+              </a:solidFill>
+            </a:endParaRPr>
           </a:p>
           <a:p>
             <a:pPr lvl="1"/>
@@ -15468,10 +15302,18 @@
               </a:lstStyle>
               <a:p>
                 <a:r>
-                  <a:rPr lang="zh-CN" altLang="en-US" sz="1200" dirty="0"/>
+                  <a:rPr lang="zh-CN" altLang="en-US" sz="1200" b="1" dirty="0">
+                    <a:solidFill>
+                      <a:schemeClr val="accent2"/>
+                    </a:solidFill>
+                  </a:rPr>
                   <a:t>低维→高维</a:t>
                 </a:r>
-                <a:endParaRPr lang="en-US" altLang="zh-CN" sz="1200" dirty="0"/>
+                <a:endParaRPr lang="en-US" altLang="zh-CN" sz="1200" b="1" dirty="0">
+                  <a:solidFill>
+                    <a:schemeClr val="accent2"/>
+                  </a:solidFill>
+                </a:endParaRPr>
               </a:p>
               <a:p>
                 <a:pPr lvl="1"/>
@@ -17111,10 +16953,18 @@
               </a:lstStyle>
               <a:p>
                 <a:r>
-                  <a:rPr lang="zh-CN" altLang="en-US" sz="1200" dirty="0"/>
+                  <a:rPr lang="zh-CN" altLang="en-US" sz="1200" b="1" dirty="0">
+                    <a:solidFill>
+                      <a:schemeClr val="accent2"/>
+                    </a:solidFill>
+                  </a:rPr>
                   <a:t>精确→近似</a:t>
                 </a:r>
-                <a:endParaRPr lang="en-US" altLang="zh-CN" sz="1200" dirty="0"/>
+                <a:endParaRPr lang="en-US" altLang="zh-CN" sz="1200" b="1" dirty="0">
+                  <a:solidFill>
+                    <a:schemeClr val="accent2"/>
+                  </a:solidFill>
+                </a:endParaRPr>
               </a:p>
               <a:p>
                 <a:pPr lvl="1"/>
@@ -18580,10 +18430,18 @@
               </a:lstStyle>
               <a:p>
                 <a:r>
-                  <a:rPr lang="zh-CN" altLang="en-US" sz="1200" dirty="0"/>
+                  <a:rPr lang="zh-CN" altLang="en-US" sz="1200" b="1" dirty="0">
+                    <a:solidFill>
+                      <a:schemeClr val="accent2"/>
+                    </a:solidFill>
+                  </a:rPr>
                   <a:t>通解→特例</a:t>
                 </a:r>
-                <a:endParaRPr lang="en-US" altLang="zh-CN" sz="1200" dirty="0"/>
+                <a:endParaRPr lang="en-US" altLang="zh-CN" sz="1200" b="1" dirty="0">
+                  <a:solidFill>
+                    <a:schemeClr val="accent2"/>
+                  </a:solidFill>
+                </a:endParaRPr>
               </a:p>
               <a:p>
                 <a:pPr lvl="1"/>
@@ -19240,8 +19098,8 @@
             </p:nvSpPr>
             <p:spPr>
               <a:xfrm>
-                <a:off x="1593436" y="1484784"/>
-                <a:ext cx="9782801" cy="936103"/>
+                <a:off x="1593435" y="1272477"/>
+                <a:ext cx="9782801" cy="1400361"/>
               </a:xfrm>
             </p:spPr>
             <p:txBody>
@@ -19251,10 +19109,18 @@
               <a:lstStyle/>
               <a:p>
                 <a:r>
-                  <a:rPr lang="zh-CN" altLang="en-US" sz="1400" dirty="0"/>
-                  <a:t>用 “自然语言”理解公式</a:t>
+                  <a:rPr lang="zh-CN" altLang="en-US" sz="1400" b="1" dirty="0">
+                    <a:solidFill>
+                      <a:schemeClr val="accent2"/>
+                    </a:solidFill>
+                  </a:rPr>
+                  <a:t>用人类语言“读出”公式</a:t>
                 </a:r>
-                <a:endParaRPr lang="en-US" altLang="zh-CN" sz="1400" dirty="0"/>
+                <a:endParaRPr lang="en-US" altLang="zh-CN" sz="1400" b="1" dirty="0">
+                  <a:solidFill>
+                    <a:schemeClr val="accent2"/>
+                  </a:solidFill>
+                </a:endParaRPr>
               </a:p>
               <a:p>
                 <a:pPr lvl="1"/>
@@ -19512,7 +19378,195 @@
                 </a14:m>
                 <a:r>
                   <a:rPr lang="zh-CN" altLang="en-US" sz="1400" dirty="0"/>
-                  <a:t> 。（柯西）</a:t>
+                  <a:t> 。（柯西， </a:t>
+                </a:r>
+                <a14:m>
+                  <m:oMath xmlns:m="http://schemas.openxmlformats.org/officeDocument/2006/math">
+                    <m:r>
+                      <a:rPr lang="en-US" altLang="zh-CN" sz="1400" i="1">
+                        <a:latin typeface="Cambria Math" panose="02040503050406030204" pitchFamily="18" charset="0"/>
+                      </a:rPr>
+                      <m:t>𝜖</m:t>
+                    </m:r>
+                    <m:r>
+                      <a:rPr lang="en-US" altLang="zh-CN" sz="1400" i="1" smtClean="0">
+                        <a:latin typeface="Cambria Math" panose="02040503050406030204" pitchFamily="18" charset="0"/>
+                      </a:rPr>
+                      <m:t>-</m:t>
+                    </m:r>
+                    <m:r>
+                      <a:rPr lang="en-US" altLang="zh-CN" sz="1400" i="1">
+                        <a:latin typeface="Cambria Math" panose="02040503050406030204" pitchFamily="18" charset="0"/>
+                      </a:rPr>
+                      <m:t>𝑁</m:t>
+                    </m:r>
+                  </m:oMath>
+                </a14:m>
+                <a:r>
+                  <a:rPr lang="zh-CN" altLang="en-US" sz="1400" dirty="0"/>
+                  <a:t> 语言）</a:t>
+                </a:r>
+                <a:endParaRPr lang="en-US" altLang="zh-CN" sz="1400" dirty="0"/>
+              </a:p>
+              <a:p>
+                <a:pPr lvl="1"/>
+                <a:r>
+                  <a:rPr lang="zh-CN" altLang="en-US" sz="1400" dirty="0"/>
+                  <a:t>人类语言：甲</a:t>
+                </a:r>
+                <a:r>
+                  <a:rPr lang="en-US" altLang="zh-CN" sz="1400" dirty="0"/>
+                  <a:t>-</a:t>
+                </a:r>
+                <a:r>
+                  <a:rPr lang="zh-CN" altLang="en-US" sz="1400" dirty="0"/>
+                  <a:t>“我提出一个距离（</a:t>
+                </a:r>
+                <a:r>
+                  <a:rPr lang="en-US" altLang="zh-CN" sz="1400" dirty="0"/>
+                  <a:t> </a:t>
+                </a:r>
+                <a14:m>
+                  <m:oMath xmlns:m="http://schemas.openxmlformats.org/officeDocument/2006/math">
+                    <m:r>
+                      <a:rPr lang="en-US" altLang="zh-CN" sz="1400" i="1">
+                        <a:latin typeface="Cambria Math" panose="02040503050406030204" pitchFamily="18" charset="0"/>
+                      </a:rPr>
+                      <m:t>𝜖</m:t>
+                    </m:r>
+                    <m:r>
+                      <a:rPr lang="en-US" altLang="zh-CN" sz="1400" i="1">
+                        <a:latin typeface="Cambria Math" panose="02040503050406030204" pitchFamily="18" charset="0"/>
+                      </a:rPr>
+                      <m:t> </m:t>
+                    </m:r>
+                  </m:oMath>
+                </a14:m>
+                <a:r>
+                  <a:rPr lang="zh-CN" altLang="en-US" sz="1400" dirty="0"/>
+                  <a:t>），你能在数列里找到和点 </a:t>
+                </a:r>
+                <a14:m>
+                  <m:oMath xmlns:m="http://schemas.openxmlformats.org/officeDocument/2006/math">
+                    <m:sSub>
+                      <m:sSubPr>
+                        <m:ctrlPr>
+                          <a:rPr lang="en-US" altLang="zh-CN" sz="1400" i="1">
+                            <a:latin typeface="Cambria Math" panose="02040503050406030204" pitchFamily="18" charset="0"/>
+                          </a:rPr>
+                        </m:ctrlPr>
+                      </m:sSubPr>
+                      <m:e>
+                        <m:r>
+                          <a:rPr lang="en-US" altLang="zh-CN" sz="1400" i="1">
+                            <a:latin typeface="Cambria Math" panose="02040503050406030204" pitchFamily="18" charset="0"/>
+                          </a:rPr>
+                          <m:t>𝑥</m:t>
+                        </m:r>
+                      </m:e>
+                      <m:sub>
+                        <m:r>
+                          <a:rPr lang="en-US" altLang="zh-CN" sz="1400" i="1">
+                            <a:latin typeface="Cambria Math" panose="02040503050406030204" pitchFamily="18" charset="0"/>
+                          </a:rPr>
+                          <m:t>0</m:t>
+                        </m:r>
+                      </m:sub>
+                    </m:sSub>
+                  </m:oMath>
+                </a14:m>
+                <a:r>
+                  <a:rPr lang="zh-CN" altLang="en-US" sz="1400" dirty="0"/>
+                  <a:t> 很近的点吗？”乙</a:t>
+                </a:r>
+                <a:r>
+                  <a:rPr lang="en-US" altLang="zh-CN" sz="1400" dirty="0"/>
+                  <a:t>-</a:t>
+                </a:r>
+                <a:r>
+                  <a:rPr lang="zh-CN" altLang="en-US" sz="1400" dirty="0"/>
+                  <a:t>“可以啊，我给你找个位置（</a:t>
+                </a:r>
+                <a:r>
+                  <a:rPr lang="en-US" altLang="zh-CN" sz="1400" dirty="0"/>
+                  <a:t> </a:t>
+                </a:r>
+                <a14:m>
+                  <m:oMath xmlns:m="http://schemas.openxmlformats.org/officeDocument/2006/math">
+                    <m:r>
+                      <a:rPr lang="en-US" altLang="zh-CN" sz="1400" i="1">
+                        <a:latin typeface="Cambria Math" panose="02040503050406030204" pitchFamily="18" charset="0"/>
+                      </a:rPr>
+                      <m:t>𝑁</m:t>
+                    </m:r>
+                    <m:r>
+                      <a:rPr lang="en-US" altLang="zh-CN" sz="1400" i="1">
+                        <a:latin typeface="Cambria Math" panose="02040503050406030204" pitchFamily="18" charset="0"/>
+                      </a:rPr>
+                      <m:t> </m:t>
+                    </m:r>
+                  </m:oMath>
+                </a14:m>
+                <a:r>
+                  <a:rPr lang="zh-CN" altLang="en-US" sz="1400" dirty="0"/>
+                  <a:t>），我保证它后面的数字和点 </a:t>
+                </a:r>
+                <a14:m>
+                  <m:oMath xmlns:m="http://schemas.openxmlformats.org/officeDocument/2006/math">
+                    <m:sSub>
+                      <m:sSubPr>
+                        <m:ctrlPr>
+                          <a:rPr lang="en-US" altLang="zh-CN" sz="1400" i="1">
+                            <a:latin typeface="Cambria Math" panose="02040503050406030204" pitchFamily="18" charset="0"/>
+                          </a:rPr>
+                        </m:ctrlPr>
+                      </m:sSubPr>
+                      <m:e>
+                        <m:r>
+                          <a:rPr lang="en-US" altLang="zh-CN" sz="1400" i="1">
+                            <a:latin typeface="Cambria Math" panose="02040503050406030204" pitchFamily="18" charset="0"/>
+                          </a:rPr>
+                          <m:t>𝑥</m:t>
+                        </m:r>
+                      </m:e>
+                      <m:sub>
+                        <m:r>
+                          <a:rPr lang="en-US" altLang="zh-CN" sz="1400" i="1">
+                            <a:latin typeface="Cambria Math" panose="02040503050406030204" pitchFamily="18" charset="0"/>
+                          </a:rPr>
+                          <m:t>0</m:t>
+                        </m:r>
+                      </m:sub>
+                    </m:sSub>
+                  </m:oMath>
+                </a14:m>
+                <a:r>
+                  <a:rPr lang="zh-CN" altLang="en-US" sz="1400" dirty="0"/>
+                  <a:t> 都很近（距离小于</a:t>
+                </a:r>
+                <a:r>
+                  <a:rPr lang="en-US" altLang="zh-CN" sz="1400" dirty="0"/>
+                  <a:t> </a:t>
+                </a:r>
+                <a14:m>
+                  <m:oMath xmlns:m="http://schemas.openxmlformats.org/officeDocument/2006/math">
+                    <m:r>
+                      <a:rPr lang="en-US" altLang="zh-CN" sz="1400" i="1">
+                        <a:latin typeface="Cambria Math" panose="02040503050406030204" pitchFamily="18" charset="0"/>
+                      </a:rPr>
+                      <m:t>𝜖</m:t>
+                    </m:r>
+                    <m:r>
+                      <a:rPr lang="en-US" altLang="zh-CN" sz="1400" i="1">
+                        <a:latin typeface="Cambria Math" panose="02040503050406030204" pitchFamily="18" charset="0"/>
+                      </a:rPr>
+                      <m:t> </m:t>
+                    </m:r>
+                  </m:oMath>
+                </a14:m>
+                <a:r>
+                  <a:rPr lang="zh-CN" altLang="en-US" sz="1400" dirty="0"/>
+                  <a:t>）。”</a:t>
                 </a:r>
                 <a:endParaRPr lang="en-US" altLang="zh-CN" sz="1400" dirty="0"/>
               </a:p>
@@ -19538,13 +19592,13 @@
             </p:nvSpPr>
             <p:spPr>
               <a:xfrm>
-                <a:off x="1593436" y="1484784"/>
-                <a:ext cx="9782801" cy="936103"/>
+                <a:off x="1593435" y="1272477"/>
+                <a:ext cx="9782801" cy="1400361"/>
               </a:xfrm>
               <a:blipFill>
                 <a:blip r:embed="rId2"/>
                 <a:stretch>
-                  <a:fillRect l="-249" t="-6536"/>
+                  <a:fillRect l="-249" t="-4367"/>
                 </a:stretch>
               </a:blipFill>
             </p:spPr>
@@ -19581,7 +19635,7 @@
             </p:nvSpPr>
             <p:spPr>
               <a:xfrm>
-                <a:off x="1593435" y="2560641"/>
+                <a:off x="1593435" y="2956424"/>
                 <a:ext cx="9782801" cy="794216"/>
               </a:xfrm>
               <a:prstGeom prst="rect">
@@ -19758,18 +19812,34 @@
               </a:lstStyle>
               <a:p>
                 <a:r>
-                  <a:rPr lang="zh-CN" altLang="en-US" sz="1400" dirty="0"/>
+                  <a:rPr lang="zh-CN" altLang="en-US" sz="1400" b="1" dirty="0">
+                    <a:solidFill>
+                      <a:schemeClr val="accent2"/>
+                    </a:solidFill>
+                  </a:rPr>
                   <a:t>了解数学史的一些小故事</a:t>
                 </a:r>
                 <a:r>
-                  <a:rPr lang="en-US" altLang="zh-CN" sz="1400" dirty="0"/>
+                  <a:rPr lang="en-US" altLang="zh-CN" sz="1400" b="1" dirty="0">
+                    <a:solidFill>
+                      <a:schemeClr val="accent2"/>
+                    </a:solidFill>
+                  </a:rPr>
                   <a:t>/</a:t>
                 </a:r>
                 <a:r>
-                  <a:rPr lang="zh-CN" altLang="en-US" sz="1400" dirty="0"/>
+                  <a:rPr lang="zh-CN" altLang="en-US" sz="1400" b="1" dirty="0">
+                    <a:solidFill>
+                      <a:schemeClr val="accent2"/>
+                    </a:solidFill>
+                  </a:rPr>
                   <a:t>黑历史</a:t>
                 </a:r>
-                <a:endParaRPr lang="en-US" altLang="zh-CN" sz="1400" dirty="0"/>
+                <a:endParaRPr lang="en-US" altLang="zh-CN" sz="1400" b="1" dirty="0">
+                  <a:solidFill>
+                    <a:schemeClr val="accent2"/>
+                  </a:solidFill>
+                </a:endParaRPr>
               </a:p>
               <a:p>
                 <a:pPr lvl="1"/>
@@ -19845,7 +19915,11 @@
                 </a:r>
                 <a:r>
                   <a:rPr lang="zh-CN" altLang="en-US" sz="1400" dirty="0"/>
-                  <a:t>两个字母。</a:t>
+                  <a:t>两</a:t>
+                </a:r>
+                <a:r>
+                  <a:rPr lang="zh-CN" altLang="en-US" sz="1400"/>
+                  <a:t>个字母？</a:t>
                 </a:r>
                 <a:endParaRPr lang="en-US" altLang="zh-CN" sz="1400" dirty="0"/>
               </a:p>
@@ -19869,7 +19943,7 @@
             </p:nvSpPr>
             <p:spPr>
               <a:xfrm>
-                <a:off x="1593435" y="2560641"/>
+                <a:off x="1593435" y="2956424"/>
                 <a:ext cx="9782801" cy="794216"/>
               </a:xfrm>
               <a:prstGeom prst="rect">
@@ -19878,7 +19952,7 @@
               <a:blipFill>
                 <a:blip r:embed="rId3"/>
                 <a:stretch>
-                  <a:fillRect l="-249" t="-6923"/>
+                  <a:fillRect l="-249" t="-7692"/>
                 </a:stretch>
               </a:blipFill>
             </p:spPr>
@@ -19913,7 +19987,7 @@
             </p:nvSpPr>
             <p:spPr>
               <a:xfrm>
-                <a:off x="4690256" y="3212976"/>
+                <a:off x="4690256" y="3608759"/>
                 <a:ext cx="2808312" cy="584775"/>
               </a:xfrm>
               <a:prstGeom prst="rect">
@@ -19927,6 +20001,7 @@
               </a:bodyPr>
               <a:lstStyle/>
               <a:p>
+                <a:pPr/>
                 <a14:m>
                   <m:oMathPara xmlns:m="http://schemas.openxmlformats.org/officeDocument/2006/math">
                     <m:oMathParaPr>
@@ -19988,7 +20063,7 @@
             </p:nvSpPr>
             <p:spPr>
               <a:xfrm>
-                <a:off x="4690256" y="3212976"/>
+                <a:off x="4690256" y="3608759"/>
                 <a:ext cx="2808312" cy="584775"/>
               </a:xfrm>
               <a:prstGeom prst="rect">
@@ -20032,7 +20107,7 @@
         </p:nvCxnSpPr>
         <p:spPr>
           <a:xfrm>
-            <a:off x="7030516" y="3811748"/>
+            <a:off x="7030516" y="4207531"/>
             <a:ext cx="468052" cy="292297"/>
           </a:xfrm>
           <a:prstGeom prst="straightConnector1">
@@ -20071,7 +20146,7 @@
         </p:nvSpPr>
         <p:spPr>
           <a:xfrm>
-            <a:off x="7264542" y="4104045"/>
+            <a:off x="7264542" y="4499828"/>
             <a:ext cx="615874" cy="369332"/>
           </a:xfrm>
           <a:prstGeom prst="rect">
@@ -20109,7 +20184,7 @@
         </p:nvCxnSpPr>
         <p:spPr>
           <a:xfrm flipH="1">
-            <a:off x="5446340" y="3789040"/>
+            <a:off x="5446340" y="4184823"/>
             <a:ext cx="504056" cy="292297"/>
           </a:xfrm>
           <a:prstGeom prst="straightConnector1">
@@ -20148,7 +20223,7 @@
         </p:nvSpPr>
         <p:spPr>
           <a:xfrm>
-            <a:off x="4736206" y="4104045"/>
+            <a:off x="4736206" y="4499828"/>
             <a:ext cx="1290738" cy="369332"/>
           </a:xfrm>
           <a:prstGeom prst="rect">
@@ -20186,7 +20261,7 @@
         </p:nvCxnSpPr>
         <p:spPr>
           <a:xfrm flipH="1">
-            <a:off x="4150196" y="4320069"/>
+            <a:off x="4150196" y="4715852"/>
             <a:ext cx="504056" cy="0"/>
           </a:xfrm>
           <a:prstGeom prst="straightConnector1">
@@ -20225,7 +20300,7 @@
         </p:nvSpPr>
         <p:spPr>
           <a:xfrm>
-            <a:off x="2566020" y="4104045"/>
+            <a:off x="2566020" y="4499828"/>
             <a:ext cx="1505477" cy="369332"/>
           </a:xfrm>
           <a:prstGeom prst="rect">
@@ -20263,7 +20338,7 @@
         </p:nvSpPr>
         <p:spPr>
           <a:xfrm>
-            <a:off x="1593435" y="5024225"/>
+            <a:off x="1593435" y="5240253"/>
             <a:ext cx="9782801" cy="1501115"/>
           </a:xfrm>
           <a:prstGeom prst="rect">
@@ -20440,10 +20515,18 @@
           </a:lstStyle>
           <a:p>
             <a:r>
-              <a:rPr lang="zh-CN" altLang="en-US" sz="1400" dirty="0"/>
+              <a:rPr lang="zh-CN" altLang="en-US" sz="1400" b="1" dirty="0">
+                <a:solidFill>
+                  <a:schemeClr val="accent2"/>
+                </a:solidFill>
+              </a:rPr>
               <a:t>了解基本的运算规则，记不住的知识知道去哪里查找概念</a:t>
             </a:r>
-            <a:endParaRPr lang="en-US" altLang="zh-CN" sz="1400" dirty="0"/>
+            <a:endParaRPr lang="en-US" altLang="zh-CN" sz="1400" b="1" dirty="0">
+              <a:solidFill>
+                <a:schemeClr val="accent2"/>
+              </a:solidFill>
+            </a:endParaRPr>
           </a:p>
           <a:p>
             <a:pPr lvl="1"/>
@@ -20506,13 +20589,13 @@
   <p:clrMapOvr>
     <a:masterClrMapping/>
   </p:clrMapOvr>
-  <mc:AlternateContent xmlns:mc="http://schemas.openxmlformats.org/markup-compatibility/2006">
-    <mc:Choice xmlns:p14="http://schemas.microsoft.com/office/powerpoint/2010/main" Requires="p14">
+  <mc:AlternateContent xmlns:mc="http://schemas.openxmlformats.org/markup-compatibility/2006" xmlns:p14="http://schemas.microsoft.com/office/powerpoint/2010/main">
+    <mc:Choice Requires="p14">
       <p:transition spd="med" p14:dur="700">
         <p:fade/>
       </p:transition>
     </mc:Choice>
-    <mc:Fallback>
+    <mc:Fallback xmlns="">
       <p:transition spd="med">
         <p:fade/>
       </p:transition>
@@ -20624,6 +20707,49 @@
                                   </p:childTnLst>
                                 </p:cTn>
                               </p:par>
+                              <p:par>
+                                <p:cTn id="11" presetID="10" presetClass="entr" presetSubtype="0" fill="hold" grpId="0" nodeType="withEffect">
+                                  <p:stCondLst>
+                                    <p:cond delay="0"/>
+                                  </p:stCondLst>
+                                  <p:childTnLst>
+                                    <p:set>
+                                      <p:cBhvr>
+                                        <p:cTn id="12" dur="1" fill="hold">
+                                          <p:stCondLst>
+                                            <p:cond delay="0"/>
+                                          </p:stCondLst>
+                                        </p:cTn>
+                                        <p:tgtEl>
+                                          <p:spTgt spid="3">
+                                            <p:txEl>
+                                              <p:pRg st="2" end="2"/>
+                                            </p:txEl>
+                                          </p:spTgt>
+                                        </p:tgtEl>
+                                        <p:attrNameLst>
+                                          <p:attrName>style.visibility</p:attrName>
+                                        </p:attrNameLst>
+                                      </p:cBhvr>
+                                      <p:to>
+                                        <p:strVal val="visible"/>
+                                      </p:to>
+                                    </p:set>
+                                    <p:animEffect transition="in" filter="fade">
+                                      <p:cBhvr>
+                                        <p:cTn id="13" dur="500"/>
+                                        <p:tgtEl>
+                                          <p:spTgt spid="3">
+                                            <p:txEl>
+                                              <p:pRg st="2" end="2"/>
+                                            </p:txEl>
+                                          </p:spTgt>
+                                        </p:tgtEl>
+                                      </p:cBhvr>
+                                    </p:animEffect>
+                                  </p:childTnLst>
+                                </p:cTn>
+                              </p:par>
                             </p:childTnLst>
                           </p:cTn>
                         </p:par>
@@ -20631,26 +20757,26 @@
                     </p:cTn>
                   </p:par>
                   <p:par>
-                    <p:cTn id="11" fill="hold">
+                    <p:cTn id="14" fill="hold">
                       <p:stCondLst>
                         <p:cond delay="indefinite"/>
                       </p:stCondLst>
                       <p:childTnLst>
                         <p:par>
-                          <p:cTn id="12" fill="hold">
+                          <p:cTn id="15" fill="hold">
                             <p:stCondLst>
                               <p:cond delay="0"/>
                             </p:stCondLst>
                             <p:childTnLst>
                               <p:par>
-                                <p:cTn id="13" presetID="10" presetClass="entr" presetSubtype="0" fill="hold" grpId="0" nodeType="clickEffect">
+                                <p:cTn id="16" presetID="10" presetClass="entr" presetSubtype="0" fill="hold" grpId="0" nodeType="clickEffect">
                                   <p:stCondLst>
                                     <p:cond delay="0"/>
                                   </p:stCondLst>
                                   <p:childTnLst>
                                     <p:set>
                                       <p:cBhvr>
-                                        <p:cTn id="14" dur="1" fill="hold">
+                                        <p:cTn id="17" dur="1" fill="hold">
                                           <p:stCondLst>
                                             <p:cond delay="0"/>
                                           </p:stCondLst>
@@ -20668,7 +20794,7 @@
                                     </p:set>
                                     <p:animEffect transition="in" filter="fade">
                                       <p:cBhvr>
-                                        <p:cTn id="15" dur="500"/>
+                                        <p:cTn id="18" dur="500"/>
                                         <p:tgtEl>
                                           <p:spTgt spid="11"/>
                                         </p:tgtEl>
@@ -20684,26 +20810,26 @@
                     </p:cTn>
                   </p:par>
                   <p:par>
-                    <p:cTn id="16" fill="hold">
+                    <p:cTn id="19" fill="hold">
                       <p:stCondLst>
                         <p:cond delay="indefinite"/>
                       </p:stCondLst>
                       <p:childTnLst>
                         <p:par>
-                          <p:cTn id="17" fill="hold">
+                          <p:cTn id="20" fill="hold">
                             <p:stCondLst>
                               <p:cond delay="0"/>
                             </p:stCondLst>
                             <p:childTnLst>
                               <p:par>
-                                <p:cTn id="18" presetID="10" presetClass="entr" presetSubtype="0" fill="hold" grpId="0" nodeType="clickEffect">
+                                <p:cTn id="21" presetID="10" presetClass="entr" presetSubtype="0" fill="hold" grpId="0" nodeType="clickEffect">
                                   <p:stCondLst>
                                     <p:cond delay="0"/>
                                   </p:stCondLst>
                                   <p:childTnLst>
                                     <p:set>
                                       <p:cBhvr>
-                                        <p:cTn id="19" dur="1" fill="hold">
+                                        <p:cTn id="22" dur="1" fill="hold">
                                           <p:stCondLst>
                                             <p:cond delay="0"/>
                                           </p:stCondLst>
@@ -20721,7 +20847,7 @@
                                     </p:set>
                                     <p:animEffect transition="in" filter="fade">
                                       <p:cBhvr>
-                                        <p:cTn id="20" dur="500"/>
+                                        <p:cTn id="23" dur="500"/>
                                         <p:tgtEl>
                                           <p:spTgt spid="12"/>
                                         </p:tgtEl>
@@ -20731,14 +20857,14 @@
                                 </p:cTn>
                               </p:par>
                               <p:par>
-                                <p:cTn id="21" presetID="10" presetClass="entr" presetSubtype="0" fill="hold" nodeType="withEffect">
+                                <p:cTn id="24" presetID="10" presetClass="entr" presetSubtype="0" fill="hold" nodeType="withEffect">
                                   <p:stCondLst>
                                     <p:cond delay="0"/>
                                   </p:stCondLst>
                                   <p:childTnLst>
                                     <p:set>
                                       <p:cBhvr>
-                                        <p:cTn id="22" dur="1" fill="hold">
+                                        <p:cTn id="25" dur="1" fill="hold">
                                           <p:stCondLst>
                                             <p:cond delay="0"/>
                                           </p:stCondLst>
@@ -20756,7 +20882,7 @@
                                     </p:set>
                                     <p:animEffect transition="in" filter="fade">
                                       <p:cBhvr>
-                                        <p:cTn id="23" dur="500"/>
+                                        <p:cTn id="26" dur="500"/>
                                         <p:tgtEl>
                                           <p:spTgt spid="14"/>
                                         </p:tgtEl>
@@ -20766,14 +20892,14 @@
                                 </p:cTn>
                               </p:par>
                               <p:par>
-                                <p:cTn id="24" presetID="10" presetClass="entr" presetSubtype="0" fill="hold" grpId="0" nodeType="withEffect">
+                                <p:cTn id="27" presetID="10" presetClass="entr" presetSubtype="0" fill="hold" grpId="0" nodeType="withEffect">
                                   <p:stCondLst>
                                     <p:cond delay="0"/>
                                   </p:stCondLst>
                                   <p:childTnLst>
                                     <p:set>
                                       <p:cBhvr>
-                                        <p:cTn id="25" dur="1" fill="hold">
+                                        <p:cTn id="28" dur="1" fill="hold">
                                           <p:stCondLst>
                                             <p:cond delay="0"/>
                                           </p:stCondLst>
@@ -20791,7 +20917,7 @@
                                     </p:set>
                                     <p:animEffect transition="in" filter="fade">
                                       <p:cBhvr>
-                                        <p:cTn id="26" dur="500"/>
+                                        <p:cTn id="29" dur="500"/>
                                         <p:tgtEl>
                                           <p:spTgt spid="16"/>
                                         </p:tgtEl>
@@ -20807,26 +20933,26 @@
                     </p:cTn>
                   </p:par>
                   <p:par>
-                    <p:cTn id="27" fill="hold">
+                    <p:cTn id="30" fill="hold">
                       <p:stCondLst>
                         <p:cond delay="indefinite"/>
                       </p:stCondLst>
                       <p:childTnLst>
                         <p:par>
-                          <p:cTn id="28" fill="hold">
+                          <p:cTn id="31" fill="hold">
                             <p:stCondLst>
                               <p:cond delay="0"/>
                             </p:stCondLst>
                             <p:childTnLst>
                               <p:par>
-                                <p:cTn id="29" presetID="10" presetClass="entr" presetSubtype="0" fill="hold" nodeType="clickEffect">
+                                <p:cTn id="32" presetID="10" presetClass="entr" presetSubtype="0" fill="hold" nodeType="clickEffect">
                                   <p:stCondLst>
                                     <p:cond delay="0"/>
                                   </p:stCondLst>
                                   <p:childTnLst>
                                     <p:set>
                                       <p:cBhvr>
-                                        <p:cTn id="30" dur="1" fill="hold">
+                                        <p:cTn id="33" dur="1" fill="hold">
                                           <p:stCondLst>
                                             <p:cond delay="0"/>
                                           </p:stCondLst>
@@ -20844,7 +20970,7 @@
                                     </p:set>
                                     <p:animEffect transition="in" filter="fade">
                                       <p:cBhvr>
-                                        <p:cTn id="31" dur="500"/>
+                                        <p:cTn id="34" dur="500"/>
                                         <p:tgtEl>
                                           <p:spTgt spid="17"/>
                                         </p:tgtEl>
@@ -20854,14 +20980,14 @@
                                 </p:cTn>
                               </p:par>
                               <p:par>
-                                <p:cTn id="32" presetID="10" presetClass="entr" presetSubtype="0" fill="hold" grpId="0" nodeType="withEffect">
+                                <p:cTn id="35" presetID="10" presetClass="entr" presetSubtype="0" fill="hold" grpId="0" nodeType="withEffect">
                                   <p:stCondLst>
                                     <p:cond delay="0"/>
                                   </p:stCondLst>
                                   <p:childTnLst>
                                     <p:set>
                                       <p:cBhvr>
-                                        <p:cTn id="33" dur="1" fill="hold">
+                                        <p:cTn id="36" dur="1" fill="hold">
                                           <p:stCondLst>
                                             <p:cond delay="0"/>
                                           </p:stCondLst>
@@ -20879,7 +21005,7 @@
                                     </p:set>
                                     <p:animEffect transition="in" filter="fade">
                                       <p:cBhvr>
-                                        <p:cTn id="34" dur="500"/>
+                                        <p:cTn id="37" dur="500"/>
                                         <p:tgtEl>
                                           <p:spTgt spid="19"/>
                                         </p:tgtEl>
@@ -20895,26 +21021,26 @@
                     </p:cTn>
                   </p:par>
                   <p:par>
-                    <p:cTn id="35" fill="hold">
+                    <p:cTn id="38" fill="hold">
                       <p:stCondLst>
                         <p:cond delay="indefinite"/>
                       </p:stCondLst>
                       <p:childTnLst>
                         <p:par>
-                          <p:cTn id="36" fill="hold">
+                          <p:cTn id="39" fill="hold">
                             <p:stCondLst>
                               <p:cond delay="0"/>
                             </p:stCondLst>
                             <p:childTnLst>
                               <p:par>
-                                <p:cTn id="37" presetID="10" presetClass="entr" presetSubtype="0" fill="hold" nodeType="clickEffect">
+                                <p:cTn id="40" presetID="10" presetClass="entr" presetSubtype="0" fill="hold" nodeType="clickEffect">
                                   <p:stCondLst>
                                     <p:cond delay="0"/>
                                   </p:stCondLst>
                                   <p:childTnLst>
                                     <p:set>
                                       <p:cBhvr>
-                                        <p:cTn id="38" dur="1" fill="hold">
+                                        <p:cTn id="41" dur="1" fill="hold">
                                           <p:stCondLst>
                                             <p:cond delay="0"/>
                                           </p:stCondLst>
@@ -20932,7 +21058,7 @@
                                     </p:set>
                                     <p:animEffect transition="in" filter="fade">
                                       <p:cBhvr>
-                                        <p:cTn id="39" dur="500"/>
+                                        <p:cTn id="42" dur="500"/>
                                         <p:tgtEl>
                                           <p:spTgt spid="20"/>
                                         </p:tgtEl>
@@ -20942,14 +21068,14 @@
                                 </p:cTn>
                               </p:par>
                               <p:par>
-                                <p:cTn id="40" presetID="10" presetClass="entr" presetSubtype="0" fill="hold" grpId="0" nodeType="withEffect">
+                                <p:cTn id="43" presetID="10" presetClass="entr" presetSubtype="0" fill="hold" grpId="0" nodeType="withEffect">
                                   <p:stCondLst>
                                     <p:cond delay="0"/>
                                   </p:stCondLst>
                                   <p:childTnLst>
                                     <p:set>
                                       <p:cBhvr>
-                                        <p:cTn id="41" dur="1" fill="hold">
+                                        <p:cTn id="44" dur="1" fill="hold">
                                           <p:stCondLst>
                                             <p:cond delay="0"/>
                                           </p:stCondLst>
@@ -20967,7 +21093,7 @@
                                     </p:set>
                                     <p:animEffect transition="in" filter="fade">
                                       <p:cBhvr>
-                                        <p:cTn id="42" dur="500"/>
+                                        <p:cTn id="45" dur="500"/>
                                         <p:tgtEl>
                                           <p:spTgt spid="22"/>
                                         </p:tgtEl>
@@ -20983,26 +21109,26 @@
                     </p:cTn>
                   </p:par>
                   <p:par>
-                    <p:cTn id="43" fill="hold">
+                    <p:cTn id="46" fill="hold">
                       <p:stCondLst>
                         <p:cond delay="indefinite"/>
                       </p:stCondLst>
                       <p:childTnLst>
                         <p:par>
-                          <p:cTn id="44" fill="hold">
+                          <p:cTn id="47" fill="hold">
                             <p:stCondLst>
                               <p:cond delay="0"/>
                             </p:stCondLst>
                             <p:childTnLst>
                               <p:par>
-                                <p:cTn id="45" presetID="10" presetClass="entr" presetSubtype="0" fill="hold" grpId="0" nodeType="clickEffect">
+                                <p:cTn id="48" presetID="10" presetClass="entr" presetSubtype="0" fill="hold" grpId="0" nodeType="clickEffect">
                                   <p:stCondLst>
                                     <p:cond delay="0"/>
                                   </p:stCondLst>
                                   <p:childTnLst>
                                     <p:set>
                                       <p:cBhvr>
-                                        <p:cTn id="46" dur="1" fill="hold">
+                                        <p:cTn id="49" dur="1" fill="hold">
                                           <p:stCondLst>
                                             <p:cond delay="0"/>
                                           </p:stCondLst>
@@ -21020,7 +21146,7 @@
                                     </p:set>
                                     <p:animEffect transition="in" filter="fade">
                                       <p:cBhvr>
-                                        <p:cTn id="47" dur="500"/>
+                                        <p:cTn id="50" dur="500"/>
                                         <p:tgtEl>
                                           <p:spTgt spid="23"/>
                                         </p:tgtEl>
@@ -21231,13 +21357,13 @@
   <p:clrMapOvr>
     <a:masterClrMapping/>
   </p:clrMapOvr>
-  <mc:AlternateContent xmlns:mc="http://schemas.openxmlformats.org/markup-compatibility/2006">
-    <mc:Choice xmlns:p14="http://schemas.microsoft.com/office/powerpoint/2010/main" Requires="p14">
+  <mc:AlternateContent xmlns:mc="http://schemas.openxmlformats.org/markup-compatibility/2006" xmlns:p14="http://schemas.microsoft.com/office/powerpoint/2010/main">
+    <mc:Choice Requires="p14">
       <p:transition spd="med" p14:dur="700">
         <p:fade/>
       </p:transition>
     </mc:Choice>
-    <mc:Fallback>
+    <mc:Fallback xmlns="">
       <p:transition spd="med">
         <p:fade/>
       </p:transition>
@@ -21363,13 +21489,13 @@
   <p:clrMapOvr>
     <a:masterClrMapping/>
   </p:clrMapOvr>
-  <mc:AlternateContent xmlns:mc="http://schemas.openxmlformats.org/markup-compatibility/2006">
-    <mc:Choice xmlns:p14="http://schemas.microsoft.com/office/powerpoint/2010/main" Requires="p14">
+  <mc:AlternateContent xmlns:mc="http://schemas.openxmlformats.org/markup-compatibility/2006" xmlns:p14="http://schemas.microsoft.com/office/powerpoint/2010/main">
+    <mc:Choice Requires="p14">
       <p:transition spd="med" p14:dur="700">
         <p:fade/>
       </p:transition>
     </mc:Choice>
-    <mc:Fallback>
+    <mc:Fallback xmlns="">
       <p:transition spd="med">
         <p:fade/>
       </p:transition>
@@ -21681,7 +21807,7 @@
           </a:lstStyle>
           <a:p>
             <a:r>
-              <a:rPr lang="zh-CN" altLang="en-US">
+              <a:rPr lang="zh-CN" altLang="en-US" dirty="0">
                 <a:solidFill>
                   <a:schemeClr val="accent4"/>
                 </a:solidFill>
@@ -21691,7 +21817,7 @@
               <a:t>分享人：</a:t>
             </a:r>
             <a:r>
-              <a:rPr lang="en-US" altLang="zh-CN">
+              <a:rPr lang="en-US" altLang="zh-CN" dirty="0">
                 <a:solidFill>
                   <a:schemeClr val="accent4"/>
                 </a:solidFill>
@@ -21701,7 +21827,7 @@
               <a:t>Ai</a:t>
             </a:r>
             <a:r>
-              <a:rPr lang="zh-CN" altLang="en-US">
+              <a:rPr lang="zh-CN" altLang="en-US" dirty="0">
                 <a:solidFill>
                   <a:schemeClr val="accent4"/>
                 </a:solidFill>
@@ -21710,7 +21836,7 @@
               </a:rPr>
               <a:t>兔兔</a:t>
             </a:r>
-            <a:endParaRPr lang="en-US" altLang="zh-CN">
+            <a:endParaRPr lang="en-US" altLang="zh-CN" dirty="0">
               <a:solidFill>
                 <a:schemeClr val="accent4"/>
               </a:solidFill>
@@ -21720,7 +21846,7 @@
           </a:p>
           <a:p>
             <a:r>
-              <a:rPr lang="en-US" altLang="zh-CN">
+              <a:rPr lang="en-US" altLang="zh-CN" dirty="0">
                 <a:solidFill>
                   <a:schemeClr val="accent4"/>
                 </a:solidFill>
@@ -21730,7 +21856,7 @@
               <a:t>Blog</a:t>
             </a:r>
             <a:r>
-              <a:rPr lang="zh-CN" altLang="en-US">
+              <a:rPr lang="zh-CN" altLang="en-US" dirty="0">
                 <a:solidFill>
                   <a:schemeClr val="accent4"/>
                 </a:solidFill>
@@ -21740,26 +21866,38 @@
               <a:t>：</a:t>
             </a:r>
             <a:r>
-              <a:rPr lang="en-US" altLang="zh-CN">
+              <a:rPr lang="en-US" altLang="zh-CN" dirty="0">
                 <a:hlinkClick r:id="rId2"/>
               </a:rPr>
-              <a:t>http://sakigami-yang.me/</a:t>
-            </a:r>
-            <a:endParaRPr lang="en-US" altLang="zh-CN"/>
+              <a:t>http://</a:t>
+            </a:r>
+            <a:r>
+              <a:rPr lang="en-US" altLang="zh-CN" dirty="0" err="1">
+                <a:hlinkClick r:id="rId2"/>
+              </a:rPr>
+              <a:t>sakigami-yang.me</a:t>
+            </a:r>
+            <a:r>
+              <a:rPr lang="en-US" altLang="zh-CN" dirty="0">
+                <a:hlinkClick r:id="rId2"/>
+              </a:rPr>
+              <a:t>/</a:t>
+            </a:r>
+            <a:endParaRPr lang="en-US" altLang="zh-CN" dirty="0"/>
           </a:p>
           <a:p>
             <a:r>
-              <a:rPr lang="en-US" altLang="zh-CN">
+              <a:rPr lang="en-US" altLang="zh-CN" dirty="0">
                 <a:solidFill>
                   <a:schemeClr val="accent4"/>
                 </a:solidFill>
                 <a:latin typeface="Arial" panose="020B0604020202020204" pitchFamily="34" charset="0"/>
                 <a:sym typeface="Arial" panose="020B0604020202020204" pitchFamily="34" charset="0"/>
               </a:rPr>
-              <a:t>Github</a:t>
-            </a:r>
-            <a:r>
-              <a:rPr lang="zh-CN" altLang="en-US">
+              <a:t>GitHub</a:t>
+            </a:r>
+            <a:r>
+              <a:rPr lang="zh-CN" altLang="en-US" dirty="0">
                 <a:solidFill>
                   <a:schemeClr val="accent4"/>
                 </a:solidFill>
@@ -21769,10 +21907,28 @@
               <a:t>：</a:t>
             </a:r>
             <a:r>
-              <a:rPr lang="en-US" altLang="zh-CN">
+              <a:rPr lang="en-US" altLang="zh-CN" dirty="0">
                 <a:hlinkClick r:id="rId3"/>
               </a:rPr>
-              <a:t>https://github.com/SakigamiYang</a:t>
+              <a:t>https://</a:t>
+            </a:r>
+            <a:r>
+              <a:rPr lang="en-US" altLang="zh-CN" dirty="0" err="1">
+                <a:hlinkClick r:id="rId3"/>
+              </a:rPr>
+              <a:t>github.com</a:t>
+            </a:r>
+            <a:r>
+              <a:rPr lang="en-US" altLang="zh-CN" dirty="0">
+                <a:hlinkClick r:id="rId3"/>
+              </a:rPr>
+              <a:t>/</a:t>
+            </a:r>
+            <a:r>
+              <a:rPr lang="en-US" altLang="zh-CN" dirty="0" err="1">
+                <a:hlinkClick r:id="rId3"/>
+              </a:rPr>
+              <a:t>SakigamiYang</a:t>
             </a:r>
             <a:endParaRPr lang="zh-CN" altLang="en-US" dirty="0">
               <a:solidFill>
@@ -23015,13 +23171,13 @@
           <a:p>
             <a:r>
               <a:rPr lang="zh-CN" altLang="en-US" sz="1600" dirty="0"/>
-              <a:t>那么请问，他在决定买菜的过程中有没有用到数学？</a:t>
+              <a:t>那么请问，他在决定买菜的过程中有没有用到数学？用到微积分了吗？</a:t>
             </a:r>
           </a:p>
         </p:txBody>
       </p:sp>
-      <mc:AlternateContent xmlns:mc="http://schemas.openxmlformats.org/markup-compatibility/2006">
-        <mc:Choice xmlns:a14="http://schemas.microsoft.com/office/drawing/2010/main" Requires="a14">
+      <mc:AlternateContent xmlns:mc="http://schemas.openxmlformats.org/markup-compatibility/2006" xmlns:a14="http://schemas.microsoft.com/office/drawing/2010/main">
+        <mc:Choice Requires="a14">
           <p:sp>
             <p:nvSpPr>
               <p:cNvPr id="7" name="文本框 6">
@@ -23244,7 +23400,7 @@
             </p:txBody>
           </p:sp>
         </mc:Choice>
-        <mc:Fallback>
+        <mc:Fallback xmlns="">
           <p:sp>
             <p:nvSpPr>
               <p:cNvPr id="7" name="文本框 6">
@@ -23289,8 +23445,8 @@
           </p:sp>
         </mc:Fallback>
       </mc:AlternateContent>
-      <mc:AlternateContent xmlns:mc="http://schemas.openxmlformats.org/markup-compatibility/2006" xmlns:a14="http://schemas.microsoft.com/office/drawing/2010/main">
-        <mc:Choice Requires="a14">
+      <mc:AlternateContent xmlns:mc="http://schemas.openxmlformats.org/markup-compatibility/2006">
+        <mc:Choice xmlns:a14="http://schemas.microsoft.com/office/drawing/2010/main" Requires="a14">
           <p:sp>
             <p:nvSpPr>
               <p:cNvPr id="8" name="文本框 7">
@@ -23322,7 +23478,7 @@
                 <a:r>
                   <a:rPr lang="zh-CN" altLang="en-US" sz="1600" dirty="0">
                     <a:solidFill>
-                      <a:schemeClr val="tx1"/>
+                      <a:schemeClr val="accent2"/>
                     </a:solidFill>
                   </a:rPr>
                   <a:t>注：案例二等价于求    </a:t>
@@ -23332,7 +23488,7 @@
                     <m:r>
                       <a:rPr lang="en-US" altLang="zh-CN" sz="1600" b="0" i="1" dirty="0" smtClean="0">
                         <a:solidFill>
-                          <a:schemeClr val="tx1"/>
+                          <a:schemeClr val="accent2"/>
                         </a:solidFill>
                         <a:latin typeface="Cambria Math" panose="02040503050406030204" pitchFamily="18" charset="0"/>
                       </a:rPr>
@@ -23343,7 +23499,7 @@
                         <m:ctrlPr>
                           <a:rPr lang="en-US" altLang="zh-CN" sz="1600" b="0" i="1" dirty="0" smtClean="0">
                             <a:solidFill>
-                              <a:schemeClr val="tx1"/>
+                              <a:schemeClr val="accent2"/>
                             </a:solidFill>
                             <a:latin typeface="Cambria Math" panose="02040503050406030204" pitchFamily="18" charset="0"/>
                           </a:rPr>
@@ -23353,7 +23509,7 @@
                         <m:r>
                           <a:rPr lang="en-US" altLang="zh-CN" sz="1600" b="0" i="1" dirty="0" smtClean="0">
                             <a:solidFill>
-                              <a:schemeClr val="tx1"/>
+                              <a:schemeClr val="accent2"/>
                             </a:solidFill>
                             <a:latin typeface="Cambria Math" panose="02040503050406030204" pitchFamily="18" charset="0"/>
                           </a:rPr>
@@ -23364,7 +23520,7 @@
                     <m:r>
                       <a:rPr lang="en-US" altLang="zh-CN" sz="1600" b="0" i="1" dirty="0" smtClean="0">
                         <a:solidFill>
-                          <a:schemeClr val="tx1"/>
+                          <a:schemeClr val="accent2"/>
                         </a:solidFill>
                         <a:latin typeface="Cambria Math" panose="02040503050406030204" pitchFamily="18" charset="0"/>
                       </a:rPr>
@@ -23375,7 +23531,7 @@
                         <m:ctrlPr>
                           <a:rPr lang="en-US" altLang="zh-CN" sz="1600" b="0" i="1" dirty="0" smtClean="0">
                             <a:solidFill>
-                              <a:schemeClr val="tx1"/>
+                              <a:schemeClr val="accent2"/>
                             </a:solidFill>
                             <a:latin typeface="Cambria Math" panose="02040503050406030204" pitchFamily="18" charset="0"/>
                           </a:rPr>
@@ -23385,7 +23541,7 @@
                         <m:r>
                           <a:rPr lang="en-US" altLang="zh-CN" sz="1600" b="0" i="1" dirty="0" smtClean="0">
                             <a:solidFill>
-                              <a:schemeClr val="tx1"/>
+                              <a:schemeClr val="accent2"/>
                             </a:solidFill>
                             <a:latin typeface="Cambria Math" panose="02040503050406030204" pitchFamily="18" charset="0"/>
                           </a:rPr>
@@ -23394,7 +23550,7 @@
                         <m:r>
                           <a:rPr lang="en-US" altLang="zh-CN" sz="1600" b="0" i="1" dirty="0" smtClean="0">
                             <a:solidFill>
-                              <a:schemeClr val="tx1"/>
+                              <a:schemeClr val="accent2"/>
                             </a:solidFill>
                             <a:latin typeface="Cambria Math" panose="02040503050406030204" pitchFamily="18" charset="0"/>
                           </a:rPr>
@@ -23403,7 +23559,7 @@
                         <m:r>
                           <a:rPr lang="en-US" altLang="zh-CN" sz="1600" b="0" i="1" dirty="0" smtClean="0">
                             <a:solidFill>
-                              <a:schemeClr val="tx1"/>
+                              <a:schemeClr val="accent2"/>
                             </a:solidFill>
                             <a:latin typeface="Cambria Math" panose="02040503050406030204" pitchFamily="18" charset="0"/>
                           </a:rPr>
@@ -23418,7 +23574,7 @@
                         <m:ctrlPr>
                           <a:rPr lang="en-US" altLang="zh-CN" sz="1600" b="0" i="1" dirty="0" smtClean="0">
                             <a:solidFill>
-                              <a:schemeClr val="tx1"/>
+                              <a:schemeClr val="accent2"/>
                             </a:solidFill>
                             <a:latin typeface="Cambria Math" panose="02040503050406030204" pitchFamily="18" charset="0"/>
                           </a:rPr>
@@ -23428,7 +23584,7 @@
                         <m:r>
                           <a:rPr lang="en-US" altLang="zh-CN" sz="1600" b="0" i="1" dirty="0" smtClean="0">
                             <a:solidFill>
-                              <a:schemeClr val="tx1"/>
+                              <a:schemeClr val="accent2"/>
                             </a:solidFill>
                             <a:latin typeface="Cambria Math" panose="02040503050406030204" pitchFamily="18" charset="0"/>
                           </a:rPr>
@@ -23437,7 +23593,7 @@
                         <m:r>
                           <a:rPr lang="en-US" altLang="zh-CN" sz="1600" b="0" i="1" dirty="0" smtClean="0">
                             <a:solidFill>
-                              <a:schemeClr val="tx1"/>
+                              <a:schemeClr val="accent2"/>
                             </a:solidFill>
                             <a:latin typeface="Cambria Math" panose="02040503050406030204" pitchFamily="18" charset="0"/>
                           </a:rPr>
@@ -23448,7 +23604,7 @@
                             <m:ctrlPr>
                               <a:rPr lang="en-US" altLang="zh-CN" sz="1600" b="0" i="1" dirty="0" smtClean="0">
                                 <a:solidFill>
-                                  <a:schemeClr val="tx1"/>
+                                  <a:schemeClr val="accent2"/>
                                 </a:solidFill>
                                 <a:latin typeface="Cambria Math" panose="02040503050406030204" pitchFamily="18" charset="0"/>
                               </a:rPr>
@@ -23458,7 +23614,7 @@
                             <m:r>
                               <a:rPr lang="en-US" altLang="zh-CN" sz="1600" b="0" i="1" dirty="0" smtClean="0">
                                 <a:solidFill>
-                                  <a:schemeClr val="tx1"/>
+                                  <a:schemeClr val="accent2"/>
                                 </a:solidFill>
                                 <a:latin typeface="Cambria Math" panose="02040503050406030204" pitchFamily="18" charset="0"/>
                               </a:rPr>
@@ -23471,7 +23627,7 @@
                     <m:r>
                       <a:rPr lang="en-US" altLang="zh-CN" sz="1600" b="0" i="1" dirty="0" smtClean="0">
                         <a:solidFill>
-                          <a:schemeClr val="tx1"/>
+                          <a:schemeClr val="accent2"/>
                         </a:solidFill>
                         <a:latin typeface="Cambria Math" panose="02040503050406030204" pitchFamily="18" charset="0"/>
                       </a:rPr>
@@ -23482,7 +23638,7 @@
                         <m:ctrlPr>
                           <a:rPr lang="en-US" altLang="zh-CN" sz="1600" b="0" i="1" dirty="0" smtClean="0">
                             <a:solidFill>
-                              <a:schemeClr val="tx1"/>
+                              <a:schemeClr val="accent2"/>
                             </a:solidFill>
                             <a:latin typeface="Cambria Math" panose="02040503050406030204" pitchFamily="18" charset="0"/>
                           </a:rPr>
@@ -23495,7 +23651,7 @@
                           </m:rPr>
                           <a:rPr lang="en-US" altLang="zh-CN" sz="1600" b="0" i="1" dirty="0" smtClean="0">
                             <a:solidFill>
-                              <a:schemeClr val="tx1"/>
+                              <a:schemeClr val="accent2"/>
                             </a:solidFill>
                             <a:latin typeface="Cambria Math" panose="02040503050406030204" pitchFamily="18" charset="0"/>
                           </a:rPr>
@@ -23506,7 +23662,7 @@
                         <m:r>
                           <a:rPr lang="en-US" altLang="zh-CN" sz="1600" b="0" i="1" dirty="0" smtClean="0">
                             <a:solidFill>
-                              <a:schemeClr val="tx1"/>
+                              <a:schemeClr val="accent2"/>
                             </a:solidFill>
                             <a:latin typeface="Cambria Math" panose="02040503050406030204" pitchFamily="18" charset="0"/>
                           </a:rPr>
@@ -23521,7 +23677,7 @@
                             <m:ctrlPr>
                               <a:rPr lang="en-US" altLang="zh-CN" sz="1600" b="0" i="1" dirty="0" smtClean="0">
                                 <a:solidFill>
-                                  <a:schemeClr val="tx1"/>
+                                  <a:schemeClr val="accent2"/>
                                 </a:solidFill>
                                 <a:latin typeface="Cambria Math" panose="02040503050406030204" pitchFamily="18" charset="0"/>
                               </a:rPr>
@@ -23533,7 +23689,7 @@
                                 <m:ctrlPr>
                                   <a:rPr lang="en-US" altLang="zh-CN" sz="1600" b="0" i="1" dirty="0" smtClean="0">
                                     <a:solidFill>
-                                      <a:schemeClr val="tx1"/>
+                                      <a:schemeClr val="accent2"/>
                                     </a:solidFill>
                                     <a:latin typeface="Cambria Math" panose="02040503050406030204" pitchFamily="18" charset="0"/>
                                   </a:rPr>
@@ -23543,7 +23699,7 @@
                                 <m:r>
                                   <a:rPr lang="en-US" altLang="zh-CN" sz="1600" b="0" i="1" dirty="0" smtClean="0">
                                     <a:solidFill>
-                                      <a:schemeClr val="tx1"/>
+                                      <a:schemeClr val="accent2"/>
                                     </a:solidFill>
                                     <a:latin typeface="Cambria Math" panose="02040503050406030204" pitchFamily="18" charset="0"/>
                                   </a:rPr>
@@ -23552,7 +23708,7 @@
                                 <m:r>
                                   <a:rPr lang="en-US" altLang="zh-CN" sz="1600" b="0" i="1" dirty="0" smtClean="0">
                                     <a:solidFill>
-                                      <a:schemeClr val="tx1"/>
+                                      <a:schemeClr val="accent2"/>
                                     </a:solidFill>
                                     <a:latin typeface="Cambria Math" panose="02040503050406030204" pitchFamily="18" charset="0"/>
                                   </a:rPr>
@@ -23561,7 +23717,7 @@
                                 <m:r>
                                   <a:rPr lang="en-US" altLang="zh-CN" sz="1600" b="0" i="1" dirty="0" smtClean="0">
                                     <a:solidFill>
-                                      <a:schemeClr val="tx1"/>
+                                      <a:schemeClr val="accent2"/>
                                     </a:solidFill>
                                     <a:latin typeface="Cambria Math" panose="02040503050406030204" pitchFamily="18" charset="0"/>
                                   </a:rPr>
@@ -23572,7 +23728,7 @@
                             <m:r>
                               <a:rPr lang="en-US" altLang="zh-CN" sz="1600" b="0" i="1" dirty="0" smtClean="0">
                                 <a:solidFill>
-                                  <a:schemeClr val="tx1"/>
+                                  <a:schemeClr val="accent2"/>
                                 </a:solidFill>
                                 <a:latin typeface="Cambria Math" panose="02040503050406030204" pitchFamily="18" charset="0"/>
                               </a:rPr>
@@ -23581,7 +23737,7 @@
                             <m:r>
                               <a:rPr lang="en-US" altLang="zh-CN" sz="1600" b="0" i="1" dirty="0" smtClean="0">
                                 <a:solidFill>
-                                  <a:schemeClr val="tx1"/>
+                                  <a:schemeClr val="accent2"/>
                                 </a:solidFill>
                                 <a:latin typeface="Cambria Math" panose="02040503050406030204" pitchFamily="18" charset="0"/>
                               </a:rPr>
@@ -23590,7 +23746,7 @@
                             <m:r>
                               <a:rPr lang="en-US" altLang="zh-CN" sz="1600" b="0" i="1" dirty="0" smtClean="0">
                                 <a:solidFill>
-                                  <a:schemeClr val="tx1"/>
+                                  <a:schemeClr val="accent2"/>
                                 </a:solidFill>
                                 <a:latin typeface="Cambria Math" panose="02040503050406030204" pitchFamily="18" charset="0"/>
                               </a:rPr>
@@ -23599,7 +23755,7 @@
                             <m:r>
                               <a:rPr lang="en-US" altLang="zh-CN" sz="1600" b="0" i="1" dirty="0" smtClean="0">
                                 <a:solidFill>
-                                  <a:schemeClr val="tx1"/>
+                                  <a:schemeClr val="accent2"/>
                                 </a:solidFill>
                                 <a:latin typeface="Cambria Math" panose="02040503050406030204" pitchFamily="18" charset="0"/>
                               </a:rPr>
@@ -23610,7 +23766,7 @@
                         <m:r>
                           <a:rPr lang="en-US" altLang="zh-CN" sz="1600" b="0" i="1" dirty="0" smtClean="0">
                             <a:solidFill>
-                              <a:schemeClr val="tx1"/>
+                              <a:schemeClr val="accent2"/>
                             </a:solidFill>
                             <a:latin typeface="Cambria Math" panose="02040503050406030204" pitchFamily="18" charset="0"/>
                           </a:rPr>
@@ -23623,14 +23779,14 @@
                 <a:r>
                   <a:rPr lang="zh-CN" altLang="en-US" sz="1600" dirty="0">
                     <a:solidFill>
-                      <a:schemeClr val="tx1"/>
+                      <a:schemeClr val="accent2"/>
                     </a:solidFill>
                   </a:rPr>
                   <a:t>    的极大值。</a:t>
                 </a:r>
                 <a:endParaRPr lang="en-US" altLang="zh-CN" sz="1600" dirty="0">
                   <a:solidFill>
-                    <a:schemeClr val="tx1"/>
+                    <a:schemeClr val="accent2"/>
                   </a:solidFill>
                 </a:endParaRPr>
               </a:p>
@@ -23640,7 +23796,7 @@
                     <m:r>
                       <a:rPr lang="en-US" altLang="zh-CN" sz="1600" b="0" i="1" smtClean="0">
                         <a:solidFill>
-                          <a:schemeClr val="tx1"/>
+                          <a:schemeClr val="accent2"/>
                         </a:solidFill>
                         <a:latin typeface="Cambria Math" panose="02040503050406030204" pitchFamily="18" charset="0"/>
                       </a:rPr>
@@ -23651,7 +23807,7 @@
                         <m:ctrlPr>
                           <a:rPr lang="en-US" altLang="zh-CN" sz="1600" b="0" i="1" smtClean="0">
                             <a:solidFill>
-                              <a:schemeClr val="tx1"/>
+                              <a:schemeClr val="accent2"/>
                             </a:solidFill>
                             <a:latin typeface="Cambria Math" panose="02040503050406030204" pitchFamily="18" charset="0"/>
                           </a:rPr>
@@ -23661,7 +23817,7 @@
                         <m:r>
                           <a:rPr lang="en-US" altLang="zh-CN" sz="1600" b="0" i="1" smtClean="0">
                             <a:solidFill>
-                              <a:schemeClr val="tx1"/>
+                              <a:schemeClr val="accent2"/>
                             </a:solidFill>
                             <a:latin typeface="Cambria Math" panose="02040503050406030204" pitchFamily="18" charset="0"/>
                           </a:rPr>
@@ -23672,7 +23828,7 @@
                     <m:r>
                       <a:rPr lang="en-US" altLang="zh-CN" sz="1600" i="1">
                         <a:solidFill>
-                          <a:schemeClr val="tx1"/>
+                          <a:schemeClr val="accent2"/>
                         </a:solidFill>
                         <a:latin typeface="Cambria Math" panose="02040503050406030204" pitchFamily="18" charset="0"/>
                       </a:rPr>
@@ -23683,7 +23839,7 @@
                 <a:r>
                   <a:rPr lang="zh-CN" altLang="en-US" sz="1600" dirty="0">
                     <a:solidFill>
-                      <a:schemeClr val="tx1"/>
+                      <a:schemeClr val="accent2"/>
                     </a:solidFill>
                   </a:rPr>
                   <a:t>收益期望；</a:t>
@@ -23693,7 +23849,7 @@
                     <m:r>
                       <a:rPr lang="en-US" altLang="zh-CN" sz="1600" b="0" i="1" smtClean="0">
                         <a:solidFill>
-                          <a:schemeClr val="tx1"/>
+                          <a:schemeClr val="accent2"/>
                         </a:solidFill>
                         <a:latin typeface="Cambria Math" panose="02040503050406030204" pitchFamily="18" charset="0"/>
                       </a:rPr>
@@ -23704,7 +23860,7 @@
                 <a:r>
                   <a:rPr lang="en-US" altLang="zh-CN" sz="1600" dirty="0">
                     <a:solidFill>
-                      <a:schemeClr val="tx1"/>
+                      <a:schemeClr val="accent2"/>
                     </a:solidFill>
                   </a:rPr>
                   <a:t>-</a:t>
@@ -23712,7 +23868,7 @@
                 <a:r>
                   <a:rPr lang="zh-CN" altLang="en-US" sz="1600" dirty="0">
                     <a:solidFill>
-                      <a:schemeClr val="tx1"/>
+                      <a:schemeClr val="accent2"/>
                     </a:solidFill>
                   </a:rPr>
                   <a:t>菜量；</a:t>
@@ -23722,7 +23878,7 @@
                     <m:r>
                       <a:rPr lang="en-US" altLang="zh-CN" sz="1600" i="1" dirty="0" smtClean="0">
                         <a:solidFill>
-                          <a:schemeClr val="tx1"/>
+                          <a:schemeClr val="accent2"/>
                         </a:solidFill>
                         <a:latin typeface="Cambria Math" panose="02040503050406030204" pitchFamily="18" charset="0"/>
                       </a:rPr>
@@ -23733,7 +23889,7 @@
                 <a:r>
                   <a:rPr lang="en-US" altLang="zh-CN" sz="1600" dirty="0">
                     <a:solidFill>
-                      <a:schemeClr val="tx1"/>
+                      <a:schemeClr val="accent2"/>
                     </a:solidFill>
                   </a:rPr>
                   <a:t>-</a:t>
@@ -23741,7 +23897,7 @@
                 <a:r>
                   <a:rPr lang="zh-CN" altLang="en-US" sz="1600" dirty="0">
                     <a:solidFill>
-                      <a:schemeClr val="tx1"/>
+                      <a:schemeClr val="accent2"/>
                     </a:solidFill>
                   </a:rPr>
                   <a:t>单位成本；</a:t>
@@ -23751,7 +23907,7 @@
                     <m:r>
                       <a:rPr lang="en-US" altLang="zh-CN" sz="1600" i="1" dirty="0" smtClean="0">
                         <a:solidFill>
-                          <a:schemeClr val="tx1"/>
+                          <a:schemeClr val="accent2"/>
                         </a:solidFill>
                         <a:latin typeface="Cambria Math" panose="02040503050406030204" pitchFamily="18" charset="0"/>
                       </a:rPr>
@@ -23762,7 +23918,7 @@
                 <a:r>
                   <a:rPr lang="en-US" altLang="zh-CN" sz="1600" dirty="0">
                     <a:solidFill>
-                      <a:schemeClr val="tx1"/>
+                      <a:schemeClr val="accent2"/>
                     </a:solidFill>
                   </a:rPr>
                   <a:t>-</a:t>
@@ -23770,7 +23926,7 @@
                 <a:r>
                   <a:rPr lang="zh-CN" altLang="en-US" sz="1600" dirty="0">
                     <a:solidFill>
-                      <a:schemeClr val="tx1"/>
+                      <a:schemeClr val="accent2"/>
                     </a:solidFill>
                   </a:rPr>
                   <a:t>单位收益；</a:t>
@@ -23780,7 +23936,7 @@
                     <m:r>
                       <a:rPr lang="en-US" altLang="zh-CN" sz="1600" i="1" dirty="0" smtClean="0">
                         <a:solidFill>
-                          <a:schemeClr val="tx1"/>
+                          <a:schemeClr val="accent2"/>
                         </a:solidFill>
                         <a:latin typeface="Cambria Math" panose="02040503050406030204" pitchFamily="18" charset="0"/>
                       </a:rPr>
@@ -23789,7 +23945,7 @@
                     <m:r>
                       <a:rPr lang="en-US" altLang="zh-CN" sz="1600" i="1" dirty="0" smtClean="0">
                         <a:solidFill>
-                          <a:schemeClr val="tx1"/>
+                          <a:schemeClr val="accent2"/>
                         </a:solidFill>
                         <a:latin typeface="Cambria Math" panose="02040503050406030204" pitchFamily="18" charset="0"/>
                       </a:rPr>
@@ -23798,7 +23954,7 @@
                     <m:r>
                       <a:rPr lang="en-US" altLang="zh-CN" sz="1600" i="1" dirty="0" smtClean="0">
                         <a:solidFill>
-                          <a:schemeClr val="tx1"/>
+                          <a:schemeClr val="accent2"/>
                         </a:solidFill>
                         <a:latin typeface="Cambria Math" panose="02040503050406030204" pitchFamily="18" charset="0"/>
                       </a:rPr>
@@ -23807,7 +23963,7 @@
                     <m:r>
                       <a:rPr lang="en-US" altLang="zh-CN" sz="1600" i="1" dirty="0" smtClean="0">
                         <a:solidFill>
-                          <a:schemeClr val="tx1"/>
+                          <a:schemeClr val="accent2"/>
                         </a:solidFill>
                         <a:latin typeface="Cambria Math" panose="02040503050406030204" pitchFamily="18" charset="0"/>
                       </a:rPr>
@@ -23818,7 +23974,7 @@
                 <a:r>
                   <a:rPr lang="en-US" altLang="zh-CN" sz="1600" dirty="0">
                     <a:solidFill>
-                      <a:schemeClr val="tx1"/>
+                      <a:schemeClr val="accent2"/>
                     </a:solidFill>
                   </a:rPr>
                   <a:t>-</a:t>
@@ -23828,7 +23984,7 @@
                     <m:r>
                       <a:rPr lang="en-US" altLang="zh-CN" sz="1600" b="0" i="1" smtClean="0">
                         <a:solidFill>
-                          <a:schemeClr val="tx1"/>
+                          <a:schemeClr val="accent2"/>
                         </a:solidFill>
                         <a:latin typeface="Cambria Math" panose="02040503050406030204" pitchFamily="18" charset="0"/>
                       </a:rPr>
@@ -23837,7 +23993,7 @@
                     <m:r>
                       <a:rPr lang="en-US" altLang="zh-CN" sz="1600" b="0" i="1" smtClean="0">
                         <a:solidFill>
-                          <a:schemeClr val="tx1"/>
+                          <a:schemeClr val="accent2"/>
                         </a:solidFill>
                         <a:latin typeface="Cambria Math" panose="02040503050406030204" pitchFamily="18" charset="0"/>
                       </a:rPr>
@@ -23846,7 +24002,7 @@
                     <m:r>
                       <a:rPr lang="en-US" altLang="zh-CN" sz="1600" b="0" i="1" smtClean="0">
                         <a:solidFill>
-                          <a:schemeClr val="tx1"/>
+                          <a:schemeClr val="accent2"/>
                         </a:solidFill>
                         <a:latin typeface="Cambria Math" panose="02040503050406030204" pitchFamily="18" charset="0"/>
                       </a:rPr>
@@ -23857,7 +24013,7 @@
                 <a:r>
                   <a:rPr lang="zh-CN" altLang="en-US" sz="1600" b="0" dirty="0">
                     <a:solidFill>
-                      <a:schemeClr val="tx1"/>
+                      <a:schemeClr val="accent2"/>
                     </a:solidFill>
                   </a:rPr>
                   <a:t>的概率分布函数；</a:t>
@@ -23867,7 +24023,7 @@
                     <m:r>
                       <a:rPr lang="en-US" altLang="zh-CN" sz="1600" b="0" i="1" dirty="0" smtClean="0">
                         <a:solidFill>
-                          <a:schemeClr val="tx1"/>
+                          <a:schemeClr val="accent2"/>
                         </a:solidFill>
                         <a:latin typeface="Cambria Math" panose="02040503050406030204" pitchFamily="18" charset="0"/>
                       </a:rPr>
@@ -23878,7 +24034,7 @@
                 <a:r>
                   <a:rPr lang="en-US" altLang="zh-CN" sz="1600" dirty="0">
                     <a:solidFill>
-                      <a:schemeClr val="tx1"/>
+                      <a:schemeClr val="accent2"/>
                     </a:solidFill>
                   </a:rPr>
                   <a:t>-</a:t>
@@ -23886,21 +24042,21 @@
                 <a:r>
                   <a:rPr lang="zh-CN" altLang="en-US" sz="1600" b="0" dirty="0">
                     <a:solidFill>
-                      <a:schemeClr val="tx1"/>
+                      <a:schemeClr val="accent2"/>
                     </a:solidFill>
                   </a:rPr>
                   <a:t>对应的概率密度函数。</a:t>
                 </a:r>
                 <a:endParaRPr lang="en-US" altLang="zh-CN" sz="1600" b="0" dirty="0">
                   <a:solidFill>
-                    <a:schemeClr val="tx1"/>
+                    <a:schemeClr val="accent2"/>
                   </a:solidFill>
                 </a:endParaRPr>
               </a:p>
             </p:txBody>
           </p:sp>
         </mc:Choice>
-        <mc:Fallback xmlns="">
+        <mc:Fallback>
           <p:sp>
             <p:nvSpPr>
               <p:cNvPr id="8" name="文本框 7">
@@ -24478,8 +24634,8 @@
           </a:p>
         </p:txBody>
       </p:sp>
-      <mc:AlternateContent xmlns:mc="http://schemas.openxmlformats.org/markup-compatibility/2006">
-        <mc:Choice xmlns:a14="http://schemas.microsoft.com/office/drawing/2010/main" Requires="a14">
+      <mc:AlternateContent xmlns:mc="http://schemas.openxmlformats.org/markup-compatibility/2006" xmlns:a14="http://schemas.microsoft.com/office/drawing/2010/main">
+        <mc:Choice Requires="a14">
           <p:sp>
             <p:nvSpPr>
               <p:cNvPr id="4" name="文本框 3">
@@ -24631,7 +24787,7 @@
             </p:txBody>
           </p:sp>
         </mc:Choice>
-        <mc:Fallback>
+        <mc:Fallback xmlns="">
           <p:sp>
             <p:nvSpPr>
               <p:cNvPr id="4" name="文本框 3">
@@ -24751,13 +24907,13 @@
   <p:clrMapOvr>
     <a:masterClrMapping/>
   </p:clrMapOvr>
-  <mc:AlternateContent xmlns:mc="http://schemas.openxmlformats.org/markup-compatibility/2006">
-    <mc:Choice xmlns:p14="http://schemas.microsoft.com/office/powerpoint/2010/main" Requires="p14">
+  <mc:AlternateContent xmlns:mc="http://schemas.openxmlformats.org/markup-compatibility/2006" xmlns:p14="http://schemas.microsoft.com/office/powerpoint/2010/main">
+    <mc:Choice Requires="p14">
       <p:transition spd="med" p14:dur="700">
         <p:fade/>
       </p:transition>
     </mc:Choice>
-    <mc:Fallback>
+    <mc:Fallback xmlns="">
       <p:transition spd="med">
         <p:fade/>
       </p:transition>
@@ -24809,7 +24965,7 @@
                                     </p:set>
                                     <p:animEffect transition="in" filter="fade">
                                       <p:cBhvr>
-                                        <p:cTn id="7" dur="1000"/>
+                                        <p:cTn id="7" dur="500"/>
                                         <p:tgtEl>
                                           <p:spTgt spid="6"/>
                                         </p:tgtEl>
@@ -24817,7 +24973,7 @@
                                     </p:animEffect>
                                     <p:anim calcmode="lin" valueType="num">
                                       <p:cBhvr>
-                                        <p:cTn id="8" dur="1000" fill="hold"/>
+                                        <p:cTn id="8" dur="500" fill="hold"/>
                                         <p:tgtEl>
                                           <p:spTgt spid="6"/>
                                         </p:tgtEl>
@@ -24840,7 +24996,7 @@
                                     </p:anim>
                                     <p:anim calcmode="lin" valueType="num">
                                       <p:cBhvr>
-                                        <p:cTn id="9" dur="1000" fill="hold"/>
+                                        <p:cTn id="9" dur="500" fill="hold"/>
                                         <p:tgtEl>
                                           <p:spTgt spid="6"/>
                                         </p:tgtEl>
@@ -24890,7 +25046,7 @@
                                     </p:set>
                                     <p:animEffect transition="in" filter="fade">
                                       <p:cBhvr>
-                                        <p:cTn id="12" dur="1000"/>
+                                        <p:cTn id="12" dur="500"/>
                                         <p:tgtEl>
                                           <p:spTgt spid="9"/>
                                         </p:tgtEl>
@@ -24898,7 +25054,7 @@
                                     </p:animEffect>
                                     <p:anim calcmode="lin" valueType="num">
                                       <p:cBhvr>
-                                        <p:cTn id="13" dur="1000" fill="hold"/>
+                                        <p:cTn id="13" dur="500" fill="hold"/>
                                         <p:tgtEl>
                                           <p:spTgt spid="9"/>
                                         </p:tgtEl>
@@ -24921,7 +25077,7 @@
                                     </p:anim>
                                     <p:anim calcmode="lin" valueType="num">
                                       <p:cBhvr>
-                                        <p:cTn id="14" dur="1000" fill="hold"/>
+                                        <p:cTn id="14" dur="500" fill="hold"/>
                                         <p:tgtEl>
                                           <p:spTgt spid="9"/>
                                         </p:tgtEl>
@@ -24971,7 +25127,7 @@
                                     </p:set>
                                     <p:animEffect transition="in" filter="fade">
                                       <p:cBhvr>
-                                        <p:cTn id="17" dur="1000"/>
+                                        <p:cTn id="17" dur="500"/>
                                         <p:tgtEl>
                                           <p:spTgt spid="11"/>
                                         </p:tgtEl>
@@ -24979,7 +25135,7 @@
                                     </p:animEffect>
                                     <p:anim calcmode="lin" valueType="num">
                                       <p:cBhvr>
-                                        <p:cTn id="18" dur="1000" fill="hold"/>
+                                        <p:cTn id="18" dur="500" fill="hold"/>
                                         <p:tgtEl>
                                           <p:spTgt spid="11"/>
                                         </p:tgtEl>
@@ -25002,7 +25158,7 @@
                                     </p:anim>
                                     <p:anim calcmode="lin" valueType="num">
                                       <p:cBhvr>
-                                        <p:cTn id="19" dur="1000" fill="hold"/>
+                                        <p:cTn id="19" dur="500" fill="hold"/>
                                         <p:tgtEl>
                                           <p:spTgt spid="11"/>
                                         </p:tgtEl>
@@ -25070,7 +25226,7 @@
                                     </p:set>
                                     <p:animEffect transition="in" filter="diamond(in)">
                                       <p:cBhvr>
-                                        <p:cTn id="24" dur="2000"/>
+                                        <p:cTn id="24" dur="1000"/>
                                         <p:tgtEl>
                                           <p:spTgt spid="4"/>
                                         </p:tgtEl>
@@ -25206,7 +25362,7 @@
                 <a:ea typeface="微软雅黑" panose="020B0503020204020204" pitchFamily="34" charset="-122"/>
                 <a:sym typeface="Arial" panose="020B0604020202020204" pitchFamily="34" charset="0"/>
               </a:rPr>
-              <a:t>“大多数人理解的</a:t>
+              <a:t>“</a:t>
             </a:r>
             <a:r>
               <a:rPr lang="ja-JP" altLang="en-US" dirty="0">
@@ -25242,6 +25398,17 @@
               <a:t>」</a:t>
             </a:r>
             <a:r>
+              <a:rPr lang="en-US" altLang="ja-JP" dirty="0">
+                <a:solidFill>
+                  <a:schemeClr val="accent4"/>
+                </a:solidFill>
+                <a:latin typeface="微软雅黑" panose="020B0503020204020204" pitchFamily="34" charset="-122"/>
+                <a:ea typeface="微软雅黑" panose="020B0503020204020204" pitchFamily="34" charset="-122"/>
+                <a:sym typeface="Arial" panose="020B0604020202020204" pitchFamily="34" charset="0"/>
+              </a:rPr>
+              <a:t>= </a:t>
+            </a:r>
+            <a:r>
               <a:rPr lang="zh-CN" altLang="en-US" dirty="0">
                 <a:solidFill>
                   <a:schemeClr val="accent4"/>
@@ -25250,7 +25417,7 @@
                 <a:ea typeface="微软雅黑" panose="020B0503020204020204" pitchFamily="34" charset="-122"/>
                 <a:sym typeface="Arial" panose="020B0604020202020204" pitchFamily="34" charset="0"/>
               </a:rPr>
-              <a:t>：会口算三位数</a:t>
+              <a:t>会口算三位数</a:t>
             </a:r>
             <a:r>
               <a:rPr lang="zh-CN" altLang="en-US" dirty="0">
@@ -25757,33 +25924,15 @@
                                   </p:childTnLst>
                                 </p:cTn>
                               </p:par>
-                            </p:childTnLst>
-                          </p:cTn>
-                        </p:par>
-                      </p:childTnLst>
-                    </p:cTn>
-                  </p:par>
-                  <p:par>
-                    <p:cTn id="8" fill="hold">
-                      <p:stCondLst>
-                        <p:cond delay="indefinite"/>
-                      </p:stCondLst>
-                      <p:childTnLst>
-                        <p:par>
-                          <p:cTn id="9" fill="hold">
-                            <p:stCondLst>
-                              <p:cond delay="0"/>
-                            </p:stCondLst>
-                            <p:childTnLst>
                               <p:par>
-                                <p:cTn id="10" presetID="16" presetClass="entr" presetSubtype="21" fill="hold" grpId="0" nodeType="clickEffect">
+                                <p:cTn id="8" presetID="16" presetClass="entr" presetSubtype="21" fill="hold" grpId="0" nodeType="withEffect">
                                   <p:stCondLst>
                                     <p:cond delay="0"/>
                                   </p:stCondLst>
                                   <p:childTnLst>
                                     <p:set>
                                       <p:cBhvr>
-                                        <p:cTn id="11" dur="1" fill="hold">
+                                        <p:cTn id="9" dur="1" fill="hold">
                                           <p:stCondLst>
                                             <p:cond delay="0"/>
                                           </p:stCondLst>
@@ -25805,7 +25954,7 @@
                                     </p:set>
                                     <p:animEffect transition="in" filter="barn(inVertical)">
                                       <p:cBhvr>
-                                        <p:cTn id="12" dur="500"/>
+                                        <p:cTn id="10" dur="500"/>
                                         <p:tgtEl>
                                           <p:spTgt spid="3">
                                             <p:txEl>
@@ -25825,26 +25974,26 @@
                     </p:cTn>
                   </p:par>
                   <p:par>
-                    <p:cTn id="13" fill="hold">
+                    <p:cTn id="11" fill="hold">
                       <p:stCondLst>
                         <p:cond delay="indefinite"/>
                       </p:stCondLst>
                       <p:childTnLst>
                         <p:par>
-                          <p:cTn id="14" fill="hold">
+                          <p:cTn id="12" fill="hold">
                             <p:stCondLst>
                               <p:cond delay="0"/>
                             </p:stCondLst>
                             <p:childTnLst>
                               <p:par>
-                                <p:cTn id="15" presetID="16" presetClass="entr" presetSubtype="21" fill="hold" grpId="0" nodeType="clickEffect">
+                                <p:cTn id="13" presetID="16" presetClass="entr" presetSubtype="21" fill="hold" grpId="0" nodeType="clickEffect">
                                   <p:stCondLst>
                                     <p:cond delay="0"/>
                                   </p:stCondLst>
                                   <p:childTnLst>
                                     <p:set>
                                       <p:cBhvr>
-                                        <p:cTn id="16" dur="1" fill="hold">
+                                        <p:cTn id="14" dur="1" fill="hold">
                                           <p:stCondLst>
                                             <p:cond delay="0"/>
                                           </p:stCondLst>
@@ -25862,7 +26011,7 @@
                                     </p:set>
                                     <p:animEffect transition="in" filter="barn(inVertical)">
                                       <p:cBhvr>
-                                        <p:cTn id="17" dur="500"/>
+                                        <p:cTn id="15" dur="500"/>
                                         <p:tgtEl>
                                           <p:spTgt spid="8"/>
                                         </p:tgtEl>

--- a/Python-Meetup/20200719/面向一小部分程序员的数学学习相关话题简言.pptx
+++ b/Python-Meetup/20200719/面向一小部分程序员的数学学习相关话题简言.pptx
@@ -10738,7 +10738,7 @@
             </a:pPr>
             <a:r>
               <a:rPr lang="zh-CN" altLang="en-US" sz="3200" kern="1200" dirty="0"/>
-              <a:t>域间关系</a:t>
+              <a:t>域间共性</a:t>
             </a:r>
           </a:p>
         </p:txBody>
@@ -10871,7 +10871,7 @@
         <p:spPr>
           <a:xfrm>
             <a:off x="8369373" y="3565137"/>
-            <a:ext cx="2031325" cy="276999"/>
+            <a:ext cx="2185214" cy="276999"/>
           </a:xfrm>
           <a:prstGeom prst="rect">
             <a:avLst/>
@@ -10886,7 +10886,7 @@
           <a:p>
             <a:r>
               <a:rPr lang="zh-CN" altLang="en-US" sz="1200" dirty="0"/>
-              <a:t>对不同系统进行同性质抽象</a:t>
+              <a:t>对不同系统进行概念共性抽象</a:t>
             </a:r>
           </a:p>
         </p:txBody>
@@ -11351,8 +11351,8 @@
           </a:p>
         </p:txBody>
       </p:sp>
-      <mc:AlternateContent xmlns:mc="http://schemas.openxmlformats.org/markup-compatibility/2006">
-        <mc:Choice xmlns:a14="http://schemas.microsoft.com/office/drawing/2010/main" Requires="a14">
+      <mc:AlternateContent xmlns:mc="http://schemas.openxmlformats.org/markup-compatibility/2006" xmlns:a14="http://schemas.microsoft.com/office/drawing/2010/main">
+        <mc:Choice Requires="a14">
           <p:sp>
             <p:nvSpPr>
               <p:cNvPr id="6" name="内容占位符 3">
@@ -11902,7 +11902,7 @@
             </p:txBody>
           </p:sp>
         </mc:Choice>
-        <mc:Fallback>
+        <mc:Fallback xmlns="">
           <p:sp>
             <p:nvSpPr>
               <p:cNvPr id="6" name="内容占位符 3">
@@ -11952,8 +11952,8 @@
           </p:sp>
         </mc:Fallback>
       </mc:AlternateContent>
-      <mc:AlternateContent xmlns:mc="http://schemas.openxmlformats.org/markup-compatibility/2006">
-        <mc:Choice xmlns:a14="http://schemas.microsoft.com/office/drawing/2010/main" Requires="a14">
+      <mc:AlternateContent xmlns:mc="http://schemas.openxmlformats.org/markup-compatibility/2006" xmlns:a14="http://schemas.microsoft.com/office/drawing/2010/main">
+        <mc:Choice Requires="a14">
           <p:sp>
             <p:nvSpPr>
               <p:cNvPr id="7" name="内容占位符 3">
@@ -14096,7 +14096,7 @@
             </p:txBody>
           </p:sp>
         </mc:Choice>
-        <mc:Fallback>
+        <mc:Fallback xmlns="">
           <p:sp>
             <p:nvSpPr>
               <p:cNvPr id="7" name="内容占位符 3">
@@ -14349,7 +14349,7 @@
                   <a:schemeClr val="accent2"/>
                 </a:solidFill>
               </a:rPr>
-              <a:t>域间关系 → </a:t>
+              <a:t>域间共性 → </a:t>
             </a:r>
             <a:r>
               <a:rPr lang="en-US" altLang="zh-CN" sz="1400" b="1" dirty="0">
@@ -14364,7 +14364,7 @@
             <a:pPr lvl="1"/>
             <a:r>
               <a:rPr lang="zh-CN" altLang="en-US" sz="1400" dirty="0"/>
-              <a:t>傅里叶变换 和 最小二乘逼近 的关系是什么？（分析数学→线性代数的跨域）</a:t>
+              <a:t>傅里叶变换 和 最小二乘逼近 的关系是什么？（分析数学→线性代数的跨域 衍生 泛函）</a:t>
             </a:r>
           </a:p>
         </p:txBody>
@@ -15107,8 +15107,8 @@
           </a:p>
         </p:txBody>
       </p:sp>
-      <mc:AlternateContent xmlns:mc="http://schemas.openxmlformats.org/markup-compatibility/2006">
-        <mc:Choice xmlns:a14="http://schemas.microsoft.com/office/drawing/2010/main" Requires="a14">
+      <mc:AlternateContent xmlns:mc="http://schemas.openxmlformats.org/markup-compatibility/2006" xmlns:a14="http://schemas.microsoft.com/office/drawing/2010/main">
+        <mc:Choice Requires="a14">
           <p:sp>
             <p:nvSpPr>
               <p:cNvPr id="5" name="内容占位符 3">
@@ -16713,7 +16713,7 @@
             </p:txBody>
           </p:sp>
         </mc:Choice>
-        <mc:Fallback>
+        <mc:Fallback xmlns="">
           <p:sp>
             <p:nvSpPr>
               <p:cNvPr id="5" name="内容占位符 3">
@@ -16758,8 +16758,8 @@
           </p:sp>
         </mc:Fallback>
       </mc:AlternateContent>
-      <mc:AlternateContent xmlns:mc="http://schemas.openxmlformats.org/markup-compatibility/2006">
-        <mc:Choice xmlns:a14="http://schemas.microsoft.com/office/drawing/2010/main" Requires="a14">
+      <mc:AlternateContent xmlns:mc="http://schemas.openxmlformats.org/markup-compatibility/2006" xmlns:a14="http://schemas.microsoft.com/office/drawing/2010/main">
+        <mc:Choice Requires="a14">
           <p:sp>
             <p:nvSpPr>
               <p:cNvPr id="6" name="内容占位符 3">
@@ -18190,7 +18190,7 @@
             </p:txBody>
           </p:sp>
         </mc:Choice>
-        <mc:Fallback>
+        <mc:Fallback xmlns="">
           <p:sp>
             <p:nvSpPr>
               <p:cNvPr id="6" name="内容占位符 3">
@@ -18235,8 +18235,8 @@
           </p:sp>
         </mc:Fallback>
       </mc:AlternateContent>
-      <mc:AlternateContent xmlns:mc="http://schemas.openxmlformats.org/markup-compatibility/2006">
-        <mc:Choice xmlns:a14="http://schemas.microsoft.com/office/drawing/2010/main" Requires="a14">
+      <mc:AlternateContent xmlns:mc="http://schemas.openxmlformats.org/markup-compatibility/2006" xmlns:a14="http://schemas.microsoft.com/office/drawing/2010/main">
+        <mc:Choice Requires="a14">
           <p:sp>
             <p:nvSpPr>
               <p:cNvPr id="7" name="内容占位符 3">
@@ -18612,7 +18612,7 @@
             </p:txBody>
           </p:sp>
         </mc:Choice>
-        <mc:Fallback>
+        <mc:Fallback xmlns="">
           <p:sp>
             <p:nvSpPr>
               <p:cNvPr id="7" name="内容占位符 3">
@@ -19078,8 +19078,8 @@
           </a:p>
         </p:txBody>
       </p:sp>
-      <mc:AlternateContent xmlns:mc="http://schemas.openxmlformats.org/markup-compatibility/2006">
-        <mc:Choice xmlns:a14="http://schemas.microsoft.com/office/drawing/2010/main" Requires="a14">
+      <mc:AlternateContent xmlns:mc="http://schemas.openxmlformats.org/markup-compatibility/2006" xmlns:a14="http://schemas.microsoft.com/office/drawing/2010/main">
+        <mc:Choice Requires="a14">
           <p:sp>
             <p:nvSpPr>
               <p:cNvPr id="3" name="内容占位符 3">
@@ -19392,7 +19392,7 @@
                       <a:rPr lang="en-US" altLang="zh-CN" sz="1400" i="1" smtClean="0">
                         <a:latin typeface="Cambria Math" panose="02040503050406030204" pitchFamily="18" charset="0"/>
                       </a:rPr>
-                      <m:t>-</m:t>
+                      <m:t>−</m:t>
                     </m:r>
                     <m:r>
                       <a:rPr lang="en-US" altLang="zh-CN" sz="1400" i="1">
@@ -19573,7 +19573,7 @@
             </p:txBody>
           </p:sp>
         </mc:Choice>
-        <mc:Fallback>
+        <mc:Fallback xmlns="">
           <p:sp>
             <p:nvSpPr>
               <p:cNvPr id="3" name="内容占位符 3">
@@ -19617,8 +19617,8 @@
           </p:sp>
         </mc:Fallback>
       </mc:AlternateContent>
-      <mc:AlternateContent xmlns:mc="http://schemas.openxmlformats.org/markup-compatibility/2006">
-        <mc:Choice xmlns:a14="http://schemas.microsoft.com/office/drawing/2010/main" Requires="a14">
+      <mc:AlternateContent xmlns:mc="http://schemas.openxmlformats.org/markup-compatibility/2006" xmlns:a14="http://schemas.microsoft.com/office/drawing/2010/main">
+        <mc:Choice Requires="a14">
           <p:sp>
             <p:nvSpPr>
               <p:cNvPr id="11" name="内容占位符 3">
@@ -19926,7 +19926,7 @@
             </p:txBody>
           </p:sp>
         </mc:Choice>
-        <mc:Fallback>
+        <mc:Fallback xmlns="">
           <p:sp>
             <p:nvSpPr>
               <p:cNvPr id="11" name="内容占位符 3">
@@ -19971,8 +19971,8 @@
           </p:sp>
         </mc:Fallback>
       </mc:AlternateContent>
-      <mc:AlternateContent xmlns:mc="http://schemas.openxmlformats.org/markup-compatibility/2006">
-        <mc:Choice xmlns:a14="http://schemas.microsoft.com/office/drawing/2010/main" Requires="a14">
+      <mc:AlternateContent xmlns:mc="http://schemas.openxmlformats.org/markup-compatibility/2006" xmlns:a14="http://schemas.microsoft.com/office/drawing/2010/main">
+        <mc:Choice Requires="a14">
           <p:sp>
             <p:nvSpPr>
               <p:cNvPr id="12" name="文本框 11">
@@ -20046,7 +20046,7 @@
             </p:txBody>
           </p:sp>
         </mc:Choice>
-        <mc:Fallback>
+        <mc:Fallback xmlns="">
           <p:sp>
             <p:nvSpPr>
               <p:cNvPr id="12" name="文本框 11">
@@ -23445,8 +23445,8 @@
           </p:sp>
         </mc:Fallback>
       </mc:AlternateContent>
-      <mc:AlternateContent xmlns:mc="http://schemas.openxmlformats.org/markup-compatibility/2006">
-        <mc:Choice xmlns:a14="http://schemas.microsoft.com/office/drawing/2010/main" Requires="a14">
+      <mc:AlternateContent xmlns:mc="http://schemas.openxmlformats.org/markup-compatibility/2006" xmlns:a14="http://schemas.microsoft.com/office/drawing/2010/main">
+        <mc:Choice Requires="a14">
           <p:sp>
             <p:nvSpPr>
               <p:cNvPr id="8" name="文本框 7">
@@ -24056,7 +24056,7 @@
             </p:txBody>
           </p:sp>
         </mc:Choice>
-        <mc:Fallback>
+        <mc:Fallback xmlns="">
           <p:sp>
             <p:nvSpPr>
               <p:cNvPr id="8" name="文本框 7">

--- a/Python-Meetup/20200719/面向一小部分程序员的数学学习相关话题简言.pptx
+++ b/Python-Meetup/20200719/面向一小部分程序员的数学学习相关话题简言.pptx
@@ -5,10 +5,10 @@
     <p:sldMasterId id="2147483648" r:id="rId1"/>
   </p:sldMasterIdLst>
   <p:notesMasterIdLst>
-    <p:notesMasterId r:id="rId20"/>
+    <p:notesMasterId r:id="rId23"/>
   </p:notesMasterIdLst>
   <p:handoutMasterIdLst>
-    <p:handoutMasterId r:id="rId21"/>
+    <p:handoutMasterId r:id="rId24"/>
   </p:handoutMasterIdLst>
   <p:sldIdLst>
     <p:sldId id="256" r:id="rId2"/>
@@ -28,7 +28,10 @@
     <p:sldId id="288" r:id="rId16"/>
     <p:sldId id="287" r:id="rId17"/>
     <p:sldId id="289" r:id="rId18"/>
-    <p:sldId id="290" r:id="rId19"/>
+    <p:sldId id="292" r:id="rId19"/>
+    <p:sldId id="291" r:id="rId20"/>
+    <p:sldId id="293" r:id="rId21"/>
+    <p:sldId id="290" r:id="rId22"/>
   </p:sldIdLst>
   <p:sldSz cx="12188825" cy="6858000"/>
   <p:notesSz cx="6858000" cy="9144000"/>
@@ -255,7 +258,7 @@
                 <a:latin typeface="微软雅黑" panose="020B0503020204020204" pitchFamily="34" charset="-122"/>
                 <a:ea typeface="微软雅黑" panose="020B0503020204020204" pitchFamily="34" charset="-122"/>
               </a:rPr>
-              <a:t>2020年7月9日</a:t>
+              <a:t>2020年7月10日</a:t>
             </a:fld>
             <a:endParaRPr lang="zh-CN" altLang="en-US" dirty="0">
               <a:latin typeface="微软雅黑" panose="020B0503020204020204" pitchFamily="34" charset="-122"/>
@@ -447,7 +450,7 @@
             <a:fld id="{07D6BDDC-F39A-4E16-93D6-E40B88AA6D58}" type="datetime2">
               <a:rPr lang="zh-CN" altLang="en-US" smtClean="0"/>
               <a:pPr/>
-              <a:t>2020年7月9日</a:t>
+              <a:t>2020年7月10日</a:t>
             </a:fld>
             <a:endParaRPr lang="zh-CN" altLang="en-US" dirty="0"/>
           </a:p>
@@ -2387,7 +2390,7 @@
             <a:fld id="{4947C3F0-2957-4D41-9FB7-182757A04D67}" type="datetime2">
               <a:rPr lang="zh-CN" altLang="en-US" smtClean="0"/>
               <a:pPr/>
-              <a:t>2020年7月9日</a:t>
+              <a:t>2020年7月10日</a:t>
             </a:fld>
             <a:endParaRPr lang="zh-CN" altLang="en-US" dirty="0"/>
           </a:p>
@@ -2620,7 +2623,7 @@
             <a:fld id="{8DF8E148-EC1F-43A2-8C9E-1F57F6D08A76}" type="datetime2">
               <a:rPr lang="zh-CN" altLang="en-US" smtClean="0"/>
               <a:pPr/>
-              <a:t>2020年7月9日</a:t>
+              <a:t>2020年7月10日</a:t>
             </a:fld>
             <a:endParaRPr lang="zh-CN" altLang="en-US" dirty="0"/>
           </a:p>
@@ -3502,7 +3505,7 @@
             <a:fld id="{FB7B4C11-1E14-4887-9E78-A9346EC068F1}" type="datetime2">
               <a:rPr lang="zh-CN" altLang="en-US" smtClean="0"/>
               <a:pPr/>
-              <a:t>2020年7月9日</a:t>
+              <a:t>2020年7月10日</a:t>
             </a:fld>
             <a:endParaRPr lang="zh-CN" altLang="en-US" dirty="0"/>
           </a:p>
@@ -3761,7 +3764,7 @@
             <a:fld id="{86FD5D46-E987-42B2-B42C-B8920598FADE}" type="datetime2">
               <a:rPr lang="zh-CN" altLang="en-US" smtClean="0"/>
               <a:pPr/>
-              <a:t>2020年7月9日</a:t>
+              <a:t>2020年7月10日</a:t>
             </a:fld>
             <a:endParaRPr lang="zh-CN" altLang="en-US" dirty="0"/>
           </a:p>
@@ -5087,7 +5090,7 @@
             <a:fld id="{8365F240-A7EF-41C8-A85B-C448CF84B5E5}" type="datetime2">
               <a:rPr lang="zh-CN" altLang="en-US" smtClean="0"/>
               <a:pPr/>
-              <a:t>2020年7月9日</a:t>
+              <a:t>2020年7月10日</a:t>
             </a:fld>
             <a:endParaRPr lang="zh-CN" altLang="en-US" dirty="0"/>
           </a:p>
@@ -5422,7 +5425,7 @@
             <a:fld id="{F770B30E-8728-44DB-AEE3-E4A75AEDBBD9}" type="datetime2">
               <a:rPr lang="zh-CN" altLang="en-US" smtClean="0"/>
               <a:pPr/>
-              <a:t>2020年7月9日</a:t>
+              <a:t>2020年7月10日</a:t>
             </a:fld>
             <a:endParaRPr lang="zh-CN" altLang="en-US" dirty="0"/>
           </a:p>
@@ -5923,7 +5926,7 @@
             <a:fld id="{680BCF82-A51A-4389-A573-378AD02C5141}" type="datetime2">
               <a:rPr lang="zh-CN" altLang="en-US" smtClean="0"/>
               <a:pPr/>
-              <a:t>2020年7月9日</a:t>
+              <a:t>2020年7月10日</a:t>
             </a:fld>
             <a:endParaRPr lang="zh-CN" altLang="en-US" dirty="0"/>
           </a:p>
@@ -6078,7 +6081,7 @@
             <a:fld id="{CE03A716-E3DC-4D9D-823C-60FCD8C9B163}" type="datetime2">
               <a:rPr lang="zh-CN" altLang="en-US" smtClean="0"/>
               <a:pPr/>
-              <a:t>2020年7月9日</a:t>
+              <a:t>2020年7月10日</a:t>
             </a:fld>
             <a:endParaRPr lang="zh-CN" altLang="en-US" dirty="0"/>
           </a:p>
@@ -6438,7 +6441,7 @@
             <a:fld id="{C16B8A94-44E5-4844-A22C-F796FCAA90D9}" type="datetime2">
               <a:rPr lang="zh-CN" altLang="en-US" smtClean="0"/>
               <a:pPr/>
-              <a:t>2020年7月9日</a:t>
+              <a:t>2020年7月10日</a:t>
             </a:fld>
             <a:endParaRPr lang="zh-CN" altLang="en-US" dirty="0"/>
           </a:p>
@@ -6980,7 +6983,7 @@
             <a:fld id="{F288B2AC-AC0A-4E49-82A3-94EE74FA7FBF}" type="datetime2">
               <a:rPr lang="zh-CN" altLang="en-US" smtClean="0"/>
               <a:pPr/>
-              <a:t>2020年7月9日</a:t>
+              <a:t>2020年7月10日</a:t>
             </a:fld>
             <a:endParaRPr lang="zh-CN" altLang="en-US" dirty="0"/>
           </a:p>
@@ -7466,7 +7469,7 @@
             <a:fld id="{1878E339-1BD2-4FEE-A113-9A0301740CF6}" type="datetime2">
               <a:rPr lang="zh-CN" altLang="en-US" smtClean="0"/>
               <a:pPr/>
-              <a:t>2020年7月9日</a:t>
+              <a:t>2020年7月10日</a:t>
             </a:fld>
             <a:endParaRPr lang="zh-CN" altLang="en-US" dirty="0"/>
           </a:p>
@@ -8389,7 +8392,7 @@
             <a:fld id="{A339CB27-C670-4AAB-948C-7E3D1D9FAE30}" type="datetime2">
               <a:rPr lang="zh-CN" altLang="en-US" smtClean="0"/>
               <a:pPr/>
-              <a:t>2020年7月9日</a:t>
+              <a:t>2020年7月10日</a:t>
             </a:fld>
             <a:endParaRPr lang="zh-CN" altLang="en-US" dirty="0"/>
           </a:p>
@@ -11100,8 +11103,8 @@
           </a:p>
         </p:txBody>
       </p:sp>
-      <mc:AlternateContent xmlns:mc="http://schemas.openxmlformats.org/markup-compatibility/2006">
-        <mc:Choice xmlns:a14="http://schemas.microsoft.com/office/drawing/2010/main" Requires="a14">
+      <mc:AlternateContent xmlns:mc="http://schemas.openxmlformats.org/markup-compatibility/2006" xmlns:a14="http://schemas.microsoft.com/office/drawing/2010/main">
+        <mc:Choice Requires="a14">
           <p:sp>
             <p:nvSpPr>
               <p:cNvPr id="6" name="内容占位符 3">
@@ -11648,7 +11651,7 @@
             </p:txBody>
           </p:sp>
         </mc:Choice>
-        <mc:Fallback>
+        <mc:Fallback xmlns="">
           <p:sp>
             <p:nvSpPr>
               <p:cNvPr id="6" name="内容占位符 3">
@@ -11698,8 +11701,8 @@
           </p:sp>
         </mc:Fallback>
       </mc:AlternateContent>
-      <mc:AlternateContent xmlns:mc="http://schemas.openxmlformats.org/markup-compatibility/2006">
-        <mc:Choice xmlns:a14="http://schemas.microsoft.com/office/drawing/2010/main" Requires="a14">
+      <mc:AlternateContent xmlns:mc="http://schemas.openxmlformats.org/markup-compatibility/2006" xmlns:a14="http://schemas.microsoft.com/office/drawing/2010/main">
+        <mc:Choice Requires="a14">
           <p:sp>
             <p:nvSpPr>
               <p:cNvPr id="7" name="内容占位符 3">
@@ -13839,7 +13842,7 @@
             </p:txBody>
           </p:sp>
         </mc:Choice>
-        <mc:Fallback>
+        <mc:Fallback xmlns="">
           <p:sp>
             <p:nvSpPr>
               <p:cNvPr id="7" name="内容占位符 3">
@@ -14567,7 +14570,7 @@
                                         <p:tgtEl>
                                           <p:spTgt spid="7">
                                             <p:txEl>
-                                              <p:charRg st="147" end="303"/>
+                                              <p:pRg st="2" end="2"/>
                                             </p:txEl>
                                           </p:spTgt>
                                         </p:tgtEl>
@@ -14594,7 +14597,7 @@
                                         <p:tgtEl>
                                           <p:spTgt spid="7">
                                             <p:txEl>
-                                              <p:charRg st="303" end="453"/>
+                                              <p:pRg st="3" end="3"/>
                                             </p:txEl>
                                           </p:spTgt>
                                         </p:tgtEl>
@@ -14621,7 +14624,7 @@
                                         <p:tgtEl>
                                           <p:spTgt spid="7">
                                             <p:txEl>
-                                              <p:charRg st="453" end="556"/>
+                                              <p:pRg st="4" end="4"/>
                                             </p:txEl>
                                           </p:spTgt>
                                         </p:tgtEl>
@@ -14939,7 +14942,7 @@
                                         <p:tgtEl>
                                           <p:spTgt spid="7">
                                             <p:txEl>
-                                              <p:charRg st="147" end="303"/>
+                                              <p:pRg st="2" end="2"/>
                                             </p:txEl>
                                           </p:spTgt>
                                         </p:tgtEl>
@@ -14966,7 +14969,7 @@
                                         <p:tgtEl>
                                           <p:spTgt spid="7">
                                             <p:txEl>
-                                              <p:charRg st="303" end="453"/>
+                                              <p:pRg st="3" end="3"/>
                                             </p:txEl>
                                           </p:spTgt>
                                         </p:tgtEl>
@@ -14993,7 +14996,7 @@
                                         <p:tgtEl>
                                           <p:spTgt spid="7">
                                             <p:txEl>
-                                              <p:charRg st="453" end="556"/>
+                                              <p:pRg st="4" end="4"/>
                                             </p:txEl>
                                           </p:spTgt>
                                         </p:tgtEl>
@@ -15273,8 +15276,8 @@
           </a:p>
         </p:txBody>
       </p:sp>
-      <mc:AlternateContent xmlns:mc="http://schemas.openxmlformats.org/markup-compatibility/2006">
-        <mc:Choice xmlns:a14="http://schemas.microsoft.com/office/drawing/2010/main" Requires="a14">
+      <mc:AlternateContent xmlns:mc="http://schemas.openxmlformats.org/markup-compatibility/2006" xmlns:a14="http://schemas.microsoft.com/office/drawing/2010/main">
+        <mc:Choice Requires="a14">
           <p:sp>
             <p:nvSpPr>
               <p:cNvPr id="5" name="内容占位符 3">
@@ -16871,7 +16874,7 @@
             </p:txBody>
           </p:sp>
         </mc:Choice>
-        <mc:Fallback>
+        <mc:Fallback xmlns="">
           <p:sp>
             <p:nvSpPr>
               <p:cNvPr id="5" name="内容占位符 3">
@@ -16916,8 +16919,8 @@
           </p:sp>
         </mc:Fallback>
       </mc:AlternateContent>
-      <mc:AlternateContent xmlns:mc="http://schemas.openxmlformats.org/markup-compatibility/2006">
-        <mc:Choice xmlns:a14="http://schemas.microsoft.com/office/drawing/2010/main" Requires="a14">
+      <mc:AlternateContent xmlns:mc="http://schemas.openxmlformats.org/markup-compatibility/2006" xmlns:a14="http://schemas.microsoft.com/office/drawing/2010/main">
+        <mc:Choice Requires="a14">
           <p:sp>
             <p:nvSpPr>
               <p:cNvPr id="6" name="内容占位符 3">
@@ -18340,7 +18343,7 @@
             </p:txBody>
           </p:sp>
         </mc:Choice>
-        <mc:Fallback>
+        <mc:Fallback xmlns="">
           <p:sp>
             <p:nvSpPr>
               <p:cNvPr id="6" name="内容占位符 3">
@@ -18385,8 +18388,8 @@
           </p:sp>
         </mc:Fallback>
       </mc:AlternateContent>
-      <mc:AlternateContent xmlns:mc="http://schemas.openxmlformats.org/markup-compatibility/2006">
-        <mc:Choice xmlns:a14="http://schemas.microsoft.com/office/drawing/2010/main" Requires="a14">
+      <mc:AlternateContent xmlns:mc="http://schemas.openxmlformats.org/markup-compatibility/2006" xmlns:a14="http://schemas.microsoft.com/office/drawing/2010/main">
+        <mc:Choice Requires="a14">
           <p:sp>
             <p:nvSpPr>
               <p:cNvPr id="7" name="内容占位符 3">
@@ -18754,7 +18757,7 @@
             </p:txBody>
           </p:sp>
         </mc:Choice>
-        <mc:Fallback>
+        <mc:Fallback xmlns="">
           <p:sp>
             <p:nvSpPr>
               <p:cNvPr id="7" name="内容占位符 3">
@@ -19220,8 +19223,8 @@
           </a:p>
         </p:txBody>
       </p:sp>
-      <mc:AlternateContent xmlns:mc="http://schemas.openxmlformats.org/markup-compatibility/2006">
-        <mc:Choice xmlns:a14="http://schemas.microsoft.com/office/drawing/2010/main" Requires="a14">
+      <mc:AlternateContent xmlns:mc="http://schemas.openxmlformats.org/markup-compatibility/2006" xmlns:a14="http://schemas.microsoft.com/office/drawing/2010/main">
+        <mc:Choice Requires="a14">
           <p:sp>
             <p:nvSpPr>
               <p:cNvPr id="3" name="内容占位符 3">
@@ -19519,7 +19522,7 @@
             </p:txBody>
           </p:sp>
         </mc:Choice>
-        <mc:Fallback>
+        <mc:Fallback xmlns="">
           <p:sp>
             <p:nvSpPr>
               <p:cNvPr id="3" name="内容占位符 3">
@@ -19563,8 +19566,8 @@
           </p:sp>
         </mc:Fallback>
       </mc:AlternateContent>
-      <mc:AlternateContent xmlns:mc="http://schemas.openxmlformats.org/markup-compatibility/2006">
-        <mc:Choice xmlns:a14="http://schemas.microsoft.com/office/drawing/2010/main" Requires="a14">
+      <mc:AlternateContent xmlns:mc="http://schemas.openxmlformats.org/markup-compatibility/2006" xmlns:a14="http://schemas.microsoft.com/office/drawing/2010/main">
+        <mc:Choice Requires="a14">
           <p:sp>
             <p:nvSpPr>
               <p:cNvPr id="11" name="内容占位符 3">
@@ -19852,7 +19855,7 @@
             </p:txBody>
           </p:sp>
         </mc:Choice>
-        <mc:Fallback>
+        <mc:Fallback xmlns="">
           <p:sp>
             <p:nvSpPr>
               <p:cNvPr id="11" name="内容占位符 3">
@@ -19897,8 +19900,8 @@
           </p:sp>
         </mc:Fallback>
       </mc:AlternateContent>
-      <mc:AlternateContent xmlns:mc="http://schemas.openxmlformats.org/markup-compatibility/2006">
-        <mc:Choice xmlns:a14="http://schemas.microsoft.com/office/drawing/2010/main" Requires="a14">
+      <mc:AlternateContent xmlns:mc="http://schemas.openxmlformats.org/markup-compatibility/2006" xmlns:a14="http://schemas.microsoft.com/office/drawing/2010/main">
+        <mc:Choice Requires="a14">
           <p:sp>
             <p:nvSpPr>
               <p:cNvPr id="12" name="文本框 11">
@@ -19927,6 +19930,7 @@
               </a:bodyPr>
               <a:lstStyle/>
               <a:p>
+                <a:pPr/>
                 <a14:m>
                   <m:oMathPara xmlns:m="http://schemas.openxmlformats.org/officeDocument/2006/math">
                     <m:oMathParaPr>
@@ -19971,7 +19975,7 @@
             </p:txBody>
           </p:sp>
         </mc:Choice>
-        <mc:Fallback>
+        <mc:Fallback xmlns="">
           <p:sp>
             <p:nvSpPr>
               <p:cNvPr id="12" name="文本框 11">
@@ -20506,13 +20510,13 @@
   <p:clrMapOvr>
     <a:masterClrMapping/>
   </p:clrMapOvr>
-  <mc:AlternateContent xmlns:mc="http://schemas.openxmlformats.org/markup-compatibility/2006">
-    <mc:Choice xmlns:p14="http://schemas.microsoft.com/office/powerpoint/2010/main" Requires="p14">
+  <mc:AlternateContent xmlns:mc="http://schemas.openxmlformats.org/markup-compatibility/2006" xmlns:p14="http://schemas.microsoft.com/office/powerpoint/2010/main">
+    <mc:Choice Requires="p14">
       <p:transition spd="med" p14:dur="700">
         <p:fade/>
       </p:transition>
     </mc:Choice>
-    <mc:Fallback>
+    <mc:Fallback xmlns="">
       <p:transition spd="med">
         <p:fade/>
       </p:transition>
@@ -21231,13 +21235,13 @@
   <p:clrMapOvr>
     <a:masterClrMapping/>
   </p:clrMapOvr>
-  <mc:AlternateContent xmlns:mc="http://schemas.openxmlformats.org/markup-compatibility/2006">
-    <mc:Choice xmlns:p14="http://schemas.microsoft.com/office/powerpoint/2010/main" Requires="p14">
+  <mc:AlternateContent xmlns:mc="http://schemas.openxmlformats.org/markup-compatibility/2006" xmlns:p14="http://schemas.microsoft.com/office/powerpoint/2010/main">
+    <mc:Choice Requires="p14">
       <p:transition spd="med" p14:dur="700">
         <p:fade/>
       </p:transition>
     </mc:Choice>
-    <mc:Fallback>
+    <mc:Fallback xmlns="">
       <p:transition spd="med">
         <p:fade/>
       </p:transition>
@@ -21363,13 +21367,13 @@
   <p:clrMapOvr>
     <a:masterClrMapping/>
   </p:clrMapOvr>
-  <mc:AlternateContent xmlns:mc="http://schemas.openxmlformats.org/markup-compatibility/2006">
-    <mc:Choice xmlns:p14="http://schemas.microsoft.com/office/powerpoint/2010/main" Requires="p14">
+  <mc:AlternateContent xmlns:mc="http://schemas.openxmlformats.org/markup-compatibility/2006" xmlns:p14="http://schemas.microsoft.com/office/powerpoint/2010/main">
+    <mc:Choice Requires="p14">
       <p:transition spd="med" p14:dur="700">
         <p:fade/>
       </p:transition>
     </mc:Choice>
-    <mc:Fallback>
+    <mc:Fallback xmlns="">
       <p:transition spd="med">
         <p:fade/>
       </p:transition>
@@ -21400,412 +21404,1262 @@
           <p:cNvPr id="2" name="标题 1">
             <a:extLst>
               <a:ext uri="{FF2B5EF4-FFF2-40B4-BE49-F238E27FC236}">
-                <a16:creationId xmlns:a16="http://schemas.microsoft.com/office/drawing/2014/main" id="{25B1E346-61E0-45DA-9D10-CE11866FB2DE}"/>
+                <a16:creationId xmlns:a16="http://schemas.microsoft.com/office/drawing/2014/main" id="{F6FBF821-1EBB-4608-A353-34065F24C6C6}"/>
               </a:ext>
             </a:extLst>
           </p:cNvPr>
-          <p:cNvSpPr txBox="1">
-            <a:spLocks/>
+          <p:cNvSpPr>
+            <a:spLocks noGrp="1"/>
           </p:cNvSpPr>
+          <p:nvPr>
+            <p:ph type="title"/>
+          </p:nvPr>
+        </p:nvSpPr>
+        <p:spPr>
+          <a:xfrm>
+            <a:off x="1593436" y="177801"/>
+            <a:ext cx="9782801" cy="874936"/>
+          </a:xfrm>
+        </p:spPr>
+        <p:txBody>
+          <a:bodyPr/>
+          <a:lstStyle/>
+          <a:p>
+            <a:r>
+              <a:rPr lang="zh-CN" altLang="en-US" dirty="0">
+                <a:latin typeface="Arial" panose="020B0604020202020204" pitchFamily="34" charset="0"/>
+                <a:sym typeface="Arial" panose="020B0604020202020204" pitchFamily="34" charset="0"/>
+              </a:rPr>
+              <a:t>普通程序开发人员</a:t>
+            </a:r>
+            <a:endParaRPr lang="zh-CN" altLang="en-US" dirty="0"/>
+          </a:p>
+        </p:txBody>
+      </p:sp>
+      <p:sp>
+        <p:nvSpPr>
+          <p:cNvPr id="3" name="椭圆 2">
+            <a:extLst>
+              <a:ext uri="{FF2B5EF4-FFF2-40B4-BE49-F238E27FC236}">
+                <a16:creationId xmlns:a16="http://schemas.microsoft.com/office/drawing/2014/main" id="{43C367C7-C5E9-4A7F-AEF4-E4CC18CD08EE}"/>
+              </a:ext>
+            </a:extLst>
+          </p:cNvPr>
+          <p:cNvSpPr/>
           <p:nvPr/>
         </p:nvSpPr>
         <p:spPr>
           <a:xfrm>
-            <a:off x="1845940" y="1689968"/>
-            <a:ext cx="2196720" cy="874936"/>
+            <a:off x="5404716" y="2971800"/>
+            <a:ext cx="2160240" cy="914400"/>
           </a:xfrm>
-          <a:prstGeom prst="rect">
+          <a:prstGeom prst="ellipse">
             <a:avLst/>
           </a:prstGeom>
         </p:spPr>
+        <p:style>
+          <a:lnRef idx="2">
+            <a:schemeClr val="accent1">
+              <a:shade val="50000"/>
+            </a:schemeClr>
+          </a:lnRef>
+          <a:fillRef idx="1">
+            <a:schemeClr val="accent1"/>
+          </a:fillRef>
+          <a:effectRef idx="0">
+            <a:schemeClr val="accent1"/>
+          </a:effectRef>
+          <a:fontRef idx="minor">
+            <a:schemeClr val="lt1"/>
+          </a:fontRef>
+        </p:style>
         <p:txBody>
-          <a:bodyPr/>
-          <a:lstStyle>
-            <a:lvl1pPr algn="l" defTabSz="914400" rtl="0" eaLnBrk="1" latinLnBrk="0" hangingPunct="1">
-              <a:lnSpc>
-                <a:spcPct val="90000"/>
-              </a:lnSpc>
-              <a:spcBef>
-                <a:spcPct val="0"/>
-              </a:spcBef>
-              <a:buNone/>
-              <a:defRPr sz="3600" kern="1200">
-                <a:solidFill>
-                  <a:schemeClr val="tx1">
-                    <a:lumMod val="75000"/>
-                  </a:schemeClr>
-                </a:solidFill>
-                <a:latin typeface="微软雅黑" panose="020B0503020204020204" pitchFamily="34" charset="-122"/>
-                <a:ea typeface="微软雅黑" panose="020B0503020204020204" pitchFamily="34" charset="-122"/>
-                <a:cs typeface="+mj-cs"/>
-              </a:defRPr>
-            </a:lvl1pPr>
-          </a:lstStyle>
-          <a:p>
-            <a:r>
-              <a:rPr lang="en-US" altLang="zh-CN" dirty="0">
-                <a:latin typeface="Arial" panose="020B0604020202020204" pitchFamily="34" charset="0"/>
-                <a:sym typeface="Arial" panose="020B0604020202020204" pitchFamily="34" charset="0"/>
-              </a:rPr>
-              <a:t>Fin.</a:t>
-            </a:r>
-            <a:endParaRPr lang="zh-CN" altLang="en-US" dirty="0"/>
-          </a:p>
-        </p:txBody>
-      </p:sp>
-      <p:sp>
-        <p:nvSpPr>
-          <p:cNvPr id="3" name="文本框 2">
-            <a:extLst>
-              <a:ext uri="{FF2B5EF4-FFF2-40B4-BE49-F238E27FC236}">
-                <a16:creationId xmlns:a16="http://schemas.microsoft.com/office/drawing/2014/main" id="{D7C21974-A63E-4BD7-B67F-98FDC865CA86}"/>
-              </a:ext>
-            </a:extLst>
-          </p:cNvPr>
-          <p:cNvSpPr txBox="1"/>
-          <p:nvPr/>
-        </p:nvSpPr>
-        <p:spPr>
-          <a:xfrm>
-            <a:off x="1845940" y="2564904"/>
-            <a:ext cx="7879080" cy="707886"/>
-          </a:xfrm>
-          <a:prstGeom prst="rect">
-            <a:avLst/>
-          </a:prstGeom>
-          <a:noFill/>
-        </p:spPr>
-        <p:txBody>
-          <a:bodyPr wrap="none" rtlCol="0">
-            <a:spAutoFit/>
-          </a:bodyPr>
+          <a:bodyPr rtlCol="0" anchor="ctr"/>
           <a:lstStyle/>
           <a:p>
-            <a:r>
-              <a:rPr lang="zh-CN" altLang="en-US" sz="4000" dirty="0"/>
-              <a:t>感谢大家百忙之中抽出时间的聆听</a:t>
-            </a:r>
-          </a:p>
-        </p:txBody>
-      </p:sp>
-      <p:sp>
-        <p:nvSpPr>
-          <p:cNvPr id="4" name="副标题 2">
-            <a:extLst>
-              <a:ext uri="{FF2B5EF4-FFF2-40B4-BE49-F238E27FC236}">
-                <a16:creationId xmlns:a16="http://schemas.microsoft.com/office/drawing/2014/main" id="{F82D915E-E5F3-475A-982D-78A233008504}"/>
-              </a:ext>
-            </a:extLst>
-          </p:cNvPr>
-          <p:cNvSpPr txBox="1">
-            <a:spLocks/>
-          </p:cNvSpPr>
-          <p:nvPr/>
-        </p:nvSpPr>
-        <p:spPr>
-          <a:xfrm>
-            <a:off x="1845940" y="3933056"/>
-            <a:ext cx="8329031" cy="1527944"/>
-          </a:xfrm>
-          <a:prstGeom prst="rect">
-            <a:avLst/>
-          </a:prstGeom>
-        </p:spPr>
-        <p:txBody>
-          <a:bodyPr rtlCol="0">
-            <a:normAutofit lnSpcReduction="10000"/>
-          </a:bodyPr>
-          <a:lstStyle>
-            <a:lvl1pPr marL="246888" indent="-246888" algn="l" defTabSz="914400" rtl="0" eaLnBrk="1" latinLnBrk="0" hangingPunct="1">
-              <a:lnSpc>
-                <a:spcPct val="90000"/>
-              </a:lnSpc>
-              <a:spcBef>
-                <a:spcPts val="1400"/>
-              </a:spcBef>
-              <a:buFont typeface="Euphemia" pitchFamily="34" charset="0"/>
-              <a:buChar char="›"/>
-              <a:defRPr sz="2800" kern="1200">
-                <a:solidFill>
-                  <a:schemeClr val="tx1"/>
-                </a:solidFill>
-                <a:latin typeface="微软雅黑" panose="020B0503020204020204" pitchFamily="34" charset="-122"/>
-                <a:ea typeface="微软雅黑" panose="020B0503020204020204" pitchFamily="34" charset="-122"/>
-                <a:cs typeface="+mn-cs"/>
-              </a:defRPr>
-            </a:lvl1pPr>
-            <a:lvl2pPr marL="612648" indent="-246888" algn="l" defTabSz="914400" rtl="0" eaLnBrk="1" latinLnBrk="0" hangingPunct="1">
-              <a:lnSpc>
-                <a:spcPct val="90000"/>
-              </a:lnSpc>
-              <a:spcBef>
-                <a:spcPts val="600"/>
-              </a:spcBef>
-              <a:buFont typeface="Euphemia" pitchFamily="34" charset="0"/>
-              <a:buChar char="–"/>
-              <a:defRPr sz="2400" kern="1200">
-                <a:solidFill>
-                  <a:schemeClr val="tx1"/>
-                </a:solidFill>
-                <a:latin typeface="微软雅黑" panose="020B0503020204020204" pitchFamily="34" charset="-122"/>
-                <a:ea typeface="微软雅黑" panose="020B0503020204020204" pitchFamily="34" charset="-122"/>
-                <a:cs typeface="+mn-cs"/>
-              </a:defRPr>
-            </a:lvl2pPr>
-            <a:lvl3pPr marL="978408" indent="-246888" algn="l" defTabSz="914400" rtl="0" eaLnBrk="1" latinLnBrk="0" hangingPunct="1">
-              <a:lnSpc>
-                <a:spcPct val="90000"/>
-              </a:lnSpc>
-              <a:spcBef>
-                <a:spcPts val="600"/>
-              </a:spcBef>
-              <a:buFont typeface="Euphemia" pitchFamily="34" charset="0"/>
-              <a:buChar char="›"/>
-              <a:defRPr sz="2000" kern="1200">
-                <a:solidFill>
-                  <a:schemeClr val="tx1"/>
-                </a:solidFill>
-                <a:latin typeface="微软雅黑" panose="020B0503020204020204" pitchFamily="34" charset="-122"/>
-                <a:ea typeface="微软雅黑" panose="020B0503020204020204" pitchFamily="34" charset="-122"/>
-                <a:cs typeface="+mn-cs"/>
-              </a:defRPr>
-            </a:lvl3pPr>
-            <a:lvl4pPr marL="1344168" indent="-246888" algn="l" defTabSz="914400" rtl="0" eaLnBrk="1" latinLnBrk="0" hangingPunct="1">
-              <a:lnSpc>
-                <a:spcPct val="90000"/>
-              </a:lnSpc>
-              <a:spcBef>
-                <a:spcPts val="600"/>
-              </a:spcBef>
-              <a:buFont typeface="Arial" pitchFamily="34" charset="0"/>
-              <a:buChar char="–"/>
-              <a:defRPr sz="1800" kern="1200">
-                <a:solidFill>
-                  <a:schemeClr val="tx1"/>
-                </a:solidFill>
-                <a:latin typeface="微软雅黑" panose="020B0503020204020204" pitchFamily="34" charset="-122"/>
-                <a:ea typeface="微软雅黑" panose="020B0503020204020204" pitchFamily="34" charset="-122"/>
-                <a:cs typeface="+mn-cs"/>
-              </a:defRPr>
-            </a:lvl4pPr>
-            <a:lvl5pPr marL="1709928" indent="-246888" algn="l" defTabSz="914400" rtl="0" eaLnBrk="1" latinLnBrk="0" hangingPunct="1">
-              <a:lnSpc>
-                <a:spcPct val="90000"/>
-              </a:lnSpc>
-              <a:spcBef>
-                <a:spcPts val="600"/>
-              </a:spcBef>
-              <a:buFont typeface="Euphemia" pitchFamily="34" charset="0"/>
-              <a:buChar char="›"/>
-              <a:defRPr sz="1800" kern="1200">
-                <a:solidFill>
-                  <a:schemeClr val="tx1"/>
-                </a:solidFill>
-                <a:latin typeface="微软雅黑" panose="020B0503020204020204" pitchFamily="34" charset="-122"/>
-                <a:ea typeface="微软雅黑" panose="020B0503020204020204" pitchFamily="34" charset="-122"/>
-                <a:cs typeface="+mn-cs"/>
-              </a:defRPr>
-            </a:lvl5pPr>
-            <a:lvl6pPr marL="2075688" indent="-246888" algn="l" defTabSz="914400" rtl="0" eaLnBrk="1" latinLnBrk="0" hangingPunct="1">
-              <a:lnSpc>
-                <a:spcPct val="90000"/>
-              </a:lnSpc>
-              <a:spcBef>
-                <a:spcPts val="600"/>
-              </a:spcBef>
-              <a:buFont typeface="Euphemia" pitchFamily="34" charset="0"/>
-              <a:buChar char="–"/>
-              <a:defRPr sz="1800" kern="1200">
-                <a:solidFill>
-                  <a:schemeClr val="tx1"/>
-                </a:solidFill>
-                <a:latin typeface="+mn-lt"/>
-                <a:ea typeface="+mn-ea"/>
-                <a:cs typeface="+mn-cs"/>
-              </a:defRPr>
-            </a:lvl6pPr>
-            <a:lvl7pPr marL="2441448" indent="-246888" algn="l" defTabSz="914400" rtl="0" eaLnBrk="1" latinLnBrk="0" hangingPunct="1">
-              <a:lnSpc>
-                <a:spcPct val="90000"/>
-              </a:lnSpc>
-              <a:spcBef>
-                <a:spcPts val="600"/>
-              </a:spcBef>
-              <a:buFont typeface="Euphemia" pitchFamily="34" charset="0"/>
-              <a:buChar char="›"/>
-              <a:defRPr sz="1800" kern="1200">
-                <a:solidFill>
-                  <a:schemeClr val="tx1"/>
-                </a:solidFill>
-                <a:latin typeface="+mn-lt"/>
-                <a:ea typeface="+mn-ea"/>
-                <a:cs typeface="+mn-cs"/>
-              </a:defRPr>
-            </a:lvl7pPr>
-            <a:lvl8pPr marL="2807208" indent="-246888" algn="l" defTabSz="914400" rtl="0" eaLnBrk="1" latinLnBrk="0" hangingPunct="1">
-              <a:lnSpc>
-                <a:spcPct val="90000"/>
-              </a:lnSpc>
-              <a:spcBef>
-                <a:spcPts val="600"/>
-              </a:spcBef>
-              <a:buFont typeface="Euphemia" pitchFamily="34" charset="0"/>
-              <a:buChar char="–"/>
-              <a:defRPr sz="1800" kern="1200" baseline="0">
-                <a:solidFill>
-                  <a:schemeClr val="tx1"/>
-                </a:solidFill>
-                <a:latin typeface="+mn-lt"/>
-                <a:ea typeface="+mn-ea"/>
-                <a:cs typeface="+mn-cs"/>
-              </a:defRPr>
-            </a:lvl8pPr>
-            <a:lvl9pPr marL="3172968" indent="-246888" algn="l" defTabSz="914400" rtl="0" eaLnBrk="1" latinLnBrk="0" hangingPunct="1">
-              <a:lnSpc>
-                <a:spcPct val="90000"/>
-              </a:lnSpc>
-              <a:spcBef>
-                <a:spcPts val="600"/>
-              </a:spcBef>
-              <a:buFont typeface="Euphemia" pitchFamily="34" charset="0"/>
-              <a:buChar char="›"/>
-              <a:defRPr sz="1800" kern="1200" baseline="0">
-                <a:solidFill>
-                  <a:schemeClr val="tx1"/>
-                </a:solidFill>
-                <a:latin typeface="+mn-lt"/>
-                <a:ea typeface="+mn-ea"/>
-                <a:cs typeface="+mn-cs"/>
-              </a:defRPr>
-            </a:lvl9pPr>
-          </a:lstStyle>
-          <a:p>
-            <a:r>
-              <a:rPr lang="zh-CN" altLang="en-US">
-                <a:solidFill>
-                  <a:schemeClr val="accent4"/>
-                </a:solidFill>
-                <a:latin typeface="Arial" panose="020B0604020202020204" pitchFamily="34" charset="0"/>
-                <a:sym typeface="Arial" panose="020B0604020202020204" pitchFamily="34" charset="0"/>
-              </a:rPr>
-              <a:t>分享人：</a:t>
-            </a:r>
-            <a:r>
-              <a:rPr lang="en-US" altLang="zh-CN">
-                <a:solidFill>
-                  <a:schemeClr val="accent4"/>
-                </a:solidFill>
-                <a:latin typeface="Arial" panose="020B0604020202020204" pitchFamily="34" charset="0"/>
-                <a:sym typeface="Arial" panose="020B0604020202020204" pitchFamily="34" charset="0"/>
-              </a:rPr>
-              <a:t>Ai</a:t>
-            </a:r>
-            <a:r>
-              <a:rPr lang="zh-CN" altLang="en-US">
-                <a:solidFill>
-                  <a:schemeClr val="accent4"/>
-                </a:solidFill>
-                <a:latin typeface="Arial" panose="020B0604020202020204" pitchFamily="34" charset="0"/>
-                <a:sym typeface="Arial" panose="020B0604020202020204" pitchFamily="34" charset="0"/>
-              </a:rPr>
-              <a:t>兔兔</a:t>
-            </a:r>
-            <a:endParaRPr lang="en-US" altLang="zh-CN">
-              <a:solidFill>
-                <a:schemeClr val="accent4"/>
-              </a:solidFill>
-              <a:latin typeface="Arial" panose="020B0604020202020204" pitchFamily="34" charset="0"/>
-              <a:sym typeface="Arial" panose="020B0604020202020204" pitchFamily="34" charset="0"/>
-            </a:endParaRPr>
-          </a:p>
-          <a:p>
-            <a:r>
-              <a:rPr lang="en-US" altLang="zh-CN">
-                <a:solidFill>
-                  <a:schemeClr val="accent4"/>
-                </a:solidFill>
-                <a:latin typeface="Arial" panose="020B0604020202020204" pitchFamily="34" charset="0"/>
-                <a:sym typeface="Arial" panose="020B0604020202020204" pitchFamily="34" charset="0"/>
-              </a:rPr>
-              <a:t>Blog</a:t>
-            </a:r>
-            <a:r>
-              <a:rPr lang="zh-CN" altLang="en-US">
-                <a:solidFill>
-                  <a:schemeClr val="accent4"/>
-                </a:solidFill>
-                <a:latin typeface="Arial" panose="020B0604020202020204" pitchFamily="34" charset="0"/>
-                <a:sym typeface="Arial" panose="020B0604020202020204" pitchFamily="34" charset="0"/>
-              </a:rPr>
-              <a:t>：</a:t>
-            </a:r>
-            <a:r>
-              <a:rPr lang="en-US" altLang="zh-CN">
-                <a:hlinkClick r:id="rId2"/>
-              </a:rPr>
-              <a:t>http://sakigami-yang.me/</a:t>
-            </a:r>
-            <a:endParaRPr lang="en-US" altLang="zh-CN"/>
-          </a:p>
-          <a:p>
-            <a:r>
-              <a:rPr lang="en-US" altLang="zh-CN">
-                <a:solidFill>
-                  <a:schemeClr val="accent4"/>
-                </a:solidFill>
-                <a:latin typeface="Arial" panose="020B0604020202020204" pitchFamily="34" charset="0"/>
-                <a:sym typeface="Arial" panose="020B0604020202020204" pitchFamily="34" charset="0"/>
-              </a:rPr>
-              <a:t>Github</a:t>
-            </a:r>
-            <a:r>
-              <a:rPr lang="zh-CN" altLang="en-US">
-                <a:solidFill>
-                  <a:schemeClr val="accent4"/>
-                </a:solidFill>
-                <a:latin typeface="Arial" panose="020B0604020202020204" pitchFamily="34" charset="0"/>
-                <a:sym typeface="Arial" panose="020B0604020202020204" pitchFamily="34" charset="0"/>
-              </a:rPr>
-              <a:t>：</a:t>
-            </a:r>
-            <a:r>
-              <a:rPr lang="en-US" altLang="zh-CN">
-                <a:hlinkClick r:id="rId3"/>
-              </a:rPr>
-              <a:t>https://github.com/SakigamiYang</a:t>
-            </a:r>
-            <a:endParaRPr lang="zh-CN" altLang="en-US" dirty="0">
-              <a:solidFill>
-                <a:schemeClr val="accent4"/>
-              </a:solidFill>
-              <a:latin typeface="Arial" panose="020B0604020202020204" pitchFamily="34" charset="0"/>
-              <a:sym typeface="Arial" panose="020B0604020202020204" pitchFamily="34" charset="0"/>
-            </a:endParaRPr>
+            <a:pPr algn="ctr"/>
+            <a:r>
+              <a:rPr lang="zh-CN" altLang="en-US" dirty="0"/>
+              <a:t>算数学</a:t>
+            </a:r>
           </a:p>
         </p:txBody>
       </p:sp>
     </p:spTree>
     <p:extLst>
       <p:ext uri="{BB962C8B-B14F-4D97-AF65-F5344CB8AC3E}">
-        <p14:creationId xmlns:p14="http://schemas.microsoft.com/office/powerpoint/2010/main" val="206787478"/>
+        <p14:creationId xmlns:p14="http://schemas.microsoft.com/office/powerpoint/2010/main" val="2388779250"/>
       </p:ext>
     </p:extLst>
   </p:cSld>
   <p:clrMapOvr>
     <a:masterClrMapping/>
   </p:clrMapOvr>
-  <mc:AlternateContent xmlns:mc="http://schemas.openxmlformats.org/markup-compatibility/2006" xmlns:p14="http://schemas.microsoft.com/office/powerpoint/2010/main">
-    <mc:Choice Requires="p14">
+  <mc:AlternateContent xmlns:mc="http://schemas.openxmlformats.org/markup-compatibility/2006">
+    <mc:Choice xmlns:p14="http://schemas.microsoft.com/office/powerpoint/2010/main" Requires="p14">
       <p:transition spd="med" p14:dur="700">
         <p:fade/>
       </p:transition>
     </mc:Choice>
-    <mc:Fallback xmlns="">
+    <mc:Fallback>
       <p:transition spd="med">
         <p:fade/>
       </p:transition>
     </mc:Fallback>
   </mc:AlternateContent>
+</p:sld>
+</file>
+
+<file path=ppt/slides/slide19.xml><?xml version="1.0" encoding="utf-8"?>
+<p:sld xmlns:a="http://schemas.openxmlformats.org/drawingml/2006/main" xmlns:r="http://schemas.openxmlformats.org/officeDocument/2006/relationships" xmlns:p="http://schemas.openxmlformats.org/presentationml/2006/main">
+  <p:cSld>
+    <p:spTree>
+      <p:nvGrpSpPr>
+        <p:cNvPr id="1" name=""/>
+        <p:cNvGrpSpPr/>
+        <p:nvPr/>
+      </p:nvGrpSpPr>
+      <p:grpSpPr>
+        <a:xfrm>
+          <a:off x="0" y="0"/>
+          <a:ext cx="0" cy="0"/>
+          <a:chOff x="0" y="0"/>
+          <a:chExt cx="0" cy="0"/>
+        </a:xfrm>
+      </p:grpSpPr>
+      <p:sp>
+        <p:nvSpPr>
+          <p:cNvPr id="2" name="标题 1">
+            <a:extLst>
+              <a:ext uri="{FF2B5EF4-FFF2-40B4-BE49-F238E27FC236}">
+                <a16:creationId xmlns:a16="http://schemas.microsoft.com/office/drawing/2014/main" id="{F6FBF821-1EBB-4608-A353-34065F24C6C6}"/>
+              </a:ext>
+            </a:extLst>
+          </p:cNvPr>
+          <p:cNvSpPr>
+            <a:spLocks noGrp="1"/>
+          </p:cNvSpPr>
+          <p:nvPr>
+            <p:ph type="title"/>
+          </p:nvPr>
+        </p:nvSpPr>
+        <p:spPr>
+          <a:xfrm>
+            <a:off x="1593436" y="177801"/>
+            <a:ext cx="9782801" cy="874936"/>
+          </a:xfrm>
+        </p:spPr>
+        <p:txBody>
+          <a:bodyPr/>
+          <a:lstStyle/>
+          <a:p>
+            <a:r>
+              <a:rPr lang="zh-CN" altLang="en-US" dirty="0">
+                <a:latin typeface="Arial" panose="020B0604020202020204" pitchFamily="34" charset="0"/>
+                <a:sym typeface="Arial" panose="020B0604020202020204" pitchFamily="34" charset="0"/>
+              </a:rPr>
+              <a:t>算法研究人员</a:t>
+            </a:r>
+            <a:endParaRPr lang="zh-CN" altLang="en-US" dirty="0"/>
+          </a:p>
+        </p:txBody>
+      </p:sp>
+      <p:sp>
+        <p:nvSpPr>
+          <p:cNvPr id="15" name="椭圆 14">
+            <a:extLst>
+              <a:ext uri="{FF2B5EF4-FFF2-40B4-BE49-F238E27FC236}">
+                <a16:creationId xmlns:a16="http://schemas.microsoft.com/office/drawing/2014/main" id="{DDD1B9C6-EE12-4A29-B6DD-718D7F5A16BE}"/>
+              </a:ext>
+            </a:extLst>
+          </p:cNvPr>
+          <p:cNvSpPr/>
+          <p:nvPr/>
+        </p:nvSpPr>
+        <p:spPr>
+          <a:xfrm>
+            <a:off x="5230316" y="5348064"/>
+            <a:ext cx="1440160" cy="914400"/>
+          </a:xfrm>
+          <a:prstGeom prst="ellipse">
+            <a:avLst/>
+          </a:prstGeom>
+        </p:spPr>
+        <p:style>
+          <a:lnRef idx="2">
+            <a:schemeClr val="accent1">
+              <a:shade val="50000"/>
+            </a:schemeClr>
+          </a:lnRef>
+          <a:fillRef idx="1">
+            <a:schemeClr val="accent1"/>
+          </a:fillRef>
+          <a:effectRef idx="0">
+            <a:schemeClr val="accent1"/>
+          </a:effectRef>
+          <a:fontRef idx="minor">
+            <a:schemeClr val="lt1"/>
+          </a:fontRef>
+        </p:style>
+        <p:txBody>
+          <a:bodyPr rtlCol="0" anchor="ctr"/>
+          <a:lstStyle/>
+          <a:p>
+            <a:pPr algn="ctr"/>
+            <a:r>
+              <a:rPr lang="zh-CN" altLang="en-US" dirty="0"/>
+              <a:t>多项式</a:t>
+            </a:r>
+          </a:p>
+        </p:txBody>
+      </p:sp>
+      <p:sp>
+        <p:nvSpPr>
+          <p:cNvPr id="18" name="椭圆 17">
+            <a:extLst>
+              <a:ext uri="{FF2B5EF4-FFF2-40B4-BE49-F238E27FC236}">
+                <a16:creationId xmlns:a16="http://schemas.microsoft.com/office/drawing/2014/main" id="{578E52D5-C083-4CB8-A428-7097890F0AA4}"/>
+              </a:ext>
+            </a:extLst>
+          </p:cNvPr>
+          <p:cNvSpPr/>
+          <p:nvPr/>
+        </p:nvSpPr>
+        <p:spPr>
+          <a:xfrm>
+            <a:off x="8491188" y="5038048"/>
+            <a:ext cx="1440160" cy="914400"/>
+          </a:xfrm>
+          <a:prstGeom prst="ellipse">
+            <a:avLst/>
+          </a:prstGeom>
+        </p:spPr>
+        <p:style>
+          <a:lnRef idx="2">
+            <a:schemeClr val="accent1">
+              <a:shade val="50000"/>
+            </a:schemeClr>
+          </a:lnRef>
+          <a:fillRef idx="1">
+            <a:schemeClr val="accent1"/>
+          </a:fillRef>
+          <a:effectRef idx="0">
+            <a:schemeClr val="accent1"/>
+          </a:effectRef>
+          <a:fontRef idx="minor">
+            <a:schemeClr val="lt1"/>
+          </a:fontRef>
+        </p:style>
+        <p:txBody>
+          <a:bodyPr rtlCol="0" anchor="ctr"/>
+          <a:lstStyle/>
+          <a:p>
+            <a:pPr algn="ctr"/>
+            <a:r>
+              <a:rPr lang="zh-CN" altLang="en-US" dirty="0"/>
+              <a:t>集合</a:t>
+            </a:r>
+          </a:p>
+        </p:txBody>
+      </p:sp>
+      <p:sp>
+        <p:nvSpPr>
+          <p:cNvPr id="21" name="椭圆 20">
+            <a:extLst>
+              <a:ext uri="{FF2B5EF4-FFF2-40B4-BE49-F238E27FC236}">
+                <a16:creationId xmlns:a16="http://schemas.microsoft.com/office/drawing/2014/main" id="{177E31A2-CFC0-483D-8C80-DFD64119C10A}"/>
+              </a:ext>
+            </a:extLst>
+          </p:cNvPr>
+          <p:cNvSpPr/>
+          <p:nvPr/>
+        </p:nvSpPr>
+        <p:spPr>
+          <a:xfrm>
+            <a:off x="9918831" y="3782456"/>
+            <a:ext cx="1440160" cy="914400"/>
+          </a:xfrm>
+          <a:prstGeom prst="ellipse">
+            <a:avLst/>
+          </a:prstGeom>
+        </p:spPr>
+        <p:style>
+          <a:lnRef idx="2">
+            <a:schemeClr val="accent1">
+              <a:shade val="50000"/>
+            </a:schemeClr>
+          </a:lnRef>
+          <a:fillRef idx="1">
+            <a:schemeClr val="accent1"/>
+          </a:fillRef>
+          <a:effectRef idx="0">
+            <a:schemeClr val="accent1"/>
+          </a:effectRef>
+          <a:fontRef idx="minor">
+            <a:schemeClr val="lt1"/>
+          </a:fontRef>
+        </p:style>
+        <p:txBody>
+          <a:bodyPr rtlCol="0" anchor="ctr"/>
+          <a:lstStyle/>
+          <a:p>
+            <a:pPr algn="ctr"/>
+            <a:r>
+              <a:rPr lang="zh-CN" altLang="en-US" dirty="0"/>
+              <a:t>图论</a:t>
+            </a:r>
+          </a:p>
+        </p:txBody>
+      </p:sp>
+      <p:sp>
+        <p:nvSpPr>
+          <p:cNvPr id="25" name="椭圆 24">
+            <a:extLst>
+              <a:ext uri="{FF2B5EF4-FFF2-40B4-BE49-F238E27FC236}">
+                <a16:creationId xmlns:a16="http://schemas.microsoft.com/office/drawing/2014/main" id="{4A867C62-8B27-40BD-8A2C-D903CC4500FA}"/>
+              </a:ext>
+            </a:extLst>
+          </p:cNvPr>
+          <p:cNvSpPr/>
+          <p:nvPr/>
+        </p:nvSpPr>
+        <p:spPr>
+          <a:xfrm>
+            <a:off x="6643030" y="4239656"/>
+            <a:ext cx="1440160" cy="914400"/>
+          </a:xfrm>
+          <a:prstGeom prst="ellipse">
+            <a:avLst/>
+          </a:prstGeom>
+        </p:spPr>
+        <p:style>
+          <a:lnRef idx="2">
+            <a:schemeClr val="accent1">
+              <a:shade val="50000"/>
+            </a:schemeClr>
+          </a:lnRef>
+          <a:fillRef idx="1">
+            <a:schemeClr val="accent1"/>
+          </a:fillRef>
+          <a:effectRef idx="0">
+            <a:schemeClr val="accent1"/>
+          </a:effectRef>
+          <a:fontRef idx="minor">
+            <a:schemeClr val="lt1"/>
+          </a:fontRef>
+        </p:style>
+        <p:txBody>
+          <a:bodyPr rtlCol="0" anchor="ctr"/>
+          <a:lstStyle/>
+          <a:p>
+            <a:pPr algn="ctr"/>
+            <a:r>
+              <a:rPr lang="zh-CN" altLang="en-US" dirty="0"/>
+              <a:t>群论</a:t>
+            </a:r>
+          </a:p>
+        </p:txBody>
+      </p:sp>
+      <p:sp>
+        <p:nvSpPr>
+          <p:cNvPr id="6" name="矩形 5">
+            <a:extLst>
+              <a:ext uri="{FF2B5EF4-FFF2-40B4-BE49-F238E27FC236}">
+                <a16:creationId xmlns:a16="http://schemas.microsoft.com/office/drawing/2014/main" id="{A924A93B-9AC9-46A6-B3C2-EE1041ABC58F}"/>
+              </a:ext>
+            </a:extLst>
+          </p:cNvPr>
+          <p:cNvSpPr/>
+          <p:nvPr/>
+        </p:nvSpPr>
+        <p:spPr>
+          <a:xfrm>
+            <a:off x="4989168" y="2459700"/>
+            <a:ext cx="1440160" cy="684076"/>
+          </a:xfrm>
+          <a:prstGeom prst="rect">
+            <a:avLst/>
+          </a:prstGeom>
+        </p:spPr>
+        <p:style>
+          <a:lnRef idx="2">
+            <a:schemeClr val="accent2">
+              <a:shade val="50000"/>
+            </a:schemeClr>
+          </a:lnRef>
+          <a:fillRef idx="1">
+            <a:schemeClr val="accent2"/>
+          </a:fillRef>
+          <a:effectRef idx="0">
+            <a:schemeClr val="accent2"/>
+          </a:effectRef>
+          <a:fontRef idx="minor">
+            <a:schemeClr val="lt1"/>
+          </a:fontRef>
+        </p:style>
+        <p:txBody>
+          <a:bodyPr rtlCol="0" anchor="ctr"/>
+          <a:lstStyle/>
+          <a:p>
+            <a:pPr algn="ctr"/>
+            <a:r>
+              <a:rPr lang="zh-CN" altLang="en-US" dirty="0"/>
+              <a:t>线性代数</a:t>
+            </a:r>
+          </a:p>
+        </p:txBody>
+      </p:sp>
+      <p:sp>
+        <p:nvSpPr>
+          <p:cNvPr id="26" name="矩形 25">
+            <a:extLst>
+              <a:ext uri="{FF2B5EF4-FFF2-40B4-BE49-F238E27FC236}">
+                <a16:creationId xmlns:a16="http://schemas.microsoft.com/office/drawing/2014/main" id="{6F9DB88A-3812-4F56-B99B-794ABB907225}"/>
+              </a:ext>
+            </a:extLst>
+          </p:cNvPr>
+          <p:cNvSpPr/>
+          <p:nvPr/>
+        </p:nvSpPr>
+        <p:spPr>
+          <a:xfrm>
+            <a:off x="6484836" y="1361906"/>
+            <a:ext cx="1440160" cy="684076"/>
+          </a:xfrm>
+          <a:prstGeom prst="rect">
+            <a:avLst/>
+          </a:prstGeom>
+        </p:spPr>
+        <p:style>
+          <a:lnRef idx="2">
+            <a:schemeClr val="accent2">
+              <a:shade val="50000"/>
+            </a:schemeClr>
+          </a:lnRef>
+          <a:fillRef idx="1">
+            <a:schemeClr val="accent2"/>
+          </a:fillRef>
+          <a:effectRef idx="0">
+            <a:schemeClr val="accent2"/>
+          </a:effectRef>
+          <a:fontRef idx="minor">
+            <a:schemeClr val="lt1"/>
+          </a:fontRef>
+        </p:style>
+        <p:txBody>
+          <a:bodyPr rtlCol="0" anchor="ctr"/>
+          <a:lstStyle/>
+          <a:p>
+            <a:pPr algn="ctr"/>
+            <a:r>
+              <a:rPr lang="zh-CN" altLang="en-US" dirty="0"/>
+              <a:t>抽象代数</a:t>
+            </a:r>
+          </a:p>
+        </p:txBody>
+      </p:sp>
+      <p:sp>
+        <p:nvSpPr>
+          <p:cNvPr id="27" name="矩形 26">
+            <a:extLst>
+              <a:ext uri="{FF2B5EF4-FFF2-40B4-BE49-F238E27FC236}">
+                <a16:creationId xmlns:a16="http://schemas.microsoft.com/office/drawing/2014/main" id="{1B38759A-F121-4A98-BD97-D183C92121F6}"/>
+              </a:ext>
+            </a:extLst>
+          </p:cNvPr>
+          <p:cNvSpPr/>
+          <p:nvPr/>
+        </p:nvSpPr>
+        <p:spPr>
+          <a:xfrm>
+            <a:off x="8459032" y="2452453"/>
+            <a:ext cx="1440160" cy="684076"/>
+          </a:xfrm>
+          <a:prstGeom prst="rect">
+            <a:avLst/>
+          </a:prstGeom>
+        </p:spPr>
+        <p:style>
+          <a:lnRef idx="2">
+            <a:schemeClr val="accent2">
+              <a:shade val="50000"/>
+            </a:schemeClr>
+          </a:lnRef>
+          <a:fillRef idx="1">
+            <a:schemeClr val="accent2"/>
+          </a:fillRef>
+          <a:effectRef idx="0">
+            <a:schemeClr val="accent2"/>
+          </a:effectRef>
+          <a:fontRef idx="minor">
+            <a:schemeClr val="lt1"/>
+          </a:fontRef>
+        </p:style>
+        <p:txBody>
+          <a:bodyPr rtlCol="0" anchor="ctr"/>
+          <a:lstStyle/>
+          <a:p>
+            <a:pPr algn="ctr"/>
+            <a:r>
+              <a:rPr lang="zh-CN" altLang="en-US" dirty="0"/>
+              <a:t>离散数学</a:t>
+            </a:r>
+          </a:p>
+        </p:txBody>
+      </p:sp>
+      <p:sp>
+        <p:nvSpPr>
+          <p:cNvPr id="28" name="矩形 27">
+            <a:extLst>
+              <a:ext uri="{FF2B5EF4-FFF2-40B4-BE49-F238E27FC236}">
+                <a16:creationId xmlns:a16="http://schemas.microsoft.com/office/drawing/2014/main" id="{F931A6D4-35D3-412A-ADC4-60815755109D}"/>
+              </a:ext>
+            </a:extLst>
+          </p:cNvPr>
+          <p:cNvSpPr/>
+          <p:nvPr/>
+        </p:nvSpPr>
+        <p:spPr>
+          <a:xfrm>
+            <a:off x="3358108" y="1437256"/>
+            <a:ext cx="1440160" cy="684076"/>
+          </a:xfrm>
+          <a:prstGeom prst="rect">
+            <a:avLst/>
+          </a:prstGeom>
+        </p:spPr>
+        <p:style>
+          <a:lnRef idx="2">
+            <a:schemeClr val="accent2">
+              <a:shade val="50000"/>
+            </a:schemeClr>
+          </a:lnRef>
+          <a:fillRef idx="1">
+            <a:schemeClr val="accent2"/>
+          </a:fillRef>
+          <a:effectRef idx="0">
+            <a:schemeClr val="accent2"/>
+          </a:effectRef>
+          <a:fontRef idx="minor">
+            <a:schemeClr val="lt1"/>
+          </a:fontRef>
+        </p:style>
+        <p:txBody>
+          <a:bodyPr rtlCol="0" anchor="ctr"/>
+          <a:lstStyle/>
+          <a:p>
+            <a:pPr algn="ctr"/>
+            <a:r>
+              <a:rPr lang="zh-CN" altLang="en-US" dirty="0"/>
+              <a:t>分析数学</a:t>
+            </a:r>
+          </a:p>
+        </p:txBody>
+      </p:sp>
+      <p:sp>
+        <p:nvSpPr>
+          <p:cNvPr id="29" name="矩形 28">
+            <a:extLst>
+              <a:ext uri="{FF2B5EF4-FFF2-40B4-BE49-F238E27FC236}">
+                <a16:creationId xmlns:a16="http://schemas.microsoft.com/office/drawing/2014/main" id="{41C66AB7-640F-4693-86FE-FD46E15BEDA8}"/>
+              </a:ext>
+            </a:extLst>
+          </p:cNvPr>
+          <p:cNvSpPr/>
+          <p:nvPr/>
+        </p:nvSpPr>
+        <p:spPr>
+          <a:xfrm>
+            <a:off x="9694812" y="1068519"/>
+            <a:ext cx="1440160" cy="684076"/>
+          </a:xfrm>
+          <a:prstGeom prst="rect">
+            <a:avLst/>
+          </a:prstGeom>
+        </p:spPr>
+        <p:style>
+          <a:lnRef idx="2">
+            <a:schemeClr val="accent2">
+              <a:shade val="50000"/>
+            </a:schemeClr>
+          </a:lnRef>
+          <a:fillRef idx="1">
+            <a:schemeClr val="accent2"/>
+          </a:fillRef>
+          <a:effectRef idx="0">
+            <a:schemeClr val="accent2"/>
+          </a:effectRef>
+          <a:fontRef idx="minor">
+            <a:schemeClr val="lt1"/>
+          </a:fontRef>
+        </p:style>
+        <p:txBody>
+          <a:bodyPr rtlCol="0" anchor="ctr"/>
+          <a:lstStyle/>
+          <a:p>
+            <a:pPr algn="ctr"/>
+            <a:r>
+              <a:rPr lang="zh-CN" altLang="en-US" dirty="0"/>
+              <a:t>拓扑学</a:t>
+            </a:r>
+          </a:p>
+        </p:txBody>
+      </p:sp>
+      <p:sp>
+        <p:nvSpPr>
+          <p:cNvPr id="30" name="椭圆 29">
+            <a:extLst>
+              <a:ext uri="{FF2B5EF4-FFF2-40B4-BE49-F238E27FC236}">
+                <a16:creationId xmlns:a16="http://schemas.microsoft.com/office/drawing/2014/main" id="{0EFAFA80-1F8A-44E7-AD8C-D28B8C6A42C1}"/>
+              </a:ext>
+            </a:extLst>
+          </p:cNvPr>
+          <p:cNvSpPr/>
+          <p:nvPr/>
+        </p:nvSpPr>
+        <p:spPr>
+          <a:xfrm>
+            <a:off x="3244783" y="3782456"/>
+            <a:ext cx="2088232" cy="914400"/>
+          </a:xfrm>
+          <a:prstGeom prst="ellipse">
+            <a:avLst/>
+          </a:prstGeom>
+        </p:spPr>
+        <p:style>
+          <a:lnRef idx="2">
+            <a:schemeClr val="accent1">
+              <a:shade val="50000"/>
+            </a:schemeClr>
+          </a:lnRef>
+          <a:fillRef idx="1">
+            <a:schemeClr val="accent1"/>
+          </a:fillRef>
+          <a:effectRef idx="0">
+            <a:schemeClr val="accent1"/>
+          </a:effectRef>
+          <a:fontRef idx="minor">
+            <a:schemeClr val="lt1"/>
+          </a:fontRef>
+        </p:style>
+        <p:txBody>
+          <a:bodyPr rtlCol="0" anchor="ctr"/>
+          <a:lstStyle/>
+          <a:p>
+            <a:pPr algn="ctr"/>
+            <a:r>
+              <a:rPr lang="zh-CN" altLang="en-US" dirty="0"/>
+              <a:t>傅里叶分析</a:t>
+            </a:r>
+          </a:p>
+        </p:txBody>
+      </p:sp>
+      <p:sp>
+        <p:nvSpPr>
+          <p:cNvPr id="31" name="椭圆 30">
+            <a:extLst>
+              <a:ext uri="{FF2B5EF4-FFF2-40B4-BE49-F238E27FC236}">
+                <a16:creationId xmlns:a16="http://schemas.microsoft.com/office/drawing/2014/main" id="{4DBCAB4D-BF4A-4409-A254-9F6404D79388}"/>
+              </a:ext>
+            </a:extLst>
+          </p:cNvPr>
+          <p:cNvSpPr/>
+          <p:nvPr/>
+        </p:nvSpPr>
+        <p:spPr>
+          <a:xfrm>
+            <a:off x="1811090" y="4797506"/>
+            <a:ext cx="1440160" cy="914400"/>
+          </a:xfrm>
+          <a:prstGeom prst="ellipse">
+            <a:avLst/>
+          </a:prstGeom>
+        </p:spPr>
+        <p:style>
+          <a:lnRef idx="2">
+            <a:schemeClr val="accent1">
+              <a:shade val="50000"/>
+            </a:schemeClr>
+          </a:lnRef>
+          <a:fillRef idx="1">
+            <a:schemeClr val="accent1"/>
+          </a:fillRef>
+          <a:effectRef idx="0">
+            <a:schemeClr val="accent1"/>
+          </a:effectRef>
+          <a:fontRef idx="minor">
+            <a:schemeClr val="lt1"/>
+          </a:fontRef>
+        </p:style>
+        <p:txBody>
+          <a:bodyPr rtlCol="0" anchor="ctr"/>
+          <a:lstStyle/>
+          <a:p>
+            <a:pPr algn="ctr"/>
+            <a:r>
+              <a:rPr lang="zh-CN" altLang="en-US" dirty="0"/>
+              <a:t>算数学</a:t>
+            </a:r>
+          </a:p>
+        </p:txBody>
+      </p:sp>
+      <p:sp>
+        <p:nvSpPr>
+          <p:cNvPr id="32" name="矩形 31">
+            <a:extLst>
+              <a:ext uri="{FF2B5EF4-FFF2-40B4-BE49-F238E27FC236}">
+                <a16:creationId xmlns:a16="http://schemas.microsoft.com/office/drawing/2014/main" id="{0E21E180-C9B7-4A89-B45E-A1D4A31C17BC}"/>
+              </a:ext>
+            </a:extLst>
+          </p:cNvPr>
+          <p:cNvSpPr/>
+          <p:nvPr/>
+        </p:nvSpPr>
+        <p:spPr>
+          <a:xfrm>
+            <a:off x="1736204" y="2425487"/>
+            <a:ext cx="1440160" cy="684076"/>
+          </a:xfrm>
+          <a:prstGeom prst="rect">
+            <a:avLst/>
+          </a:prstGeom>
+        </p:spPr>
+        <p:style>
+          <a:lnRef idx="2">
+            <a:schemeClr val="accent2">
+              <a:shade val="50000"/>
+            </a:schemeClr>
+          </a:lnRef>
+          <a:fillRef idx="1">
+            <a:schemeClr val="accent2"/>
+          </a:fillRef>
+          <a:effectRef idx="0">
+            <a:schemeClr val="accent2"/>
+          </a:effectRef>
+          <a:fontRef idx="minor">
+            <a:schemeClr val="lt1"/>
+          </a:fontRef>
+        </p:style>
+        <p:txBody>
+          <a:bodyPr rtlCol="0" anchor="ctr"/>
+          <a:lstStyle/>
+          <a:p>
+            <a:pPr algn="ctr"/>
+            <a:r>
+              <a:rPr lang="zh-CN" altLang="en-US" dirty="0"/>
+              <a:t>数论</a:t>
+            </a:r>
+          </a:p>
+        </p:txBody>
+      </p:sp>
+      <p:cxnSp>
+        <p:nvCxnSpPr>
+          <p:cNvPr id="8" name="直接箭头连接符 7">
+            <a:extLst>
+              <a:ext uri="{FF2B5EF4-FFF2-40B4-BE49-F238E27FC236}">
+                <a16:creationId xmlns:a16="http://schemas.microsoft.com/office/drawing/2014/main" id="{944BBCCE-7AAD-4732-B27B-B6B7EF888DEB}"/>
+              </a:ext>
+            </a:extLst>
+          </p:cNvPr>
+          <p:cNvCxnSpPr>
+            <a:stCxn id="31" idx="0"/>
+            <a:endCxn id="32" idx="2"/>
+          </p:cNvCxnSpPr>
+          <p:nvPr/>
+        </p:nvCxnSpPr>
+        <p:spPr>
+          <a:xfrm flipH="1" flipV="1">
+            <a:off x="2456284" y="3109563"/>
+            <a:ext cx="74886" cy="1687943"/>
+          </a:xfrm>
+          <a:prstGeom prst="straightConnector1">
+            <a:avLst/>
+          </a:prstGeom>
+          <a:ln>
+            <a:tailEnd type="triangle"/>
+          </a:ln>
+        </p:spPr>
+        <p:style>
+          <a:lnRef idx="3">
+            <a:schemeClr val="dk1"/>
+          </a:lnRef>
+          <a:fillRef idx="0">
+            <a:schemeClr val="dk1"/>
+          </a:fillRef>
+          <a:effectRef idx="2">
+            <a:schemeClr val="dk1"/>
+          </a:effectRef>
+          <a:fontRef idx="minor">
+            <a:schemeClr val="tx1"/>
+          </a:fontRef>
+        </p:style>
+      </p:cxnSp>
+      <p:cxnSp>
+        <p:nvCxnSpPr>
+          <p:cNvPr id="33" name="直接箭头连接符 32">
+            <a:extLst>
+              <a:ext uri="{FF2B5EF4-FFF2-40B4-BE49-F238E27FC236}">
+                <a16:creationId xmlns:a16="http://schemas.microsoft.com/office/drawing/2014/main" id="{6C7EF214-C9CA-4798-BEFA-FF456B8AEE66}"/>
+              </a:ext>
+            </a:extLst>
+          </p:cNvPr>
+          <p:cNvCxnSpPr>
+            <a:cxnSpLocks/>
+            <a:stCxn id="30" idx="0"/>
+            <a:endCxn id="28" idx="2"/>
+          </p:cNvCxnSpPr>
+          <p:nvPr/>
+        </p:nvCxnSpPr>
+        <p:spPr>
+          <a:xfrm flipH="1" flipV="1">
+            <a:off x="4078188" y="2121332"/>
+            <a:ext cx="210711" cy="1661124"/>
+          </a:xfrm>
+          <a:prstGeom prst="straightConnector1">
+            <a:avLst/>
+          </a:prstGeom>
+          <a:ln>
+            <a:tailEnd type="triangle"/>
+          </a:ln>
+        </p:spPr>
+        <p:style>
+          <a:lnRef idx="3">
+            <a:schemeClr val="dk1"/>
+          </a:lnRef>
+          <a:fillRef idx="0">
+            <a:schemeClr val="dk1"/>
+          </a:fillRef>
+          <a:effectRef idx="2">
+            <a:schemeClr val="dk1"/>
+          </a:effectRef>
+          <a:fontRef idx="minor">
+            <a:schemeClr val="tx1"/>
+          </a:fontRef>
+        </p:style>
+      </p:cxnSp>
+      <p:cxnSp>
+        <p:nvCxnSpPr>
+          <p:cNvPr id="34" name="直接箭头连接符 33">
+            <a:extLst>
+              <a:ext uri="{FF2B5EF4-FFF2-40B4-BE49-F238E27FC236}">
+                <a16:creationId xmlns:a16="http://schemas.microsoft.com/office/drawing/2014/main" id="{9953689D-A888-46C7-9F32-327A4793C892}"/>
+              </a:ext>
+            </a:extLst>
+          </p:cNvPr>
+          <p:cNvCxnSpPr>
+            <a:cxnSpLocks/>
+            <a:stCxn id="15" idx="0"/>
+            <a:endCxn id="6" idx="2"/>
+          </p:cNvCxnSpPr>
+          <p:nvPr/>
+        </p:nvCxnSpPr>
+        <p:spPr>
+          <a:xfrm flipH="1" flipV="1">
+            <a:off x="5709248" y="3143776"/>
+            <a:ext cx="241148" cy="2204288"/>
+          </a:xfrm>
+          <a:prstGeom prst="straightConnector1">
+            <a:avLst/>
+          </a:prstGeom>
+          <a:ln>
+            <a:tailEnd type="triangle"/>
+          </a:ln>
+        </p:spPr>
+        <p:style>
+          <a:lnRef idx="3">
+            <a:schemeClr val="dk1"/>
+          </a:lnRef>
+          <a:fillRef idx="0">
+            <a:schemeClr val="dk1"/>
+          </a:fillRef>
+          <a:effectRef idx="2">
+            <a:schemeClr val="dk1"/>
+          </a:effectRef>
+          <a:fontRef idx="minor">
+            <a:schemeClr val="tx1"/>
+          </a:fontRef>
+        </p:style>
+      </p:cxnSp>
+      <p:cxnSp>
+        <p:nvCxnSpPr>
+          <p:cNvPr id="36" name="直接箭头连接符 35">
+            <a:extLst>
+              <a:ext uri="{FF2B5EF4-FFF2-40B4-BE49-F238E27FC236}">
+                <a16:creationId xmlns:a16="http://schemas.microsoft.com/office/drawing/2014/main" id="{0BB55E3C-0964-43B6-B626-1C820B06B36A}"/>
+              </a:ext>
+            </a:extLst>
+          </p:cNvPr>
+          <p:cNvCxnSpPr>
+            <a:cxnSpLocks/>
+            <a:stCxn id="25" idx="0"/>
+            <a:endCxn id="26" idx="2"/>
+          </p:cNvCxnSpPr>
+          <p:nvPr/>
+        </p:nvCxnSpPr>
+        <p:spPr>
+          <a:xfrm flipH="1" flipV="1">
+            <a:off x="7204916" y="2045982"/>
+            <a:ext cx="158194" cy="2193674"/>
+          </a:xfrm>
+          <a:prstGeom prst="straightConnector1">
+            <a:avLst/>
+          </a:prstGeom>
+          <a:ln>
+            <a:tailEnd type="triangle"/>
+          </a:ln>
+        </p:spPr>
+        <p:style>
+          <a:lnRef idx="3">
+            <a:schemeClr val="dk1"/>
+          </a:lnRef>
+          <a:fillRef idx="0">
+            <a:schemeClr val="dk1"/>
+          </a:fillRef>
+          <a:effectRef idx="2">
+            <a:schemeClr val="dk1"/>
+          </a:effectRef>
+          <a:fontRef idx="minor">
+            <a:schemeClr val="tx1"/>
+          </a:fontRef>
+        </p:style>
+      </p:cxnSp>
+      <p:cxnSp>
+        <p:nvCxnSpPr>
+          <p:cNvPr id="39" name="直接箭头连接符 38">
+            <a:extLst>
+              <a:ext uri="{FF2B5EF4-FFF2-40B4-BE49-F238E27FC236}">
+                <a16:creationId xmlns:a16="http://schemas.microsoft.com/office/drawing/2014/main" id="{0315C9AE-F3FB-454C-837D-3E8F218677F7}"/>
+              </a:ext>
+            </a:extLst>
+          </p:cNvPr>
+          <p:cNvCxnSpPr>
+            <a:cxnSpLocks/>
+            <a:stCxn id="21" idx="0"/>
+            <a:endCxn id="29" idx="2"/>
+          </p:cNvCxnSpPr>
+          <p:nvPr/>
+        </p:nvCxnSpPr>
+        <p:spPr>
+          <a:xfrm flipH="1" flipV="1">
+            <a:off x="10414892" y="1752595"/>
+            <a:ext cx="224019" cy="2029861"/>
+          </a:xfrm>
+          <a:prstGeom prst="straightConnector1">
+            <a:avLst/>
+          </a:prstGeom>
+          <a:ln>
+            <a:tailEnd type="triangle"/>
+          </a:ln>
+        </p:spPr>
+        <p:style>
+          <a:lnRef idx="3">
+            <a:schemeClr val="dk1"/>
+          </a:lnRef>
+          <a:fillRef idx="0">
+            <a:schemeClr val="dk1"/>
+          </a:fillRef>
+          <a:effectRef idx="2">
+            <a:schemeClr val="dk1"/>
+          </a:effectRef>
+          <a:fontRef idx="minor">
+            <a:schemeClr val="tx1"/>
+          </a:fontRef>
+        </p:style>
+      </p:cxnSp>
+      <p:cxnSp>
+        <p:nvCxnSpPr>
+          <p:cNvPr id="42" name="直接箭头连接符 41">
+            <a:extLst>
+              <a:ext uri="{FF2B5EF4-FFF2-40B4-BE49-F238E27FC236}">
+                <a16:creationId xmlns:a16="http://schemas.microsoft.com/office/drawing/2014/main" id="{482FFE0D-A560-4715-9F95-916EEA436B46}"/>
+              </a:ext>
+            </a:extLst>
+          </p:cNvPr>
+          <p:cNvCxnSpPr>
+            <a:cxnSpLocks/>
+            <a:stCxn id="18" idx="0"/>
+            <a:endCxn id="27" idx="2"/>
+          </p:cNvCxnSpPr>
+          <p:nvPr/>
+        </p:nvCxnSpPr>
+        <p:spPr>
+          <a:xfrm flipH="1" flipV="1">
+            <a:off x="9179112" y="3136529"/>
+            <a:ext cx="32156" cy="1901519"/>
+          </a:xfrm>
+          <a:prstGeom prst="straightConnector1">
+            <a:avLst/>
+          </a:prstGeom>
+          <a:ln>
+            <a:tailEnd type="triangle"/>
+          </a:ln>
+        </p:spPr>
+        <p:style>
+          <a:lnRef idx="3">
+            <a:schemeClr val="dk1"/>
+          </a:lnRef>
+          <a:fillRef idx="0">
+            <a:schemeClr val="dk1"/>
+          </a:fillRef>
+          <a:effectRef idx="2">
+            <a:schemeClr val="dk1"/>
+          </a:effectRef>
+          <a:fontRef idx="minor">
+            <a:schemeClr val="tx1"/>
+          </a:fontRef>
+        </p:style>
+      </p:cxnSp>
+      <p:cxnSp>
+        <p:nvCxnSpPr>
+          <p:cNvPr id="46" name="直接箭头连接符 45">
+            <a:extLst>
+              <a:ext uri="{FF2B5EF4-FFF2-40B4-BE49-F238E27FC236}">
+                <a16:creationId xmlns:a16="http://schemas.microsoft.com/office/drawing/2014/main" id="{D049FBBC-AE22-4D84-A525-194906D9E940}"/>
+              </a:ext>
+            </a:extLst>
+          </p:cNvPr>
+          <p:cNvCxnSpPr>
+            <a:cxnSpLocks/>
+            <a:stCxn id="25" idx="0"/>
+            <a:endCxn id="27" idx="2"/>
+          </p:cNvCxnSpPr>
+          <p:nvPr/>
+        </p:nvCxnSpPr>
+        <p:spPr>
+          <a:xfrm flipV="1">
+            <a:off x="7363110" y="3136529"/>
+            <a:ext cx="1816002" cy="1103127"/>
+          </a:xfrm>
+          <a:prstGeom prst="straightConnector1">
+            <a:avLst/>
+          </a:prstGeom>
+          <a:ln>
+            <a:tailEnd type="triangle"/>
+          </a:ln>
+        </p:spPr>
+        <p:style>
+          <a:lnRef idx="3">
+            <a:schemeClr val="dk1"/>
+          </a:lnRef>
+          <a:fillRef idx="0">
+            <a:schemeClr val="dk1"/>
+          </a:fillRef>
+          <a:effectRef idx="2">
+            <a:schemeClr val="dk1"/>
+          </a:effectRef>
+          <a:fontRef idx="minor">
+            <a:schemeClr val="tx1"/>
+          </a:fontRef>
+        </p:style>
+      </p:cxnSp>
+      <p:cxnSp>
+        <p:nvCxnSpPr>
+          <p:cNvPr id="49" name="直接箭头连接符 48">
+            <a:extLst>
+              <a:ext uri="{FF2B5EF4-FFF2-40B4-BE49-F238E27FC236}">
+                <a16:creationId xmlns:a16="http://schemas.microsoft.com/office/drawing/2014/main" id="{D3F9DDCD-76D6-4966-B9BC-05FA84962359}"/>
+              </a:ext>
+            </a:extLst>
+          </p:cNvPr>
+          <p:cNvCxnSpPr>
+            <a:cxnSpLocks/>
+            <a:stCxn id="18" idx="0"/>
+            <a:endCxn id="26" idx="2"/>
+          </p:cNvCxnSpPr>
+          <p:nvPr/>
+        </p:nvCxnSpPr>
+        <p:spPr>
+          <a:xfrm flipH="1" flipV="1">
+            <a:off x="7204916" y="2045982"/>
+            <a:ext cx="2006352" cy="2992066"/>
+          </a:xfrm>
+          <a:prstGeom prst="straightConnector1">
+            <a:avLst/>
+          </a:prstGeom>
+          <a:ln>
+            <a:tailEnd type="triangle"/>
+          </a:ln>
+        </p:spPr>
+        <p:style>
+          <a:lnRef idx="3">
+            <a:schemeClr val="dk1"/>
+          </a:lnRef>
+          <a:fillRef idx="0">
+            <a:schemeClr val="dk1"/>
+          </a:fillRef>
+          <a:effectRef idx="2">
+            <a:schemeClr val="dk1"/>
+          </a:effectRef>
+          <a:fontRef idx="minor">
+            <a:schemeClr val="tx1"/>
+          </a:fontRef>
+        </p:style>
+      </p:cxnSp>
+      <p:sp>
+        <p:nvSpPr>
+          <p:cNvPr id="64" name="矩形 63">
+            <a:extLst>
+              <a:ext uri="{FF2B5EF4-FFF2-40B4-BE49-F238E27FC236}">
+                <a16:creationId xmlns:a16="http://schemas.microsoft.com/office/drawing/2014/main" id="{D84722CD-A223-4CA1-993A-3195D9FEEE10}"/>
+              </a:ext>
+            </a:extLst>
+          </p:cNvPr>
+          <p:cNvSpPr/>
+          <p:nvPr/>
+        </p:nvSpPr>
+        <p:spPr>
+          <a:xfrm>
+            <a:off x="1485900" y="3429000"/>
+            <a:ext cx="10153128" cy="3168352"/>
+          </a:xfrm>
+          <a:prstGeom prst="rect">
+            <a:avLst/>
+          </a:prstGeom>
+          <a:solidFill>
+            <a:schemeClr val="accent4">
+              <a:alpha val="20000"/>
+            </a:schemeClr>
+          </a:solidFill>
+        </p:spPr>
+        <p:style>
+          <a:lnRef idx="2">
+            <a:schemeClr val="accent4">
+              <a:shade val="50000"/>
+            </a:schemeClr>
+          </a:lnRef>
+          <a:fillRef idx="1">
+            <a:schemeClr val="accent4"/>
+          </a:fillRef>
+          <a:effectRef idx="0">
+            <a:schemeClr val="accent4"/>
+          </a:effectRef>
+          <a:fontRef idx="minor">
+            <a:schemeClr val="lt1"/>
+          </a:fontRef>
+        </p:style>
+        <p:txBody>
+          <a:bodyPr rtlCol="0" anchor="b"/>
+          <a:lstStyle/>
+          <a:p>
+            <a:r>
+              <a:rPr lang="zh-CN" altLang="en-US" dirty="0">
+                <a:solidFill>
+                  <a:schemeClr val="accent4"/>
+                </a:solidFill>
+              </a:rPr>
+              <a:t>建议学习</a:t>
+            </a:r>
+          </a:p>
+        </p:txBody>
+      </p:sp>
+    </p:spTree>
+    <p:extLst>
+      <p:ext uri="{BB962C8B-B14F-4D97-AF65-F5344CB8AC3E}">
+        <p14:creationId xmlns:p14="http://schemas.microsoft.com/office/powerpoint/2010/main" val="1261400912"/>
+      </p:ext>
+    </p:extLst>
+  </p:cSld>
+  <p:clrMapOvr>
+    <a:masterClrMapping/>
+  </p:clrMapOvr>
+  <mc:AlternateContent xmlns:mc="http://schemas.openxmlformats.org/markup-compatibility/2006">
+    <mc:Choice xmlns:p14="http://schemas.microsoft.com/office/powerpoint/2010/main" Requires="p14">
+      <p:transition spd="med" p14:dur="700">
+        <p:fade/>
+      </p:transition>
+    </mc:Choice>
+    <mc:Fallback>
+      <p:transition spd="med">
+        <p:fade/>
+      </p:transition>
+    </mc:Fallback>
+  </mc:AlternateContent>
+  <p:timing>
+    <p:tnLst>
+      <p:par>
+        <p:cTn id="1" dur="indefinite" restart="never" nodeType="tmRoot">
+          <p:childTnLst>
+            <p:seq concurrent="1" nextAc="seek">
+              <p:cTn id="2" dur="indefinite" nodeType="mainSeq">
+                <p:childTnLst>
+                  <p:par>
+                    <p:cTn id="3" fill="hold">
+                      <p:stCondLst>
+                        <p:cond delay="indefinite"/>
+                      </p:stCondLst>
+                      <p:childTnLst>
+                        <p:par>
+                          <p:cTn id="4" fill="hold">
+                            <p:stCondLst>
+                              <p:cond delay="0"/>
+                            </p:stCondLst>
+                            <p:childTnLst>
+                              <p:par>
+                                <p:cTn id="5" presetID="16" presetClass="entr" presetSubtype="21" fill="hold" grpId="0" nodeType="clickEffect">
+                                  <p:stCondLst>
+                                    <p:cond delay="0"/>
+                                  </p:stCondLst>
+                                  <p:childTnLst>
+                                    <p:set>
+                                      <p:cBhvr>
+                                        <p:cTn id="6" dur="1" fill="hold">
+                                          <p:stCondLst>
+                                            <p:cond delay="0"/>
+                                          </p:stCondLst>
+                                        </p:cTn>
+                                        <p:tgtEl>
+                                          <p:spTgt spid="64"/>
+                                        </p:tgtEl>
+                                        <p:attrNameLst>
+                                          <p:attrName>style.visibility</p:attrName>
+                                        </p:attrNameLst>
+                                      </p:cBhvr>
+                                      <p:to>
+                                        <p:strVal val="visible"/>
+                                      </p:to>
+                                    </p:set>
+                                    <p:animEffect transition="in" filter="barn(inVertical)">
+                                      <p:cBhvr>
+                                        <p:cTn id="7" dur="500"/>
+                                        <p:tgtEl>
+                                          <p:spTgt spid="64"/>
+                                        </p:tgtEl>
+                                      </p:cBhvr>
+                                    </p:animEffect>
+                                  </p:childTnLst>
+                                </p:cTn>
+                              </p:par>
+                            </p:childTnLst>
+                          </p:cTn>
+                        </p:par>
+                      </p:childTnLst>
+                    </p:cTn>
+                  </p:par>
+                </p:childTnLst>
+              </p:cTn>
+              <p:prevCondLst>
+                <p:cond evt="onPrev" delay="0">
+                  <p:tgtEl>
+                    <p:sldTgt/>
+                  </p:tgtEl>
+                </p:cond>
+              </p:prevCondLst>
+              <p:nextCondLst>
+                <p:cond evt="onNext" delay="0">
+                  <p:tgtEl>
+                    <p:sldTgt/>
+                  </p:tgtEl>
+                </p:cond>
+              </p:nextCondLst>
+            </p:seq>
+          </p:childTnLst>
+        </p:cTn>
+      </p:par>
+    </p:tnLst>
+    <p:bldLst>
+      <p:bldP spid="64" grpId="0" animBg="1"/>
+    </p:bldLst>
+  </p:timing>
 </p:sld>
 </file>
 
@@ -22401,6 +23255,2270 @@
 </p:sld>
 </file>
 
+<file path=ppt/slides/slide20.xml><?xml version="1.0" encoding="utf-8"?>
+<p:sld xmlns:a="http://schemas.openxmlformats.org/drawingml/2006/main" xmlns:r="http://schemas.openxmlformats.org/officeDocument/2006/relationships" xmlns:p="http://schemas.openxmlformats.org/presentationml/2006/main">
+  <p:cSld>
+    <p:spTree>
+      <p:nvGrpSpPr>
+        <p:cNvPr id="1" name=""/>
+        <p:cNvGrpSpPr/>
+        <p:nvPr/>
+      </p:nvGrpSpPr>
+      <p:grpSpPr>
+        <a:xfrm>
+          <a:off x="0" y="0"/>
+          <a:ext cx="0" cy="0"/>
+          <a:chOff x="0" y="0"/>
+          <a:chExt cx="0" cy="0"/>
+        </a:xfrm>
+      </p:grpSpPr>
+      <p:sp>
+        <p:nvSpPr>
+          <p:cNvPr id="137" name="矩形 136">
+            <a:extLst>
+              <a:ext uri="{FF2B5EF4-FFF2-40B4-BE49-F238E27FC236}">
+                <a16:creationId xmlns:a16="http://schemas.microsoft.com/office/drawing/2014/main" id="{49552789-7492-4D0A-9FF8-2BD2F6B432AF}"/>
+              </a:ext>
+            </a:extLst>
+          </p:cNvPr>
+          <p:cNvSpPr/>
+          <p:nvPr/>
+        </p:nvSpPr>
+        <p:spPr>
+          <a:xfrm>
+            <a:off x="6742485" y="1196753"/>
+            <a:ext cx="3261170" cy="3177418"/>
+          </a:xfrm>
+          <a:prstGeom prst="rect">
+            <a:avLst/>
+          </a:prstGeom>
+          <a:solidFill>
+            <a:schemeClr val="accent5">
+              <a:alpha val="20000"/>
+            </a:schemeClr>
+          </a:solidFill>
+        </p:spPr>
+        <p:style>
+          <a:lnRef idx="2">
+            <a:schemeClr val="accent5"/>
+          </a:lnRef>
+          <a:fillRef idx="1">
+            <a:schemeClr val="lt1"/>
+          </a:fillRef>
+          <a:effectRef idx="0">
+            <a:schemeClr val="accent5"/>
+          </a:effectRef>
+          <a:fontRef idx="minor">
+            <a:schemeClr val="dk1"/>
+          </a:fontRef>
+        </p:style>
+        <p:txBody>
+          <a:bodyPr rtlCol="0" anchor="t"/>
+          <a:lstStyle/>
+          <a:p>
+            <a:r>
+              <a:rPr lang="en-US" altLang="zh-CN" dirty="0">
+                <a:solidFill>
+                  <a:schemeClr val="accent5"/>
+                </a:solidFill>
+              </a:rPr>
+              <a:t>SLAM</a:t>
+            </a:r>
+            <a:r>
+              <a:rPr lang="zh-CN" altLang="en-US" dirty="0">
+                <a:solidFill>
+                  <a:schemeClr val="accent5"/>
+                </a:solidFill>
+              </a:rPr>
+              <a:t>视觉</a:t>
+            </a:r>
+          </a:p>
+        </p:txBody>
+      </p:sp>
+      <p:sp>
+        <p:nvSpPr>
+          <p:cNvPr id="136" name="矩形 135">
+            <a:extLst>
+              <a:ext uri="{FF2B5EF4-FFF2-40B4-BE49-F238E27FC236}">
+                <a16:creationId xmlns:a16="http://schemas.microsoft.com/office/drawing/2014/main" id="{0BF30B3E-760C-46D9-BF90-5944B010D9C6}"/>
+              </a:ext>
+            </a:extLst>
+          </p:cNvPr>
+          <p:cNvSpPr/>
+          <p:nvPr/>
+        </p:nvSpPr>
+        <p:spPr>
+          <a:xfrm>
+            <a:off x="6612059" y="4974226"/>
+            <a:ext cx="3391596" cy="1623126"/>
+          </a:xfrm>
+          <a:prstGeom prst="rect">
+            <a:avLst/>
+          </a:prstGeom>
+          <a:solidFill>
+            <a:schemeClr val="accent4">
+              <a:alpha val="20000"/>
+            </a:schemeClr>
+          </a:solidFill>
+        </p:spPr>
+        <p:style>
+          <a:lnRef idx="2">
+            <a:schemeClr val="accent4">
+              <a:shade val="50000"/>
+            </a:schemeClr>
+          </a:lnRef>
+          <a:fillRef idx="1">
+            <a:schemeClr val="accent4"/>
+          </a:fillRef>
+          <a:effectRef idx="0">
+            <a:schemeClr val="accent4"/>
+          </a:effectRef>
+          <a:fontRef idx="minor">
+            <a:schemeClr val="lt1"/>
+          </a:fontRef>
+        </p:style>
+        <p:txBody>
+          <a:bodyPr rtlCol="0" anchor="b"/>
+          <a:lstStyle/>
+          <a:p>
+            <a:endParaRPr lang="zh-CN" altLang="en-US" dirty="0">
+              <a:solidFill>
+                <a:schemeClr val="accent4"/>
+              </a:solidFill>
+            </a:endParaRPr>
+          </a:p>
+        </p:txBody>
+      </p:sp>
+      <p:sp>
+        <p:nvSpPr>
+          <p:cNvPr id="135" name="矩形 134">
+            <a:extLst>
+              <a:ext uri="{FF2B5EF4-FFF2-40B4-BE49-F238E27FC236}">
+                <a16:creationId xmlns:a16="http://schemas.microsoft.com/office/drawing/2014/main" id="{6E71055B-0BF9-4444-9016-D21F75A5AE29}"/>
+              </a:ext>
+            </a:extLst>
+          </p:cNvPr>
+          <p:cNvSpPr/>
+          <p:nvPr/>
+        </p:nvSpPr>
+        <p:spPr>
+          <a:xfrm>
+            <a:off x="1341884" y="1196752"/>
+            <a:ext cx="5270175" cy="5400600"/>
+          </a:xfrm>
+          <a:prstGeom prst="rect">
+            <a:avLst/>
+          </a:prstGeom>
+          <a:solidFill>
+            <a:schemeClr val="accent4">
+              <a:alpha val="20000"/>
+            </a:schemeClr>
+          </a:solidFill>
+        </p:spPr>
+        <p:style>
+          <a:lnRef idx="2">
+            <a:schemeClr val="accent4">
+              <a:shade val="50000"/>
+            </a:schemeClr>
+          </a:lnRef>
+          <a:fillRef idx="1">
+            <a:schemeClr val="accent4"/>
+          </a:fillRef>
+          <a:effectRef idx="0">
+            <a:schemeClr val="accent4"/>
+          </a:effectRef>
+          <a:fontRef idx="minor">
+            <a:schemeClr val="lt1"/>
+          </a:fontRef>
+        </p:style>
+        <p:txBody>
+          <a:bodyPr rtlCol="0" anchor="t"/>
+          <a:lstStyle/>
+          <a:p>
+            <a:r>
+              <a:rPr lang="zh-CN" altLang="en-US" dirty="0">
+                <a:solidFill>
+                  <a:schemeClr val="accent4"/>
+                </a:solidFill>
+              </a:rPr>
+              <a:t>基本必学</a:t>
+            </a:r>
+          </a:p>
+        </p:txBody>
+      </p:sp>
+      <p:sp>
+        <p:nvSpPr>
+          <p:cNvPr id="2" name="标题 1">
+            <a:extLst>
+              <a:ext uri="{FF2B5EF4-FFF2-40B4-BE49-F238E27FC236}">
+                <a16:creationId xmlns:a16="http://schemas.microsoft.com/office/drawing/2014/main" id="{F6FBF821-1EBB-4608-A353-34065F24C6C6}"/>
+              </a:ext>
+            </a:extLst>
+          </p:cNvPr>
+          <p:cNvSpPr>
+            <a:spLocks noGrp="1"/>
+          </p:cNvSpPr>
+          <p:nvPr>
+            <p:ph type="title"/>
+          </p:nvPr>
+        </p:nvSpPr>
+        <p:spPr>
+          <a:xfrm>
+            <a:off x="1593436" y="177801"/>
+            <a:ext cx="9782801" cy="874936"/>
+          </a:xfrm>
+        </p:spPr>
+        <p:txBody>
+          <a:bodyPr/>
+          <a:lstStyle/>
+          <a:p>
+            <a:r>
+              <a:rPr lang="zh-CN" altLang="en-US" dirty="0">
+                <a:latin typeface="Arial" panose="020B0604020202020204" pitchFamily="34" charset="0"/>
+                <a:sym typeface="Arial" panose="020B0604020202020204" pitchFamily="34" charset="0"/>
+              </a:rPr>
+              <a:t>数据科学人员</a:t>
+            </a:r>
+            <a:endParaRPr lang="zh-CN" altLang="en-US" dirty="0"/>
+          </a:p>
+        </p:txBody>
+      </p:sp>
+      <p:sp>
+        <p:nvSpPr>
+          <p:cNvPr id="6" name="矩形 5">
+            <a:extLst>
+              <a:ext uri="{FF2B5EF4-FFF2-40B4-BE49-F238E27FC236}">
+                <a16:creationId xmlns:a16="http://schemas.microsoft.com/office/drawing/2014/main" id="{A924A93B-9AC9-46A6-B3C2-EE1041ABC58F}"/>
+              </a:ext>
+            </a:extLst>
+          </p:cNvPr>
+          <p:cNvSpPr/>
+          <p:nvPr/>
+        </p:nvSpPr>
+        <p:spPr>
+          <a:xfrm>
+            <a:off x="4582244" y="5393237"/>
+            <a:ext cx="1440160" cy="684076"/>
+          </a:xfrm>
+          <a:prstGeom prst="rect">
+            <a:avLst/>
+          </a:prstGeom>
+        </p:spPr>
+        <p:style>
+          <a:lnRef idx="2">
+            <a:schemeClr val="accent2">
+              <a:shade val="50000"/>
+            </a:schemeClr>
+          </a:lnRef>
+          <a:fillRef idx="1">
+            <a:schemeClr val="accent2"/>
+          </a:fillRef>
+          <a:effectRef idx="0">
+            <a:schemeClr val="accent2"/>
+          </a:effectRef>
+          <a:fontRef idx="minor">
+            <a:schemeClr val="lt1"/>
+          </a:fontRef>
+        </p:style>
+        <p:txBody>
+          <a:bodyPr rtlCol="0" anchor="ctr"/>
+          <a:lstStyle/>
+          <a:p>
+            <a:pPr algn="ctr"/>
+            <a:r>
+              <a:rPr lang="zh-CN" altLang="en-US" dirty="0"/>
+              <a:t>线性代数</a:t>
+            </a:r>
+            <a:endParaRPr lang="en-US" altLang="zh-CN" dirty="0"/>
+          </a:p>
+          <a:p>
+            <a:pPr algn="ctr"/>
+            <a:r>
+              <a:rPr lang="zh-CN" altLang="en-US" dirty="0"/>
+              <a:t>（</a:t>
+            </a:r>
+            <a:r>
+              <a:rPr lang="en-US" altLang="zh-CN" dirty="0"/>
+              <a:t>-</a:t>
+            </a:r>
+            <a:r>
+              <a:rPr lang="zh-CN" altLang="en-US" dirty="0"/>
+              <a:t>多项式）</a:t>
+            </a:r>
+          </a:p>
+        </p:txBody>
+      </p:sp>
+      <p:sp>
+        <p:nvSpPr>
+          <p:cNvPr id="26" name="矩形 25">
+            <a:extLst>
+              <a:ext uri="{FF2B5EF4-FFF2-40B4-BE49-F238E27FC236}">
+                <a16:creationId xmlns:a16="http://schemas.microsoft.com/office/drawing/2014/main" id="{6F9DB88A-3812-4F56-B99B-794ABB907225}"/>
+              </a:ext>
+            </a:extLst>
+          </p:cNvPr>
+          <p:cNvSpPr/>
+          <p:nvPr/>
+        </p:nvSpPr>
+        <p:spPr>
+          <a:xfrm>
+            <a:off x="7678588" y="5382283"/>
+            <a:ext cx="1440160" cy="684076"/>
+          </a:xfrm>
+          <a:prstGeom prst="rect">
+            <a:avLst/>
+          </a:prstGeom>
+        </p:spPr>
+        <p:style>
+          <a:lnRef idx="2">
+            <a:schemeClr val="accent2">
+              <a:shade val="50000"/>
+            </a:schemeClr>
+          </a:lnRef>
+          <a:fillRef idx="1">
+            <a:schemeClr val="accent2"/>
+          </a:fillRef>
+          <a:effectRef idx="0">
+            <a:schemeClr val="accent2"/>
+          </a:effectRef>
+          <a:fontRef idx="minor">
+            <a:schemeClr val="lt1"/>
+          </a:fontRef>
+        </p:style>
+        <p:txBody>
+          <a:bodyPr rtlCol="0" anchor="ctr"/>
+          <a:lstStyle/>
+          <a:p>
+            <a:pPr algn="ctr"/>
+            <a:r>
+              <a:rPr lang="zh-CN" altLang="en-US" dirty="0"/>
+              <a:t>抽象代数</a:t>
+            </a:r>
+            <a:endParaRPr lang="en-US" altLang="zh-CN" dirty="0"/>
+          </a:p>
+          <a:p>
+            <a:pPr algn="ctr"/>
+            <a:r>
+              <a:rPr lang="zh-CN" altLang="en-US" dirty="0"/>
+              <a:t>（群论）</a:t>
+            </a:r>
+          </a:p>
+        </p:txBody>
+      </p:sp>
+      <p:sp>
+        <p:nvSpPr>
+          <p:cNvPr id="28" name="矩形 27">
+            <a:extLst>
+              <a:ext uri="{FF2B5EF4-FFF2-40B4-BE49-F238E27FC236}">
+                <a16:creationId xmlns:a16="http://schemas.microsoft.com/office/drawing/2014/main" id="{F931A6D4-35D3-412A-ADC4-60815755109D}"/>
+              </a:ext>
+            </a:extLst>
+          </p:cNvPr>
+          <p:cNvSpPr/>
+          <p:nvPr/>
+        </p:nvSpPr>
+        <p:spPr>
+          <a:xfrm>
+            <a:off x="2926060" y="5393237"/>
+            <a:ext cx="1440160" cy="684076"/>
+          </a:xfrm>
+          <a:prstGeom prst="rect">
+            <a:avLst/>
+          </a:prstGeom>
+        </p:spPr>
+        <p:style>
+          <a:lnRef idx="2">
+            <a:schemeClr val="accent2">
+              <a:shade val="50000"/>
+            </a:schemeClr>
+          </a:lnRef>
+          <a:fillRef idx="1">
+            <a:schemeClr val="accent2"/>
+          </a:fillRef>
+          <a:effectRef idx="0">
+            <a:schemeClr val="accent2"/>
+          </a:effectRef>
+          <a:fontRef idx="minor">
+            <a:schemeClr val="lt1"/>
+          </a:fontRef>
+        </p:style>
+        <p:txBody>
+          <a:bodyPr rtlCol="0" anchor="ctr"/>
+          <a:lstStyle/>
+          <a:p>
+            <a:pPr algn="ctr"/>
+            <a:r>
+              <a:rPr lang="zh-CN" altLang="en-US" dirty="0"/>
+              <a:t>分析数学</a:t>
+            </a:r>
+            <a:endParaRPr lang="en-US" altLang="zh-CN" dirty="0"/>
+          </a:p>
+          <a:p>
+            <a:pPr algn="ctr"/>
+            <a:r>
+              <a:rPr lang="zh-CN" altLang="en-US" dirty="0"/>
+              <a:t>（微积分）</a:t>
+            </a:r>
+          </a:p>
+        </p:txBody>
+      </p:sp>
+      <p:sp>
+        <p:nvSpPr>
+          <p:cNvPr id="29" name="矩形 28">
+            <a:extLst>
+              <a:ext uri="{FF2B5EF4-FFF2-40B4-BE49-F238E27FC236}">
+                <a16:creationId xmlns:a16="http://schemas.microsoft.com/office/drawing/2014/main" id="{41C66AB7-640F-4693-86FE-FD46E15BEDA8}"/>
+              </a:ext>
+            </a:extLst>
+          </p:cNvPr>
+          <p:cNvSpPr/>
+          <p:nvPr/>
+        </p:nvSpPr>
+        <p:spPr>
+          <a:xfrm>
+            <a:off x="8433069" y="3330054"/>
+            <a:ext cx="1440160" cy="684076"/>
+          </a:xfrm>
+          <a:prstGeom prst="rect">
+            <a:avLst/>
+          </a:prstGeom>
+        </p:spPr>
+        <p:style>
+          <a:lnRef idx="2">
+            <a:schemeClr val="accent2">
+              <a:shade val="50000"/>
+            </a:schemeClr>
+          </a:lnRef>
+          <a:fillRef idx="1">
+            <a:schemeClr val="accent2"/>
+          </a:fillRef>
+          <a:effectRef idx="0">
+            <a:schemeClr val="accent2"/>
+          </a:effectRef>
+          <a:fontRef idx="minor">
+            <a:schemeClr val="lt1"/>
+          </a:fontRef>
+        </p:style>
+        <p:txBody>
+          <a:bodyPr rtlCol="0" anchor="ctr"/>
+          <a:lstStyle/>
+          <a:p>
+            <a:pPr algn="ctr"/>
+            <a:r>
+              <a:rPr lang="zh-CN" altLang="en-US" dirty="0"/>
+              <a:t>拓扑学</a:t>
+            </a:r>
+          </a:p>
+        </p:txBody>
+      </p:sp>
+      <p:sp>
+        <p:nvSpPr>
+          <p:cNvPr id="24" name="矩形 23">
+            <a:extLst>
+              <a:ext uri="{FF2B5EF4-FFF2-40B4-BE49-F238E27FC236}">
+                <a16:creationId xmlns:a16="http://schemas.microsoft.com/office/drawing/2014/main" id="{B04B35EC-8153-4E9C-8531-41912C8CA37F}"/>
+              </a:ext>
+            </a:extLst>
+          </p:cNvPr>
+          <p:cNvSpPr/>
+          <p:nvPr/>
+        </p:nvSpPr>
+        <p:spPr>
+          <a:xfrm>
+            <a:off x="2277988" y="3330055"/>
+            <a:ext cx="1440160" cy="684076"/>
+          </a:xfrm>
+          <a:prstGeom prst="rect">
+            <a:avLst/>
+          </a:prstGeom>
+        </p:spPr>
+        <p:style>
+          <a:lnRef idx="2">
+            <a:schemeClr val="accent2">
+              <a:shade val="50000"/>
+            </a:schemeClr>
+          </a:lnRef>
+          <a:fillRef idx="1">
+            <a:schemeClr val="accent2"/>
+          </a:fillRef>
+          <a:effectRef idx="0">
+            <a:schemeClr val="accent2"/>
+          </a:effectRef>
+          <a:fontRef idx="minor">
+            <a:schemeClr val="lt1"/>
+          </a:fontRef>
+        </p:style>
+        <p:txBody>
+          <a:bodyPr rtlCol="0" anchor="ctr"/>
+          <a:lstStyle/>
+          <a:p>
+            <a:pPr algn="ctr"/>
+            <a:r>
+              <a:rPr lang="zh-CN" altLang="en-US" dirty="0"/>
+              <a:t>概率论</a:t>
+            </a:r>
+          </a:p>
+        </p:txBody>
+      </p:sp>
+      <p:sp>
+        <p:nvSpPr>
+          <p:cNvPr id="35" name="矩形 34">
+            <a:extLst>
+              <a:ext uri="{FF2B5EF4-FFF2-40B4-BE49-F238E27FC236}">
+                <a16:creationId xmlns:a16="http://schemas.microsoft.com/office/drawing/2014/main" id="{38FB8083-8A9E-4D8B-83F3-9F24A86F0FED}"/>
+              </a:ext>
+            </a:extLst>
+          </p:cNvPr>
+          <p:cNvSpPr/>
+          <p:nvPr/>
+        </p:nvSpPr>
+        <p:spPr>
+          <a:xfrm>
+            <a:off x="1680400" y="1716792"/>
+            <a:ext cx="1440160" cy="684076"/>
+          </a:xfrm>
+          <a:prstGeom prst="rect">
+            <a:avLst/>
+          </a:prstGeom>
+        </p:spPr>
+        <p:style>
+          <a:lnRef idx="2">
+            <a:schemeClr val="accent2">
+              <a:shade val="50000"/>
+            </a:schemeClr>
+          </a:lnRef>
+          <a:fillRef idx="1">
+            <a:schemeClr val="accent2"/>
+          </a:fillRef>
+          <a:effectRef idx="0">
+            <a:schemeClr val="accent2"/>
+          </a:effectRef>
+          <a:fontRef idx="minor">
+            <a:schemeClr val="lt1"/>
+          </a:fontRef>
+        </p:style>
+        <p:txBody>
+          <a:bodyPr rtlCol="0" anchor="ctr"/>
+          <a:lstStyle/>
+          <a:p>
+            <a:pPr algn="ctr"/>
+            <a:r>
+              <a:rPr lang="zh-CN" altLang="en-US" dirty="0"/>
+              <a:t>信息论</a:t>
+            </a:r>
+          </a:p>
+        </p:txBody>
+      </p:sp>
+      <p:sp>
+        <p:nvSpPr>
+          <p:cNvPr id="37" name="矩形 36">
+            <a:extLst>
+              <a:ext uri="{FF2B5EF4-FFF2-40B4-BE49-F238E27FC236}">
+                <a16:creationId xmlns:a16="http://schemas.microsoft.com/office/drawing/2014/main" id="{D593A7BA-FE57-493A-B49F-5A553E40FDE8}"/>
+              </a:ext>
+            </a:extLst>
+          </p:cNvPr>
+          <p:cNvSpPr/>
+          <p:nvPr/>
+        </p:nvSpPr>
+        <p:spPr>
+          <a:xfrm>
+            <a:off x="10198868" y="4014131"/>
+            <a:ext cx="1440160" cy="2583222"/>
+          </a:xfrm>
+          <a:prstGeom prst="rect">
+            <a:avLst/>
+          </a:prstGeom>
+        </p:spPr>
+        <p:style>
+          <a:lnRef idx="2">
+            <a:schemeClr val="accent3">
+              <a:shade val="50000"/>
+            </a:schemeClr>
+          </a:lnRef>
+          <a:fillRef idx="1">
+            <a:schemeClr val="accent3"/>
+          </a:fillRef>
+          <a:effectRef idx="0">
+            <a:schemeClr val="accent3"/>
+          </a:effectRef>
+          <a:fontRef idx="minor">
+            <a:schemeClr val="lt1"/>
+          </a:fontRef>
+        </p:style>
+        <p:txBody>
+          <a:bodyPr rtlCol="0" anchor="ctr"/>
+          <a:lstStyle/>
+          <a:p>
+            <a:pPr algn="ctr"/>
+            <a:r>
+              <a:rPr lang="zh-CN" altLang="en-US" dirty="0"/>
+              <a:t>数值计算</a:t>
+            </a:r>
+            <a:endParaRPr lang="en-US" altLang="zh-CN" dirty="0"/>
+          </a:p>
+          <a:p>
+            <a:pPr algn="ctr"/>
+            <a:endParaRPr lang="en-US" altLang="zh-CN" dirty="0"/>
+          </a:p>
+          <a:p>
+            <a:pPr algn="ctr"/>
+            <a:r>
+              <a:rPr lang="zh-CN" altLang="en-US" dirty="0"/>
+              <a:t>平台优化</a:t>
+            </a:r>
+            <a:endParaRPr lang="en-US" altLang="zh-CN" dirty="0"/>
+          </a:p>
+          <a:p>
+            <a:pPr algn="ctr"/>
+            <a:r>
+              <a:rPr lang="zh-CN" altLang="en-US" dirty="0"/>
+              <a:t>芯片开发</a:t>
+            </a:r>
+          </a:p>
+        </p:txBody>
+      </p:sp>
+      <p:sp>
+        <p:nvSpPr>
+          <p:cNvPr id="38" name="矩形 37">
+            <a:extLst>
+              <a:ext uri="{FF2B5EF4-FFF2-40B4-BE49-F238E27FC236}">
+                <a16:creationId xmlns:a16="http://schemas.microsoft.com/office/drawing/2014/main" id="{2E62200D-3813-4240-AD7A-522B1B41075A}"/>
+              </a:ext>
+            </a:extLst>
+          </p:cNvPr>
+          <p:cNvSpPr/>
+          <p:nvPr/>
+        </p:nvSpPr>
+        <p:spPr>
+          <a:xfrm>
+            <a:off x="5014292" y="1716792"/>
+            <a:ext cx="1440160" cy="684076"/>
+          </a:xfrm>
+          <a:prstGeom prst="rect">
+            <a:avLst/>
+          </a:prstGeom>
+        </p:spPr>
+        <p:style>
+          <a:lnRef idx="2">
+            <a:schemeClr val="accent2">
+              <a:shade val="50000"/>
+            </a:schemeClr>
+          </a:lnRef>
+          <a:fillRef idx="1">
+            <a:schemeClr val="accent2"/>
+          </a:fillRef>
+          <a:effectRef idx="0">
+            <a:schemeClr val="accent2"/>
+          </a:effectRef>
+          <a:fontRef idx="minor">
+            <a:schemeClr val="lt1"/>
+          </a:fontRef>
+        </p:style>
+        <p:txBody>
+          <a:bodyPr rtlCol="0" anchor="ctr"/>
+          <a:lstStyle/>
+          <a:p>
+            <a:pPr algn="ctr"/>
+            <a:r>
+              <a:rPr lang="zh-CN" altLang="en-US" dirty="0"/>
+              <a:t>凸优化及</a:t>
+            </a:r>
+            <a:endParaRPr lang="en-US" altLang="zh-CN" dirty="0"/>
+          </a:p>
+          <a:p>
+            <a:pPr algn="ctr"/>
+            <a:r>
+              <a:rPr lang="zh-CN" altLang="en-US" dirty="0"/>
+              <a:t>优化理论</a:t>
+            </a:r>
+          </a:p>
+        </p:txBody>
+      </p:sp>
+      <p:sp>
+        <p:nvSpPr>
+          <p:cNvPr id="40" name="矩形 39">
+            <a:extLst>
+              <a:ext uri="{FF2B5EF4-FFF2-40B4-BE49-F238E27FC236}">
+                <a16:creationId xmlns:a16="http://schemas.microsoft.com/office/drawing/2014/main" id="{87D823B1-0138-4982-A42C-0DACDE84E82F}"/>
+              </a:ext>
+            </a:extLst>
+          </p:cNvPr>
+          <p:cNvSpPr/>
+          <p:nvPr/>
+        </p:nvSpPr>
+        <p:spPr>
+          <a:xfrm>
+            <a:off x="7678588" y="1716792"/>
+            <a:ext cx="1440160" cy="684076"/>
+          </a:xfrm>
+          <a:prstGeom prst="rect">
+            <a:avLst/>
+          </a:prstGeom>
+        </p:spPr>
+        <p:style>
+          <a:lnRef idx="2">
+            <a:schemeClr val="accent2">
+              <a:shade val="50000"/>
+            </a:schemeClr>
+          </a:lnRef>
+          <a:fillRef idx="1">
+            <a:schemeClr val="accent2"/>
+          </a:fillRef>
+          <a:effectRef idx="0">
+            <a:schemeClr val="accent2"/>
+          </a:effectRef>
+          <a:fontRef idx="minor">
+            <a:schemeClr val="lt1"/>
+          </a:fontRef>
+        </p:style>
+        <p:txBody>
+          <a:bodyPr rtlCol="0" anchor="ctr"/>
+          <a:lstStyle/>
+          <a:p>
+            <a:pPr algn="ctr"/>
+            <a:r>
+              <a:rPr lang="zh-CN" altLang="en-US" dirty="0"/>
+              <a:t>李群</a:t>
+            </a:r>
+            <a:endParaRPr lang="en-US" altLang="zh-CN" dirty="0"/>
+          </a:p>
+          <a:p>
+            <a:pPr algn="ctr"/>
+            <a:r>
+              <a:rPr lang="zh-CN" altLang="en-US" dirty="0"/>
+              <a:t>李代数</a:t>
+            </a:r>
+          </a:p>
+        </p:txBody>
+      </p:sp>
+      <p:sp>
+        <p:nvSpPr>
+          <p:cNvPr id="43" name="矩形 42">
+            <a:extLst>
+              <a:ext uri="{FF2B5EF4-FFF2-40B4-BE49-F238E27FC236}">
+                <a16:creationId xmlns:a16="http://schemas.microsoft.com/office/drawing/2014/main" id="{080DBFA9-8751-4497-8350-8994DBE0B87C}"/>
+              </a:ext>
+            </a:extLst>
+          </p:cNvPr>
+          <p:cNvSpPr/>
+          <p:nvPr/>
+        </p:nvSpPr>
+        <p:spPr>
+          <a:xfrm>
+            <a:off x="3358108" y="1716792"/>
+            <a:ext cx="1440160" cy="684076"/>
+          </a:xfrm>
+          <a:prstGeom prst="rect">
+            <a:avLst/>
+          </a:prstGeom>
+        </p:spPr>
+        <p:style>
+          <a:lnRef idx="2">
+            <a:schemeClr val="accent2">
+              <a:shade val="50000"/>
+            </a:schemeClr>
+          </a:lnRef>
+          <a:fillRef idx="1">
+            <a:schemeClr val="accent2"/>
+          </a:fillRef>
+          <a:effectRef idx="0">
+            <a:schemeClr val="accent2"/>
+          </a:effectRef>
+          <a:fontRef idx="minor">
+            <a:schemeClr val="lt1"/>
+          </a:fontRef>
+        </p:style>
+        <p:txBody>
+          <a:bodyPr rtlCol="0" anchor="ctr"/>
+          <a:lstStyle/>
+          <a:p>
+            <a:pPr algn="ctr"/>
+            <a:r>
+              <a:rPr lang="zh-CN" altLang="en-US" dirty="0"/>
+              <a:t>随机过程</a:t>
+            </a:r>
+            <a:endParaRPr lang="en-US" altLang="zh-CN" dirty="0"/>
+          </a:p>
+          <a:p>
+            <a:pPr algn="ctr"/>
+            <a:r>
+              <a:rPr lang="zh-CN" altLang="en-US" dirty="0"/>
+              <a:t>（</a:t>
+            </a:r>
+            <a:r>
+              <a:rPr lang="en-US" altLang="zh-CN" dirty="0"/>
+              <a:t>+</a:t>
+            </a:r>
+            <a:r>
+              <a:rPr lang="zh-CN" altLang="en-US" dirty="0"/>
+              <a:t>金融）</a:t>
+            </a:r>
+          </a:p>
+        </p:txBody>
+      </p:sp>
+      <p:cxnSp>
+        <p:nvCxnSpPr>
+          <p:cNvPr id="44" name="直接箭头连接符 43">
+            <a:extLst>
+              <a:ext uri="{FF2B5EF4-FFF2-40B4-BE49-F238E27FC236}">
+                <a16:creationId xmlns:a16="http://schemas.microsoft.com/office/drawing/2014/main" id="{FFFE47B3-9667-41C3-BFC7-D4D9559EA739}"/>
+              </a:ext>
+            </a:extLst>
+          </p:cNvPr>
+          <p:cNvCxnSpPr>
+            <a:cxnSpLocks/>
+            <a:stCxn id="28" idx="0"/>
+            <a:endCxn id="24" idx="2"/>
+          </p:cNvCxnSpPr>
+          <p:nvPr/>
+        </p:nvCxnSpPr>
+        <p:spPr>
+          <a:xfrm flipH="1" flipV="1">
+            <a:off x="2998068" y="4014131"/>
+            <a:ext cx="648072" cy="1379106"/>
+          </a:xfrm>
+          <a:prstGeom prst="straightConnector1">
+            <a:avLst/>
+          </a:prstGeom>
+          <a:ln>
+            <a:tailEnd type="triangle"/>
+          </a:ln>
+        </p:spPr>
+        <p:style>
+          <a:lnRef idx="3">
+            <a:schemeClr val="dk1"/>
+          </a:lnRef>
+          <a:fillRef idx="0">
+            <a:schemeClr val="dk1"/>
+          </a:fillRef>
+          <a:effectRef idx="2">
+            <a:schemeClr val="dk1"/>
+          </a:effectRef>
+          <a:fontRef idx="minor">
+            <a:schemeClr val="tx1"/>
+          </a:fontRef>
+        </p:style>
+      </p:cxnSp>
+      <p:cxnSp>
+        <p:nvCxnSpPr>
+          <p:cNvPr id="45" name="直接箭头连接符 44">
+            <a:extLst>
+              <a:ext uri="{FF2B5EF4-FFF2-40B4-BE49-F238E27FC236}">
+                <a16:creationId xmlns:a16="http://schemas.microsoft.com/office/drawing/2014/main" id="{D7AD5D9A-ED33-45F9-B5D2-97EE24CAF64F}"/>
+              </a:ext>
+            </a:extLst>
+          </p:cNvPr>
+          <p:cNvCxnSpPr>
+            <a:cxnSpLocks/>
+            <a:stCxn id="24" idx="0"/>
+            <a:endCxn id="43" idx="2"/>
+          </p:cNvCxnSpPr>
+          <p:nvPr/>
+        </p:nvCxnSpPr>
+        <p:spPr>
+          <a:xfrm flipV="1">
+            <a:off x="2998068" y="2400868"/>
+            <a:ext cx="1080120" cy="929187"/>
+          </a:xfrm>
+          <a:prstGeom prst="straightConnector1">
+            <a:avLst/>
+          </a:prstGeom>
+          <a:ln>
+            <a:tailEnd type="triangle"/>
+          </a:ln>
+        </p:spPr>
+        <p:style>
+          <a:lnRef idx="3">
+            <a:schemeClr val="dk1"/>
+          </a:lnRef>
+          <a:fillRef idx="0">
+            <a:schemeClr val="dk1"/>
+          </a:fillRef>
+          <a:effectRef idx="2">
+            <a:schemeClr val="dk1"/>
+          </a:effectRef>
+          <a:fontRef idx="minor">
+            <a:schemeClr val="tx1"/>
+          </a:fontRef>
+        </p:style>
+      </p:cxnSp>
+      <p:cxnSp>
+        <p:nvCxnSpPr>
+          <p:cNvPr id="47" name="直接箭头连接符 46">
+            <a:extLst>
+              <a:ext uri="{FF2B5EF4-FFF2-40B4-BE49-F238E27FC236}">
+                <a16:creationId xmlns:a16="http://schemas.microsoft.com/office/drawing/2014/main" id="{6D04CB53-A4CF-4642-828F-08B50C78F99A}"/>
+              </a:ext>
+            </a:extLst>
+          </p:cNvPr>
+          <p:cNvCxnSpPr>
+            <a:cxnSpLocks/>
+            <a:stCxn id="6" idx="0"/>
+            <a:endCxn id="43" idx="2"/>
+          </p:cNvCxnSpPr>
+          <p:nvPr/>
+        </p:nvCxnSpPr>
+        <p:spPr>
+          <a:xfrm flipH="1" flipV="1">
+            <a:off x="4078188" y="2400868"/>
+            <a:ext cx="1224136" cy="2992369"/>
+          </a:xfrm>
+          <a:prstGeom prst="straightConnector1">
+            <a:avLst/>
+          </a:prstGeom>
+          <a:ln>
+            <a:tailEnd type="triangle"/>
+          </a:ln>
+        </p:spPr>
+        <p:style>
+          <a:lnRef idx="3">
+            <a:schemeClr val="dk1"/>
+          </a:lnRef>
+          <a:fillRef idx="0">
+            <a:schemeClr val="dk1"/>
+          </a:fillRef>
+          <a:effectRef idx="2">
+            <a:schemeClr val="dk1"/>
+          </a:effectRef>
+          <a:fontRef idx="minor">
+            <a:schemeClr val="tx1"/>
+          </a:fontRef>
+        </p:style>
+      </p:cxnSp>
+      <p:cxnSp>
+        <p:nvCxnSpPr>
+          <p:cNvPr id="48" name="直接箭头连接符 47">
+            <a:extLst>
+              <a:ext uri="{FF2B5EF4-FFF2-40B4-BE49-F238E27FC236}">
+                <a16:creationId xmlns:a16="http://schemas.microsoft.com/office/drawing/2014/main" id="{DB15366C-50A1-46BC-B240-3A653E278821}"/>
+              </a:ext>
+            </a:extLst>
+          </p:cNvPr>
+          <p:cNvCxnSpPr>
+            <a:cxnSpLocks/>
+            <a:stCxn id="24" idx="0"/>
+            <a:endCxn id="35" idx="2"/>
+          </p:cNvCxnSpPr>
+          <p:nvPr/>
+        </p:nvCxnSpPr>
+        <p:spPr>
+          <a:xfrm flipH="1" flipV="1">
+            <a:off x="2400480" y="2400868"/>
+            <a:ext cx="597588" cy="929187"/>
+          </a:xfrm>
+          <a:prstGeom prst="straightConnector1">
+            <a:avLst/>
+          </a:prstGeom>
+          <a:ln>
+            <a:tailEnd type="triangle"/>
+          </a:ln>
+        </p:spPr>
+        <p:style>
+          <a:lnRef idx="3">
+            <a:schemeClr val="dk1"/>
+          </a:lnRef>
+          <a:fillRef idx="0">
+            <a:schemeClr val="dk1"/>
+          </a:fillRef>
+          <a:effectRef idx="2">
+            <a:schemeClr val="dk1"/>
+          </a:effectRef>
+          <a:fontRef idx="minor">
+            <a:schemeClr val="tx1"/>
+          </a:fontRef>
+        </p:style>
+      </p:cxnSp>
+      <p:sp>
+        <p:nvSpPr>
+          <p:cNvPr id="57" name="矩形 56">
+            <a:extLst>
+              <a:ext uri="{FF2B5EF4-FFF2-40B4-BE49-F238E27FC236}">
+                <a16:creationId xmlns:a16="http://schemas.microsoft.com/office/drawing/2014/main" id="{A6FA5263-72DF-4F93-8F3E-F9A083A8564B}"/>
+              </a:ext>
+            </a:extLst>
+          </p:cNvPr>
+          <p:cNvSpPr/>
+          <p:nvPr/>
+        </p:nvSpPr>
+        <p:spPr>
+          <a:xfrm>
+            <a:off x="5014292" y="3330055"/>
+            <a:ext cx="1440160" cy="684076"/>
+          </a:xfrm>
+          <a:prstGeom prst="rect">
+            <a:avLst/>
+          </a:prstGeom>
+        </p:spPr>
+        <p:style>
+          <a:lnRef idx="2">
+            <a:schemeClr val="accent2">
+              <a:shade val="50000"/>
+            </a:schemeClr>
+          </a:lnRef>
+          <a:fillRef idx="1">
+            <a:schemeClr val="accent2"/>
+          </a:fillRef>
+          <a:effectRef idx="0">
+            <a:schemeClr val="accent2"/>
+          </a:effectRef>
+          <a:fontRef idx="minor">
+            <a:schemeClr val="lt1"/>
+          </a:fontRef>
+        </p:style>
+        <p:txBody>
+          <a:bodyPr rtlCol="0" anchor="ctr"/>
+          <a:lstStyle/>
+          <a:p>
+            <a:pPr algn="ctr"/>
+            <a:r>
+              <a:rPr lang="zh-CN" altLang="en-US" dirty="0"/>
+              <a:t>泛函分析</a:t>
+            </a:r>
+            <a:endParaRPr lang="en-US" altLang="zh-CN" dirty="0"/>
+          </a:p>
+          <a:p>
+            <a:pPr algn="ctr"/>
+            <a:r>
+              <a:rPr lang="zh-CN" altLang="en-US" dirty="0"/>
+              <a:t>（泛函）</a:t>
+            </a:r>
+          </a:p>
+        </p:txBody>
+      </p:sp>
+      <p:cxnSp>
+        <p:nvCxnSpPr>
+          <p:cNvPr id="58" name="直接箭头连接符 57">
+            <a:extLst>
+              <a:ext uri="{FF2B5EF4-FFF2-40B4-BE49-F238E27FC236}">
+                <a16:creationId xmlns:a16="http://schemas.microsoft.com/office/drawing/2014/main" id="{3490F909-FD82-43FB-A096-DCB8ED804A75}"/>
+              </a:ext>
+            </a:extLst>
+          </p:cNvPr>
+          <p:cNvCxnSpPr>
+            <a:cxnSpLocks/>
+            <a:stCxn id="28" idx="0"/>
+            <a:endCxn id="57" idx="2"/>
+          </p:cNvCxnSpPr>
+          <p:nvPr/>
+        </p:nvCxnSpPr>
+        <p:spPr>
+          <a:xfrm flipV="1">
+            <a:off x="3646140" y="4014131"/>
+            <a:ext cx="2088232" cy="1379106"/>
+          </a:xfrm>
+          <a:prstGeom prst="straightConnector1">
+            <a:avLst/>
+          </a:prstGeom>
+          <a:ln>
+            <a:tailEnd type="triangle"/>
+          </a:ln>
+        </p:spPr>
+        <p:style>
+          <a:lnRef idx="3">
+            <a:schemeClr val="dk1"/>
+          </a:lnRef>
+          <a:fillRef idx="0">
+            <a:schemeClr val="dk1"/>
+          </a:fillRef>
+          <a:effectRef idx="2">
+            <a:schemeClr val="dk1"/>
+          </a:effectRef>
+          <a:fontRef idx="minor">
+            <a:schemeClr val="tx1"/>
+          </a:fontRef>
+        </p:style>
+      </p:cxnSp>
+      <p:cxnSp>
+        <p:nvCxnSpPr>
+          <p:cNvPr id="61" name="直接箭头连接符 60">
+            <a:extLst>
+              <a:ext uri="{FF2B5EF4-FFF2-40B4-BE49-F238E27FC236}">
+                <a16:creationId xmlns:a16="http://schemas.microsoft.com/office/drawing/2014/main" id="{F017DCF6-3E2E-4A23-8771-14A273212AE5}"/>
+              </a:ext>
+            </a:extLst>
+          </p:cNvPr>
+          <p:cNvCxnSpPr>
+            <a:cxnSpLocks/>
+            <a:stCxn id="6" idx="0"/>
+            <a:endCxn id="57" idx="2"/>
+          </p:cNvCxnSpPr>
+          <p:nvPr/>
+        </p:nvCxnSpPr>
+        <p:spPr>
+          <a:xfrm flipV="1">
+            <a:off x="5302324" y="4014131"/>
+            <a:ext cx="432048" cy="1379106"/>
+          </a:xfrm>
+          <a:prstGeom prst="straightConnector1">
+            <a:avLst/>
+          </a:prstGeom>
+          <a:ln>
+            <a:tailEnd type="triangle"/>
+          </a:ln>
+        </p:spPr>
+        <p:style>
+          <a:lnRef idx="3">
+            <a:schemeClr val="dk1"/>
+          </a:lnRef>
+          <a:fillRef idx="0">
+            <a:schemeClr val="dk1"/>
+          </a:fillRef>
+          <a:effectRef idx="2">
+            <a:schemeClr val="dk1"/>
+          </a:effectRef>
+          <a:fontRef idx="minor">
+            <a:schemeClr val="tx1"/>
+          </a:fontRef>
+        </p:style>
+      </p:cxnSp>
+      <p:cxnSp>
+        <p:nvCxnSpPr>
+          <p:cNvPr id="66" name="直接箭头连接符 65">
+            <a:extLst>
+              <a:ext uri="{FF2B5EF4-FFF2-40B4-BE49-F238E27FC236}">
+                <a16:creationId xmlns:a16="http://schemas.microsoft.com/office/drawing/2014/main" id="{FED616CB-DD33-490A-AA5A-3A6E8872DBD1}"/>
+              </a:ext>
+            </a:extLst>
+          </p:cNvPr>
+          <p:cNvCxnSpPr>
+            <a:cxnSpLocks/>
+            <a:stCxn id="57" idx="0"/>
+            <a:endCxn id="38" idx="2"/>
+          </p:cNvCxnSpPr>
+          <p:nvPr/>
+        </p:nvCxnSpPr>
+        <p:spPr>
+          <a:xfrm flipV="1">
+            <a:off x="5734372" y="2400868"/>
+            <a:ext cx="0" cy="929187"/>
+          </a:xfrm>
+          <a:prstGeom prst="straightConnector1">
+            <a:avLst/>
+          </a:prstGeom>
+          <a:ln>
+            <a:tailEnd type="triangle"/>
+          </a:ln>
+        </p:spPr>
+        <p:style>
+          <a:lnRef idx="3">
+            <a:schemeClr val="dk1"/>
+          </a:lnRef>
+          <a:fillRef idx="0">
+            <a:schemeClr val="dk1"/>
+          </a:fillRef>
+          <a:effectRef idx="2">
+            <a:schemeClr val="dk1"/>
+          </a:effectRef>
+          <a:fontRef idx="minor">
+            <a:schemeClr val="tx1"/>
+          </a:fontRef>
+        </p:style>
+      </p:cxnSp>
+      <p:cxnSp>
+        <p:nvCxnSpPr>
+          <p:cNvPr id="124" name="直接箭头连接符 123">
+            <a:extLst>
+              <a:ext uri="{FF2B5EF4-FFF2-40B4-BE49-F238E27FC236}">
+                <a16:creationId xmlns:a16="http://schemas.microsoft.com/office/drawing/2014/main" id="{6FD9741E-B347-44B1-B5BE-36B89372A3B3}"/>
+              </a:ext>
+            </a:extLst>
+          </p:cNvPr>
+          <p:cNvCxnSpPr>
+            <a:cxnSpLocks/>
+            <a:stCxn id="26" idx="0"/>
+            <a:endCxn id="29" idx="2"/>
+          </p:cNvCxnSpPr>
+          <p:nvPr/>
+        </p:nvCxnSpPr>
+        <p:spPr>
+          <a:xfrm flipV="1">
+            <a:off x="8398668" y="4014130"/>
+            <a:ext cx="754481" cy="1368153"/>
+          </a:xfrm>
+          <a:prstGeom prst="straightConnector1">
+            <a:avLst/>
+          </a:prstGeom>
+          <a:ln>
+            <a:tailEnd type="triangle"/>
+          </a:ln>
+        </p:spPr>
+        <p:style>
+          <a:lnRef idx="3">
+            <a:schemeClr val="dk1"/>
+          </a:lnRef>
+          <a:fillRef idx="0">
+            <a:schemeClr val="dk1"/>
+          </a:fillRef>
+          <a:effectRef idx="2">
+            <a:schemeClr val="dk1"/>
+          </a:effectRef>
+          <a:fontRef idx="minor">
+            <a:schemeClr val="tx1"/>
+          </a:fontRef>
+        </p:style>
+      </p:cxnSp>
+      <p:cxnSp>
+        <p:nvCxnSpPr>
+          <p:cNvPr id="128" name="直接箭头连接符 127">
+            <a:extLst>
+              <a:ext uri="{FF2B5EF4-FFF2-40B4-BE49-F238E27FC236}">
+                <a16:creationId xmlns:a16="http://schemas.microsoft.com/office/drawing/2014/main" id="{3601DB09-6AC9-438D-B188-3015A801881C}"/>
+              </a:ext>
+            </a:extLst>
+          </p:cNvPr>
+          <p:cNvCxnSpPr>
+            <a:cxnSpLocks/>
+            <a:stCxn id="29" idx="0"/>
+            <a:endCxn id="40" idx="2"/>
+          </p:cNvCxnSpPr>
+          <p:nvPr/>
+        </p:nvCxnSpPr>
+        <p:spPr>
+          <a:xfrm flipH="1" flipV="1">
+            <a:off x="8398668" y="2400868"/>
+            <a:ext cx="754481" cy="929186"/>
+          </a:xfrm>
+          <a:prstGeom prst="straightConnector1">
+            <a:avLst/>
+          </a:prstGeom>
+          <a:ln>
+            <a:tailEnd type="triangle"/>
+          </a:ln>
+        </p:spPr>
+        <p:style>
+          <a:lnRef idx="3">
+            <a:schemeClr val="dk1"/>
+          </a:lnRef>
+          <a:fillRef idx="0">
+            <a:schemeClr val="dk1"/>
+          </a:fillRef>
+          <a:effectRef idx="2">
+            <a:schemeClr val="dk1"/>
+          </a:effectRef>
+          <a:fontRef idx="minor">
+            <a:schemeClr val="tx1"/>
+          </a:fontRef>
+        </p:style>
+      </p:cxnSp>
+      <p:sp>
+        <p:nvSpPr>
+          <p:cNvPr id="138" name="矩形 137">
+            <a:extLst>
+              <a:ext uri="{FF2B5EF4-FFF2-40B4-BE49-F238E27FC236}">
+                <a16:creationId xmlns:a16="http://schemas.microsoft.com/office/drawing/2014/main" id="{8EAF2BE1-1392-49DB-A1E7-1FA1375A87DD}"/>
+              </a:ext>
+            </a:extLst>
+          </p:cNvPr>
+          <p:cNvSpPr/>
+          <p:nvPr/>
+        </p:nvSpPr>
+        <p:spPr>
+          <a:xfrm>
+            <a:off x="10198868" y="1196752"/>
+            <a:ext cx="1440160" cy="2583222"/>
+          </a:xfrm>
+          <a:prstGeom prst="rect">
+            <a:avLst/>
+          </a:prstGeom>
+        </p:spPr>
+        <p:style>
+          <a:lnRef idx="2">
+            <a:schemeClr val="dk1">
+              <a:shade val="50000"/>
+            </a:schemeClr>
+          </a:lnRef>
+          <a:fillRef idx="1">
+            <a:schemeClr val="dk1"/>
+          </a:fillRef>
+          <a:effectRef idx="0">
+            <a:schemeClr val="dk1"/>
+          </a:effectRef>
+          <a:fontRef idx="minor">
+            <a:schemeClr val="lt1"/>
+          </a:fontRef>
+        </p:style>
+        <p:txBody>
+          <a:bodyPr rtlCol="0" anchor="ctr"/>
+          <a:lstStyle/>
+          <a:p>
+            <a:pPr algn="ctr"/>
+            <a:r>
+              <a:rPr lang="zh-CN" altLang="en-US" dirty="0"/>
+              <a:t>范畴论</a:t>
+            </a:r>
+            <a:endParaRPr lang="en-US" altLang="zh-CN" dirty="0"/>
+          </a:p>
+          <a:p>
+            <a:pPr algn="ctr"/>
+            <a:endParaRPr lang="en-US" altLang="zh-CN" dirty="0"/>
+          </a:p>
+          <a:p>
+            <a:pPr algn="ctr"/>
+            <a:r>
+              <a:rPr lang="zh-CN" altLang="en-US" dirty="0"/>
+              <a:t>高阶函数式编程，</a:t>
+            </a:r>
+            <a:r>
+              <a:rPr lang="en-US" altLang="zh-CN" dirty="0"/>
+              <a:t>e.g. Scala Cats</a:t>
+            </a:r>
+            <a:endParaRPr lang="zh-CN" altLang="en-US" dirty="0"/>
+          </a:p>
+        </p:txBody>
+      </p:sp>
+      <p:sp>
+        <p:nvSpPr>
+          <p:cNvPr id="145" name="矩形 144">
+            <a:extLst>
+              <a:ext uri="{FF2B5EF4-FFF2-40B4-BE49-F238E27FC236}">
+                <a16:creationId xmlns:a16="http://schemas.microsoft.com/office/drawing/2014/main" id="{EFA3BB85-41B2-44FB-842B-3A25C75AE103}"/>
+              </a:ext>
+            </a:extLst>
+          </p:cNvPr>
+          <p:cNvSpPr/>
+          <p:nvPr/>
+        </p:nvSpPr>
+        <p:spPr>
+          <a:xfrm>
+            <a:off x="9334772" y="319185"/>
+            <a:ext cx="1944216" cy="504057"/>
+          </a:xfrm>
+          <a:prstGeom prst="rect">
+            <a:avLst/>
+          </a:prstGeom>
+          <a:solidFill>
+            <a:schemeClr val="tx2">
+              <a:lumMod val="50000"/>
+              <a:lumOff val="50000"/>
+            </a:schemeClr>
+          </a:solidFill>
+          <a:effectLst>
+            <a:glow rad="139700">
+              <a:schemeClr val="accent3">
+                <a:satMod val="175000"/>
+                <a:alpha val="40000"/>
+              </a:schemeClr>
+            </a:glow>
+            <a:outerShdw blurRad="50800" dist="38100" dir="2700000" algn="tl" rotWithShape="0">
+              <a:prstClr val="black">
+                <a:alpha val="40000"/>
+              </a:prstClr>
+            </a:outerShdw>
+          </a:effectLst>
+          <a:scene3d>
+            <a:camera prst="obliqueBottomRight"/>
+            <a:lightRig rig="threePt" dir="t"/>
+          </a:scene3d>
+          <a:sp3d>
+            <a:bevelT w="165100" prst="coolSlant"/>
+          </a:sp3d>
+        </p:spPr>
+        <p:style>
+          <a:lnRef idx="2">
+            <a:schemeClr val="accent6">
+              <a:shade val="50000"/>
+            </a:schemeClr>
+          </a:lnRef>
+          <a:fillRef idx="1">
+            <a:schemeClr val="accent6"/>
+          </a:fillRef>
+          <a:effectRef idx="0">
+            <a:schemeClr val="accent6"/>
+          </a:effectRef>
+          <a:fontRef idx="minor">
+            <a:schemeClr val="lt1"/>
+          </a:fontRef>
+        </p:style>
+        <p:txBody>
+          <a:bodyPr rtlCol="0" anchor="ctr"/>
+          <a:lstStyle/>
+          <a:p>
+            <a:pPr algn="ctr"/>
+            <a:r>
+              <a:rPr lang="zh-CN" altLang="en-US" dirty="0">
+                <a:solidFill>
+                  <a:srgbClr val="FFFF00"/>
+                </a:solidFill>
+              </a:rPr>
+              <a:t>你渴望力量吗</a:t>
+            </a:r>
+          </a:p>
+        </p:txBody>
+      </p:sp>
+      <p:sp>
+        <p:nvSpPr>
+          <p:cNvPr id="148" name="矩形 147">
+            <a:extLst>
+              <a:ext uri="{FF2B5EF4-FFF2-40B4-BE49-F238E27FC236}">
+                <a16:creationId xmlns:a16="http://schemas.microsoft.com/office/drawing/2014/main" id="{39F3FB28-02F7-4FB7-B32E-99EDEFE5A99B}"/>
+              </a:ext>
+            </a:extLst>
+          </p:cNvPr>
+          <p:cNvSpPr/>
+          <p:nvPr/>
+        </p:nvSpPr>
+        <p:spPr>
+          <a:xfrm>
+            <a:off x="6869206" y="3330054"/>
+            <a:ext cx="1440160" cy="684076"/>
+          </a:xfrm>
+          <a:prstGeom prst="rect">
+            <a:avLst/>
+          </a:prstGeom>
+        </p:spPr>
+        <p:style>
+          <a:lnRef idx="2">
+            <a:schemeClr val="accent2">
+              <a:shade val="50000"/>
+            </a:schemeClr>
+          </a:lnRef>
+          <a:fillRef idx="1">
+            <a:schemeClr val="accent2"/>
+          </a:fillRef>
+          <a:effectRef idx="0">
+            <a:schemeClr val="accent2"/>
+          </a:effectRef>
+          <a:fontRef idx="minor">
+            <a:schemeClr val="lt1"/>
+          </a:fontRef>
+        </p:style>
+        <p:txBody>
+          <a:bodyPr rtlCol="0" anchor="ctr"/>
+          <a:lstStyle/>
+          <a:p>
+            <a:pPr algn="ctr"/>
+            <a:r>
+              <a:rPr lang="zh-CN" altLang="en-US" dirty="0"/>
+              <a:t>微分几何</a:t>
+            </a:r>
+          </a:p>
+        </p:txBody>
+      </p:sp>
+      <p:cxnSp>
+        <p:nvCxnSpPr>
+          <p:cNvPr id="159" name="直接箭头连接符 158">
+            <a:extLst>
+              <a:ext uri="{FF2B5EF4-FFF2-40B4-BE49-F238E27FC236}">
+                <a16:creationId xmlns:a16="http://schemas.microsoft.com/office/drawing/2014/main" id="{97222DE4-868D-46F9-8639-FEC31DE9D5A2}"/>
+              </a:ext>
+            </a:extLst>
+          </p:cNvPr>
+          <p:cNvCxnSpPr>
+            <a:cxnSpLocks/>
+            <a:stCxn id="28" idx="0"/>
+            <a:endCxn id="148" idx="2"/>
+          </p:cNvCxnSpPr>
+          <p:nvPr/>
+        </p:nvCxnSpPr>
+        <p:spPr>
+          <a:xfrm flipV="1">
+            <a:off x="3646140" y="4014130"/>
+            <a:ext cx="3943146" cy="1379107"/>
+          </a:xfrm>
+          <a:prstGeom prst="straightConnector1">
+            <a:avLst/>
+          </a:prstGeom>
+          <a:ln>
+            <a:tailEnd type="triangle"/>
+          </a:ln>
+        </p:spPr>
+        <p:style>
+          <a:lnRef idx="3">
+            <a:schemeClr val="dk1"/>
+          </a:lnRef>
+          <a:fillRef idx="0">
+            <a:schemeClr val="dk1"/>
+          </a:fillRef>
+          <a:effectRef idx="2">
+            <a:schemeClr val="dk1"/>
+          </a:effectRef>
+          <a:fontRef idx="minor">
+            <a:schemeClr val="tx1"/>
+          </a:fontRef>
+        </p:style>
+      </p:cxnSp>
+      <p:cxnSp>
+        <p:nvCxnSpPr>
+          <p:cNvPr id="163" name="直接箭头连接符 162">
+            <a:extLst>
+              <a:ext uri="{FF2B5EF4-FFF2-40B4-BE49-F238E27FC236}">
+                <a16:creationId xmlns:a16="http://schemas.microsoft.com/office/drawing/2014/main" id="{ED047E35-2724-496B-AF80-6ED21941EB99}"/>
+              </a:ext>
+            </a:extLst>
+          </p:cNvPr>
+          <p:cNvCxnSpPr>
+            <a:cxnSpLocks/>
+            <a:stCxn id="6" idx="0"/>
+            <a:endCxn id="148" idx="2"/>
+          </p:cNvCxnSpPr>
+          <p:nvPr/>
+        </p:nvCxnSpPr>
+        <p:spPr>
+          <a:xfrm flipV="1">
+            <a:off x="5302324" y="4014130"/>
+            <a:ext cx="2286962" cy="1379107"/>
+          </a:xfrm>
+          <a:prstGeom prst="straightConnector1">
+            <a:avLst/>
+          </a:prstGeom>
+          <a:ln>
+            <a:tailEnd type="triangle"/>
+          </a:ln>
+        </p:spPr>
+        <p:style>
+          <a:lnRef idx="3">
+            <a:schemeClr val="dk1"/>
+          </a:lnRef>
+          <a:fillRef idx="0">
+            <a:schemeClr val="dk1"/>
+          </a:fillRef>
+          <a:effectRef idx="2">
+            <a:schemeClr val="dk1"/>
+          </a:effectRef>
+          <a:fontRef idx="minor">
+            <a:schemeClr val="tx1"/>
+          </a:fontRef>
+        </p:style>
+      </p:cxnSp>
+      <p:cxnSp>
+        <p:nvCxnSpPr>
+          <p:cNvPr id="167" name="连接符: 曲线 166">
+            <a:extLst>
+              <a:ext uri="{FF2B5EF4-FFF2-40B4-BE49-F238E27FC236}">
+                <a16:creationId xmlns:a16="http://schemas.microsoft.com/office/drawing/2014/main" id="{E269BFFE-F426-4117-8670-7A5BD873A7DA}"/>
+              </a:ext>
+            </a:extLst>
+          </p:cNvPr>
+          <p:cNvCxnSpPr>
+            <a:stCxn id="57" idx="0"/>
+            <a:endCxn id="148" idx="0"/>
+          </p:cNvCxnSpPr>
+          <p:nvPr/>
+        </p:nvCxnSpPr>
+        <p:spPr>
+          <a:xfrm rot="5400000" flipH="1" flipV="1">
+            <a:off x="6661829" y="2402598"/>
+            <a:ext cx="1" cy="1854914"/>
+          </a:xfrm>
+          <a:prstGeom prst="curvedConnector3">
+            <a:avLst>
+              <a:gd name="adj1" fmla="val 22860100000"/>
+            </a:avLst>
+          </a:prstGeom>
+          <a:ln>
+            <a:prstDash val="dash"/>
+            <a:tailEnd type="triangle"/>
+          </a:ln>
+        </p:spPr>
+        <p:style>
+          <a:lnRef idx="3">
+            <a:schemeClr val="dk1"/>
+          </a:lnRef>
+          <a:fillRef idx="0">
+            <a:schemeClr val="dk1"/>
+          </a:fillRef>
+          <a:effectRef idx="2">
+            <a:schemeClr val="dk1"/>
+          </a:effectRef>
+          <a:fontRef idx="minor">
+            <a:schemeClr val="tx1"/>
+          </a:fontRef>
+        </p:style>
+      </p:cxnSp>
+      <p:cxnSp>
+        <p:nvCxnSpPr>
+          <p:cNvPr id="168" name="直接箭头连接符 167">
+            <a:extLst>
+              <a:ext uri="{FF2B5EF4-FFF2-40B4-BE49-F238E27FC236}">
+                <a16:creationId xmlns:a16="http://schemas.microsoft.com/office/drawing/2014/main" id="{446469C4-2814-4FDE-A4D2-B883ECF9DEF8}"/>
+              </a:ext>
+            </a:extLst>
+          </p:cNvPr>
+          <p:cNvCxnSpPr>
+            <a:cxnSpLocks/>
+            <a:stCxn id="148" idx="0"/>
+            <a:endCxn id="40" idx="2"/>
+          </p:cNvCxnSpPr>
+          <p:nvPr/>
+        </p:nvCxnSpPr>
+        <p:spPr>
+          <a:xfrm flipV="1">
+            <a:off x="7589286" y="2400868"/>
+            <a:ext cx="809382" cy="929186"/>
+          </a:xfrm>
+          <a:prstGeom prst="straightConnector1">
+            <a:avLst/>
+          </a:prstGeom>
+          <a:ln>
+            <a:tailEnd type="triangle"/>
+          </a:ln>
+        </p:spPr>
+        <p:style>
+          <a:lnRef idx="3">
+            <a:schemeClr val="dk1"/>
+          </a:lnRef>
+          <a:fillRef idx="0">
+            <a:schemeClr val="dk1"/>
+          </a:fillRef>
+          <a:effectRef idx="2">
+            <a:schemeClr val="dk1"/>
+          </a:effectRef>
+          <a:fontRef idx="minor">
+            <a:schemeClr val="tx1"/>
+          </a:fontRef>
+        </p:style>
+      </p:cxnSp>
+    </p:spTree>
+    <p:extLst>
+      <p:ext uri="{BB962C8B-B14F-4D97-AF65-F5344CB8AC3E}">
+        <p14:creationId xmlns:p14="http://schemas.microsoft.com/office/powerpoint/2010/main" val="3632724116"/>
+      </p:ext>
+    </p:extLst>
+  </p:cSld>
+  <p:clrMapOvr>
+    <a:masterClrMapping/>
+  </p:clrMapOvr>
+  <mc:AlternateContent xmlns:mc="http://schemas.openxmlformats.org/markup-compatibility/2006">
+    <mc:Choice xmlns:p14="http://schemas.microsoft.com/office/powerpoint/2010/main" Requires="p14">
+      <p:transition spd="med" p14:dur="700">
+        <p:fade/>
+      </p:transition>
+    </mc:Choice>
+    <mc:Fallback>
+      <p:transition spd="med">
+        <p:fade/>
+      </p:transition>
+    </mc:Fallback>
+  </mc:AlternateContent>
+  <p:timing>
+    <p:tnLst>
+      <p:par>
+        <p:cTn id="1" dur="indefinite" restart="never" nodeType="tmRoot">
+          <p:childTnLst>
+            <p:seq concurrent="1" nextAc="seek">
+              <p:cTn id="2" dur="indefinite" nodeType="mainSeq">
+                <p:childTnLst>
+                  <p:par>
+                    <p:cTn id="3" fill="hold">
+                      <p:stCondLst>
+                        <p:cond delay="indefinite"/>
+                      </p:stCondLst>
+                      <p:childTnLst>
+                        <p:par>
+                          <p:cTn id="4" fill="hold">
+                            <p:stCondLst>
+                              <p:cond delay="0"/>
+                            </p:stCondLst>
+                            <p:childTnLst>
+                              <p:par>
+                                <p:cTn id="5" presetID="16" presetClass="entr" presetSubtype="21" fill="hold" grpId="0" nodeType="clickEffect">
+                                  <p:stCondLst>
+                                    <p:cond delay="0"/>
+                                  </p:stCondLst>
+                                  <p:childTnLst>
+                                    <p:set>
+                                      <p:cBhvr>
+                                        <p:cTn id="6" dur="1" fill="hold">
+                                          <p:stCondLst>
+                                            <p:cond delay="0"/>
+                                          </p:stCondLst>
+                                        </p:cTn>
+                                        <p:tgtEl>
+                                          <p:spTgt spid="135"/>
+                                        </p:tgtEl>
+                                        <p:attrNameLst>
+                                          <p:attrName>style.visibility</p:attrName>
+                                        </p:attrNameLst>
+                                      </p:cBhvr>
+                                      <p:to>
+                                        <p:strVal val="visible"/>
+                                      </p:to>
+                                    </p:set>
+                                    <p:animEffect transition="in" filter="barn(inVertical)">
+                                      <p:cBhvr>
+                                        <p:cTn id="7" dur="500"/>
+                                        <p:tgtEl>
+                                          <p:spTgt spid="135"/>
+                                        </p:tgtEl>
+                                      </p:cBhvr>
+                                    </p:animEffect>
+                                  </p:childTnLst>
+                                </p:cTn>
+                              </p:par>
+                            </p:childTnLst>
+                          </p:cTn>
+                        </p:par>
+                      </p:childTnLst>
+                    </p:cTn>
+                  </p:par>
+                  <p:par>
+                    <p:cTn id="8" fill="hold">
+                      <p:stCondLst>
+                        <p:cond delay="indefinite"/>
+                      </p:stCondLst>
+                      <p:childTnLst>
+                        <p:par>
+                          <p:cTn id="9" fill="hold">
+                            <p:stCondLst>
+                              <p:cond delay="0"/>
+                            </p:stCondLst>
+                            <p:childTnLst>
+                              <p:par>
+                                <p:cTn id="10" presetID="16" presetClass="entr" presetSubtype="21" fill="hold" grpId="0" nodeType="clickEffect">
+                                  <p:stCondLst>
+                                    <p:cond delay="0"/>
+                                  </p:stCondLst>
+                                  <p:childTnLst>
+                                    <p:set>
+                                      <p:cBhvr>
+                                        <p:cTn id="11" dur="1" fill="hold">
+                                          <p:stCondLst>
+                                            <p:cond delay="0"/>
+                                          </p:stCondLst>
+                                        </p:cTn>
+                                        <p:tgtEl>
+                                          <p:spTgt spid="136"/>
+                                        </p:tgtEl>
+                                        <p:attrNameLst>
+                                          <p:attrName>style.visibility</p:attrName>
+                                        </p:attrNameLst>
+                                      </p:cBhvr>
+                                      <p:to>
+                                        <p:strVal val="visible"/>
+                                      </p:to>
+                                    </p:set>
+                                    <p:animEffect transition="in" filter="barn(inVertical)">
+                                      <p:cBhvr>
+                                        <p:cTn id="12" dur="500"/>
+                                        <p:tgtEl>
+                                          <p:spTgt spid="136"/>
+                                        </p:tgtEl>
+                                      </p:cBhvr>
+                                    </p:animEffect>
+                                  </p:childTnLst>
+                                </p:cTn>
+                              </p:par>
+                            </p:childTnLst>
+                          </p:cTn>
+                        </p:par>
+                      </p:childTnLst>
+                    </p:cTn>
+                  </p:par>
+                  <p:par>
+                    <p:cTn id="13" fill="hold">
+                      <p:stCondLst>
+                        <p:cond delay="indefinite"/>
+                      </p:stCondLst>
+                      <p:childTnLst>
+                        <p:par>
+                          <p:cTn id="14" fill="hold">
+                            <p:stCondLst>
+                              <p:cond delay="0"/>
+                            </p:stCondLst>
+                            <p:childTnLst>
+                              <p:par>
+                                <p:cTn id="15" presetID="16" presetClass="entr" presetSubtype="21" fill="hold" grpId="0" nodeType="clickEffect">
+                                  <p:stCondLst>
+                                    <p:cond delay="0"/>
+                                  </p:stCondLst>
+                                  <p:childTnLst>
+                                    <p:set>
+                                      <p:cBhvr>
+                                        <p:cTn id="16" dur="1" fill="hold">
+                                          <p:stCondLst>
+                                            <p:cond delay="0"/>
+                                          </p:stCondLst>
+                                        </p:cTn>
+                                        <p:tgtEl>
+                                          <p:spTgt spid="137"/>
+                                        </p:tgtEl>
+                                        <p:attrNameLst>
+                                          <p:attrName>style.visibility</p:attrName>
+                                        </p:attrNameLst>
+                                      </p:cBhvr>
+                                      <p:to>
+                                        <p:strVal val="visible"/>
+                                      </p:to>
+                                    </p:set>
+                                    <p:animEffect transition="in" filter="barn(inVertical)">
+                                      <p:cBhvr>
+                                        <p:cTn id="17" dur="500"/>
+                                        <p:tgtEl>
+                                          <p:spTgt spid="137"/>
+                                        </p:tgtEl>
+                                      </p:cBhvr>
+                                    </p:animEffect>
+                                  </p:childTnLst>
+                                </p:cTn>
+                              </p:par>
+                            </p:childTnLst>
+                          </p:cTn>
+                        </p:par>
+                      </p:childTnLst>
+                    </p:cTn>
+                  </p:par>
+                </p:childTnLst>
+              </p:cTn>
+              <p:prevCondLst>
+                <p:cond evt="onPrev" delay="0">
+                  <p:tgtEl>
+                    <p:sldTgt/>
+                  </p:tgtEl>
+                </p:cond>
+              </p:prevCondLst>
+              <p:nextCondLst>
+                <p:cond evt="onNext" delay="0">
+                  <p:tgtEl>
+                    <p:sldTgt/>
+                  </p:tgtEl>
+                </p:cond>
+              </p:nextCondLst>
+            </p:seq>
+          </p:childTnLst>
+        </p:cTn>
+      </p:par>
+    </p:tnLst>
+    <p:bldLst>
+      <p:bldP spid="137" grpId="0" animBg="1"/>
+      <p:bldP spid="136" grpId="0" animBg="1"/>
+      <p:bldP spid="135" grpId="0" animBg="1"/>
+    </p:bldLst>
+  </p:timing>
+</p:sld>
+</file>
+
+<file path=ppt/slides/slide21.xml><?xml version="1.0" encoding="utf-8"?>
+<p:sld xmlns:a="http://schemas.openxmlformats.org/drawingml/2006/main" xmlns:r="http://schemas.openxmlformats.org/officeDocument/2006/relationships" xmlns:p="http://schemas.openxmlformats.org/presentationml/2006/main">
+  <p:cSld>
+    <p:spTree>
+      <p:nvGrpSpPr>
+        <p:cNvPr id="1" name=""/>
+        <p:cNvGrpSpPr/>
+        <p:nvPr/>
+      </p:nvGrpSpPr>
+      <p:grpSpPr>
+        <a:xfrm>
+          <a:off x="0" y="0"/>
+          <a:ext cx="0" cy="0"/>
+          <a:chOff x="0" y="0"/>
+          <a:chExt cx="0" cy="0"/>
+        </a:xfrm>
+      </p:grpSpPr>
+      <p:sp>
+        <p:nvSpPr>
+          <p:cNvPr id="2" name="标题 1">
+            <a:extLst>
+              <a:ext uri="{FF2B5EF4-FFF2-40B4-BE49-F238E27FC236}">
+                <a16:creationId xmlns:a16="http://schemas.microsoft.com/office/drawing/2014/main" id="{25B1E346-61E0-45DA-9D10-CE11866FB2DE}"/>
+              </a:ext>
+            </a:extLst>
+          </p:cNvPr>
+          <p:cNvSpPr txBox="1">
+            <a:spLocks/>
+          </p:cNvSpPr>
+          <p:nvPr/>
+        </p:nvSpPr>
+        <p:spPr>
+          <a:xfrm>
+            <a:off x="1845940" y="1689968"/>
+            <a:ext cx="2196720" cy="874936"/>
+          </a:xfrm>
+          <a:prstGeom prst="rect">
+            <a:avLst/>
+          </a:prstGeom>
+        </p:spPr>
+        <p:txBody>
+          <a:bodyPr/>
+          <a:lstStyle>
+            <a:lvl1pPr algn="l" defTabSz="914400" rtl="0" eaLnBrk="1" latinLnBrk="0" hangingPunct="1">
+              <a:lnSpc>
+                <a:spcPct val="90000"/>
+              </a:lnSpc>
+              <a:spcBef>
+                <a:spcPct val="0"/>
+              </a:spcBef>
+              <a:buNone/>
+              <a:defRPr sz="3600" kern="1200">
+                <a:solidFill>
+                  <a:schemeClr val="tx1">
+                    <a:lumMod val="75000"/>
+                  </a:schemeClr>
+                </a:solidFill>
+                <a:latin typeface="微软雅黑" panose="020B0503020204020204" pitchFamily="34" charset="-122"/>
+                <a:ea typeface="微软雅黑" panose="020B0503020204020204" pitchFamily="34" charset="-122"/>
+                <a:cs typeface="+mj-cs"/>
+              </a:defRPr>
+            </a:lvl1pPr>
+          </a:lstStyle>
+          <a:p>
+            <a:r>
+              <a:rPr lang="en-US" altLang="zh-CN" dirty="0">
+                <a:latin typeface="Arial" panose="020B0604020202020204" pitchFamily="34" charset="0"/>
+                <a:sym typeface="Arial" panose="020B0604020202020204" pitchFamily="34" charset="0"/>
+              </a:rPr>
+              <a:t>Fin.</a:t>
+            </a:r>
+            <a:endParaRPr lang="zh-CN" altLang="en-US" dirty="0"/>
+          </a:p>
+        </p:txBody>
+      </p:sp>
+      <p:sp>
+        <p:nvSpPr>
+          <p:cNvPr id="3" name="文本框 2">
+            <a:extLst>
+              <a:ext uri="{FF2B5EF4-FFF2-40B4-BE49-F238E27FC236}">
+                <a16:creationId xmlns:a16="http://schemas.microsoft.com/office/drawing/2014/main" id="{D7C21974-A63E-4BD7-B67F-98FDC865CA86}"/>
+              </a:ext>
+            </a:extLst>
+          </p:cNvPr>
+          <p:cNvSpPr txBox="1"/>
+          <p:nvPr/>
+        </p:nvSpPr>
+        <p:spPr>
+          <a:xfrm>
+            <a:off x="1845940" y="2564904"/>
+            <a:ext cx="7879080" cy="707886"/>
+          </a:xfrm>
+          <a:prstGeom prst="rect">
+            <a:avLst/>
+          </a:prstGeom>
+          <a:noFill/>
+        </p:spPr>
+        <p:txBody>
+          <a:bodyPr wrap="none" rtlCol="0">
+            <a:spAutoFit/>
+          </a:bodyPr>
+          <a:lstStyle/>
+          <a:p>
+            <a:r>
+              <a:rPr lang="zh-CN" altLang="en-US" sz="4000" dirty="0"/>
+              <a:t>感谢大家百忙之中抽出时间的聆听</a:t>
+            </a:r>
+          </a:p>
+        </p:txBody>
+      </p:sp>
+      <p:sp>
+        <p:nvSpPr>
+          <p:cNvPr id="4" name="副标题 2">
+            <a:extLst>
+              <a:ext uri="{FF2B5EF4-FFF2-40B4-BE49-F238E27FC236}">
+                <a16:creationId xmlns:a16="http://schemas.microsoft.com/office/drawing/2014/main" id="{F82D915E-E5F3-475A-982D-78A233008504}"/>
+              </a:ext>
+            </a:extLst>
+          </p:cNvPr>
+          <p:cNvSpPr txBox="1">
+            <a:spLocks/>
+          </p:cNvSpPr>
+          <p:nvPr/>
+        </p:nvSpPr>
+        <p:spPr>
+          <a:xfrm>
+            <a:off x="1845940" y="3933056"/>
+            <a:ext cx="8329031" cy="1527944"/>
+          </a:xfrm>
+          <a:prstGeom prst="rect">
+            <a:avLst/>
+          </a:prstGeom>
+        </p:spPr>
+        <p:txBody>
+          <a:bodyPr rtlCol="0">
+            <a:normAutofit lnSpcReduction="10000"/>
+          </a:bodyPr>
+          <a:lstStyle>
+            <a:lvl1pPr marL="246888" indent="-246888" algn="l" defTabSz="914400" rtl="0" eaLnBrk="1" latinLnBrk="0" hangingPunct="1">
+              <a:lnSpc>
+                <a:spcPct val="90000"/>
+              </a:lnSpc>
+              <a:spcBef>
+                <a:spcPts val="1400"/>
+              </a:spcBef>
+              <a:buFont typeface="Euphemia" pitchFamily="34" charset="0"/>
+              <a:buChar char="›"/>
+              <a:defRPr sz="2800" kern="1200">
+                <a:solidFill>
+                  <a:schemeClr val="tx1"/>
+                </a:solidFill>
+                <a:latin typeface="微软雅黑" panose="020B0503020204020204" pitchFamily="34" charset="-122"/>
+                <a:ea typeface="微软雅黑" panose="020B0503020204020204" pitchFamily="34" charset="-122"/>
+                <a:cs typeface="+mn-cs"/>
+              </a:defRPr>
+            </a:lvl1pPr>
+            <a:lvl2pPr marL="612648" indent="-246888" algn="l" defTabSz="914400" rtl="0" eaLnBrk="1" latinLnBrk="0" hangingPunct="1">
+              <a:lnSpc>
+                <a:spcPct val="90000"/>
+              </a:lnSpc>
+              <a:spcBef>
+                <a:spcPts val="600"/>
+              </a:spcBef>
+              <a:buFont typeface="Euphemia" pitchFamily="34" charset="0"/>
+              <a:buChar char="–"/>
+              <a:defRPr sz="2400" kern="1200">
+                <a:solidFill>
+                  <a:schemeClr val="tx1"/>
+                </a:solidFill>
+                <a:latin typeface="微软雅黑" panose="020B0503020204020204" pitchFamily="34" charset="-122"/>
+                <a:ea typeface="微软雅黑" panose="020B0503020204020204" pitchFamily="34" charset="-122"/>
+                <a:cs typeface="+mn-cs"/>
+              </a:defRPr>
+            </a:lvl2pPr>
+            <a:lvl3pPr marL="978408" indent="-246888" algn="l" defTabSz="914400" rtl="0" eaLnBrk="1" latinLnBrk="0" hangingPunct="1">
+              <a:lnSpc>
+                <a:spcPct val="90000"/>
+              </a:lnSpc>
+              <a:spcBef>
+                <a:spcPts val="600"/>
+              </a:spcBef>
+              <a:buFont typeface="Euphemia" pitchFamily="34" charset="0"/>
+              <a:buChar char="›"/>
+              <a:defRPr sz="2000" kern="1200">
+                <a:solidFill>
+                  <a:schemeClr val="tx1"/>
+                </a:solidFill>
+                <a:latin typeface="微软雅黑" panose="020B0503020204020204" pitchFamily="34" charset="-122"/>
+                <a:ea typeface="微软雅黑" panose="020B0503020204020204" pitchFamily="34" charset="-122"/>
+                <a:cs typeface="+mn-cs"/>
+              </a:defRPr>
+            </a:lvl3pPr>
+            <a:lvl4pPr marL="1344168" indent="-246888" algn="l" defTabSz="914400" rtl="0" eaLnBrk="1" latinLnBrk="0" hangingPunct="1">
+              <a:lnSpc>
+                <a:spcPct val="90000"/>
+              </a:lnSpc>
+              <a:spcBef>
+                <a:spcPts val="600"/>
+              </a:spcBef>
+              <a:buFont typeface="Arial" pitchFamily="34" charset="0"/>
+              <a:buChar char="–"/>
+              <a:defRPr sz="1800" kern="1200">
+                <a:solidFill>
+                  <a:schemeClr val="tx1"/>
+                </a:solidFill>
+                <a:latin typeface="微软雅黑" panose="020B0503020204020204" pitchFamily="34" charset="-122"/>
+                <a:ea typeface="微软雅黑" panose="020B0503020204020204" pitchFamily="34" charset="-122"/>
+                <a:cs typeface="+mn-cs"/>
+              </a:defRPr>
+            </a:lvl4pPr>
+            <a:lvl5pPr marL="1709928" indent="-246888" algn="l" defTabSz="914400" rtl="0" eaLnBrk="1" latinLnBrk="0" hangingPunct="1">
+              <a:lnSpc>
+                <a:spcPct val="90000"/>
+              </a:lnSpc>
+              <a:spcBef>
+                <a:spcPts val="600"/>
+              </a:spcBef>
+              <a:buFont typeface="Euphemia" pitchFamily="34" charset="0"/>
+              <a:buChar char="›"/>
+              <a:defRPr sz="1800" kern="1200">
+                <a:solidFill>
+                  <a:schemeClr val="tx1"/>
+                </a:solidFill>
+                <a:latin typeface="微软雅黑" panose="020B0503020204020204" pitchFamily="34" charset="-122"/>
+                <a:ea typeface="微软雅黑" panose="020B0503020204020204" pitchFamily="34" charset="-122"/>
+                <a:cs typeface="+mn-cs"/>
+              </a:defRPr>
+            </a:lvl5pPr>
+            <a:lvl6pPr marL="2075688" indent="-246888" algn="l" defTabSz="914400" rtl="0" eaLnBrk="1" latinLnBrk="0" hangingPunct="1">
+              <a:lnSpc>
+                <a:spcPct val="90000"/>
+              </a:lnSpc>
+              <a:spcBef>
+                <a:spcPts val="600"/>
+              </a:spcBef>
+              <a:buFont typeface="Euphemia" pitchFamily="34" charset="0"/>
+              <a:buChar char="–"/>
+              <a:defRPr sz="1800" kern="1200">
+                <a:solidFill>
+                  <a:schemeClr val="tx1"/>
+                </a:solidFill>
+                <a:latin typeface="+mn-lt"/>
+                <a:ea typeface="+mn-ea"/>
+                <a:cs typeface="+mn-cs"/>
+              </a:defRPr>
+            </a:lvl6pPr>
+            <a:lvl7pPr marL="2441448" indent="-246888" algn="l" defTabSz="914400" rtl="0" eaLnBrk="1" latinLnBrk="0" hangingPunct="1">
+              <a:lnSpc>
+                <a:spcPct val="90000"/>
+              </a:lnSpc>
+              <a:spcBef>
+                <a:spcPts val="600"/>
+              </a:spcBef>
+              <a:buFont typeface="Euphemia" pitchFamily="34" charset="0"/>
+              <a:buChar char="›"/>
+              <a:defRPr sz="1800" kern="1200">
+                <a:solidFill>
+                  <a:schemeClr val="tx1"/>
+                </a:solidFill>
+                <a:latin typeface="+mn-lt"/>
+                <a:ea typeface="+mn-ea"/>
+                <a:cs typeface="+mn-cs"/>
+              </a:defRPr>
+            </a:lvl7pPr>
+            <a:lvl8pPr marL="2807208" indent="-246888" algn="l" defTabSz="914400" rtl="0" eaLnBrk="1" latinLnBrk="0" hangingPunct="1">
+              <a:lnSpc>
+                <a:spcPct val="90000"/>
+              </a:lnSpc>
+              <a:spcBef>
+                <a:spcPts val="600"/>
+              </a:spcBef>
+              <a:buFont typeface="Euphemia" pitchFamily="34" charset="0"/>
+              <a:buChar char="–"/>
+              <a:defRPr sz="1800" kern="1200" baseline="0">
+                <a:solidFill>
+                  <a:schemeClr val="tx1"/>
+                </a:solidFill>
+                <a:latin typeface="+mn-lt"/>
+                <a:ea typeface="+mn-ea"/>
+                <a:cs typeface="+mn-cs"/>
+              </a:defRPr>
+            </a:lvl8pPr>
+            <a:lvl9pPr marL="3172968" indent="-246888" algn="l" defTabSz="914400" rtl="0" eaLnBrk="1" latinLnBrk="0" hangingPunct="1">
+              <a:lnSpc>
+                <a:spcPct val="90000"/>
+              </a:lnSpc>
+              <a:spcBef>
+                <a:spcPts val="600"/>
+              </a:spcBef>
+              <a:buFont typeface="Euphemia" pitchFamily="34" charset="0"/>
+              <a:buChar char="›"/>
+              <a:defRPr sz="1800" kern="1200" baseline="0">
+                <a:solidFill>
+                  <a:schemeClr val="tx1"/>
+                </a:solidFill>
+                <a:latin typeface="+mn-lt"/>
+                <a:ea typeface="+mn-ea"/>
+                <a:cs typeface="+mn-cs"/>
+              </a:defRPr>
+            </a:lvl9pPr>
+          </a:lstStyle>
+          <a:p>
+            <a:r>
+              <a:rPr lang="zh-CN" altLang="en-US">
+                <a:solidFill>
+                  <a:schemeClr val="accent4"/>
+                </a:solidFill>
+                <a:latin typeface="Arial" panose="020B0604020202020204" pitchFamily="34" charset="0"/>
+                <a:sym typeface="Arial" panose="020B0604020202020204" pitchFamily="34" charset="0"/>
+              </a:rPr>
+              <a:t>分享人：</a:t>
+            </a:r>
+            <a:r>
+              <a:rPr lang="en-US" altLang="zh-CN">
+                <a:solidFill>
+                  <a:schemeClr val="accent4"/>
+                </a:solidFill>
+                <a:latin typeface="Arial" panose="020B0604020202020204" pitchFamily="34" charset="0"/>
+                <a:sym typeface="Arial" panose="020B0604020202020204" pitchFamily="34" charset="0"/>
+              </a:rPr>
+              <a:t>Ai</a:t>
+            </a:r>
+            <a:r>
+              <a:rPr lang="zh-CN" altLang="en-US">
+                <a:solidFill>
+                  <a:schemeClr val="accent4"/>
+                </a:solidFill>
+                <a:latin typeface="Arial" panose="020B0604020202020204" pitchFamily="34" charset="0"/>
+                <a:sym typeface="Arial" panose="020B0604020202020204" pitchFamily="34" charset="0"/>
+              </a:rPr>
+              <a:t>兔兔</a:t>
+            </a:r>
+            <a:endParaRPr lang="en-US" altLang="zh-CN">
+              <a:solidFill>
+                <a:schemeClr val="accent4"/>
+              </a:solidFill>
+              <a:latin typeface="Arial" panose="020B0604020202020204" pitchFamily="34" charset="0"/>
+              <a:sym typeface="Arial" panose="020B0604020202020204" pitchFamily="34" charset="0"/>
+            </a:endParaRPr>
+          </a:p>
+          <a:p>
+            <a:r>
+              <a:rPr lang="en-US" altLang="zh-CN">
+                <a:solidFill>
+                  <a:schemeClr val="accent4"/>
+                </a:solidFill>
+                <a:latin typeface="Arial" panose="020B0604020202020204" pitchFamily="34" charset="0"/>
+                <a:sym typeface="Arial" panose="020B0604020202020204" pitchFamily="34" charset="0"/>
+              </a:rPr>
+              <a:t>Blog</a:t>
+            </a:r>
+            <a:r>
+              <a:rPr lang="zh-CN" altLang="en-US">
+                <a:solidFill>
+                  <a:schemeClr val="accent4"/>
+                </a:solidFill>
+                <a:latin typeface="Arial" panose="020B0604020202020204" pitchFamily="34" charset="0"/>
+                <a:sym typeface="Arial" panose="020B0604020202020204" pitchFamily="34" charset="0"/>
+              </a:rPr>
+              <a:t>：</a:t>
+            </a:r>
+            <a:r>
+              <a:rPr lang="en-US" altLang="zh-CN">
+                <a:hlinkClick r:id="rId2"/>
+              </a:rPr>
+              <a:t>http://sakigami-yang.me/</a:t>
+            </a:r>
+            <a:endParaRPr lang="en-US" altLang="zh-CN"/>
+          </a:p>
+          <a:p>
+            <a:r>
+              <a:rPr lang="en-US" altLang="zh-CN">
+                <a:solidFill>
+                  <a:schemeClr val="accent4"/>
+                </a:solidFill>
+                <a:latin typeface="Arial" panose="020B0604020202020204" pitchFamily="34" charset="0"/>
+                <a:sym typeface="Arial" panose="020B0604020202020204" pitchFamily="34" charset="0"/>
+              </a:rPr>
+              <a:t>Github</a:t>
+            </a:r>
+            <a:r>
+              <a:rPr lang="zh-CN" altLang="en-US">
+                <a:solidFill>
+                  <a:schemeClr val="accent4"/>
+                </a:solidFill>
+                <a:latin typeface="Arial" panose="020B0604020202020204" pitchFamily="34" charset="0"/>
+                <a:sym typeface="Arial" panose="020B0604020202020204" pitchFamily="34" charset="0"/>
+              </a:rPr>
+              <a:t>：</a:t>
+            </a:r>
+            <a:r>
+              <a:rPr lang="en-US" altLang="zh-CN">
+                <a:hlinkClick r:id="rId3"/>
+              </a:rPr>
+              <a:t>https://github.com/SakigamiYang</a:t>
+            </a:r>
+            <a:endParaRPr lang="zh-CN" altLang="en-US" dirty="0">
+              <a:solidFill>
+                <a:schemeClr val="accent4"/>
+              </a:solidFill>
+              <a:latin typeface="Arial" panose="020B0604020202020204" pitchFamily="34" charset="0"/>
+              <a:sym typeface="Arial" panose="020B0604020202020204" pitchFamily="34" charset="0"/>
+            </a:endParaRPr>
+          </a:p>
+        </p:txBody>
+      </p:sp>
+    </p:spTree>
+    <p:extLst>
+      <p:ext uri="{BB962C8B-B14F-4D97-AF65-F5344CB8AC3E}">
+        <p14:creationId xmlns:p14="http://schemas.microsoft.com/office/powerpoint/2010/main" val="206787478"/>
+      </p:ext>
+    </p:extLst>
+  </p:cSld>
+  <p:clrMapOvr>
+    <a:masterClrMapping/>
+  </p:clrMapOvr>
+  <mc:AlternateContent xmlns:mc="http://schemas.openxmlformats.org/markup-compatibility/2006" xmlns:p14="http://schemas.microsoft.com/office/powerpoint/2010/main">
+    <mc:Choice Requires="p14">
+      <p:transition spd="med" p14:dur="700">
+        <p:fade/>
+      </p:transition>
+    </mc:Choice>
+    <mc:Fallback xmlns="">
+      <p:transition spd="med">
+        <p:fade/>
+      </p:transition>
+    </mc:Fallback>
+  </mc:AlternateContent>
+</p:sld>
+</file>
+
 <file path=ppt/slides/slide3.xml><?xml version="1.0" encoding="utf-8"?>
 <p:sld xmlns:a="http://schemas.openxmlformats.org/drawingml/2006/main" xmlns:r="http://schemas.openxmlformats.org/officeDocument/2006/relationships" xmlns:p="http://schemas.openxmlformats.org/presentationml/2006/main">
   <p:cSld>
@@ -23020,8 +26138,8 @@
           </a:p>
         </p:txBody>
       </p:sp>
-      <mc:AlternateContent xmlns:mc="http://schemas.openxmlformats.org/markup-compatibility/2006">
-        <mc:Choice xmlns:a14="http://schemas.microsoft.com/office/drawing/2010/main" Requires="a14">
+      <mc:AlternateContent xmlns:mc="http://schemas.openxmlformats.org/markup-compatibility/2006" xmlns:a14="http://schemas.microsoft.com/office/drawing/2010/main">
+        <mc:Choice Requires="a14">
           <p:sp>
             <p:nvSpPr>
               <p:cNvPr id="7" name="文本框 6">
@@ -23244,7 +26362,7 @@
             </p:txBody>
           </p:sp>
         </mc:Choice>
-        <mc:Fallback>
+        <mc:Fallback xmlns="">
           <p:sp>
             <p:nvSpPr>
               <p:cNvPr id="7" name="文本框 6">
@@ -24478,8 +27596,8 @@
           </a:p>
         </p:txBody>
       </p:sp>
-      <mc:AlternateContent xmlns:mc="http://schemas.openxmlformats.org/markup-compatibility/2006">
-        <mc:Choice xmlns:a14="http://schemas.microsoft.com/office/drawing/2010/main" Requires="a14">
+      <mc:AlternateContent xmlns:mc="http://schemas.openxmlformats.org/markup-compatibility/2006" xmlns:a14="http://schemas.microsoft.com/office/drawing/2010/main">
+        <mc:Choice Requires="a14">
           <p:sp>
             <p:nvSpPr>
               <p:cNvPr id="4" name="文本框 3">
@@ -24631,7 +27749,7 @@
             </p:txBody>
           </p:sp>
         </mc:Choice>
-        <mc:Fallback>
+        <mc:Fallback xmlns="">
           <p:sp>
             <p:nvSpPr>
               <p:cNvPr id="4" name="文本框 3">
@@ -24751,13 +27869,13 @@
   <p:clrMapOvr>
     <a:masterClrMapping/>
   </p:clrMapOvr>
-  <mc:AlternateContent xmlns:mc="http://schemas.openxmlformats.org/markup-compatibility/2006">
-    <mc:Choice xmlns:p14="http://schemas.microsoft.com/office/powerpoint/2010/main" Requires="p14">
+  <mc:AlternateContent xmlns:mc="http://schemas.openxmlformats.org/markup-compatibility/2006" xmlns:p14="http://schemas.microsoft.com/office/powerpoint/2010/main">
+    <mc:Choice Requires="p14">
       <p:transition spd="med" p14:dur="700">
         <p:fade/>
       </p:transition>
     </mc:Choice>
-    <mc:Fallback>
+    <mc:Fallback xmlns="">
       <p:transition spd="med">
         <p:fade/>
       </p:transition>

--- a/Python-Meetup/20200719/面向一小部分程序员的数学学习相关话题简言.pptx
+++ b/Python-Meetup/20200719/面向一小部分程序员的数学学习相关话题简言.pptx
@@ -9016,6 +9016,196 @@
           </a:p>
         </p:txBody>
       </p:sp>
+      <p:pic>
+        <p:nvPicPr>
+          <p:cNvPr id="9" name="图片 8">
+            <a:extLst>
+              <a:ext uri="{FF2B5EF4-FFF2-40B4-BE49-F238E27FC236}">
+                <a16:creationId xmlns:a16="http://schemas.microsoft.com/office/drawing/2014/main" id="{67564807-1D10-4515-B2A4-8C4ECEF0270B}"/>
+              </a:ext>
+            </a:extLst>
+          </p:cNvPr>
+          <p:cNvPicPr>
+            <a:picLocks noChangeAspect="1"/>
+          </p:cNvPicPr>
+          <p:nvPr/>
+        </p:nvPicPr>
+        <p:blipFill>
+          <a:blip r:embed="rId5"/>
+          <a:stretch>
+            <a:fillRect/>
+          </a:stretch>
+        </p:blipFill>
+        <p:spPr>
+          <a:xfrm>
+            <a:off x="169535" y="170829"/>
+            <a:ext cx="875928" cy="1056589"/>
+          </a:xfrm>
+          <a:prstGeom prst="rect">
+            <a:avLst/>
+          </a:prstGeom>
+        </p:spPr>
+      </p:pic>
+      <p:pic>
+        <p:nvPicPr>
+          <p:cNvPr id="11" name="图片 10">
+            <a:extLst>
+              <a:ext uri="{FF2B5EF4-FFF2-40B4-BE49-F238E27FC236}">
+                <a16:creationId xmlns:a16="http://schemas.microsoft.com/office/drawing/2014/main" id="{5016608E-D269-4E4F-BE88-2D4FE0B4AA96}"/>
+              </a:ext>
+            </a:extLst>
+          </p:cNvPr>
+          <p:cNvPicPr>
+            <a:picLocks noChangeAspect="1"/>
+          </p:cNvPicPr>
+          <p:nvPr/>
+        </p:nvPicPr>
+        <p:blipFill>
+          <a:blip r:embed="rId6"/>
+          <a:stretch>
+            <a:fillRect/>
+          </a:stretch>
+        </p:blipFill>
+        <p:spPr>
+          <a:xfrm>
+            <a:off x="169535" y="1227419"/>
+            <a:ext cx="875928" cy="883730"/>
+          </a:xfrm>
+          <a:prstGeom prst="rect">
+            <a:avLst/>
+          </a:prstGeom>
+        </p:spPr>
+      </p:pic>
+      <p:pic>
+        <p:nvPicPr>
+          <p:cNvPr id="13" name="图片 12">
+            <a:extLst>
+              <a:ext uri="{FF2B5EF4-FFF2-40B4-BE49-F238E27FC236}">
+                <a16:creationId xmlns:a16="http://schemas.microsoft.com/office/drawing/2014/main" id="{16EE4A8C-013E-47FF-906D-856E009B74DF}"/>
+              </a:ext>
+            </a:extLst>
+          </p:cNvPr>
+          <p:cNvPicPr>
+            <a:picLocks noChangeAspect="1"/>
+          </p:cNvPicPr>
+          <p:nvPr/>
+        </p:nvPicPr>
+        <p:blipFill>
+          <a:blip r:embed="rId7"/>
+          <a:stretch>
+            <a:fillRect/>
+          </a:stretch>
+        </p:blipFill>
+        <p:spPr>
+          <a:xfrm>
+            <a:off x="10960357" y="142678"/>
+            <a:ext cx="1071476" cy="1071476"/>
+          </a:xfrm>
+          <a:prstGeom prst="rect">
+            <a:avLst/>
+          </a:prstGeom>
+        </p:spPr>
+      </p:pic>
+      <p:pic>
+        <p:nvPicPr>
+          <p:cNvPr id="15" name="图片 14">
+            <a:extLst>
+              <a:ext uri="{FF2B5EF4-FFF2-40B4-BE49-F238E27FC236}">
+                <a16:creationId xmlns:a16="http://schemas.microsoft.com/office/drawing/2014/main" id="{5C417883-D963-414E-B76E-2555137A627F}"/>
+              </a:ext>
+            </a:extLst>
+          </p:cNvPr>
+          <p:cNvPicPr>
+            <a:picLocks noChangeAspect="1"/>
+          </p:cNvPicPr>
+          <p:nvPr/>
+        </p:nvPicPr>
+        <p:blipFill>
+          <a:blip r:embed="rId8"/>
+          <a:stretch>
+            <a:fillRect/>
+          </a:stretch>
+        </p:blipFill>
+        <p:spPr>
+          <a:xfrm>
+            <a:off x="9548092" y="121707"/>
+            <a:ext cx="1154832" cy="1154832"/>
+          </a:xfrm>
+          <a:prstGeom prst="rect">
+            <a:avLst/>
+          </a:prstGeom>
+        </p:spPr>
+      </p:pic>
+      <p:sp>
+        <p:nvSpPr>
+          <p:cNvPr id="16" name="文本框 15">
+            <a:extLst>
+              <a:ext uri="{FF2B5EF4-FFF2-40B4-BE49-F238E27FC236}">
+                <a16:creationId xmlns:a16="http://schemas.microsoft.com/office/drawing/2014/main" id="{F75405DE-3FAF-450A-AA8E-4781F6668C5C}"/>
+              </a:ext>
+            </a:extLst>
+          </p:cNvPr>
+          <p:cNvSpPr txBox="1"/>
+          <p:nvPr/>
+        </p:nvSpPr>
+        <p:spPr>
+          <a:xfrm>
+            <a:off x="9725398" y="1230157"/>
+            <a:ext cx="800219" cy="276999"/>
+          </a:xfrm>
+          <a:prstGeom prst="rect">
+            <a:avLst/>
+          </a:prstGeom>
+          <a:noFill/>
+        </p:spPr>
+        <p:txBody>
+          <a:bodyPr wrap="none" rtlCol="0">
+            <a:spAutoFit/>
+          </a:bodyPr>
+          <a:lstStyle/>
+          <a:p>
+            <a:r>
+              <a:rPr lang="zh-CN" altLang="en-US" sz="1200" dirty="0"/>
+              <a:t>直播报名</a:t>
+            </a:r>
+          </a:p>
+        </p:txBody>
+      </p:sp>
+      <p:sp>
+        <p:nvSpPr>
+          <p:cNvPr id="17" name="文本框 16">
+            <a:extLst>
+              <a:ext uri="{FF2B5EF4-FFF2-40B4-BE49-F238E27FC236}">
+                <a16:creationId xmlns:a16="http://schemas.microsoft.com/office/drawing/2014/main" id="{6675A9BF-661A-403D-90C5-D5C5FB773042}"/>
+              </a:ext>
+            </a:extLst>
+          </p:cNvPr>
+          <p:cNvSpPr txBox="1"/>
+          <p:nvPr/>
+        </p:nvSpPr>
+        <p:spPr>
+          <a:xfrm>
+            <a:off x="11095985" y="1227418"/>
+            <a:ext cx="800219" cy="276999"/>
+          </a:xfrm>
+          <a:prstGeom prst="rect">
+            <a:avLst/>
+          </a:prstGeom>
+          <a:noFill/>
+        </p:spPr>
+        <p:txBody>
+          <a:bodyPr wrap="none" rtlCol="0">
+            <a:spAutoFit/>
+          </a:bodyPr>
+          <a:lstStyle/>
+          <a:p>
+            <a:r>
+              <a:rPr lang="zh-CN" altLang="en-US" sz="1200" dirty="0"/>
+              <a:t>讲师募集</a:t>
+            </a:r>
+          </a:p>
+        </p:txBody>
+      </p:sp>
     </p:spTree>
     <p:extLst>
       <p:ext uri="{BB962C8B-B14F-4D97-AF65-F5344CB8AC3E}">
@@ -9129,15 +9319,27 @@
               </a:lnSpc>
             </a:pPr>
             <a:r>
-              <a:rPr lang="zh-CN" altLang="en-US" sz="3700" dirty="0"/>
+              <a:rPr lang="zh-CN" altLang="en-US" sz="3700" b="1" dirty="0">
+                <a:solidFill>
+                  <a:schemeClr val="accent4"/>
+                </a:solidFill>
+              </a:rPr>
               <a:t>通用</a:t>
             </a:r>
             <a:r>
-              <a:rPr lang="en-US" altLang="zh-CN" sz="3700" dirty="0"/>
+              <a:rPr lang="en-US" altLang="zh-CN" sz="3700" b="1" dirty="0">
+                <a:solidFill>
+                  <a:schemeClr val="accent4"/>
+                </a:solidFill>
+              </a:rPr>
               <a:t>/</a:t>
             </a:r>
             <a:r>
-              <a:rPr lang="zh-CN" altLang="en-US" sz="3700" dirty="0"/>
+              <a:rPr lang="zh-CN" altLang="en-US" sz="3700" b="1" dirty="0">
+                <a:solidFill>
+                  <a:schemeClr val="accent4"/>
+                </a:solidFill>
+              </a:rPr>
               <a:t>数学基础</a:t>
             </a:r>
             <a:br>
@@ -9156,15 +9358,27 @@
               </a:lnSpc>
             </a:pPr>
             <a:r>
-              <a:rPr lang="zh-CN" altLang="en-US" sz="3700" dirty="0"/>
+              <a:rPr lang="zh-CN" altLang="en-US" sz="3700" b="1" dirty="0">
+                <a:solidFill>
+                  <a:schemeClr val="accent4"/>
+                </a:solidFill>
+              </a:rPr>
               <a:t>离散数学</a:t>
             </a:r>
             <a:r>
-              <a:rPr lang="en-US" altLang="zh-CN" sz="3700" dirty="0"/>
+              <a:rPr lang="en-US" altLang="zh-CN" sz="3700" b="1" dirty="0">
+                <a:solidFill>
+                  <a:schemeClr val="accent4"/>
+                </a:solidFill>
+              </a:rPr>
               <a:t>/</a:t>
             </a:r>
             <a:r>
-              <a:rPr lang="zh-CN" altLang="en-US" sz="3700" dirty="0"/>
+              <a:rPr lang="zh-CN" altLang="en-US" sz="3700" b="1" dirty="0">
+                <a:solidFill>
+                  <a:schemeClr val="accent4"/>
+                </a:solidFill>
+              </a:rPr>
               <a:t>代数学</a:t>
             </a:r>
             <a:br>
@@ -9231,7 +9445,11 @@
               </a:lnSpc>
             </a:pPr>
             <a:r>
-              <a:rPr lang="zh-CN" altLang="en-US" sz="3700" dirty="0"/>
+              <a:rPr lang="zh-CN" altLang="en-US" sz="3700" b="1" dirty="0">
+                <a:solidFill>
+                  <a:schemeClr val="accent4"/>
+                </a:solidFill>
+              </a:rPr>
               <a:t>分析学</a:t>
             </a:r>
             <a:br>
@@ -9282,15 +9500,27 @@
               </a:lnSpc>
             </a:pPr>
             <a:r>
-              <a:rPr lang="zh-CN" altLang="en-US" sz="3700" dirty="0"/>
+              <a:rPr lang="zh-CN" altLang="en-US" sz="3700" b="1" dirty="0">
+                <a:solidFill>
+                  <a:schemeClr val="accent4"/>
+                </a:solidFill>
+              </a:rPr>
               <a:t>几何学</a:t>
             </a:r>
             <a:r>
-              <a:rPr lang="en-US" altLang="zh-CN" sz="3700" dirty="0"/>
+              <a:rPr lang="en-US" altLang="zh-CN" sz="3700" b="1" dirty="0">
+                <a:solidFill>
+                  <a:schemeClr val="accent4"/>
+                </a:solidFill>
+              </a:rPr>
               <a:t>/</a:t>
             </a:r>
             <a:r>
-              <a:rPr lang="zh-CN" altLang="en-US" sz="3700" dirty="0"/>
+              <a:rPr lang="zh-CN" altLang="en-US" sz="3700" b="1" dirty="0">
+                <a:solidFill>
+                  <a:schemeClr val="accent4"/>
+                </a:solidFill>
+              </a:rPr>
               <a:t>拓扑学</a:t>
             </a:r>
             <a:br>
@@ -9309,15 +9539,27 @@
               </a:lnSpc>
             </a:pPr>
             <a:r>
-              <a:rPr lang="zh-CN" altLang="en-US" sz="3700" dirty="0"/>
+              <a:rPr lang="zh-CN" altLang="en-US" sz="3700" b="1" dirty="0">
+                <a:solidFill>
+                  <a:schemeClr val="accent4"/>
+                </a:solidFill>
+              </a:rPr>
               <a:t>应用数学</a:t>
             </a:r>
             <a:r>
-              <a:rPr lang="en-US" altLang="zh-CN" sz="3700" dirty="0"/>
+              <a:rPr lang="en-US" altLang="zh-CN" sz="3700" b="1" dirty="0">
+                <a:solidFill>
+                  <a:schemeClr val="accent4"/>
+                </a:solidFill>
+              </a:rPr>
               <a:t>/</a:t>
             </a:r>
             <a:r>
-              <a:rPr lang="zh-CN" altLang="en-US" sz="3700" dirty="0"/>
+              <a:rPr lang="zh-CN" altLang="en-US" sz="3700" b="1" dirty="0">
+                <a:solidFill>
+                  <a:schemeClr val="accent4"/>
+                </a:solidFill>
+              </a:rPr>
               <a:t>其他</a:t>
             </a:r>
             <a:br>
@@ -10751,6 +10993,75 @@
                       </p:childTnLst>
                     </p:cTn>
                   </p:par>
+                  <p:par>
+                    <p:cTn id="9" fill="hold">
+                      <p:stCondLst>
+                        <p:cond delay="indefinite"/>
+                      </p:stCondLst>
+                      <p:childTnLst>
+                        <p:par>
+                          <p:cTn id="10" fill="hold">
+                            <p:stCondLst>
+                              <p:cond delay="0"/>
+                            </p:stCondLst>
+                            <p:childTnLst>
+                              <p:par>
+                                <p:cTn id="11" presetID="1" presetClass="emph" presetSubtype="2" fill="hold" nodeType="clickEffect">
+                                  <p:stCondLst>
+                                    <p:cond delay="0"/>
+                                  </p:stCondLst>
+                                  <p:childTnLst>
+                                    <p:animClr clrSpc="rgb" dir="cw">
+                                      <p:cBhvr>
+                                        <p:cTn id="12" dur="1000" fill="hold"/>
+                                        <p:tgtEl>
+                                          <p:spTgt spid="14"/>
+                                        </p:tgtEl>
+                                        <p:attrNameLst>
+                                          <p:attrName>fillcolor</p:attrName>
+                                        </p:attrNameLst>
+                                      </p:cBhvr>
+                                      <p:to>
+                                        <a:schemeClr val="accent2"/>
+                                      </p:to>
+                                    </p:animClr>
+                                    <p:set>
+                                      <p:cBhvr>
+                                        <p:cTn id="13" dur="1000" fill="hold"/>
+                                        <p:tgtEl>
+                                          <p:spTgt spid="14"/>
+                                        </p:tgtEl>
+                                        <p:attrNameLst>
+                                          <p:attrName>fill.type</p:attrName>
+                                        </p:attrNameLst>
+                                      </p:cBhvr>
+                                      <p:to>
+                                        <p:strVal val="solid"/>
+                                      </p:to>
+                                    </p:set>
+                                    <p:set>
+                                      <p:cBhvr>
+                                        <p:cTn id="14" dur="1000" fill="hold"/>
+                                        <p:tgtEl>
+                                          <p:spTgt spid="14"/>
+                                        </p:tgtEl>
+                                        <p:attrNameLst>
+                                          <p:attrName>fill.on</p:attrName>
+                                        </p:attrNameLst>
+                                      </p:cBhvr>
+                                      <p:to>
+                                        <p:strVal val="true"/>
+                                      </p:to>
+                                    </p:set>
+                                  </p:childTnLst>
+                                </p:cTn>
+                              </p:par>
+                            </p:childTnLst>
+                          </p:cTn>
+                        </p:par>
+                      </p:childTnLst>
+                    </p:cTn>
+                  </p:par>
                 </p:childTnLst>
               </p:cTn>
               <p:prevCondLst>
@@ -10827,66 +11138,6 @@
               <a:t>一个简单的例子</a:t>
             </a:r>
             <a:endParaRPr lang="zh-CN" altLang="en-US" dirty="0"/>
-          </a:p>
-        </p:txBody>
-      </p:sp>
-      <p:sp>
-        <p:nvSpPr>
-          <p:cNvPr id="4" name="内容占位符 3">
-            <a:extLst>
-              <a:ext uri="{FF2B5EF4-FFF2-40B4-BE49-F238E27FC236}">
-                <a16:creationId xmlns:a16="http://schemas.microsoft.com/office/drawing/2014/main" id="{1BF87581-84F3-427E-B891-7B54F0666AA5}"/>
-              </a:ext>
-            </a:extLst>
-          </p:cNvPr>
-          <p:cNvSpPr>
-            <a:spLocks noGrp="1"/>
-          </p:cNvSpPr>
-          <p:nvPr>
-            <p:ph idx="1"/>
-          </p:nvPr>
-        </p:nvSpPr>
-        <p:spPr>
-          <a:xfrm>
-            <a:off x="1917947" y="1988840"/>
-            <a:ext cx="4403728" cy="648072"/>
-          </a:xfrm>
-          <a:ln w="19050">
-            <a:solidFill>
-              <a:schemeClr val="bg2"/>
-            </a:solidFill>
-          </a:ln>
-        </p:spPr>
-        <p:txBody>
-          <a:bodyPr>
-            <a:normAutofit/>
-          </a:bodyPr>
-          <a:lstStyle/>
-          <a:p>
-            <a:r>
-              <a:rPr lang="zh-CN" altLang="en-US" sz="1400" dirty="0">
-                <a:solidFill>
-                  <a:schemeClr val="bg2"/>
-                </a:solidFill>
-              </a:rPr>
-              <a:t>感性认知</a:t>
-            </a:r>
-            <a:endParaRPr lang="en-US" altLang="zh-CN" sz="1400" dirty="0">
-              <a:solidFill>
-                <a:schemeClr val="bg2"/>
-              </a:solidFill>
-            </a:endParaRPr>
-          </a:p>
-          <a:p>
-            <a:pPr lvl="1"/>
-            <a:r>
-              <a:rPr lang="zh-CN" altLang="en-US" sz="1400" dirty="0">
-                <a:solidFill>
-                  <a:schemeClr val="bg2"/>
-                </a:solidFill>
-              </a:rPr>
-              <a:t>积分都是什么？（感性、具象）</a:t>
-            </a:r>
           </a:p>
         </p:txBody>
       </p:sp>
@@ -11103,8 +11354,8 @@
           </a:p>
         </p:txBody>
       </p:sp>
-      <mc:AlternateContent xmlns:mc="http://schemas.openxmlformats.org/markup-compatibility/2006" xmlns:a14="http://schemas.microsoft.com/office/drawing/2010/main">
-        <mc:Choice Requires="a14">
+      <mc:AlternateContent xmlns:mc="http://schemas.openxmlformats.org/markup-compatibility/2006">
+        <mc:Choice xmlns:a14="http://schemas.microsoft.com/office/drawing/2010/main" Requires="a14">
           <p:sp>
             <p:nvSpPr>
               <p:cNvPr id="6" name="内容占位符 3">
@@ -11129,7 +11380,7 @@
               </a:prstGeom>
               <a:ln w="19050">
                 <a:solidFill>
-                  <a:schemeClr val="bg2"/>
+                  <a:schemeClr val="tx1"/>
                 </a:solidFill>
               </a:ln>
             </p:spPr>
@@ -11303,16 +11554,16 @@
               </a:lstStyle>
               <a:p>
                 <a:r>
-                  <a:rPr lang="zh-CN" altLang="en-US" sz="1400" dirty="0">
+                  <a:rPr lang="zh-CN" altLang="en-US" sz="1400" b="1" dirty="0">
                     <a:solidFill>
-                      <a:schemeClr val="bg2"/>
+                      <a:schemeClr val="accent4"/>
                     </a:solidFill>
                   </a:rPr>
                   <a:t>执行计算</a:t>
                 </a:r>
-                <a:endParaRPr lang="en-US" altLang="zh-CN" sz="1400" dirty="0">
+                <a:endParaRPr lang="en-US" altLang="zh-CN" sz="1400" b="1" dirty="0">
                   <a:solidFill>
-                    <a:schemeClr val="bg2"/>
+                    <a:schemeClr val="accent4"/>
                   </a:solidFill>
                 </a:endParaRPr>
               </a:p>
@@ -11325,7 +11576,7 @@
                         <m:ctrlPr>
                           <a:rPr lang="en-US" altLang="zh-CN" sz="1400" i="1" smtClean="0">
                             <a:solidFill>
-                              <a:schemeClr val="bg2"/>
+                              <a:schemeClr val="tx1"/>
                             </a:solidFill>
                             <a:latin typeface="Cambria Math" panose="02040503050406030204" pitchFamily="18" charset="0"/>
                           </a:rPr>
@@ -11337,7 +11588,7 @@
                             <m:ctrlPr>
                               <a:rPr lang="en-US" altLang="zh-CN" sz="1400" i="1" smtClean="0">
                                 <a:solidFill>
-                                  <a:schemeClr val="bg2"/>
+                                  <a:schemeClr val="tx1"/>
                                 </a:solidFill>
                                 <a:latin typeface="Cambria Math" panose="02040503050406030204" pitchFamily="18" charset="0"/>
                               </a:rPr>
@@ -11350,7 +11601,7 @@
                               </m:rPr>
                               <a:rPr lang="en-US" altLang="zh-CN" sz="1400" smtClean="0">
                                 <a:solidFill>
-                                  <a:schemeClr val="bg2"/>
+                                  <a:schemeClr val="tx1"/>
                                 </a:solidFill>
                                 <a:latin typeface="Cambria Math" panose="02040503050406030204" pitchFamily="18" charset="0"/>
                               </a:rPr>
@@ -11361,7 +11612,7 @@
                             <m:r>
                               <a:rPr lang="en-US" altLang="zh-CN" sz="1400" i="1" smtClean="0">
                                 <a:solidFill>
-                                  <a:schemeClr val="bg2"/>
+                                  <a:schemeClr val="tx1"/>
                                 </a:solidFill>
                                 <a:latin typeface="Cambria Math" panose="02040503050406030204" pitchFamily="18" charset="0"/>
                               </a:rPr>
@@ -11370,7 +11621,7 @@
                             <m:r>
                               <a:rPr lang="en-US" altLang="zh-CN" sz="1400" i="1" smtClean="0">
                                 <a:solidFill>
-                                  <a:schemeClr val="bg2"/>
+                                  <a:schemeClr val="tx1"/>
                                 </a:solidFill>
                                 <a:latin typeface="Cambria Math" panose="02040503050406030204" pitchFamily="18" charset="0"/>
                               </a:rPr>
@@ -11385,7 +11636,7 @@
                             <m:ctrlPr>
                               <a:rPr lang="en-US" altLang="zh-CN" sz="1400" i="1" smtClean="0">
                                 <a:solidFill>
-                                  <a:schemeClr val="bg2"/>
+                                  <a:schemeClr val="tx1"/>
                                 </a:solidFill>
                                 <a:latin typeface="Cambria Math" panose="02040503050406030204" pitchFamily="18" charset="0"/>
                               </a:rPr>
@@ -11397,7 +11648,7 @@
                                 <m:ctrlPr>
                                   <a:rPr lang="en-US" altLang="zh-CN" sz="1400" i="1" smtClean="0">
                                     <a:solidFill>
-                                      <a:schemeClr val="bg2"/>
+                                      <a:schemeClr val="tx1"/>
                                     </a:solidFill>
                                     <a:latin typeface="Cambria Math" panose="02040503050406030204" pitchFamily="18" charset="0"/>
                                   </a:rPr>
@@ -11410,7 +11661,7 @@
                                   </m:rPr>
                                   <a:rPr lang="en-US" altLang="zh-CN" sz="1400" smtClean="0">
                                     <a:solidFill>
-                                      <a:schemeClr val="bg2"/>
+                                      <a:schemeClr val="tx1"/>
                                     </a:solidFill>
                                     <a:latin typeface="Cambria Math" panose="02040503050406030204" pitchFamily="18" charset="0"/>
                                   </a:rPr>
@@ -11421,7 +11672,7 @@
                                 <m:r>
                                   <a:rPr lang="en-US" altLang="zh-CN" sz="1400" i="1" smtClean="0">
                                     <a:solidFill>
-                                      <a:schemeClr val="bg2"/>
+                                      <a:schemeClr val="tx1"/>
                                     </a:solidFill>
                                     <a:latin typeface="Cambria Math" panose="02040503050406030204" pitchFamily="18" charset="0"/>
                                   </a:rPr>
@@ -11434,7 +11685,7 @@
                             <m:r>
                               <a:rPr lang="en-US" altLang="zh-CN" sz="1400" i="1" smtClean="0">
                                 <a:solidFill>
-                                  <a:schemeClr val="bg2"/>
+                                  <a:schemeClr val="tx1"/>
                                 </a:solidFill>
                                 <a:latin typeface="Cambria Math" panose="02040503050406030204" pitchFamily="18" charset="0"/>
                               </a:rPr>
@@ -11447,7 +11698,7 @@
                     <m:r>
                       <a:rPr lang="en-US" altLang="zh-CN" sz="1400" i="1" smtClean="0">
                         <a:solidFill>
-                          <a:schemeClr val="bg2"/>
+                          <a:schemeClr val="tx1"/>
                         </a:solidFill>
                         <a:latin typeface="Cambria Math" panose="02040503050406030204" pitchFamily="18" charset="0"/>
                       </a:rPr>
@@ -11456,7 +11707,7 @@
                     <m:r>
                       <a:rPr lang="zh-CN" altLang="en-US" sz="1400" i="1">
                         <a:solidFill>
-                          <a:schemeClr val="bg2"/>
+                          <a:schemeClr val="tx1"/>
                         </a:solidFill>
                         <a:latin typeface="Cambria Math" panose="02040503050406030204" pitchFamily="18" charset="0"/>
                       </a:rPr>
@@ -11467,7 +11718,7 @@
                         <m:ctrlPr>
                           <a:rPr lang="en-US" altLang="zh-CN" sz="1400" i="1" smtClean="0">
                             <a:solidFill>
-                              <a:schemeClr val="bg2"/>
+                              <a:schemeClr val="tx1"/>
                             </a:solidFill>
                             <a:latin typeface="Cambria Math" panose="02040503050406030204" pitchFamily="18" charset="0"/>
                           </a:rPr>
@@ -11479,7 +11730,7 @@
                             <m:ctrlPr>
                               <a:rPr lang="en-US" altLang="zh-CN" sz="1400" i="1" smtClean="0">
                                 <a:solidFill>
-                                  <a:schemeClr val="bg2"/>
+                                  <a:schemeClr val="tx1"/>
                                 </a:solidFill>
                                 <a:latin typeface="Cambria Math" panose="02040503050406030204" pitchFamily="18" charset="0"/>
                               </a:rPr>
@@ -11489,7 +11740,7 @@
                             <m:r>
                               <a:rPr lang="en-US" altLang="zh-CN" sz="1400" i="1" smtClean="0">
                                 <a:solidFill>
-                                  <a:schemeClr val="bg2"/>
+                                  <a:schemeClr val="tx1"/>
                                 </a:solidFill>
                                 <a:latin typeface="Cambria Math" panose="02040503050406030204" pitchFamily="18" charset="0"/>
                               </a:rPr>
@@ -11502,7 +11753,7 @@
                         <m:r>
                           <a:rPr lang="en-US" altLang="zh-CN" sz="1400" i="1" smtClean="0">
                             <a:solidFill>
-                              <a:schemeClr val="bg2"/>
+                              <a:schemeClr val="tx1"/>
                             </a:solidFill>
                             <a:latin typeface="Cambria Math" panose="02040503050406030204" pitchFamily="18" charset="0"/>
                           </a:rPr>
@@ -11513,7 +11764,7 @@
                     <m:r>
                       <a:rPr lang="en-US" altLang="zh-CN" sz="1400" i="1" smtClean="0">
                         <a:solidFill>
-                          <a:schemeClr val="bg2"/>
+                          <a:schemeClr val="tx1"/>
                         </a:solidFill>
                         <a:latin typeface="Cambria Math" panose="02040503050406030204" pitchFamily="18" charset="0"/>
                       </a:rPr>
@@ -11522,7 +11773,7 @@
                     <m:r>
                       <a:rPr lang="zh-CN" altLang="en-US" sz="1400" i="1">
                         <a:solidFill>
-                          <a:schemeClr val="bg2"/>
+                          <a:schemeClr val="tx1"/>
                         </a:solidFill>
                         <a:latin typeface="Cambria Math" panose="02040503050406030204" pitchFamily="18" charset="0"/>
                       </a:rPr>
@@ -11533,7 +11784,7 @@
                         <m:ctrlPr>
                           <a:rPr lang="zh-CN" altLang="en-US" sz="1400" i="1" smtClean="0">
                             <a:solidFill>
-                              <a:schemeClr val="bg2"/>
+                              <a:schemeClr val="tx1"/>
                             </a:solidFill>
                             <a:latin typeface="Cambria Math" panose="02040503050406030204" pitchFamily="18" charset="0"/>
                           </a:rPr>
@@ -11546,7 +11797,7 @@
                           </m:rPr>
                           <a:rPr lang="en-US" altLang="zh-CN" sz="1400" i="1" smtClean="0">
                             <a:solidFill>
-                              <a:schemeClr val="bg2"/>
+                              <a:schemeClr val="tx1"/>
                             </a:solidFill>
                             <a:latin typeface="Cambria Math" panose="02040503050406030204" pitchFamily="18" charset="0"/>
                           </a:rPr>
@@ -11555,7 +11806,7 @@
                         <m:r>
                           <a:rPr lang="en-US" altLang="zh-CN" sz="1400" i="1" smtClean="0">
                             <a:solidFill>
-                              <a:schemeClr val="bg2"/>
+                              <a:schemeClr val="tx1"/>
                             </a:solidFill>
                             <a:latin typeface="Cambria Math" panose="02040503050406030204" pitchFamily="18" charset="0"/>
                           </a:rPr>
@@ -11566,7 +11817,7 @@
                         <m:r>
                           <a:rPr lang="en-US" altLang="zh-CN" sz="1400" i="1" smtClean="0">
                             <a:solidFill>
-                              <a:schemeClr val="bg2"/>
+                              <a:schemeClr val="tx1"/>
                             </a:solidFill>
                             <a:latin typeface="Cambria Math" panose="02040503050406030204" pitchFamily="18" charset="0"/>
                           </a:rPr>
@@ -11579,7 +11830,7 @@
                             <m:ctrlPr>
                               <a:rPr lang="en-US" altLang="zh-CN" sz="1400" i="1" smtClean="0">
                                 <a:solidFill>
-                                  <a:schemeClr val="bg2"/>
+                                  <a:schemeClr val="tx1"/>
                                 </a:solidFill>
                                 <a:latin typeface="Cambria Math" panose="02040503050406030204" pitchFamily="18" charset="0"/>
                               </a:rPr>
@@ -11592,7 +11843,7 @@
                               </m:rPr>
                               <a:rPr lang="en-US" altLang="zh-CN" sz="1400" smtClean="0">
                                 <a:solidFill>
-                                  <a:schemeClr val="bg2"/>
+                                  <a:schemeClr val="tx1"/>
                                 </a:solidFill>
                                 <a:latin typeface="Cambria Math" panose="02040503050406030204" pitchFamily="18" charset="0"/>
                               </a:rPr>
@@ -11603,7 +11854,7 @@
                             <m:r>
                               <a:rPr lang="en-US" altLang="zh-CN" sz="1400" i="1" smtClean="0">
                                 <a:solidFill>
-                                  <a:schemeClr val="bg2"/>
+                                  <a:schemeClr val="tx1"/>
                                 </a:solidFill>
                                 <a:latin typeface="Cambria Math" panose="02040503050406030204" pitchFamily="18" charset="0"/>
                               </a:rPr>
@@ -11612,7 +11863,7 @@
                             <m:r>
                               <a:rPr lang="en-US" altLang="zh-CN" sz="1400" i="1" smtClean="0">
                                 <a:solidFill>
-                                  <a:schemeClr val="bg2"/>
+                                  <a:schemeClr val="tx1"/>
                                 </a:solidFill>
                                 <a:latin typeface="Cambria Math" panose="02040503050406030204" pitchFamily="18" charset="0"/>
                               </a:rPr>
@@ -11621,7 +11872,7 @@
                             <m:r>
                               <a:rPr lang="en-US" altLang="zh-CN" sz="1400" i="1" smtClean="0">
                                 <a:solidFill>
-                                  <a:schemeClr val="bg2"/>
+                                  <a:schemeClr val="tx1"/>
                                 </a:solidFill>
                                 <a:latin typeface="Cambria Math" panose="02040503050406030204" pitchFamily="18" charset="0"/>
                               </a:rPr>
@@ -11632,7 +11883,7 @@
                         <m:r>
                           <a:rPr lang="en-US" altLang="zh-CN" sz="1400" i="1" smtClean="0">
                             <a:solidFill>
-                              <a:schemeClr val="bg2"/>
+                              <a:schemeClr val="tx1"/>
                             </a:solidFill>
                             <a:latin typeface="Cambria Math" panose="02040503050406030204" pitchFamily="18" charset="0"/>
                           </a:rPr>
@@ -11644,14 +11895,14 @@
                 </a14:m>
                 <a:endParaRPr lang="en-US" altLang="zh-CN" sz="1400" dirty="0">
                   <a:solidFill>
-                    <a:schemeClr val="bg2"/>
+                    <a:schemeClr val="tx1"/>
                   </a:solidFill>
                 </a:endParaRPr>
               </a:p>
             </p:txBody>
           </p:sp>
         </mc:Choice>
-        <mc:Fallback xmlns="">
+        <mc:Fallback>
           <p:sp>
             <p:nvSpPr>
               <p:cNvPr id="6" name="内容占位符 3">
@@ -11682,7 +11933,7 @@
               </a:blipFill>
               <a:ln w="19050">
                 <a:solidFill>
-                  <a:schemeClr val="bg2"/>
+                  <a:schemeClr val="tx1"/>
                 </a:solidFill>
               </a:ln>
             </p:spPr>
@@ -11701,8 +11952,8 @@
           </p:sp>
         </mc:Fallback>
       </mc:AlternateContent>
-      <mc:AlternateContent xmlns:mc="http://schemas.openxmlformats.org/markup-compatibility/2006" xmlns:a14="http://schemas.microsoft.com/office/drawing/2010/main">
-        <mc:Choice Requires="a14">
+      <mc:AlternateContent xmlns:mc="http://schemas.openxmlformats.org/markup-compatibility/2006">
+        <mc:Choice xmlns:a14="http://schemas.microsoft.com/office/drawing/2010/main" Requires="a14">
           <p:sp>
             <p:nvSpPr>
               <p:cNvPr id="7" name="内容占位符 3">
@@ -11727,7 +11978,7 @@
               </a:prstGeom>
               <a:ln w="19050">
                 <a:solidFill>
-                  <a:schemeClr val="bg2"/>
+                  <a:schemeClr val="tx1"/>
                 </a:solidFill>
               </a:ln>
             </p:spPr>
@@ -11901,16 +12152,16 @@
               </a:lstStyle>
               <a:p>
                 <a:r>
-                  <a:rPr lang="zh-CN" altLang="en-US" sz="1400" dirty="0">
+                  <a:rPr lang="zh-CN" altLang="en-US" sz="1400" b="1" dirty="0">
                     <a:solidFill>
-                      <a:schemeClr val="bg2"/>
+                      <a:schemeClr val="accent4"/>
                     </a:solidFill>
                   </a:rPr>
                   <a:t>系统推理</a:t>
                 </a:r>
-                <a:endParaRPr lang="en-US" altLang="zh-CN" sz="1400" dirty="0">
+                <a:endParaRPr lang="en-US" altLang="zh-CN" sz="1400" b="1" dirty="0">
                   <a:solidFill>
-                    <a:schemeClr val="bg2"/>
+                    <a:schemeClr val="accent4"/>
                   </a:solidFill>
                 </a:endParaRPr>
               </a:p>
@@ -11919,7 +12170,7 @@
                 <a:r>
                   <a:rPr lang="zh-CN" altLang="en-US" sz="1400" dirty="0">
                     <a:solidFill>
-                      <a:schemeClr val="bg2"/>
+                      <a:schemeClr val="tx1"/>
                     </a:solidFill>
                   </a:rPr>
                   <a:t>我在中学时发现球体积 </a:t>
@@ -11932,7 +12183,7 @@
                         <m:ctrlPr>
                           <a:rPr lang="en-US" altLang="zh-CN" sz="1400" b="0" i="1" smtClean="0">
                             <a:solidFill>
-                              <a:schemeClr val="bg2"/>
+                              <a:schemeClr val="tx1"/>
                             </a:solidFill>
                             <a:latin typeface="Cambria Math" panose="02040503050406030204" pitchFamily="18" charset="0"/>
                           </a:rPr>
@@ -11942,7 +12193,7 @@
                         <m:r>
                           <a:rPr lang="en-US" altLang="zh-CN" sz="1400" b="0" i="1" smtClean="0">
                             <a:solidFill>
-                              <a:schemeClr val="bg2"/>
+                              <a:schemeClr val="tx1"/>
                             </a:solidFill>
                             <a:latin typeface="Cambria Math" panose="02040503050406030204" pitchFamily="18" charset="0"/>
                           </a:rPr>
@@ -11953,7 +12204,7 @@
                         <m:r>
                           <a:rPr lang="en-US" altLang="zh-CN" sz="1400" b="0" i="1" smtClean="0">
                             <a:solidFill>
-                              <a:schemeClr val="bg2"/>
+                              <a:schemeClr val="tx1"/>
                             </a:solidFill>
                             <a:latin typeface="Cambria Math" panose="02040503050406030204" pitchFamily="18" charset="0"/>
                           </a:rPr>
@@ -11964,7 +12215,7 @@
                     <m:r>
                       <a:rPr lang="en-US" altLang="zh-CN" sz="1400" b="0" i="1" smtClean="0">
                         <a:solidFill>
-                          <a:schemeClr val="bg2"/>
+                          <a:schemeClr val="tx1"/>
                         </a:solidFill>
                         <a:latin typeface="Cambria Math" panose="02040503050406030204" pitchFamily="18" charset="0"/>
                       </a:rPr>
@@ -11975,7 +12226,7 @@
                         <m:ctrlPr>
                           <a:rPr lang="en-US" altLang="zh-CN" sz="1400" b="0" i="1" smtClean="0">
                             <a:solidFill>
-                              <a:schemeClr val="bg2"/>
+                              <a:schemeClr val="tx1"/>
                             </a:solidFill>
                             <a:latin typeface="Cambria Math" panose="02040503050406030204" pitchFamily="18" charset="0"/>
                           </a:rPr>
@@ -11985,7 +12236,7 @@
                         <m:r>
                           <a:rPr lang="en-US" altLang="zh-CN" sz="1400" b="0" i="1" smtClean="0">
                             <a:solidFill>
-                              <a:schemeClr val="bg2"/>
+                              <a:schemeClr val="tx1"/>
                             </a:solidFill>
                             <a:latin typeface="Cambria Math" panose="02040503050406030204" pitchFamily="18" charset="0"/>
                           </a:rPr>
@@ -11996,7 +12247,7 @@
                         <m:r>
                           <a:rPr lang="en-US" altLang="zh-CN" sz="1400" b="0" i="1" smtClean="0">
                             <a:solidFill>
-                              <a:schemeClr val="bg2"/>
+                              <a:schemeClr val="tx1"/>
                             </a:solidFill>
                             <a:latin typeface="Cambria Math" panose="02040503050406030204" pitchFamily="18" charset="0"/>
                           </a:rPr>
@@ -12007,7 +12258,7 @@
                     <m:r>
                       <a:rPr lang="en-US" altLang="zh-CN" sz="1400" b="0" i="1" smtClean="0">
                         <a:solidFill>
-                          <a:schemeClr val="bg2"/>
+                          <a:schemeClr val="tx1"/>
                         </a:solidFill>
                         <a:latin typeface="Cambria Math" panose="02040503050406030204" pitchFamily="18" charset="0"/>
                       </a:rPr>
@@ -12016,7 +12267,7 @@
                     <m:r>
                       <a:rPr lang="zh-CN" altLang="en-US" sz="1400" i="1">
                         <a:solidFill>
-                          <a:schemeClr val="bg2"/>
+                          <a:schemeClr val="tx1"/>
                         </a:solidFill>
                         <a:latin typeface="Cambria Math" panose="02040503050406030204" pitchFamily="18" charset="0"/>
                       </a:rPr>
@@ -12025,7 +12276,7 @@
                     <m:r>
                       <a:rPr lang="zh-CN" altLang="en-US" sz="1400" i="1" smtClean="0">
                         <a:solidFill>
-                          <a:schemeClr val="bg2"/>
+                          <a:schemeClr val="tx1"/>
                         </a:solidFill>
                         <a:latin typeface="Cambria Math" panose="02040503050406030204" pitchFamily="18" charset="0"/>
                       </a:rPr>
@@ -12036,7 +12287,7 @@
                 <a:r>
                   <a:rPr lang="zh-CN" altLang="en-US" sz="1400" dirty="0">
                     <a:solidFill>
-                      <a:schemeClr val="bg2"/>
+                      <a:schemeClr val="tx1"/>
                     </a:solidFill>
                   </a:rPr>
                   <a:t> </a:t>
@@ -12046,7 +12297,7 @@
                     <m:r>
                       <a:rPr lang="en-US" altLang="zh-CN" sz="1400" b="0" i="0" dirty="0" smtClean="0">
                         <a:solidFill>
-                          <a:schemeClr val="bg2"/>
+                          <a:schemeClr val="tx1"/>
                         </a:solidFill>
                         <a:latin typeface="Cambria Math" panose="02040503050406030204" pitchFamily="18" charset="0"/>
                       </a:rPr>
@@ -12055,7 +12306,7 @@
                     <m:r>
                       <a:rPr lang="el-GR" altLang="zh-CN" sz="1400" i="1" dirty="0" smtClean="0">
                         <a:solidFill>
-                          <a:schemeClr val="bg2"/>
+                          <a:schemeClr val="tx1"/>
                         </a:solidFill>
                         <a:latin typeface="Cambria Math" panose="02040503050406030204" pitchFamily="18" charset="0"/>
                       </a:rPr>
@@ -12066,7 +12317,7 @@
                         <m:ctrlPr>
                           <a:rPr lang="en-US" altLang="zh-CN" sz="1400" i="1" dirty="0" smtClean="0">
                             <a:solidFill>
-                              <a:schemeClr val="bg2"/>
+                              <a:schemeClr val="tx1"/>
                             </a:solidFill>
                             <a:latin typeface="Cambria Math" panose="02040503050406030204" pitchFamily="18" charset="0"/>
                           </a:rPr>
@@ -12076,7 +12327,7 @@
                         <m:r>
                           <a:rPr lang="en-US" altLang="zh-CN" sz="1400" b="0" i="1" dirty="0" smtClean="0">
                             <a:solidFill>
-                              <a:schemeClr val="bg2"/>
+                              <a:schemeClr val="tx1"/>
                             </a:solidFill>
                             <a:latin typeface="Cambria Math" panose="02040503050406030204" pitchFamily="18" charset="0"/>
                           </a:rPr>
@@ -12087,7 +12338,7 @@
                         <m:r>
                           <a:rPr lang="en-US" altLang="zh-CN" sz="1400" i="1" dirty="0" smtClean="0">
                             <a:solidFill>
-                              <a:schemeClr val="bg2"/>
+                              <a:schemeClr val="tx1"/>
                             </a:solidFill>
                             <a:latin typeface="Cambria Math" panose="02040503050406030204" pitchFamily="18" charset="0"/>
                           </a:rPr>
@@ -12098,7 +12349,7 @@
                     <m:r>
                       <a:rPr lang="en-US" altLang="zh-CN" sz="1400" b="0" i="1" dirty="0" smtClean="0">
                         <a:solidFill>
-                          <a:schemeClr val="bg2"/>
+                          <a:schemeClr val="tx1"/>
                         </a:solidFill>
                         <a:latin typeface="Cambria Math" panose="02040503050406030204" pitchFamily="18" charset="0"/>
                       </a:rPr>
@@ -12107,7 +12358,7 @@
                     <m:r>
                       <a:rPr lang="zh-CN" altLang="en-US" sz="1400" i="1" dirty="0">
                         <a:solidFill>
-                          <a:schemeClr val="bg2"/>
+                          <a:schemeClr val="tx1"/>
                         </a:solidFill>
                         <a:latin typeface="Cambria Math" panose="02040503050406030204" pitchFamily="18" charset="0"/>
                       </a:rPr>
@@ -12118,7 +12369,7 @@
                 <a:r>
                   <a:rPr lang="zh-CN" altLang="en-US" sz="1400" dirty="0">
                     <a:solidFill>
-                      <a:schemeClr val="bg2"/>
+                      <a:schemeClr val="tx1"/>
                     </a:solidFill>
                   </a:rPr>
                   <a:t>好是球表面积公式。</a:t>
@@ -12126,14 +12377,14 @@
                 <a:br>
                   <a:rPr lang="en-US" altLang="zh-CN" sz="1400" dirty="0">
                     <a:solidFill>
-                      <a:schemeClr val="bg2"/>
+                      <a:schemeClr val="tx1"/>
                     </a:solidFill>
                   </a:rPr>
                 </a:br>
                 <a:r>
                   <a:rPr lang="zh-CN" altLang="en-US" sz="1400" dirty="0">
                     <a:solidFill>
-                      <a:schemeClr val="bg2"/>
+                      <a:schemeClr val="tx1"/>
                     </a:solidFill>
                   </a:rPr>
                   <a:t>上了大学以后知道球体积其实就是一系列球壳 </a:t>
@@ -12145,7 +12396,7 @@
                         <m:ctrlPr>
                           <a:rPr lang="en-US" altLang="zh-CN" sz="1400" b="0" i="1" smtClean="0">
                             <a:solidFill>
-                              <a:schemeClr val="bg2"/>
+                              <a:schemeClr val="tx1"/>
                             </a:solidFill>
                             <a:latin typeface="Cambria Math" panose="02040503050406030204" pitchFamily="18" charset="0"/>
                           </a:rPr>
@@ -12155,7 +12406,7 @@
                         <m:r>
                           <a:rPr lang="en-US" altLang="zh-CN" sz="1400" b="0" i="1" smtClean="0">
                             <a:solidFill>
-                              <a:schemeClr val="bg2"/>
+                              <a:schemeClr val="tx1"/>
                             </a:solidFill>
                             <a:latin typeface="Cambria Math" panose="02040503050406030204" pitchFamily="18" charset="0"/>
                           </a:rPr>
@@ -12166,7 +12417,7 @@
                         <m:r>
                           <a:rPr lang="en-US" altLang="zh-CN" sz="1400" b="0" i="1" smtClean="0">
                             <a:solidFill>
-                              <a:schemeClr val="bg2"/>
+                              <a:schemeClr val="tx1"/>
                             </a:solidFill>
                             <a:latin typeface="Cambria Math" panose="02040503050406030204" pitchFamily="18" charset="0"/>
                           </a:rPr>
@@ -12177,7 +12428,7 @@
                     <m:r>
                       <a:rPr lang="en-US" altLang="zh-CN" sz="1400" b="0" i="1" smtClean="0">
                         <a:solidFill>
-                          <a:schemeClr val="bg2"/>
+                          <a:schemeClr val="tx1"/>
                         </a:solidFill>
                         <a:latin typeface="Cambria Math" panose="02040503050406030204" pitchFamily="18" charset="0"/>
                       </a:rPr>
@@ -12188,7 +12439,7 @@
                         <m:ctrlPr>
                           <a:rPr lang="en-US" altLang="zh-CN" sz="1400" b="0" i="1" smtClean="0">
                             <a:solidFill>
-                              <a:schemeClr val="bg2"/>
+                              <a:schemeClr val="tx1"/>
                             </a:solidFill>
                             <a:latin typeface="Cambria Math" panose="02040503050406030204" pitchFamily="18" charset="0"/>
                           </a:rPr>
@@ -12198,7 +12449,7 @@
                         <m:r>
                           <a:rPr lang="en-US" altLang="zh-CN" sz="1400" b="0" i="1" smtClean="0">
                             <a:solidFill>
-                              <a:schemeClr val="bg2"/>
+                              <a:schemeClr val="tx1"/>
                             </a:solidFill>
                             <a:latin typeface="Cambria Math" panose="02040503050406030204" pitchFamily="18" charset="0"/>
                           </a:rPr>
@@ -12209,7 +12460,7 @@
                         <m:r>
                           <a:rPr lang="en-US" altLang="zh-CN" sz="1400" b="0" i="1" smtClean="0">
                             <a:solidFill>
-                              <a:schemeClr val="bg2"/>
+                              <a:schemeClr val="tx1"/>
                             </a:solidFill>
                             <a:latin typeface="Cambria Math" panose="02040503050406030204" pitchFamily="18" charset="0"/>
                           </a:rPr>
@@ -12220,7 +12471,7 @@
                     <m:r>
                       <a:rPr lang="en-US" altLang="zh-CN" sz="1400" b="0" i="1" smtClean="0">
                         <a:solidFill>
-                          <a:schemeClr val="bg2"/>
+                          <a:schemeClr val="tx1"/>
                         </a:solidFill>
                         <a:latin typeface="Cambria Math" panose="02040503050406030204" pitchFamily="18" charset="0"/>
                       </a:rPr>
@@ -12231,7 +12482,7 @@
                         <m:ctrlPr>
                           <a:rPr lang="en-US" altLang="zh-CN" sz="1400" b="0" i="1" smtClean="0">
                             <a:solidFill>
-                              <a:schemeClr val="bg2"/>
+                              <a:schemeClr val="tx1"/>
                             </a:solidFill>
                             <a:latin typeface="Cambria Math" panose="02040503050406030204" pitchFamily="18" charset="0"/>
                           </a:rPr>
@@ -12241,7 +12492,7 @@
                         <m:r>
                           <a:rPr lang="en-US" altLang="zh-CN" sz="1400" b="0" i="1" smtClean="0">
                             <a:solidFill>
-                              <a:schemeClr val="bg2"/>
+                              <a:schemeClr val="tx1"/>
                             </a:solidFill>
                             <a:latin typeface="Cambria Math" panose="02040503050406030204" pitchFamily="18" charset="0"/>
                           </a:rPr>
@@ -12252,7 +12503,7 @@
                         <m:r>
                           <a:rPr lang="en-US" altLang="zh-CN" sz="1400" b="0" i="1" smtClean="0">
                             <a:solidFill>
-                              <a:schemeClr val="bg2"/>
+                              <a:schemeClr val="tx1"/>
                             </a:solidFill>
                             <a:latin typeface="Cambria Math" panose="02040503050406030204" pitchFamily="18" charset="0"/>
                           </a:rPr>
@@ -12263,7 +12514,7 @@
                     <m:r>
                       <a:rPr lang="en-US" altLang="zh-CN" sz="1400" b="0" i="1" smtClean="0">
                         <a:solidFill>
-                          <a:schemeClr val="bg2"/>
+                          <a:schemeClr val="tx1"/>
                         </a:solidFill>
                         <a:latin typeface="Cambria Math" panose="02040503050406030204" pitchFamily="18" charset="0"/>
                       </a:rPr>
@@ -12274,7 +12525,7 @@
                         <m:ctrlPr>
                           <a:rPr lang="en-US" altLang="zh-CN" sz="1400" b="0" i="1" smtClean="0">
                             <a:solidFill>
-                              <a:schemeClr val="bg2"/>
+                              <a:schemeClr val="tx1"/>
                             </a:solidFill>
                             <a:latin typeface="Cambria Math" panose="02040503050406030204" pitchFamily="18" charset="0"/>
                           </a:rPr>
@@ -12284,7 +12535,7 @@
                         <m:r>
                           <a:rPr lang="en-US" altLang="zh-CN" sz="1400" b="0" i="1" smtClean="0">
                             <a:solidFill>
-                              <a:schemeClr val="bg2"/>
+                              <a:schemeClr val="tx1"/>
                             </a:solidFill>
                             <a:latin typeface="Cambria Math" panose="02040503050406030204" pitchFamily="18" charset="0"/>
                           </a:rPr>
@@ -12295,7 +12546,7 @@
                         <m:r>
                           <a:rPr lang="en-US" altLang="zh-CN" sz="1400" b="0" i="1" smtClean="0">
                             <a:solidFill>
-                              <a:schemeClr val="bg2"/>
+                              <a:schemeClr val="tx1"/>
                             </a:solidFill>
                             <a:latin typeface="Cambria Math" panose="02040503050406030204" pitchFamily="18" charset="0"/>
                           </a:rPr>
@@ -12306,7 +12557,7 @@
                     <m:r>
                       <a:rPr lang="en-US" altLang="zh-CN" sz="1400" b="0" i="1" smtClean="0">
                         <a:solidFill>
-                          <a:schemeClr val="bg2"/>
+                          <a:schemeClr val="tx1"/>
                         </a:solidFill>
                         <a:latin typeface="Cambria Math" panose="02040503050406030204" pitchFamily="18" charset="0"/>
                       </a:rPr>
@@ -12317,7 +12568,7 @@
                         <m:ctrlPr>
                           <a:rPr lang="en-US" altLang="zh-CN" sz="1400" b="0" i="1" smtClean="0">
                             <a:solidFill>
-                              <a:schemeClr val="bg2"/>
+                              <a:schemeClr val="tx1"/>
                             </a:solidFill>
                             <a:latin typeface="Cambria Math" panose="02040503050406030204" pitchFamily="18" charset="0"/>
                           </a:rPr>
@@ -12327,7 +12578,7 @@
                         <m:r>
                           <a:rPr lang="en-US" altLang="zh-CN" sz="1400" b="0" i="1" smtClean="0">
                             <a:solidFill>
-                              <a:schemeClr val="bg2"/>
+                              <a:schemeClr val="tx1"/>
                             </a:solidFill>
                             <a:latin typeface="Cambria Math" panose="02040503050406030204" pitchFamily="18" charset="0"/>
                           </a:rPr>
@@ -12336,7 +12587,7 @@
                         <m:r>
                           <a:rPr lang="en-US" altLang="zh-CN" sz="1400" b="0" i="1" smtClean="0">
                             <a:solidFill>
-                              <a:schemeClr val="bg2"/>
+                              <a:schemeClr val="tx1"/>
                             </a:solidFill>
                             <a:latin typeface="Cambria Math" panose="02040503050406030204" pitchFamily="18" charset="0"/>
                           </a:rPr>
@@ -12345,7 +12596,7 @@
                         <m:r>
                           <a:rPr lang="en-US" altLang="zh-CN" sz="1400" b="0" i="1" smtClean="0">
                             <a:solidFill>
-                              <a:schemeClr val="bg2"/>
+                              <a:schemeClr val="tx1"/>
                             </a:solidFill>
                             <a:latin typeface="Cambria Math" panose="02040503050406030204" pitchFamily="18" charset="0"/>
                           </a:rPr>
@@ -12354,7 +12605,7 @@
                         <m:r>
                           <a:rPr lang="en-US" altLang="zh-CN" sz="1400" b="0" i="1" smtClean="0">
                             <a:solidFill>
-                              <a:schemeClr val="bg2"/>
+                              <a:schemeClr val="tx1"/>
                             </a:solidFill>
                             <a:latin typeface="Cambria Math" panose="02040503050406030204" pitchFamily="18" charset="0"/>
                           </a:rPr>
@@ -12365,7 +12616,7 @@
                     <m:r>
                       <a:rPr lang="en-US" altLang="zh-CN" sz="1400" b="0" i="1" smtClean="0">
                         <a:solidFill>
-                          <a:schemeClr val="bg2"/>
+                          <a:schemeClr val="tx1"/>
                         </a:solidFill>
                         <a:latin typeface="Cambria Math" panose="02040503050406030204" pitchFamily="18" charset="0"/>
                       </a:rPr>
@@ -12374,7 +12625,7 @@
                     <m:r>
                       <a:rPr lang="zh-CN" altLang="en-US" sz="1400" i="1">
                         <a:solidFill>
-                          <a:schemeClr val="bg2"/>
+                          <a:schemeClr val="tx1"/>
                         </a:solidFill>
                         <a:latin typeface="Cambria Math" panose="02040503050406030204" pitchFamily="18" charset="0"/>
                       </a:rPr>
@@ -12385,7 +12636,7 @@
                 <a:r>
                   <a:rPr lang="zh-CN" altLang="en-US" sz="1400" dirty="0">
                     <a:solidFill>
-                      <a:schemeClr val="bg2"/>
+                      <a:schemeClr val="tx1"/>
                     </a:solidFill>
                   </a:rPr>
                   <a:t>表面积在 </a:t>
@@ -12395,7 +12646,7 @@
                     <m:r>
                       <a:rPr lang="en-US" altLang="zh-CN" sz="1400" b="0" i="1" smtClean="0">
                         <a:solidFill>
-                          <a:schemeClr val="bg2"/>
+                          <a:schemeClr val="tx1"/>
                         </a:solidFill>
                         <a:latin typeface="Cambria Math" panose="02040503050406030204" pitchFamily="18" charset="0"/>
                       </a:rPr>
@@ -12404,7 +12655,7 @@
                     <m:r>
                       <a:rPr lang="en-US" altLang="zh-CN" sz="1400" b="0" i="1" smtClean="0">
                         <a:solidFill>
-                          <a:schemeClr val="bg2"/>
+                          <a:schemeClr val="tx1"/>
                         </a:solidFill>
                         <a:latin typeface="Cambria Math" panose="02040503050406030204" pitchFamily="18" charset="0"/>
                       </a:rPr>
@@ -12413,7 +12664,7 @@
                     <m:r>
                       <a:rPr lang="en-US" altLang="zh-CN" sz="1400" b="0" i="1" smtClean="0">
                         <a:solidFill>
-                          <a:schemeClr val="bg2"/>
+                          <a:schemeClr val="tx1"/>
                         </a:solidFill>
                         <a:latin typeface="Cambria Math" panose="02040503050406030204" pitchFamily="18" charset="0"/>
                       </a:rPr>
@@ -12424,7 +12675,7 @@
                 <a:r>
                   <a:rPr lang="zh-CN" altLang="en-US" sz="1400" dirty="0">
                     <a:solidFill>
-                      <a:schemeClr val="bg2"/>
+                      <a:schemeClr val="tx1"/>
                     </a:solidFill>
                   </a:rPr>
                   <a:t> 上的积分，记为 </a:t>
@@ -12434,7 +12685,7 @@
                     <m:r>
                       <a:rPr lang="en-US" altLang="zh-CN" sz="1400" b="0" i="1" smtClean="0">
                         <a:solidFill>
-                          <a:schemeClr val="bg2"/>
+                          <a:schemeClr val="tx1"/>
                         </a:solidFill>
                         <a:latin typeface="Cambria Math" panose="02040503050406030204" pitchFamily="18" charset="0"/>
                       </a:rPr>
@@ -12445,14 +12696,14 @@
                 <a:r>
                   <a:rPr lang="zh-CN" altLang="en-US" sz="1400" dirty="0">
                     <a:solidFill>
-                      <a:schemeClr val="bg2"/>
+                      <a:schemeClr val="tx1"/>
                     </a:solidFill>
                   </a:rPr>
                   <a:t>。那么问题来了。</a:t>
                 </a:r>
                 <a:endParaRPr lang="en-US" altLang="zh-CN" sz="1400" dirty="0">
                   <a:solidFill>
-                    <a:schemeClr val="bg2"/>
+                    <a:schemeClr val="tx1"/>
                   </a:solidFill>
                 </a:endParaRPr>
               </a:p>
@@ -12461,7 +12712,7 @@
                 <a:r>
                   <a:rPr lang="zh-CN" altLang="en-US" sz="1400" dirty="0">
                     <a:solidFill>
-                      <a:schemeClr val="bg2"/>
+                      <a:schemeClr val="tx1"/>
                     </a:solidFill>
                   </a:rPr>
                   <a:t>如果把球像切菜一样直上直下的切片，每一片在平面 </a:t>
@@ -12471,7 +12722,7 @@
                     <m:r>
                       <a:rPr lang="en-US" altLang="zh-CN" sz="1400" b="0" i="1" smtClean="0">
                         <a:solidFill>
-                          <a:schemeClr val="bg2"/>
+                          <a:schemeClr val="tx1"/>
                         </a:solidFill>
                         <a:latin typeface="Cambria Math" panose="02040503050406030204" pitchFamily="18" charset="0"/>
                       </a:rPr>
@@ -12480,7 +12731,7 @@
                     <m:r>
                       <a:rPr lang="en-US" altLang="zh-CN" sz="1400" b="0" i="1" smtClean="0">
                         <a:solidFill>
-                          <a:schemeClr val="bg2"/>
+                          <a:schemeClr val="tx1"/>
                         </a:solidFill>
                         <a:latin typeface="Cambria Math" panose="02040503050406030204" pitchFamily="18" charset="0"/>
                       </a:rPr>
@@ -12489,7 +12740,7 @@
                     <m:r>
                       <a:rPr lang="en-US" altLang="zh-CN" sz="1400" b="0" i="1" smtClean="0">
                         <a:solidFill>
-                          <a:schemeClr val="bg2"/>
+                          <a:schemeClr val="tx1"/>
                         </a:solidFill>
                         <a:latin typeface="Cambria Math" panose="02040503050406030204" pitchFamily="18" charset="0"/>
                       </a:rPr>
@@ -12498,7 +12749,7 @@
                     <m:r>
                       <a:rPr lang="en-US" altLang="zh-CN" sz="1400" b="0" i="1" smtClean="0">
                         <a:solidFill>
-                          <a:schemeClr val="bg2"/>
+                          <a:schemeClr val="tx1"/>
                         </a:solidFill>
                         <a:latin typeface="Cambria Math" panose="02040503050406030204" pitchFamily="18" charset="0"/>
                       </a:rPr>
@@ -12509,7 +12760,7 @@
                 <a:r>
                   <a:rPr lang="zh-CN" altLang="en-US" sz="1400" dirty="0">
                     <a:solidFill>
-                      <a:schemeClr val="bg2"/>
+                      <a:schemeClr val="tx1"/>
                     </a:solidFill>
                   </a:rPr>
                   <a:t>上，方程为 </a:t>
@@ -12521,7 +12772,7 @@
                         <m:ctrlPr>
                           <a:rPr lang="en-US" altLang="zh-CN" sz="1400" b="0" i="1" smtClean="0">
                             <a:solidFill>
-                              <a:schemeClr val="bg2"/>
+                              <a:schemeClr val="tx1"/>
                             </a:solidFill>
                             <a:latin typeface="Cambria Math" panose="02040503050406030204" pitchFamily="18" charset="0"/>
                           </a:rPr>
@@ -12531,7 +12782,7 @@
                         <m:r>
                           <a:rPr lang="en-US" altLang="zh-CN" sz="1400" b="0" i="1" smtClean="0">
                             <a:solidFill>
-                              <a:schemeClr val="bg2"/>
+                              <a:schemeClr val="tx1"/>
                             </a:solidFill>
                             <a:latin typeface="Cambria Math" panose="02040503050406030204" pitchFamily="18" charset="0"/>
                           </a:rPr>
@@ -12542,7 +12793,7 @@
                         <m:r>
                           <a:rPr lang="en-US" altLang="zh-CN" sz="1400" b="0" i="1" smtClean="0">
                             <a:solidFill>
-                              <a:schemeClr val="bg2"/>
+                              <a:schemeClr val="tx1"/>
                             </a:solidFill>
                             <a:latin typeface="Cambria Math" panose="02040503050406030204" pitchFamily="18" charset="0"/>
                           </a:rPr>
@@ -12553,7 +12804,7 @@
                     <m:r>
                       <a:rPr lang="en-US" altLang="zh-CN" sz="1400" b="0" i="1" smtClean="0">
                         <a:solidFill>
-                          <a:schemeClr val="bg2"/>
+                          <a:schemeClr val="tx1"/>
                         </a:solidFill>
                         <a:latin typeface="Cambria Math" panose="02040503050406030204" pitchFamily="18" charset="0"/>
                       </a:rPr>
@@ -12564,7 +12815,7 @@
                         <m:ctrlPr>
                           <a:rPr lang="en-US" altLang="zh-CN" sz="1400" b="0" i="1" smtClean="0">
                             <a:solidFill>
-                              <a:schemeClr val="bg2"/>
+                              <a:schemeClr val="tx1"/>
                             </a:solidFill>
                             <a:latin typeface="Cambria Math" panose="02040503050406030204" pitchFamily="18" charset="0"/>
                           </a:rPr>
@@ -12574,7 +12825,7 @@
                         <m:r>
                           <a:rPr lang="en-US" altLang="zh-CN" sz="1400" b="0" i="1" smtClean="0">
                             <a:solidFill>
-                              <a:schemeClr val="bg2"/>
+                              <a:schemeClr val="tx1"/>
                             </a:solidFill>
                             <a:latin typeface="Cambria Math" panose="02040503050406030204" pitchFamily="18" charset="0"/>
                           </a:rPr>
@@ -12585,7 +12836,7 @@
                         <m:r>
                           <a:rPr lang="en-US" altLang="zh-CN" sz="1400" b="0" i="1" smtClean="0">
                             <a:solidFill>
-                              <a:schemeClr val="bg2"/>
+                              <a:schemeClr val="tx1"/>
                             </a:solidFill>
                             <a:latin typeface="Cambria Math" panose="02040503050406030204" pitchFamily="18" charset="0"/>
                           </a:rPr>
@@ -12596,7 +12847,7 @@
                     <m:r>
                       <a:rPr lang="en-US" altLang="zh-CN" sz="1400" b="0" i="1" smtClean="0">
                         <a:solidFill>
-                          <a:schemeClr val="bg2"/>
+                          <a:schemeClr val="tx1"/>
                         </a:solidFill>
                         <a:latin typeface="Cambria Math" panose="02040503050406030204" pitchFamily="18" charset="0"/>
                       </a:rPr>
@@ -12607,7 +12858,7 @@
                         <m:ctrlPr>
                           <a:rPr lang="en-US" altLang="zh-CN" sz="1400" b="0" i="1" smtClean="0">
                             <a:solidFill>
-                              <a:schemeClr val="bg2"/>
+                              <a:schemeClr val="tx1"/>
                             </a:solidFill>
                             <a:latin typeface="Cambria Math" panose="02040503050406030204" pitchFamily="18" charset="0"/>
                           </a:rPr>
@@ -12617,7 +12868,7 @@
                         <m:r>
                           <a:rPr lang="en-US" altLang="zh-CN" sz="1400" b="0" i="1" smtClean="0">
                             <a:solidFill>
-                              <a:schemeClr val="bg2"/>
+                              <a:schemeClr val="tx1"/>
                             </a:solidFill>
                             <a:latin typeface="Cambria Math" panose="02040503050406030204" pitchFamily="18" charset="0"/>
                           </a:rPr>
@@ -12628,7 +12879,7 @@
                         <m:r>
                           <a:rPr lang="en-US" altLang="zh-CN" sz="1400" b="0" i="1" smtClean="0">
                             <a:solidFill>
-                              <a:schemeClr val="bg2"/>
+                              <a:schemeClr val="tx1"/>
                             </a:solidFill>
                             <a:latin typeface="Cambria Math" panose="02040503050406030204" pitchFamily="18" charset="0"/>
                           </a:rPr>
@@ -12639,7 +12890,7 @@
                     <m:r>
                       <a:rPr lang="en-US" altLang="zh-CN" sz="1400" b="0" i="1" smtClean="0">
                         <a:solidFill>
-                          <a:schemeClr val="bg2"/>
+                          <a:schemeClr val="tx1"/>
                         </a:solidFill>
                         <a:latin typeface="Cambria Math" panose="02040503050406030204" pitchFamily="18" charset="0"/>
                       </a:rPr>
@@ -12650,7 +12901,7 @@
                         <m:ctrlPr>
                           <a:rPr lang="en-US" altLang="zh-CN" sz="1400" b="0" i="1" smtClean="0">
                             <a:solidFill>
-                              <a:schemeClr val="bg2"/>
+                              <a:schemeClr val="tx1"/>
                             </a:solidFill>
                             <a:latin typeface="Cambria Math" panose="02040503050406030204" pitchFamily="18" charset="0"/>
                           </a:rPr>
@@ -12660,7 +12911,7 @@
                         <m:r>
                           <a:rPr lang="en-US" altLang="zh-CN" sz="1400" b="0" i="1" smtClean="0">
                             <a:solidFill>
-                              <a:schemeClr val="bg2"/>
+                              <a:schemeClr val="tx1"/>
                             </a:solidFill>
                             <a:latin typeface="Cambria Math" panose="02040503050406030204" pitchFamily="18" charset="0"/>
                           </a:rPr>
@@ -12671,7 +12922,7 @@
                         <m:r>
                           <a:rPr lang="en-US" altLang="zh-CN" sz="1400" b="0" i="1" smtClean="0">
                             <a:solidFill>
-                              <a:schemeClr val="bg2"/>
+                              <a:schemeClr val="tx1"/>
                             </a:solidFill>
                             <a:latin typeface="Cambria Math" panose="02040503050406030204" pitchFamily="18" charset="0"/>
                           </a:rPr>
@@ -12682,7 +12933,7 @@
                     <m:r>
                       <a:rPr lang="en-US" altLang="zh-CN" sz="1400" b="0" i="1" smtClean="0">
                         <a:solidFill>
-                          <a:schemeClr val="bg2"/>
+                          <a:schemeClr val="tx1"/>
                         </a:solidFill>
                         <a:latin typeface="Cambria Math" panose="02040503050406030204" pitchFamily="18" charset="0"/>
                       </a:rPr>
@@ -12693,7 +12944,7 @@
                         <m:ctrlPr>
                           <a:rPr lang="en-US" altLang="zh-CN" sz="1400" b="0" i="1" smtClean="0">
                             <a:solidFill>
-                              <a:schemeClr val="bg2"/>
+                              <a:schemeClr val="tx1"/>
                             </a:solidFill>
                             <a:latin typeface="Cambria Math" panose="02040503050406030204" pitchFamily="18" charset="0"/>
                           </a:rPr>
@@ -12703,7 +12954,7 @@
                         <m:r>
                           <a:rPr lang="en-US" altLang="zh-CN" sz="1400" b="0" i="1" smtClean="0">
                             <a:solidFill>
-                              <a:schemeClr val="bg2"/>
+                              <a:schemeClr val="tx1"/>
                             </a:solidFill>
                             <a:latin typeface="Cambria Math" panose="02040503050406030204" pitchFamily="18" charset="0"/>
                           </a:rPr>
@@ -12712,7 +12963,7 @@
                         <m:r>
                           <a:rPr lang="en-US" altLang="zh-CN" sz="1400" b="0" i="1" smtClean="0">
                             <a:solidFill>
-                              <a:schemeClr val="bg2"/>
+                              <a:schemeClr val="tx1"/>
                             </a:solidFill>
                             <a:latin typeface="Cambria Math" panose="02040503050406030204" pitchFamily="18" charset="0"/>
                           </a:rPr>
@@ -12721,7 +12972,7 @@
                         <m:r>
                           <a:rPr lang="en-US" altLang="zh-CN" sz="1400" b="0" i="1" smtClean="0">
                             <a:solidFill>
-                              <a:schemeClr val="bg2"/>
+                              <a:schemeClr val="tx1"/>
                             </a:solidFill>
                             <a:latin typeface="Cambria Math" panose="02040503050406030204" pitchFamily="18" charset="0"/>
                           </a:rPr>
@@ -12730,7 +12981,7 @@
                         <m:r>
                           <a:rPr lang="en-US" altLang="zh-CN" sz="1400" b="0" i="1" smtClean="0">
                             <a:solidFill>
-                              <a:schemeClr val="bg2"/>
+                              <a:schemeClr val="tx1"/>
                             </a:solidFill>
                             <a:latin typeface="Cambria Math" panose="02040503050406030204" pitchFamily="18" charset="0"/>
                           </a:rPr>
@@ -12739,7 +12990,7 @@
                         <m:r>
                           <a:rPr lang="en-US" altLang="zh-CN" sz="1400" b="0" i="1" smtClean="0">
                             <a:solidFill>
-                              <a:schemeClr val="bg2"/>
+                              <a:schemeClr val="tx1"/>
                             </a:solidFill>
                             <a:latin typeface="Cambria Math" panose="02040503050406030204" pitchFamily="18" charset="0"/>
                           </a:rPr>
@@ -12748,7 +12999,7 @@
                         <m:r>
                           <a:rPr lang="en-US" altLang="zh-CN" sz="1400" b="0" i="1" smtClean="0">
                             <a:solidFill>
-                              <a:schemeClr val="bg2"/>
+                              <a:schemeClr val="tx1"/>
                             </a:solidFill>
                             <a:latin typeface="Cambria Math" panose="02040503050406030204" pitchFamily="18" charset="0"/>
                           </a:rPr>
@@ -12761,7 +13012,7 @@
                 <a:r>
                   <a:rPr lang="zh-CN" altLang="en-US" sz="1400" dirty="0">
                     <a:solidFill>
-                      <a:schemeClr val="bg2"/>
+                      <a:schemeClr val="tx1"/>
                     </a:solidFill>
                   </a:rPr>
                   <a:t>  记为 </a:t>
@@ -12771,7 +13022,7 @@
                     <m:r>
                       <a:rPr lang="en-US" altLang="zh-CN" sz="1400" b="0" i="1" smtClean="0">
                         <a:solidFill>
-                          <a:schemeClr val="bg2"/>
+                          <a:schemeClr val="tx1"/>
                         </a:solidFill>
                         <a:latin typeface="Cambria Math" panose="02040503050406030204" pitchFamily="18" charset="0"/>
                       </a:rPr>
@@ -12780,7 +13031,7 @@
                     <m:r>
                       <a:rPr lang="en-US" altLang="zh-CN" sz="1400" b="0" i="1" smtClean="0">
                         <a:solidFill>
-                          <a:schemeClr val="bg2"/>
+                          <a:schemeClr val="tx1"/>
                         </a:solidFill>
                         <a:latin typeface="Cambria Math" panose="02040503050406030204" pitchFamily="18" charset="0"/>
                       </a:rPr>
@@ -12789,7 +13040,7 @@
                     <m:r>
                       <a:rPr lang="en-US" altLang="zh-CN" sz="1400" b="0" i="1" smtClean="0">
                         <a:solidFill>
-                          <a:schemeClr val="bg2"/>
+                          <a:schemeClr val="tx1"/>
                         </a:solidFill>
                         <a:latin typeface="Cambria Math" panose="02040503050406030204" pitchFamily="18" charset="0"/>
                       </a:rPr>
@@ -12798,7 +13049,7 @@
                     <m:r>
                       <a:rPr lang="en-US" altLang="zh-CN" sz="1400" b="0" i="1" smtClean="0">
                         <a:solidFill>
-                          <a:schemeClr val="bg2"/>
+                          <a:schemeClr val="tx1"/>
                         </a:solidFill>
                         <a:latin typeface="Cambria Math" panose="02040503050406030204" pitchFamily="18" charset="0"/>
                       </a:rPr>
@@ -12809,7 +13060,7 @@
                 <a:r>
                   <a:rPr lang="zh-CN" altLang="en-US" sz="1400" dirty="0">
                     <a:solidFill>
-                      <a:schemeClr val="bg2"/>
+                      <a:schemeClr val="tx1"/>
                     </a:solidFill>
                   </a:rPr>
                   <a:t>，就会得到另一个体积公式</a:t>
@@ -12819,7 +13070,7 @@
                     <m:r>
                       <a:rPr lang="en-US" altLang="zh-CN" sz="1400" b="0" i="0" smtClean="0">
                         <a:solidFill>
-                          <a:schemeClr val="bg2"/>
+                          <a:schemeClr val="tx1"/>
                         </a:solidFill>
                         <a:latin typeface="Cambria Math" panose="02040503050406030204" pitchFamily="18" charset="0"/>
                       </a:rPr>
@@ -12830,7 +13081,7 @@
                         <m:ctrlPr>
                           <a:rPr lang="en-US" altLang="zh-CN" sz="1400" b="0" i="1" smtClean="0">
                             <a:solidFill>
-                              <a:schemeClr val="bg2"/>
+                              <a:schemeClr val="tx1"/>
                             </a:solidFill>
                             <a:latin typeface="Cambria Math" panose="02040503050406030204" pitchFamily="18" charset="0"/>
                           </a:rPr>
@@ -12843,7 +13094,7 @@
                           </m:rPr>
                           <a:rPr lang="en-US" altLang="zh-CN" sz="1400" b="0" i="0" smtClean="0">
                             <a:solidFill>
-                              <a:schemeClr val="bg2"/>
+                              <a:schemeClr val="tx1"/>
                             </a:solidFill>
                             <a:latin typeface="Cambria Math" panose="02040503050406030204" pitchFamily="18" charset="0"/>
                           </a:rPr>
@@ -12854,7 +13105,7 @@
                         <m:r>
                           <a:rPr lang="en-US" altLang="zh-CN" sz="1400" b="0" i="1" smtClean="0">
                             <a:solidFill>
-                              <a:schemeClr val="bg2"/>
+                              <a:schemeClr val="tx1"/>
                             </a:solidFill>
                             <a:latin typeface="Cambria Math" panose="02040503050406030204" pitchFamily="18" charset="0"/>
                           </a:rPr>
@@ -12865,7 +13116,7 @@
                     <m:r>
                       <a:rPr lang="en-US" altLang="zh-CN" sz="1400" b="0" i="1" smtClean="0">
                         <a:solidFill>
-                          <a:schemeClr val="bg2"/>
+                          <a:schemeClr val="tx1"/>
                         </a:solidFill>
                         <a:latin typeface="Cambria Math" panose="02040503050406030204" pitchFamily="18" charset="0"/>
                       </a:rPr>
@@ -12876,7 +13127,7 @@
                         <m:ctrlPr>
                           <a:rPr lang="zh-CN" altLang="en-US" sz="1400" i="1" smtClean="0">
                             <a:solidFill>
-                              <a:schemeClr val="bg2"/>
+                              <a:schemeClr val="tx1"/>
                             </a:solidFill>
                             <a:latin typeface="Cambria Math" panose="02040503050406030204" pitchFamily="18" charset="0"/>
                           </a:rPr>
@@ -12889,7 +13140,7 @@
                           </m:rPr>
                           <a:rPr lang="en-US" altLang="zh-CN" sz="1400" b="0" i="1" smtClean="0">
                             <a:solidFill>
-                              <a:schemeClr val="bg2"/>
+                              <a:schemeClr val="tx1"/>
                             </a:solidFill>
                             <a:latin typeface="Cambria Math" panose="02040503050406030204" pitchFamily="18" charset="0"/>
                           </a:rPr>
@@ -12898,7 +13149,7 @@
                         <m:r>
                           <a:rPr lang="en-US" altLang="zh-CN" sz="1400" b="0" i="1" smtClean="0">
                             <a:solidFill>
-                              <a:schemeClr val="bg2"/>
+                              <a:schemeClr val="tx1"/>
                             </a:solidFill>
                             <a:latin typeface="Cambria Math" panose="02040503050406030204" pitchFamily="18" charset="0"/>
                           </a:rPr>
@@ -12909,7 +13160,7 @@
                         <m:r>
                           <a:rPr lang="en-US" altLang="zh-CN" sz="1400" b="0" i="1" smtClean="0">
                             <a:solidFill>
-                              <a:schemeClr val="bg2"/>
+                              <a:schemeClr val="tx1"/>
                             </a:solidFill>
                             <a:latin typeface="Cambria Math" panose="02040503050406030204" pitchFamily="18" charset="0"/>
                           </a:rPr>
@@ -12923,7 +13174,7 @@
                             <m:ctrlPr>
                               <a:rPr lang="en-US" altLang="zh-CN" sz="1400" i="1" smtClean="0">
                                 <a:solidFill>
-                                  <a:schemeClr val="bg2"/>
+                                  <a:schemeClr val="tx1"/>
                                 </a:solidFill>
                                 <a:latin typeface="Cambria Math" panose="02040503050406030204" pitchFamily="18" charset="0"/>
                               </a:rPr>
@@ -12936,7 +13187,7 @@
                               </m:rPr>
                               <a:rPr lang="en-US" altLang="zh-CN" sz="1400" b="0" i="1" smtClean="0">
                                 <a:solidFill>
-                                  <a:schemeClr val="bg2"/>
+                                  <a:schemeClr val="tx1"/>
                                 </a:solidFill>
                                 <a:latin typeface="Cambria Math" panose="02040503050406030204" pitchFamily="18" charset="0"/>
                               </a:rPr>
@@ -12945,7 +13196,7 @@
                             <m:r>
                               <a:rPr lang="en-US" altLang="zh-CN" sz="1400" b="0" i="1" smtClean="0">
                                 <a:solidFill>
-                                  <a:schemeClr val="bg2"/>
+                                  <a:schemeClr val="tx1"/>
                                 </a:solidFill>
                                 <a:latin typeface="Cambria Math" panose="02040503050406030204" pitchFamily="18" charset="0"/>
                               </a:rPr>
@@ -12954,7 +13205,7 @@
                             <m:r>
                               <a:rPr lang="en-US" altLang="zh-CN" sz="1400" b="0" i="1" smtClean="0">
                                 <a:solidFill>
-                                  <a:schemeClr val="bg2"/>
+                                  <a:schemeClr val="tx1"/>
                                 </a:solidFill>
                                 <a:latin typeface="Cambria Math" panose="02040503050406030204" pitchFamily="18" charset="0"/>
                               </a:rPr>
@@ -12963,7 +13214,7 @@
                             <m:r>
                               <a:rPr lang="en-US" altLang="zh-CN" sz="1400" b="0" i="1" smtClean="0">
                                 <a:solidFill>
-                                  <a:schemeClr val="bg2"/>
+                                  <a:schemeClr val="tx1"/>
                                 </a:solidFill>
                                 <a:latin typeface="Cambria Math" panose="02040503050406030204" pitchFamily="18" charset="0"/>
                               </a:rPr>
@@ -12975,7 +13226,7 @@
                             <m:r>
                               <a:rPr lang="en-US" altLang="zh-CN" sz="1400" b="0" i="1" smtClean="0">
                                 <a:solidFill>
-                                  <a:schemeClr val="bg2"/>
+                                  <a:schemeClr val="tx1"/>
                                 </a:solidFill>
                                 <a:latin typeface="Cambria Math" panose="02040503050406030204" pitchFamily="18" charset="0"/>
                               </a:rPr>
@@ -12990,7 +13241,7 @@
                 <a:r>
                   <a:rPr lang="zh-CN" altLang="en-US" sz="1400" dirty="0">
                     <a:solidFill>
-                      <a:schemeClr val="bg2"/>
+                      <a:schemeClr val="tx1"/>
                     </a:solidFill>
                   </a:rPr>
                   <a:t> ，那么是否有 </a:t>
@@ -13000,7 +13251,7 @@
                     <m:r>
                       <a:rPr lang="en-US" altLang="zh-CN" sz="1400" b="0" i="1" smtClean="0">
                         <a:solidFill>
-                          <a:schemeClr val="bg2"/>
+                          <a:schemeClr val="tx1"/>
                         </a:solidFill>
                         <a:latin typeface="Cambria Math" panose="02040503050406030204" pitchFamily="18" charset="0"/>
                       </a:rPr>
@@ -13009,7 +13260,7 @@
                     <m:r>
                       <a:rPr lang="en-US" altLang="zh-CN" sz="1400" b="0" i="1" smtClean="0">
                         <a:solidFill>
-                          <a:schemeClr val="bg2"/>
+                          <a:schemeClr val="tx1"/>
                         </a:solidFill>
                         <a:latin typeface="Cambria Math" panose="02040503050406030204" pitchFamily="18" charset="0"/>
                       </a:rPr>
@@ -13020,7 +13271,7 @@
                         <m:ctrlPr>
                           <a:rPr lang="en-US" altLang="zh-CN" sz="1400" b="0" i="1" smtClean="0">
                             <a:solidFill>
-                              <a:schemeClr val="bg2"/>
+                              <a:schemeClr val="tx1"/>
                             </a:solidFill>
                             <a:latin typeface="Cambria Math" panose="02040503050406030204" pitchFamily="18" charset="0"/>
                           </a:rPr>
@@ -13030,7 +13281,7 @@
                         <m:r>
                           <a:rPr lang="en-US" altLang="zh-CN" sz="1400" b="0" i="1" smtClean="0">
                             <a:solidFill>
-                              <a:schemeClr val="bg2"/>
+                              <a:schemeClr val="tx1"/>
                             </a:solidFill>
                             <a:latin typeface="Cambria Math" panose="02040503050406030204" pitchFamily="18" charset="0"/>
                           </a:rPr>
@@ -13041,7 +13292,7 @@
                         <m:r>
                           <a:rPr lang="en-US" altLang="zh-CN" sz="1400" b="0" i="1" smtClean="0">
                             <a:solidFill>
-                              <a:schemeClr val="bg2"/>
+                              <a:schemeClr val="tx1"/>
                             </a:solidFill>
                             <a:latin typeface="Cambria Math" panose="02040503050406030204" pitchFamily="18" charset="0"/>
                           </a:rPr>
@@ -13054,14 +13305,14 @@
                 <a:r>
                   <a:rPr lang="zh-CN" altLang="en-US" sz="1400" dirty="0">
                     <a:solidFill>
-                      <a:schemeClr val="bg2"/>
+                      <a:schemeClr val="tx1"/>
                     </a:solidFill>
                   </a:rPr>
                   <a:t> ？为什么？</a:t>
                 </a:r>
                 <a:endParaRPr lang="en-US" altLang="zh-CN" sz="1400" dirty="0">
                   <a:solidFill>
-                    <a:schemeClr val="bg2"/>
+                    <a:schemeClr val="tx1"/>
                   </a:solidFill>
                 </a:endParaRPr>
               </a:p>
@@ -13070,7 +13321,7 @@
                 <a:r>
                   <a:rPr lang="zh-CN" altLang="en-US" sz="1400" dirty="0">
                     <a:solidFill>
-                      <a:schemeClr val="bg2"/>
+                      <a:schemeClr val="tx1"/>
                     </a:solidFill>
                   </a:rPr>
                   <a:t>进一步地，我们考虑一个以球形 </a:t>
@@ -13080,7 +13331,7 @@
                     <m:r>
                       <a:rPr lang="en-US" altLang="zh-CN" sz="1400" b="0" i="1" smtClean="0">
                         <a:solidFill>
-                          <a:schemeClr val="bg2"/>
+                          <a:schemeClr val="tx1"/>
                         </a:solidFill>
                         <a:latin typeface="Cambria Math" panose="02040503050406030204" pitchFamily="18" charset="0"/>
                       </a:rPr>
@@ -13091,7 +13342,7 @@
                 <a:r>
                   <a:rPr lang="zh-CN" altLang="en-US" sz="1400" dirty="0">
                     <a:solidFill>
-                      <a:schemeClr val="bg2"/>
+                      <a:schemeClr val="tx1"/>
                     </a:solidFill>
                   </a:rPr>
                   <a:t> 为形态的物体，它在每一点 </a:t>
@@ -13103,7 +13354,7 @@
                         <m:ctrlPr>
                           <a:rPr lang="en-US" altLang="zh-CN" sz="1400" b="0" i="1" smtClean="0">
                             <a:solidFill>
-                              <a:schemeClr val="bg2"/>
+                              <a:schemeClr val="tx1"/>
                             </a:solidFill>
                             <a:latin typeface="Cambria Math" panose="02040503050406030204" pitchFamily="18" charset="0"/>
                           </a:rPr>
@@ -13113,7 +13364,7 @@
                         <m:r>
                           <a:rPr lang="en-US" altLang="zh-CN" sz="1400" b="0" i="1" smtClean="0">
                             <a:solidFill>
-                              <a:schemeClr val="bg2"/>
+                              <a:schemeClr val="tx1"/>
                             </a:solidFill>
                             <a:latin typeface="Cambria Math" panose="02040503050406030204" pitchFamily="18" charset="0"/>
                           </a:rPr>
@@ -13122,7 +13373,7 @@
                         <m:r>
                           <a:rPr lang="en-US" altLang="zh-CN" sz="1400" b="0" i="1" smtClean="0">
                             <a:solidFill>
-                              <a:schemeClr val="bg2"/>
+                              <a:schemeClr val="tx1"/>
                             </a:solidFill>
                             <a:latin typeface="Cambria Math" panose="02040503050406030204" pitchFamily="18" charset="0"/>
                           </a:rPr>
@@ -13131,7 +13382,7 @@
                         <m:r>
                           <a:rPr lang="en-US" altLang="zh-CN" sz="1400" b="0" i="1" smtClean="0">
                             <a:solidFill>
-                              <a:schemeClr val="bg2"/>
+                              <a:schemeClr val="tx1"/>
                             </a:solidFill>
                             <a:latin typeface="Cambria Math" panose="02040503050406030204" pitchFamily="18" charset="0"/>
                           </a:rPr>
@@ -13140,7 +13391,7 @@
                         <m:r>
                           <a:rPr lang="en-US" altLang="zh-CN" sz="1400" b="0" i="1" smtClean="0">
                             <a:solidFill>
-                              <a:schemeClr val="bg2"/>
+                              <a:schemeClr val="tx1"/>
                             </a:solidFill>
                             <a:latin typeface="Cambria Math" panose="02040503050406030204" pitchFamily="18" charset="0"/>
                           </a:rPr>
@@ -13149,7 +13400,7 @@
                         <m:r>
                           <a:rPr lang="en-US" altLang="zh-CN" sz="1400" b="0" i="1" smtClean="0">
                             <a:solidFill>
-                              <a:schemeClr val="bg2"/>
+                              <a:schemeClr val="tx1"/>
                             </a:solidFill>
                             <a:latin typeface="Cambria Math" panose="02040503050406030204" pitchFamily="18" charset="0"/>
                           </a:rPr>
@@ -13162,7 +13413,7 @@
                 <a:r>
                   <a:rPr lang="zh-CN" altLang="en-US" sz="1400" dirty="0">
                     <a:solidFill>
-                      <a:schemeClr val="bg2"/>
+                      <a:schemeClr val="tx1"/>
                     </a:solidFill>
                   </a:rPr>
                   <a:t> 的密度为 </a:t>
@@ -13172,7 +13423,7 @@
                     <m:r>
                       <a:rPr lang="en-US" altLang="zh-CN" sz="1400" b="0" i="1" smtClean="0">
                         <a:solidFill>
-                          <a:schemeClr val="bg2"/>
+                          <a:schemeClr val="tx1"/>
                         </a:solidFill>
                         <a:latin typeface="Cambria Math" panose="02040503050406030204" pitchFamily="18" charset="0"/>
                       </a:rPr>
@@ -13181,7 +13432,7 @@
                     <m:r>
                       <a:rPr lang="en-US" altLang="zh-CN" sz="1400" b="0" i="1" smtClean="0">
                         <a:solidFill>
-                          <a:schemeClr val="bg2"/>
+                          <a:schemeClr val="tx1"/>
                         </a:solidFill>
                         <a:latin typeface="Cambria Math" panose="02040503050406030204" pitchFamily="18" charset="0"/>
                       </a:rPr>
@@ -13190,7 +13441,7 @@
                     <m:r>
                       <a:rPr lang="en-US" altLang="zh-CN" sz="1400" b="0" i="1" smtClean="0">
                         <a:solidFill>
-                          <a:schemeClr val="bg2"/>
+                          <a:schemeClr val="tx1"/>
                         </a:solidFill>
                         <a:latin typeface="Cambria Math" panose="02040503050406030204" pitchFamily="18" charset="0"/>
                       </a:rPr>
@@ -13199,7 +13450,7 @@
                     <m:r>
                       <a:rPr lang="en-US" altLang="zh-CN" sz="1400" b="0" i="1" smtClean="0">
                         <a:solidFill>
-                          <a:schemeClr val="bg2"/>
+                          <a:schemeClr val="tx1"/>
                         </a:solidFill>
                         <a:latin typeface="Cambria Math" panose="02040503050406030204" pitchFamily="18" charset="0"/>
                       </a:rPr>
@@ -13208,7 +13459,7 @@
                     <m:r>
                       <a:rPr lang="en-US" altLang="zh-CN" sz="1400" b="0" i="1" smtClean="0">
                         <a:solidFill>
-                          <a:schemeClr val="bg2"/>
+                          <a:schemeClr val="tx1"/>
                         </a:solidFill>
                         <a:latin typeface="Cambria Math" panose="02040503050406030204" pitchFamily="18" charset="0"/>
                       </a:rPr>
@@ -13217,7 +13468,7 @@
                     <m:r>
                       <a:rPr lang="en-US" altLang="zh-CN" sz="1400" b="0" i="1" smtClean="0">
                         <a:solidFill>
-                          <a:schemeClr val="bg2"/>
+                          <a:schemeClr val="tx1"/>
                         </a:solidFill>
                         <a:latin typeface="Cambria Math" panose="02040503050406030204" pitchFamily="18" charset="0"/>
                       </a:rPr>
@@ -13226,7 +13477,7 @@
                     <m:r>
                       <a:rPr lang="en-US" altLang="zh-CN" sz="1400" b="0" i="1" smtClean="0">
                         <a:solidFill>
-                          <a:schemeClr val="bg2"/>
+                          <a:schemeClr val="tx1"/>
                         </a:solidFill>
                         <a:latin typeface="Cambria Math" panose="02040503050406030204" pitchFamily="18" charset="0"/>
                       </a:rPr>
@@ -13235,7 +13486,7 @@
                     <m:r>
                       <a:rPr lang="en-US" altLang="zh-CN" sz="1400" b="0" i="1" smtClean="0">
                         <a:solidFill>
-                          <a:schemeClr val="bg2"/>
+                          <a:schemeClr val="tx1"/>
                         </a:solidFill>
                         <a:latin typeface="Cambria Math" panose="02040503050406030204" pitchFamily="18" charset="0"/>
                       </a:rPr>
@@ -13246,7 +13497,7 @@
                 <a:r>
                   <a:rPr lang="zh-CN" altLang="en-US" sz="1400" dirty="0">
                     <a:solidFill>
-                      <a:schemeClr val="bg2"/>
+                      <a:schemeClr val="tx1"/>
                     </a:solidFill>
                   </a:rPr>
                   <a:t> ，那么物体的质量应该为 </a:t>
@@ -13256,7 +13507,7 @@
                     <m:r>
                       <a:rPr lang="en-US" altLang="zh-CN" sz="1400" b="0" i="1" dirty="0" smtClean="0">
                         <a:solidFill>
-                          <a:schemeClr val="bg2"/>
+                          <a:schemeClr val="tx1"/>
                         </a:solidFill>
                         <a:latin typeface="Cambria Math" panose="02040503050406030204" pitchFamily="18" charset="0"/>
                       </a:rPr>
@@ -13265,7 +13516,7 @@
                     <m:r>
                       <a:rPr lang="en-US" altLang="zh-CN" sz="1400" b="0" i="1" dirty="0" smtClean="0">
                         <a:solidFill>
-                          <a:schemeClr val="bg2"/>
+                          <a:schemeClr val="tx1"/>
                         </a:solidFill>
                         <a:latin typeface="Cambria Math" panose="02040503050406030204" pitchFamily="18" charset="0"/>
                       </a:rPr>
@@ -13277,7 +13528,7 @@
                         <m:ctrlPr>
                           <a:rPr lang="zh-CN" altLang="en-US" sz="1400" i="1" smtClean="0">
                             <a:solidFill>
-                              <a:schemeClr val="bg2"/>
+                              <a:schemeClr val="tx1"/>
                             </a:solidFill>
                             <a:latin typeface="Cambria Math" panose="02040503050406030204" pitchFamily="18" charset="0"/>
                           </a:rPr>
@@ -13290,7 +13541,7 @@
                           </m:rPr>
                           <a:rPr lang="en-US" altLang="zh-CN" sz="1400" b="0" i="1" smtClean="0">
                             <a:solidFill>
-                              <a:schemeClr val="bg2"/>
+                              <a:schemeClr val="tx1"/>
                             </a:solidFill>
                             <a:latin typeface="Cambria Math" panose="02040503050406030204" pitchFamily="18" charset="0"/>
                           </a:rPr>
@@ -13302,7 +13553,7 @@
                         <m:r>
                           <a:rPr lang="en-US" altLang="zh-CN" sz="1400" b="0" i="1" smtClean="0">
                             <a:solidFill>
-                              <a:schemeClr val="bg2"/>
+                              <a:schemeClr val="tx1"/>
                             </a:solidFill>
                             <a:latin typeface="Cambria Math" panose="02040503050406030204" pitchFamily="18" charset="0"/>
                           </a:rPr>
@@ -13313,7 +13564,7 @@
                             <m:ctrlPr>
                               <a:rPr lang="en-US" altLang="zh-CN" sz="1400" b="0" i="1" smtClean="0">
                                 <a:solidFill>
-                                  <a:schemeClr val="bg2"/>
+                                  <a:schemeClr val="tx1"/>
                                 </a:solidFill>
                                 <a:latin typeface="Cambria Math" panose="02040503050406030204" pitchFamily="18" charset="0"/>
                               </a:rPr>
@@ -13323,7 +13574,7 @@
                             <m:r>
                               <a:rPr lang="en-US" altLang="zh-CN" sz="1400" b="0" i="1" smtClean="0">
                                 <a:solidFill>
-                                  <a:schemeClr val="bg2"/>
+                                  <a:schemeClr val="tx1"/>
                                 </a:solidFill>
                                 <a:latin typeface="Cambria Math" panose="02040503050406030204" pitchFamily="18" charset="0"/>
                               </a:rPr>
@@ -13332,7 +13583,7 @@
                             <m:r>
                               <a:rPr lang="en-US" altLang="zh-CN" sz="1400" b="0" i="1" smtClean="0">
                                 <a:solidFill>
-                                  <a:schemeClr val="bg2"/>
+                                  <a:schemeClr val="tx1"/>
                                 </a:solidFill>
                                 <a:latin typeface="Cambria Math" panose="02040503050406030204" pitchFamily="18" charset="0"/>
                               </a:rPr>
@@ -13341,7 +13592,7 @@
                             <m:r>
                               <a:rPr lang="en-US" altLang="zh-CN" sz="1400" b="0" i="1" smtClean="0">
                                 <a:solidFill>
-                                  <a:schemeClr val="bg2"/>
+                                  <a:schemeClr val="tx1"/>
                                 </a:solidFill>
                                 <a:latin typeface="Cambria Math" panose="02040503050406030204" pitchFamily="18" charset="0"/>
                               </a:rPr>
@@ -13350,7 +13601,7 @@
                             <m:r>
                               <a:rPr lang="en-US" altLang="zh-CN" sz="1400" b="0" i="1" smtClean="0">
                                 <a:solidFill>
-                                  <a:schemeClr val="bg2"/>
+                                  <a:schemeClr val="tx1"/>
                                 </a:solidFill>
                                 <a:latin typeface="Cambria Math" panose="02040503050406030204" pitchFamily="18" charset="0"/>
                               </a:rPr>
@@ -13359,7 +13610,7 @@
                             <m:r>
                               <a:rPr lang="en-US" altLang="zh-CN" sz="1400" b="0" i="1" smtClean="0">
                                 <a:solidFill>
-                                  <a:schemeClr val="bg2"/>
+                                  <a:schemeClr val="tx1"/>
                                 </a:solidFill>
                                 <a:latin typeface="Cambria Math" panose="02040503050406030204" pitchFamily="18" charset="0"/>
                               </a:rPr>
@@ -13370,7 +13621,7 @@
                         <m:r>
                           <a:rPr lang="en-US" altLang="zh-CN" sz="1400" b="0" i="1" smtClean="0">
                             <a:solidFill>
-                              <a:schemeClr val="bg2"/>
+                              <a:schemeClr val="tx1"/>
                             </a:solidFill>
                             <a:latin typeface="Cambria Math" panose="02040503050406030204" pitchFamily="18" charset="0"/>
                           </a:rPr>
@@ -13383,7 +13634,7 @@
                 <a:r>
                   <a:rPr lang="zh-CN" altLang="en-US" sz="1400" dirty="0">
                     <a:solidFill>
-                      <a:schemeClr val="bg2"/>
+                      <a:schemeClr val="tx1"/>
                     </a:solidFill>
                   </a:rPr>
                   <a:t> 。请问，是不是对于每个函数 </a:t>
@@ -13396,7 +13647,7 @@
                         <m:ctrlPr>
                           <a:rPr lang="en-US" altLang="zh-CN" sz="1400" b="0" i="1" smtClean="0">
                             <a:solidFill>
-                              <a:schemeClr val="bg2"/>
+                              <a:schemeClr val="tx1"/>
                             </a:solidFill>
                             <a:latin typeface="Cambria Math" panose="02040503050406030204" pitchFamily="18" charset="0"/>
                           </a:rPr>
@@ -13406,7 +13657,7 @@
                         <m:r>
                           <a:rPr lang="en-US" altLang="zh-CN" sz="1400" b="0" i="1" smtClean="0">
                             <a:solidFill>
-                              <a:schemeClr val="bg2"/>
+                              <a:schemeClr val="tx1"/>
                             </a:solidFill>
                             <a:latin typeface="Cambria Math" panose="02040503050406030204" pitchFamily="18" charset="0"/>
                           </a:rPr>
@@ -13419,7 +13670,7 @@
                 <a:r>
                   <a:rPr lang="zh-CN" altLang="en-US" sz="1400" dirty="0">
                     <a:solidFill>
-                      <a:schemeClr val="bg2"/>
+                      <a:schemeClr val="tx1"/>
                     </a:solidFill>
                   </a:rPr>
                   <a:t> ，都可以作为上面的 </a:t>
@@ -13429,7 +13680,7 @@
                     <m:r>
                       <a:rPr lang="en-US" altLang="zh-CN" sz="1400" b="0" i="1" smtClean="0">
                         <a:solidFill>
-                          <a:schemeClr val="bg2"/>
+                          <a:schemeClr val="tx1"/>
                         </a:solidFill>
                         <a:latin typeface="Cambria Math" panose="02040503050406030204" pitchFamily="18" charset="0"/>
                       </a:rPr>
@@ -13440,14 +13691,14 @@
                 <a:r>
                   <a:rPr lang="zh-CN" altLang="en-US" sz="1400" b="0" dirty="0">
                     <a:solidFill>
-                      <a:schemeClr val="bg2"/>
+                      <a:schemeClr val="tx1"/>
                     </a:solidFill>
                   </a:rPr>
                   <a:t> 给出密度？</a:t>
                 </a:r>
                 <a:endParaRPr lang="en-US" altLang="zh-CN" sz="1400" b="0" dirty="0">
                   <a:solidFill>
-                    <a:schemeClr val="bg2"/>
+                    <a:schemeClr val="tx1"/>
                   </a:solidFill>
                 </a:endParaRPr>
               </a:p>
@@ -13456,7 +13707,7 @@
                 <a:r>
                   <a:rPr lang="zh-CN" altLang="en-US" sz="1400" dirty="0">
                     <a:solidFill>
-                      <a:schemeClr val="bg2"/>
+                      <a:schemeClr val="tx1"/>
                     </a:solidFill>
                   </a:rPr>
                   <a:t>其次，给出 </a:t>
@@ -13468,7 +13719,7 @@
                         <m:ctrlPr>
                           <a:rPr lang="en-US" altLang="zh-CN" sz="1400" b="0" i="1" smtClean="0">
                             <a:solidFill>
-                              <a:schemeClr val="bg2"/>
+                              <a:schemeClr val="tx1"/>
                             </a:solidFill>
                             <a:latin typeface="Cambria Math" panose="02040503050406030204" pitchFamily="18" charset="0"/>
                           </a:rPr>
@@ -13478,7 +13729,7 @@
                         <m:r>
                           <a:rPr lang="en-US" altLang="zh-CN" sz="1400" b="0" i="1" smtClean="0">
                             <a:solidFill>
-                              <a:schemeClr val="bg2"/>
+                              <a:schemeClr val="tx1"/>
                             </a:solidFill>
                             <a:latin typeface="Cambria Math" panose="02040503050406030204" pitchFamily="18" charset="0"/>
                           </a:rPr>
@@ -13489,7 +13740,7 @@
                         <m:r>
                           <a:rPr lang="en-US" altLang="zh-CN" sz="1400" b="0" i="1" smtClean="0">
                             <a:solidFill>
-                              <a:schemeClr val="bg2"/>
+                              <a:schemeClr val="tx1"/>
                             </a:solidFill>
                             <a:latin typeface="Cambria Math" panose="02040503050406030204" pitchFamily="18" charset="0"/>
                           </a:rPr>
@@ -13500,7 +13751,7 @@
                     <m:r>
                       <a:rPr lang="en-US" altLang="zh-CN" sz="1400" b="0" i="1" smtClean="0">
                         <a:solidFill>
-                          <a:schemeClr val="bg2"/>
+                          <a:schemeClr val="tx1"/>
                         </a:solidFill>
                         <a:latin typeface="Cambria Math" panose="02040503050406030204" pitchFamily="18" charset="0"/>
                       </a:rPr>
@@ -13511,7 +13762,7 @@
                 <a:r>
                   <a:rPr lang="zh-CN" altLang="en-US" sz="1400" dirty="0">
                     <a:solidFill>
-                      <a:schemeClr val="bg2"/>
+                      <a:schemeClr val="tx1"/>
                     </a:solidFill>
                   </a:rPr>
                   <a:t> </a:t>
@@ -13523,7 +13774,7 @@
                         <m:ctrlPr>
                           <a:rPr lang="zh-CN" altLang="en-US" sz="1400" i="1">
                             <a:solidFill>
-                              <a:schemeClr val="bg2"/>
+                              <a:schemeClr val="tx1"/>
                             </a:solidFill>
                             <a:latin typeface="Cambria Math" panose="02040503050406030204" pitchFamily="18" charset="0"/>
                           </a:rPr>
@@ -13536,7 +13787,7 @@
                           </m:rPr>
                           <a:rPr lang="en-US" altLang="zh-CN" sz="1400" i="1">
                             <a:solidFill>
-                              <a:schemeClr val="bg2"/>
+                              <a:schemeClr val="tx1"/>
                             </a:solidFill>
                             <a:latin typeface="Cambria Math" panose="02040503050406030204" pitchFamily="18" charset="0"/>
                           </a:rPr>
@@ -13545,7 +13796,7 @@
                         <m:r>
                           <a:rPr lang="en-US" altLang="zh-CN" sz="1400" i="1">
                             <a:solidFill>
-                              <a:schemeClr val="bg2"/>
+                              <a:schemeClr val="tx1"/>
                             </a:solidFill>
                             <a:latin typeface="Cambria Math" panose="02040503050406030204" pitchFamily="18" charset="0"/>
                           </a:rPr>
@@ -13556,7 +13807,7 @@
                         <m:r>
                           <a:rPr lang="en-US" altLang="zh-CN" sz="1400" i="1">
                             <a:solidFill>
-                              <a:schemeClr val="bg2"/>
+                              <a:schemeClr val="tx1"/>
                             </a:solidFill>
                             <a:latin typeface="Cambria Math" panose="02040503050406030204" pitchFamily="18" charset="0"/>
                           </a:rPr>
@@ -13570,7 +13821,7 @@
                             <m:ctrlPr>
                               <a:rPr lang="en-US" altLang="zh-CN" sz="1400" i="1">
                                 <a:solidFill>
-                                  <a:schemeClr val="bg2"/>
+                                  <a:schemeClr val="tx1"/>
                                 </a:solidFill>
                                 <a:latin typeface="Cambria Math" panose="02040503050406030204" pitchFamily="18" charset="0"/>
                               </a:rPr>
@@ -13583,7 +13834,7 @@
                               </m:rPr>
                               <a:rPr lang="en-US" altLang="zh-CN" sz="1400" i="1">
                                 <a:solidFill>
-                                  <a:schemeClr val="bg2"/>
+                                  <a:schemeClr val="tx1"/>
                                 </a:solidFill>
                                 <a:latin typeface="Cambria Math" panose="02040503050406030204" pitchFamily="18" charset="0"/>
                               </a:rPr>
@@ -13592,7 +13843,7 @@
                             <m:r>
                               <a:rPr lang="en-US" altLang="zh-CN" sz="1400" i="1">
                                 <a:solidFill>
-                                  <a:schemeClr val="bg2"/>
+                                  <a:schemeClr val="tx1"/>
                                 </a:solidFill>
                                 <a:latin typeface="Cambria Math" panose="02040503050406030204" pitchFamily="18" charset="0"/>
                               </a:rPr>
@@ -13601,7 +13852,7 @@
                             <m:r>
                               <a:rPr lang="en-US" altLang="zh-CN" sz="1400" i="1">
                                 <a:solidFill>
-                                  <a:schemeClr val="bg2"/>
+                                  <a:schemeClr val="tx1"/>
                                 </a:solidFill>
                                 <a:latin typeface="Cambria Math" panose="02040503050406030204" pitchFamily="18" charset="0"/>
                               </a:rPr>
@@ -13610,7 +13861,7 @@
                             <m:r>
                               <a:rPr lang="en-US" altLang="zh-CN" sz="1400" i="1">
                                 <a:solidFill>
-                                  <a:schemeClr val="bg2"/>
+                                  <a:schemeClr val="tx1"/>
                                 </a:solidFill>
                                 <a:latin typeface="Cambria Math" panose="02040503050406030204" pitchFamily="18" charset="0"/>
                               </a:rPr>
@@ -13622,7 +13873,7 @@
                             <m:r>
                               <a:rPr lang="en-US" altLang="zh-CN" sz="1400" b="0" i="1" smtClean="0">
                                 <a:solidFill>
-                                  <a:schemeClr val="bg2"/>
+                                  <a:schemeClr val="tx1"/>
                                 </a:solidFill>
                                 <a:latin typeface="Cambria Math" panose="02040503050406030204" pitchFamily="18" charset="0"/>
                               </a:rPr>
@@ -13631,7 +13882,7 @@
                             <m:r>
                               <a:rPr lang="en-US" altLang="zh-CN" sz="1400" b="0" i="1" smtClean="0">
                                 <a:solidFill>
-                                  <a:schemeClr val="bg2"/>
+                                  <a:schemeClr val="tx1"/>
                                 </a:solidFill>
                                 <a:latin typeface="Cambria Math" panose="02040503050406030204" pitchFamily="18" charset="0"/>
                               </a:rPr>
@@ -13640,7 +13891,7 @@
                             <m:r>
                               <a:rPr lang="en-US" altLang="zh-CN" sz="1400" b="0" i="1" smtClean="0">
                                 <a:solidFill>
-                                  <a:schemeClr val="bg2"/>
+                                  <a:schemeClr val="tx1"/>
                                 </a:solidFill>
                                 <a:latin typeface="Cambria Math" panose="02040503050406030204" pitchFamily="18" charset="0"/>
                               </a:rPr>
@@ -13649,7 +13900,7 @@
                             <m:r>
                               <a:rPr lang="en-US" altLang="zh-CN" sz="1400" b="0" i="1" smtClean="0">
                                 <a:solidFill>
-                                  <a:schemeClr val="bg2"/>
+                                  <a:schemeClr val="tx1"/>
                                 </a:solidFill>
                                 <a:latin typeface="Cambria Math" panose="02040503050406030204" pitchFamily="18" charset="0"/>
                               </a:rPr>
@@ -13658,7 +13909,7 @@
                             <m:r>
                               <a:rPr lang="en-US" altLang="zh-CN" sz="1400" b="0" i="1" smtClean="0">
                                 <a:solidFill>
-                                  <a:schemeClr val="bg2"/>
+                                  <a:schemeClr val="tx1"/>
                                 </a:solidFill>
                                 <a:latin typeface="Cambria Math" panose="02040503050406030204" pitchFamily="18" charset="0"/>
                               </a:rPr>
@@ -13667,7 +13918,7 @@
                             <m:r>
                               <a:rPr lang="en-US" altLang="zh-CN" sz="1400" b="0" i="1" smtClean="0">
                                 <a:solidFill>
-                                  <a:schemeClr val="bg2"/>
+                                  <a:schemeClr val="tx1"/>
                                 </a:solidFill>
                                 <a:latin typeface="Cambria Math" panose="02040503050406030204" pitchFamily="18" charset="0"/>
                               </a:rPr>
@@ -13676,7 +13927,7 @@
                             <m:r>
                               <a:rPr lang="en-US" altLang="zh-CN" sz="1400" b="0" i="1" smtClean="0">
                                 <a:solidFill>
-                                  <a:schemeClr val="bg2"/>
+                                  <a:schemeClr val="tx1"/>
                                 </a:solidFill>
                                 <a:latin typeface="Cambria Math" panose="02040503050406030204" pitchFamily="18" charset="0"/>
                               </a:rPr>
@@ -13685,7 +13936,7 @@
                             <m:r>
                               <a:rPr lang="en-US" altLang="zh-CN" sz="1400" b="0" i="1" smtClean="0">
                                 <a:solidFill>
-                                  <a:schemeClr val="bg2"/>
+                                  <a:schemeClr val="tx1"/>
                                 </a:solidFill>
                                 <a:latin typeface="Cambria Math" panose="02040503050406030204" pitchFamily="18" charset="0"/>
                               </a:rPr>
@@ -13694,7 +13945,7 @@
                             <m:r>
                               <a:rPr lang="en-US" altLang="zh-CN" sz="1400" i="1">
                                 <a:solidFill>
-                                  <a:schemeClr val="bg2"/>
+                                  <a:schemeClr val="tx1"/>
                                 </a:solidFill>
                                 <a:latin typeface="Cambria Math" panose="02040503050406030204" pitchFamily="18" charset="0"/>
                               </a:rPr>
@@ -13709,7 +13960,7 @@
                 <a:r>
                   <a:rPr lang="en-US" altLang="zh-CN" sz="1400" b="0" dirty="0">
                     <a:solidFill>
-                      <a:schemeClr val="bg2"/>
+                      <a:schemeClr val="tx1"/>
                     </a:solidFill>
                   </a:rPr>
                   <a:t> </a:t>
@@ -13717,7 +13968,7 @@
                 <a:r>
                   <a:rPr lang="zh-CN" altLang="en-US" sz="1400" b="0" dirty="0">
                     <a:solidFill>
-                      <a:schemeClr val="bg2"/>
+                      <a:schemeClr val="tx1"/>
                     </a:solidFill>
                   </a:rPr>
                   <a:t>，我们猜测应该有 </a:t>
@@ -13727,7 +13978,7 @@
                     <m:r>
                       <a:rPr lang="en-US" altLang="zh-CN" sz="1400" b="0" i="1" smtClean="0">
                         <a:solidFill>
-                          <a:schemeClr val="bg2"/>
+                          <a:schemeClr val="tx1"/>
                         </a:solidFill>
                         <a:latin typeface="Cambria Math" panose="02040503050406030204" pitchFamily="18" charset="0"/>
                       </a:rPr>
@@ -13736,7 +13987,7 @@
                     <m:r>
                       <a:rPr lang="en-US" altLang="zh-CN" sz="1400" b="0" i="1" smtClean="0">
                         <a:solidFill>
-                          <a:schemeClr val="bg2"/>
+                          <a:schemeClr val="tx1"/>
                         </a:solidFill>
                         <a:latin typeface="Cambria Math" panose="02040503050406030204" pitchFamily="18" charset="0"/>
                       </a:rPr>
@@ -13747,7 +13998,7 @@
                         <m:ctrlPr>
                           <a:rPr lang="en-US" altLang="zh-CN" sz="1400" b="0" i="1" smtClean="0">
                             <a:solidFill>
-                              <a:schemeClr val="bg2"/>
+                              <a:schemeClr val="tx1"/>
                             </a:solidFill>
                             <a:latin typeface="Cambria Math" panose="02040503050406030204" pitchFamily="18" charset="0"/>
                           </a:rPr>
@@ -13757,7 +14008,7 @@
                         <m:r>
                           <a:rPr lang="en-US" altLang="zh-CN" sz="1400" b="0" i="1" smtClean="0">
                             <a:solidFill>
-                              <a:schemeClr val="bg2"/>
+                              <a:schemeClr val="tx1"/>
                             </a:solidFill>
                             <a:latin typeface="Cambria Math" panose="02040503050406030204" pitchFamily="18" charset="0"/>
                           </a:rPr>
@@ -13768,7 +14019,7 @@
                         <m:r>
                           <a:rPr lang="en-US" altLang="zh-CN" sz="1400" b="0" i="1" smtClean="0">
                             <a:solidFill>
-                              <a:schemeClr val="bg2"/>
+                              <a:schemeClr val="tx1"/>
                             </a:solidFill>
                             <a:latin typeface="Cambria Math" panose="02040503050406030204" pitchFamily="18" charset="0"/>
                           </a:rPr>
@@ -13781,7 +14032,7 @@
                 <a:r>
                   <a:rPr lang="en-US" altLang="zh-CN" sz="1400" b="0" dirty="0">
                     <a:solidFill>
-                      <a:schemeClr val="bg2"/>
+                      <a:schemeClr val="tx1"/>
                     </a:solidFill>
                   </a:rPr>
                   <a:t> </a:t>
@@ -13789,7 +14040,7 @@
                 <a:r>
                   <a:rPr lang="zh-CN" altLang="en-US" sz="1400" b="0" dirty="0">
                     <a:solidFill>
-                      <a:schemeClr val="bg2"/>
+                      <a:schemeClr val="tx1"/>
                     </a:solidFill>
                   </a:rPr>
                   <a:t>，那么是不是所有的密度函数 </a:t>
@@ -13799,7 +14050,7 @@
                     <m:r>
                       <a:rPr lang="en-US" altLang="zh-CN" sz="1400" b="0" i="1" smtClean="0">
                         <a:solidFill>
-                          <a:schemeClr val="bg2"/>
+                          <a:schemeClr val="tx1"/>
                         </a:solidFill>
                         <a:latin typeface="Cambria Math" panose="02040503050406030204" pitchFamily="18" charset="0"/>
                       </a:rPr>
@@ -13808,7 +14059,7 @@
                     <m:r>
                       <a:rPr lang="en-US" altLang="zh-CN" sz="1400" b="0" i="1" smtClean="0">
                         <a:solidFill>
-                          <a:schemeClr val="bg2"/>
+                          <a:schemeClr val="tx1"/>
                         </a:solidFill>
                         <a:latin typeface="Cambria Math" panose="02040503050406030204" pitchFamily="18" charset="0"/>
                       </a:rPr>
@@ -13817,7 +14068,7 @@
                     <m:r>
                       <a:rPr lang="zh-CN" altLang="en-US" sz="1400" i="1">
                         <a:solidFill>
-                          <a:schemeClr val="bg2"/>
+                          <a:schemeClr val="tx1"/>
                         </a:solidFill>
                         <a:latin typeface="Cambria Math" panose="02040503050406030204" pitchFamily="18" charset="0"/>
                       </a:rPr>
@@ -13828,21 +14079,21 @@
                 <a:r>
                   <a:rPr lang="zh-CN" altLang="en-US" sz="1400" b="0" dirty="0">
                     <a:solidFill>
-                      <a:schemeClr val="bg2"/>
+                      <a:schemeClr val="tx1"/>
                     </a:solidFill>
                   </a:rPr>
                   <a:t>都满足这个式子呢？</a:t>
                 </a:r>
                 <a:endParaRPr lang="en-US" altLang="zh-CN" sz="1400" b="0" dirty="0">
                   <a:solidFill>
-                    <a:schemeClr val="bg2"/>
+                    <a:schemeClr val="tx1"/>
                   </a:solidFill>
                 </a:endParaRPr>
               </a:p>
             </p:txBody>
           </p:sp>
         </mc:Choice>
-        <mc:Fallback xmlns="">
+        <mc:Fallback>
           <p:sp>
             <p:nvSpPr>
               <p:cNvPr id="7" name="内容占位符 3">
@@ -13873,7 +14124,7 @@
               </a:blipFill>
               <a:ln w="19050">
                 <a:solidFill>
-                  <a:schemeClr val="bg2"/>
+                  <a:schemeClr val="tx1"/>
                 </a:solidFill>
               </a:ln>
             </p:spPr>
@@ -13916,7 +14167,7 @@
           </a:prstGeom>
           <a:ln w="19050">
             <a:solidFill>
-              <a:schemeClr val="bg2"/>
+              <a:schemeClr val="tx1"/>
             </a:solidFill>
           </a:ln>
         </p:spPr>
@@ -14090,28 +14341,244 @@
           </a:lstStyle>
           <a:p>
             <a:r>
-              <a:rPr lang="zh-CN" altLang="en-US" sz="1400" dirty="0">
+              <a:rPr lang="zh-CN" altLang="en-US" sz="1400" b="1" dirty="0">
                 <a:solidFill>
-                  <a:schemeClr val="bg2"/>
+                  <a:schemeClr val="accent4"/>
                 </a:solidFill>
               </a:rPr>
               <a:t>域间关系</a:t>
             </a:r>
-            <a:endParaRPr lang="en-US" altLang="zh-CN" sz="1400" dirty="0">
+            <a:endParaRPr lang="en-US" altLang="zh-CN" sz="1400" b="1" dirty="0">
               <a:solidFill>
-                <a:schemeClr val="bg2"/>
+                <a:schemeClr val="accent4"/>
               </a:solidFill>
             </a:endParaRPr>
           </a:p>
           <a:p>
             <a:pPr lvl="1"/>
             <a:r>
-              <a:rPr lang="zh-CN" altLang="en-US" sz="1400" dirty="0">
+              <a:rPr lang="zh-CN" altLang="en-US" sz="1400" dirty="0"/>
+              <a:t>傅里叶变换 和 最小二乘逼近 的关系是什么？（分析数学→线性代数的跨域）</a:t>
+            </a:r>
+          </a:p>
+        </p:txBody>
+      </p:sp>
+      <p:sp>
+        <p:nvSpPr>
+          <p:cNvPr id="10" name="内容占位符 3">
+            <a:extLst>
+              <a:ext uri="{FF2B5EF4-FFF2-40B4-BE49-F238E27FC236}">
+                <a16:creationId xmlns:a16="http://schemas.microsoft.com/office/drawing/2014/main" id="{B3FA7DDF-C9FA-40B4-AA1C-0A5C36DC5CD4}"/>
+              </a:ext>
+            </a:extLst>
+          </p:cNvPr>
+          <p:cNvSpPr txBox="1">
+            <a:spLocks/>
+          </p:cNvSpPr>
+          <p:nvPr/>
+        </p:nvSpPr>
+        <p:spPr>
+          <a:xfrm>
+            <a:off x="1917947" y="1988840"/>
+            <a:ext cx="4403729" cy="648072"/>
+          </a:xfrm>
+          <a:prstGeom prst="rect">
+            <a:avLst/>
+          </a:prstGeom>
+          <a:ln w="19050">
+            <a:solidFill>
+              <a:schemeClr val="tx1"/>
+            </a:solidFill>
+          </a:ln>
+        </p:spPr>
+        <p:txBody>
+          <a:bodyPr vert="horz" lIns="91440" tIns="45720" rIns="91440" bIns="45720" rtlCol="0">
+            <a:normAutofit/>
+          </a:bodyPr>
+          <a:lstStyle>
+            <a:lvl1pPr marL="246888" indent="-246888" algn="l" defTabSz="914400" rtl="0" eaLnBrk="1" latinLnBrk="0" hangingPunct="1">
+              <a:lnSpc>
+                <a:spcPct val="90000"/>
+              </a:lnSpc>
+              <a:spcBef>
+                <a:spcPts val="1400"/>
+              </a:spcBef>
+              <a:buFont typeface="Euphemia" pitchFamily="34" charset="0"/>
+              <a:buChar char="›"/>
+              <a:defRPr sz="2800" kern="1200">
                 <a:solidFill>
-                  <a:schemeClr val="bg2"/>
+                  <a:schemeClr val="tx1"/>
+                </a:solidFill>
+                <a:latin typeface="微软雅黑" panose="020B0503020204020204" pitchFamily="34" charset="-122"/>
+                <a:ea typeface="微软雅黑" panose="020B0503020204020204" pitchFamily="34" charset="-122"/>
+                <a:cs typeface="+mn-cs"/>
+              </a:defRPr>
+            </a:lvl1pPr>
+            <a:lvl2pPr marL="612648" indent="-246888" algn="l" defTabSz="914400" rtl="0" eaLnBrk="1" latinLnBrk="0" hangingPunct="1">
+              <a:lnSpc>
+                <a:spcPct val="90000"/>
+              </a:lnSpc>
+              <a:spcBef>
+                <a:spcPts val="600"/>
+              </a:spcBef>
+              <a:buFont typeface="Euphemia" pitchFamily="34" charset="0"/>
+              <a:buChar char="–"/>
+              <a:defRPr sz="2400" kern="1200">
+                <a:solidFill>
+                  <a:schemeClr val="tx1"/>
+                </a:solidFill>
+                <a:latin typeface="微软雅黑" panose="020B0503020204020204" pitchFamily="34" charset="-122"/>
+                <a:ea typeface="微软雅黑" panose="020B0503020204020204" pitchFamily="34" charset="-122"/>
+                <a:cs typeface="+mn-cs"/>
+              </a:defRPr>
+            </a:lvl2pPr>
+            <a:lvl3pPr marL="978408" indent="-246888" algn="l" defTabSz="914400" rtl="0" eaLnBrk="1" latinLnBrk="0" hangingPunct="1">
+              <a:lnSpc>
+                <a:spcPct val="90000"/>
+              </a:lnSpc>
+              <a:spcBef>
+                <a:spcPts val="600"/>
+              </a:spcBef>
+              <a:buFont typeface="Euphemia" pitchFamily="34" charset="0"/>
+              <a:buChar char="›"/>
+              <a:defRPr sz="2000" kern="1200">
+                <a:solidFill>
+                  <a:schemeClr val="tx1"/>
+                </a:solidFill>
+                <a:latin typeface="微软雅黑" panose="020B0503020204020204" pitchFamily="34" charset="-122"/>
+                <a:ea typeface="微软雅黑" panose="020B0503020204020204" pitchFamily="34" charset="-122"/>
+                <a:cs typeface="+mn-cs"/>
+              </a:defRPr>
+            </a:lvl3pPr>
+            <a:lvl4pPr marL="1344168" indent="-246888" algn="l" defTabSz="914400" rtl="0" eaLnBrk="1" latinLnBrk="0" hangingPunct="1">
+              <a:lnSpc>
+                <a:spcPct val="90000"/>
+              </a:lnSpc>
+              <a:spcBef>
+                <a:spcPts val="600"/>
+              </a:spcBef>
+              <a:buFont typeface="Arial" pitchFamily="34" charset="0"/>
+              <a:buChar char="–"/>
+              <a:defRPr sz="1800" kern="1200">
+                <a:solidFill>
+                  <a:schemeClr val="tx1"/>
+                </a:solidFill>
+                <a:latin typeface="微软雅黑" panose="020B0503020204020204" pitchFamily="34" charset="-122"/>
+                <a:ea typeface="微软雅黑" panose="020B0503020204020204" pitchFamily="34" charset="-122"/>
+                <a:cs typeface="+mn-cs"/>
+              </a:defRPr>
+            </a:lvl4pPr>
+            <a:lvl5pPr marL="1709928" indent="-246888" algn="l" defTabSz="914400" rtl="0" eaLnBrk="1" latinLnBrk="0" hangingPunct="1">
+              <a:lnSpc>
+                <a:spcPct val="90000"/>
+              </a:lnSpc>
+              <a:spcBef>
+                <a:spcPts val="600"/>
+              </a:spcBef>
+              <a:buFont typeface="Euphemia" pitchFamily="34" charset="0"/>
+              <a:buChar char="›"/>
+              <a:defRPr sz="1800" kern="1200">
+                <a:solidFill>
+                  <a:schemeClr val="tx1"/>
+                </a:solidFill>
+                <a:latin typeface="微软雅黑" panose="020B0503020204020204" pitchFamily="34" charset="-122"/>
+                <a:ea typeface="微软雅黑" panose="020B0503020204020204" pitchFamily="34" charset="-122"/>
+                <a:cs typeface="+mn-cs"/>
+              </a:defRPr>
+            </a:lvl5pPr>
+            <a:lvl6pPr marL="2075688" indent="-246888" algn="l" defTabSz="914400" rtl="0" eaLnBrk="1" latinLnBrk="0" hangingPunct="1">
+              <a:lnSpc>
+                <a:spcPct val="90000"/>
+              </a:lnSpc>
+              <a:spcBef>
+                <a:spcPts val="600"/>
+              </a:spcBef>
+              <a:buFont typeface="Euphemia" pitchFamily="34" charset="0"/>
+              <a:buChar char="–"/>
+              <a:defRPr sz="1800" kern="1200">
+                <a:solidFill>
+                  <a:schemeClr val="tx1"/>
+                </a:solidFill>
+                <a:latin typeface="+mn-lt"/>
+                <a:ea typeface="+mn-ea"/>
+                <a:cs typeface="+mn-cs"/>
+              </a:defRPr>
+            </a:lvl6pPr>
+            <a:lvl7pPr marL="2441448" indent="-246888" algn="l" defTabSz="914400" rtl="0" eaLnBrk="1" latinLnBrk="0" hangingPunct="1">
+              <a:lnSpc>
+                <a:spcPct val="90000"/>
+              </a:lnSpc>
+              <a:spcBef>
+                <a:spcPts val="600"/>
+              </a:spcBef>
+              <a:buFont typeface="Euphemia" pitchFamily="34" charset="0"/>
+              <a:buChar char="›"/>
+              <a:defRPr sz="1800" kern="1200">
+                <a:solidFill>
+                  <a:schemeClr val="tx1"/>
+                </a:solidFill>
+                <a:latin typeface="+mn-lt"/>
+                <a:ea typeface="+mn-ea"/>
+                <a:cs typeface="+mn-cs"/>
+              </a:defRPr>
+            </a:lvl7pPr>
+            <a:lvl8pPr marL="2807208" indent="-246888" algn="l" defTabSz="914400" rtl="0" eaLnBrk="1" latinLnBrk="0" hangingPunct="1">
+              <a:lnSpc>
+                <a:spcPct val="90000"/>
+              </a:lnSpc>
+              <a:spcBef>
+                <a:spcPts val="600"/>
+              </a:spcBef>
+              <a:buFont typeface="Euphemia" pitchFamily="34" charset="0"/>
+              <a:buChar char="–"/>
+              <a:defRPr sz="1800" kern="1200" baseline="0">
+                <a:solidFill>
+                  <a:schemeClr val="tx1"/>
+                </a:solidFill>
+                <a:latin typeface="+mn-lt"/>
+                <a:ea typeface="+mn-ea"/>
+                <a:cs typeface="+mn-cs"/>
+              </a:defRPr>
+            </a:lvl8pPr>
+            <a:lvl9pPr marL="3172968" indent="-246888" algn="l" defTabSz="914400" rtl="0" eaLnBrk="1" latinLnBrk="0" hangingPunct="1">
+              <a:lnSpc>
+                <a:spcPct val="90000"/>
+              </a:lnSpc>
+              <a:spcBef>
+                <a:spcPts val="600"/>
+              </a:spcBef>
+              <a:buFont typeface="Euphemia" pitchFamily="34" charset="0"/>
+              <a:buChar char="›"/>
+              <a:defRPr sz="1800" kern="1200" baseline="0">
+                <a:solidFill>
+                  <a:schemeClr val="tx1"/>
+                </a:solidFill>
+                <a:latin typeface="+mn-lt"/>
+                <a:ea typeface="+mn-ea"/>
+                <a:cs typeface="+mn-cs"/>
+              </a:defRPr>
+            </a:lvl9pPr>
+          </a:lstStyle>
+          <a:p>
+            <a:r>
+              <a:rPr lang="zh-CN" altLang="en-US" sz="1400" b="1" dirty="0">
+                <a:solidFill>
+                  <a:schemeClr val="accent4"/>
                 </a:solidFill>
               </a:rPr>
-              <a:t>傅里叶变换 和 最小二乘逼近 的关系是什么？（分析数学→线性代数的跨域）</a:t>
+              <a:t>感性认知</a:t>
+            </a:r>
+            <a:endParaRPr lang="en-US" altLang="zh-CN" sz="1400" b="1" dirty="0">
+              <a:solidFill>
+                <a:schemeClr val="accent4"/>
+              </a:solidFill>
+            </a:endParaRPr>
+          </a:p>
+          <a:p>
+            <a:pPr lvl="1"/>
+            <a:r>
+              <a:rPr lang="zh-CN" altLang="en-US" sz="1400" dirty="0"/>
+              <a:t>积分都是什么？（感性、具象）</a:t>
             </a:r>
           </a:p>
         </p:txBody>
@@ -14159,93 +14626,37 @@
                             </p:stCondLst>
                             <p:childTnLst>
                               <p:par>
-                                <p:cTn id="5" presetID="7" presetClass="emph" presetSubtype="2" fill="hold" nodeType="clickEffect">
+                                <p:cTn id="5" presetID="16" presetClass="entr" presetSubtype="21" fill="hold" grpId="0" nodeType="clickEffect">
                                   <p:stCondLst>
                                     <p:cond delay="0"/>
                                   </p:stCondLst>
                                   <p:childTnLst>
-                                    <p:animClr clrSpc="rgb" dir="cw">
+                                    <p:set>
                                       <p:cBhvr>
-                                        <p:cTn id="6" dur="1000" fill="hold"/>
+                                        <p:cTn id="6" dur="1" fill="hold">
+                                          <p:stCondLst>
+                                            <p:cond delay="0"/>
+                                          </p:stCondLst>
+                                        </p:cTn>
                                         <p:tgtEl>
-                                          <p:spTgt spid="4"/>
+                                          <p:spTgt spid="10"/>
                                         </p:tgtEl>
                                         <p:attrNameLst>
-                                          <p:attrName>stroke.color</p:attrName>
+                                          <p:attrName>style.visibility</p:attrName>
                                         </p:attrNameLst>
                                       </p:cBhvr>
                                       <p:to>
-                                        <a:schemeClr val="accent2"/>
-                                      </p:to>
-                                    </p:animClr>
-                                    <p:set>
-                                      <p:cBhvr>
-                                        <p:cTn id="7" dur="1000" fill="hold"/>
-                                        <p:tgtEl>
-                                          <p:spTgt spid="4"/>
-                                        </p:tgtEl>
-                                        <p:attrNameLst>
-                                          <p:attrName>stroke.on</p:attrName>
-                                        </p:attrNameLst>
-                                      </p:cBhvr>
-                                      <p:to>
-                                        <p:strVal val="true"/>
+                                        <p:strVal val="visible"/>
                                       </p:to>
                                     </p:set>
-                                  </p:childTnLst>
-                                </p:cTn>
-                              </p:par>
-                              <p:par>
-                                <p:cTn id="8" presetID="3" presetClass="emph" presetSubtype="2" fill="hold" nodeType="withEffect">
-                                  <p:stCondLst>
-                                    <p:cond delay="0"/>
-                                  </p:stCondLst>
-                                  <p:childTnLst>
-                                    <p:animClr clrSpc="rgb" dir="cw">
-                                      <p:cBhvr override="childStyle">
-                                        <p:cTn id="9" dur="1000" fill="hold"/>
+                                    <p:animEffect transition="in" filter="barn(inVertical)">
+                                      <p:cBhvr>
+                                        <p:cTn id="7" dur="500"/>
                                         <p:tgtEl>
-                                          <p:spTgt spid="4">
-                                            <p:txEl>
-                                              <p:pRg st="0" end="0"/>
-                                            </p:txEl>
-                                          </p:spTgt>
+                                          <p:spTgt spid="10"/>
                                         </p:tgtEl>
-                                        <p:attrNameLst>
-                                          <p:attrName>style.color</p:attrName>
-                                        </p:attrNameLst>
                                       </p:cBhvr>
-                                      <p:to>
-                                        <a:srgbClr val="465562"/>
-                                      </p:to>
-                                    </p:animClr>
-                                  </p:childTnLst>
-                                </p:cTn>
-                              </p:par>
-                              <p:par>
-                                <p:cTn id="10" presetID="3" presetClass="emph" presetSubtype="2" fill="hold" nodeType="withEffect">
-                                  <p:stCondLst>
-                                    <p:cond delay="0"/>
-                                  </p:stCondLst>
-                                  <p:childTnLst>
-                                    <p:animClr clrSpc="rgb" dir="cw">
-                                      <p:cBhvr override="childStyle">
-                                        <p:cTn id="11" dur="1000" fill="hold"/>
-                                        <p:tgtEl>
-                                          <p:spTgt spid="4">
-                                            <p:txEl>
-                                              <p:pRg st="1" end="1"/>
-                                            </p:txEl>
-                                          </p:spTgt>
-                                        </p:tgtEl>
-                                        <p:attrNameLst>
-                                          <p:attrName>style.color</p:attrName>
-                                        </p:attrNameLst>
-                                      </p:cBhvr>
-                                      <p:to>
-                                        <a:srgbClr val="465562"/>
-                                      </p:to>
-                                    </p:animClr>
+                                    </p:animEffect>
                                   </p:childTnLst>
                                 </p:cTn>
                               </p:par>
@@ -14256,196 +14667,49 @@
                     </p:cTn>
                   </p:par>
                   <p:par>
-                    <p:cTn id="12" fill="hold">
+                    <p:cTn id="8" fill="hold">
                       <p:stCondLst>
                         <p:cond delay="indefinite"/>
                       </p:stCondLst>
                       <p:childTnLst>
                         <p:par>
-                          <p:cTn id="13" fill="hold">
+                          <p:cTn id="9" fill="hold">
                             <p:stCondLst>
                               <p:cond delay="0"/>
                             </p:stCondLst>
                             <p:childTnLst>
                               <p:par>
-                                <p:cTn id="14" presetID="7" presetClass="emph" presetSubtype="2" fill="hold" nodeType="clickEffect">
+                                <p:cTn id="10" presetID="16" presetClass="entr" presetSubtype="21" fill="hold" grpId="0" nodeType="clickEffect">
                                   <p:stCondLst>
                                     <p:cond delay="0"/>
                                   </p:stCondLst>
                                   <p:childTnLst>
-                                    <p:animClr clrSpc="rgb" dir="cw">
+                                    <p:set>
                                       <p:cBhvr>
-                                        <p:cTn id="15" dur="1000" fill="hold"/>
+                                        <p:cTn id="11" dur="1" fill="hold">
+                                          <p:stCondLst>
+                                            <p:cond delay="0"/>
+                                          </p:stCondLst>
+                                        </p:cTn>
                                         <p:tgtEl>
                                           <p:spTgt spid="6"/>
                                         </p:tgtEl>
                                         <p:attrNameLst>
-                                          <p:attrName>stroke.color</p:attrName>
+                                          <p:attrName>style.visibility</p:attrName>
                                         </p:attrNameLst>
                                       </p:cBhvr>
                                       <p:to>
-                                        <a:schemeClr val="accent2"/>
+                                        <p:strVal val="visible"/>
                                       </p:to>
-                                    </p:animClr>
-                                    <p:set>
+                                    </p:set>
+                                    <p:animEffect transition="in" filter="barn(inVertical)">
                                       <p:cBhvr>
-                                        <p:cTn id="16" dur="1000" fill="hold"/>
+                                        <p:cTn id="12" dur="500"/>
                                         <p:tgtEl>
                                           <p:spTgt spid="6"/>
                                         </p:tgtEl>
-                                        <p:attrNameLst>
-                                          <p:attrName>stroke.on</p:attrName>
-                                        </p:attrNameLst>
                                       </p:cBhvr>
-                                      <p:to>
-                                        <p:strVal val="true"/>
-                                      </p:to>
-                                    </p:set>
-                                  </p:childTnLst>
-                                </p:cTn>
-                              </p:par>
-                              <p:par>
-                                <p:cTn id="17" presetID="3" presetClass="emph" presetSubtype="2" fill="hold" nodeType="withEffect">
-                                  <p:stCondLst>
-                                    <p:cond delay="0"/>
-                                  </p:stCondLst>
-                                  <p:childTnLst>
-                                    <p:animClr clrSpc="rgb" dir="cw">
-                                      <p:cBhvr override="childStyle">
-                                        <p:cTn id="18" dur="1000" fill="hold"/>
-                                        <p:tgtEl>
-                                          <p:spTgt spid="6">
-                                            <p:txEl>
-                                              <p:pRg st="0" end="0"/>
-                                            </p:txEl>
-                                          </p:spTgt>
-                                        </p:tgtEl>
-                                        <p:attrNameLst>
-                                          <p:attrName>style.color</p:attrName>
-                                        </p:attrNameLst>
-                                      </p:cBhvr>
-                                      <p:to>
-                                        <a:srgbClr val="465562"/>
-                                      </p:to>
-                                    </p:animClr>
-                                  </p:childTnLst>
-                                </p:cTn>
-                              </p:par>
-                              <p:par>
-                                <p:cTn id="19" presetID="3" presetClass="emph" presetSubtype="2" fill="hold" nodeType="withEffect">
-                                  <p:stCondLst>
-                                    <p:cond delay="0"/>
-                                  </p:stCondLst>
-                                  <p:childTnLst>
-                                    <p:animClr clrSpc="rgb" dir="cw">
-                                      <p:cBhvr override="childStyle">
-                                        <p:cTn id="20" dur="1000" fill="hold"/>
-                                        <p:tgtEl>
-                                          <p:spTgt spid="6">
-                                            <p:txEl>
-                                              <p:pRg st="1" end="1"/>
-                                            </p:txEl>
-                                          </p:spTgt>
-                                        </p:tgtEl>
-                                        <p:attrNameLst>
-                                          <p:attrName>style.color</p:attrName>
-                                        </p:attrNameLst>
-                                      </p:cBhvr>
-                                      <p:to>
-                                        <a:srgbClr val="465562"/>
-                                      </p:to>
-                                    </p:animClr>
-                                  </p:childTnLst>
-                                </p:cTn>
-                              </p:par>
-                              <p:par>
-                                <p:cTn id="21" presetID="7" presetClass="emph" presetSubtype="2" fill="hold" nodeType="withEffect">
-                                  <p:stCondLst>
-                                    <p:cond delay="0"/>
-                                  </p:stCondLst>
-                                  <p:childTnLst>
-                                    <p:animClr clrSpc="rgb" dir="cw">
-                                      <p:cBhvr>
-                                        <p:cTn id="22" dur="1000" fill="hold"/>
-                                        <p:tgtEl>
-                                          <p:spTgt spid="4"/>
-                                        </p:tgtEl>
-                                        <p:attrNameLst>
-                                          <p:attrName>stroke.color</p:attrName>
-                                        </p:attrNameLst>
-                                      </p:cBhvr>
-                                      <p:to>
-                                        <a:srgbClr val="F2ECE2"/>
-                                      </p:to>
-                                    </p:animClr>
-                                    <p:set>
-                                      <p:cBhvr>
-                                        <p:cTn id="23" dur="1000" fill="hold"/>
-                                        <p:tgtEl>
-                                          <p:spTgt spid="4"/>
-                                        </p:tgtEl>
-                                        <p:attrNameLst>
-                                          <p:attrName>stroke.on</p:attrName>
-                                        </p:attrNameLst>
-                                      </p:cBhvr>
-                                      <p:to>
-                                        <p:strVal val="true"/>
-                                      </p:to>
-                                    </p:set>
-                                  </p:childTnLst>
-                                </p:cTn>
-                              </p:par>
-                              <p:par>
-                                <p:cTn id="24" presetID="3" presetClass="emph" presetSubtype="2" fill="hold" nodeType="withEffect">
-                                  <p:stCondLst>
-                                    <p:cond delay="0"/>
-                                  </p:stCondLst>
-                                  <p:childTnLst>
-                                    <p:animClr clrSpc="rgb" dir="cw">
-                                      <p:cBhvr override="childStyle">
-                                        <p:cTn id="25" dur="1000" fill="hold"/>
-                                        <p:tgtEl>
-                                          <p:spTgt spid="4">
-                                            <p:txEl>
-                                              <p:pRg st="0" end="0"/>
-                                            </p:txEl>
-                                          </p:spTgt>
-                                        </p:tgtEl>
-                                        <p:attrNameLst>
-                                          <p:attrName>style.color</p:attrName>
-                                        </p:attrNameLst>
-                                      </p:cBhvr>
-                                      <p:to>
-                                        <a:srgbClr val="F2ECE2"/>
-                                      </p:to>
-                                    </p:animClr>
-                                  </p:childTnLst>
-                                </p:cTn>
-                              </p:par>
-                              <p:par>
-                                <p:cTn id="26" presetID="3" presetClass="emph" presetSubtype="2" fill="hold" nodeType="withEffect">
-                                  <p:stCondLst>
-                                    <p:cond delay="0"/>
-                                  </p:stCondLst>
-                                  <p:childTnLst>
-                                    <p:animClr clrSpc="rgb" dir="cw">
-                                      <p:cBhvr override="childStyle">
-                                        <p:cTn id="27" dur="1000" fill="hold"/>
-                                        <p:tgtEl>
-                                          <p:spTgt spid="4">
-                                            <p:txEl>
-                                              <p:pRg st="1" end="1"/>
-                                            </p:txEl>
-                                          </p:spTgt>
-                                        </p:tgtEl>
-                                        <p:attrNameLst>
-                                          <p:attrName>style.color</p:attrName>
-                                        </p:attrNameLst>
-                                      </p:cBhvr>
-                                      <p:to>
-                                        <a:srgbClr val="F2ECE2"/>
-                                      </p:to>
-                                    </p:animClr>
+                                    </p:animEffect>
                                   </p:childTnLst>
                                 </p:cTn>
                               </p:par>
@@ -14456,277 +14720,49 @@
                     </p:cTn>
                   </p:par>
                   <p:par>
-                    <p:cTn id="28" fill="hold">
+                    <p:cTn id="13" fill="hold">
                       <p:stCondLst>
                         <p:cond delay="indefinite"/>
                       </p:stCondLst>
                       <p:childTnLst>
                         <p:par>
-                          <p:cTn id="29" fill="hold">
+                          <p:cTn id="14" fill="hold">
                             <p:stCondLst>
                               <p:cond delay="0"/>
                             </p:stCondLst>
                             <p:childTnLst>
                               <p:par>
-                                <p:cTn id="30" presetID="7" presetClass="emph" presetSubtype="2" fill="hold" nodeType="clickEffect">
+                                <p:cTn id="15" presetID="16" presetClass="entr" presetSubtype="21" fill="hold" grpId="0" nodeType="clickEffect">
                                   <p:stCondLst>
                                     <p:cond delay="0"/>
                                   </p:stCondLst>
                                   <p:childTnLst>
-                                    <p:animClr clrSpc="rgb" dir="cw">
+                                    <p:set>
                                       <p:cBhvr>
-                                        <p:cTn id="31" dur="1000" fill="hold"/>
+                                        <p:cTn id="16" dur="1" fill="hold">
+                                          <p:stCondLst>
+                                            <p:cond delay="0"/>
+                                          </p:stCondLst>
+                                        </p:cTn>
                                         <p:tgtEl>
                                           <p:spTgt spid="7"/>
                                         </p:tgtEl>
                                         <p:attrNameLst>
-                                          <p:attrName>stroke.color</p:attrName>
+                                          <p:attrName>style.visibility</p:attrName>
                                         </p:attrNameLst>
                                       </p:cBhvr>
                                       <p:to>
-                                        <a:schemeClr val="accent2"/>
+                                        <p:strVal val="visible"/>
                                       </p:to>
-                                    </p:animClr>
-                                    <p:set>
+                                    </p:set>
+                                    <p:animEffect transition="in" filter="barn(inVertical)">
                                       <p:cBhvr>
-                                        <p:cTn id="32" dur="1000" fill="hold"/>
+                                        <p:cTn id="17" dur="500"/>
                                         <p:tgtEl>
                                           <p:spTgt spid="7"/>
                                         </p:tgtEl>
-                                        <p:attrNameLst>
-                                          <p:attrName>stroke.on</p:attrName>
-                                        </p:attrNameLst>
                                       </p:cBhvr>
-                                      <p:to>
-                                        <p:strVal val="true"/>
-                                      </p:to>
-                                    </p:set>
-                                  </p:childTnLst>
-                                </p:cTn>
-                              </p:par>
-                              <p:par>
-                                <p:cTn id="33" presetID="3" presetClass="emph" presetSubtype="2" fill="hold" nodeType="withEffect">
-                                  <p:stCondLst>
-                                    <p:cond delay="0"/>
-                                  </p:stCondLst>
-                                  <p:childTnLst>
-                                    <p:animClr clrSpc="rgb" dir="cw">
-                                      <p:cBhvr override="childStyle">
-                                        <p:cTn id="34" dur="1000" fill="hold"/>
-                                        <p:tgtEl>
-                                          <p:spTgt spid="7">
-                                            <p:txEl>
-                                              <p:pRg st="0" end="0"/>
-                                            </p:txEl>
-                                          </p:spTgt>
-                                        </p:tgtEl>
-                                        <p:attrNameLst>
-                                          <p:attrName>style.color</p:attrName>
-                                        </p:attrNameLst>
-                                      </p:cBhvr>
-                                      <p:to>
-                                        <a:srgbClr val="465562"/>
-                                      </p:to>
-                                    </p:animClr>
-                                  </p:childTnLst>
-                                </p:cTn>
-                              </p:par>
-                              <p:par>
-                                <p:cTn id="35" presetID="3" presetClass="emph" presetSubtype="2" fill="hold" nodeType="withEffect">
-                                  <p:stCondLst>
-                                    <p:cond delay="0"/>
-                                  </p:stCondLst>
-                                  <p:childTnLst>
-                                    <p:animClr clrSpc="rgb" dir="cw">
-                                      <p:cBhvr override="childStyle">
-                                        <p:cTn id="36" dur="1000" fill="hold"/>
-                                        <p:tgtEl>
-                                          <p:spTgt spid="7">
-                                            <p:txEl>
-                                              <p:pRg st="1" end="1"/>
-                                            </p:txEl>
-                                          </p:spTgt>
-                                        </p:tgtEl>
-                                        <p:attrNameLst>
-                                          <p:attrName>style.color</p:attrName>
-                                        </p:attrNameLst>
-                                      </p:cBhvr>
-                                      <p:to>
-                                        <a:srgbClr val="465562"/>
-                                      </p:to>
-                                    </p:animClr>
-                                  </p:childTnLst>
-                                </p:cTn>
-                              </p:par>
-                              <p:par>
-                                <p:cTn id="37" presetID="3" presetClass="emph" presetSubtype="2" fill="hold" nodeType="withEffect">
-                                  <p:stCondLst>
-                                    <p:cond delay="0"/>
-                                  </p:stCondLst>
-                                  <p:childTnLst>
-                                    <p:animClr clrSpc="rgb" dir="cw">
-                                      <p:cBhvr override="childStyle">
-                                        <p:cTn id="38" dur="2000" fill="hold"/>
-                                        <p:tgtEl>
-                                          <p:spTgt spid="7">
-                                            <p:txEl>
-                                              <p:pRg st="2" end="2"/>
-                                            </p:txEl>
-                                          </p:spTgt>
-                                        </p:tgtEl>
-                                        <p:attrNameLst>
-                                          <p:attrName>style.color</p:attrName>
-                                        </p:attrNameLst>
-                                      </p:cBhvr>
-                                      <p:to>
-                                        <a:srgbClr val="465562"/>
-                                      </p:to>
-                                    </p:animClr>
-                                  </p:childTnLst>
-                                </p:cTn>
-                              </p:par>
-                              <p:par>
-                                <p:cTn id="39" presetID="3" presetClass="emph" presetSubtype="2" fill="hold" nodeType="withEffect">
-                                  <p:stCondLst>
-                                    <p:cond delay="0"/>
-                                  </p:stCondLst>
-                                  <p:childTnLst>
-                                    <p:animClr clrSpc="rgb" dir="cw">
-                                      <p:cBhvr override="childStyle">
-                                        <p:cTn id="40" dur="2000" fill="hold"/>
-                                        <p:tgtEl>
-                                          <p:spTgt spid="7">
-                                            <p:txEl>
-                                              <p:pRg st="3" end="3"/>
-                                            </p:txEl>
-                                          </p:spTgt>
-                                        </p:tgtEl>
-                                        <p:attrNameLst>
-                                          <p:attrName>style.color</p:attrName>
-                                        </p:attrNameLst>
-                                      </p:cBhvr>
-                                      <p:to>
-                                        <a:srgbClr val="465562"/>
-                                      </p:to>
-                                    </p:animClr>
-                                  </p:childTnLst>
-                                </p:cTn>
-                              </p:par>
-                              <p:par>
-                                <p:cTn id="41" presetID="3" presetClass="emph" presetSubtype="2" fill="hold" nodeType="withEffect">
-                                  <p:stCondLst>
-                                    <p:cond delay="0"/>
-                                  </p:stCondLst>
-                                  <p:childTnLst>
-                                    <p:animClr clrSpc="rgb" dir="cw">
-                                      <p:cBhvr override="childStyle">
-                                        <p:cTn id="42" dur="2000" fill="hold"/>
-                                        <p:tgtEl>
-                                          <p:spTgt spid="7">
-                                            <p:txEl>
-                                              <p:pRg st="4" end="4"/>
-                                            </p:txEl>
-                                          </p:spTgt>
-                                        </p:tgtEl>
-                                        <p:attrNameLst>
-                                          <p:attrName>style.color</p:attrName>
-                                        </p:attrNameLst>
-                                      </p:cBhvr>
-                                      <p:to>
-                                        <a:srgbClr val="465562"/>
-                                      </p:to>
-                                    </p:animClr>
-                                  </p:childTnLst>
-                                </p:cTn>
-                              </p:par>
-                              <p:par>
-                                <p:cTn id="43" presetID="7" presetClass="emph" presetSubtype="2" fill="hold" nodeType="withEffect">
-                                  <p:stCondLst>
-                                    <p:cond delay="0"/>
-                                  </p:stCondLst>
-                                  <p:childTnLst>
-                                    <p:animClr clrSpc="rgb" dir="cw">
-                                      <p:cBhvr>
-                                        <p:cTn id="44" dur="1000" fill="hold"/>
-                                        <p:tgtEl>
-                                          <p:spTgt spid="6"/>
-                                        </p:tgtEl>
-                                        <p:attrNameLst>
-                                          <p:attrName>stroke.color</p:attrName>
-                                        </p:attrNameLst>
-                                      </p:cBhvr>
-                                      <p:to>
-                                        <a:srgbClr val="F2ECE2"/>
-                                      </p:to>
-                                    </p:animClr>
-                                    <p:set>
-                                      <p:cBhvr>
-                                        <p:cTn id="45" dur="1000" fill="hold"/>
-                                        <p:tgtEl>
-                                          <p:spTgt spid="6"/>
-                                        </p:tgtEl>
-                                        <p:attrNameLst>
-                                          <p:attrName>stroke.on</p:attrName>
-                                        </p:attrNameLst>
-                                      </p:cBhvr>
-                                      <p:to>
-                                        <p:strVal val="true"/>
-                                      </p:to>
-                                    </p:set>
-                                  </p:childTnLst>
-                                </p:cTn>
-                              </p:par>
-                              <p:par>
-                                <p:cTn id="46" presetID="3" presetClass="emph" presetSubtype="2" fill="hold" nodeType="withEffect">
-                                  <p:stCondLst>
-                                    <p:cond delay="0"/>
-                                  </p:stCondLst>
-                                  <p:childTnLst>
-                                    <p:animClr clrSpc="rgb" dir="cw">
-                                      <p:cBhvr override="childStyle">
-                                        <p:cTn id="47" dur="1000" fill="hold"/>
-                                        <p:tgtEl>
-                                          <p:spTgt spid="6">
-                                            <p:txEl>
-                                              <p:pRg st="0" end="0"/>
-                                            </p:txEl>
-                                          </p:spTgt>
-                                        </p:tgtEl>
-                                        <p:attrNameLst>
-                                          <p:attrName>style.color</p:attrName>
-                                        </p:attrNameLst>
-                                      </p:cBhvr>
-                                      <p:to>
-                                        <a:srgbClr val="F2ECE2"/>
-                                      </p:to>
-                                    </p:animClr>
-                                  </p:childTnLst>
-                                </p:cTn>
-                              </p:par>
-                              <p:par>
-                                <p:cTn id="48" presetID="3" presetClass="emph" presetSubtype="2" fill="hold" nodeType="withEffect">
-                                  <p:stCondLst>
-                                    <p:cond delay="0"/>
-                                  </p:stCondLst>
-                                  <p:childTnLst>
-                                    <p:animClr clrSpc="rgb" dir="cw">
-                                      <p:cBhvr override="childStyle">
-                                        <p:cTn id="49" dur="1000" fill="hold"/>
-                                        <p:tgtEl>
-                                          <p:spTgt spid="6">
-                                            <p:txEl>
-                                              <p:pRg st="1" end="1"/>
-                                            </p:txEl>
-                                          </p:spTgt>
-                                        </p:tgtEl>
-                                        <p:attrNameLst>
-                                          <p:attrName>style.color</p:attrName>
-                                        </p:attrNameLst>
-                                      </p:cBhvr>
-                                      <p:to>
-                                        <a:srgbClr val="F2ECE2"/>
-                                      </p:to>
-                                    </p:animClr>
+                                    </p:animEffect>
                                   </p:childTnLst>
                                 </p:cTn>
                               </p:par>
@@ -14737,277 +14773,49 @@
                     </p:cTn>
                   </p:par>
                   <p:par>
-                    <p:cTn id="50" fill="hold">
+                    <p:cTn id="18" fill="hold">
                       <p:stCondLst>
                         <p:cond delay="indefinite"/>
                       </p:stCondLst>
                       <p:childTnLst>
                         <p:par>
-                          <p:cTn id="51" fill="hold">
+                          <p:cTn id="19" fill="hold">
                             <p:stCondLst>
                               <p:cond delay="0"/>
                             </p:stCondLst>
                             <p:childTnLst>
                               <p:par>
-                                <p:cTn id="52" presetID="7" presetClass="emph" presetSubtype="2" fill="hold" nodeType="clickEffect">
+                                <p:cTn id="20" presetID="16" presetClass="entr" presetSubtype="21" fill="hold" grpId="0" nodeType="clickEffect">
                                   <p:stCondLst>
                                     <p:cond delay="0"/>
                                   </p:stCondLst>
                                   <p:childTnLst>
-                                    <p:animClr clrSpc="rgb" dir="cw">
+                                    <p:set>
                                       <p:cBhvr>
-                                        <p:cTn id="53" dur="1000" fill="hold"/>
+                                        <p:cTn id="21" dur="1" fill="hold">
+                                          <p:stCondLst>
+                                            <p:cond delay="0"/>
+                                          </p:stCondLst>
+                                        </p:cTn>
                                         <p:tgtEl>
                                           <p:spTgt spid="8"/>
                                         </p:tgtEl>
                                         <p:attrNameLst>
-                                          <p:attrName>stroke.color</p:attrName>
+                                          <p:attrName>style.visibility</p:attrName>
                                         </p:attrNameLst>
                                       </p:cBhvr>
                                       <p:to>
-                                        <a:schemeClr val="accent2"/>
+                                        <p:strVal val="visible"/>
                                       </p:to>
-                                    </p:animClr>
-                                    <p:set>
+                                    </p:set>
+                                    <p:animEffect transition="in" filter="barn(inVertical)">
                                       <p:cBhvr>
-                                        <p:cTn id="54" dur="1000" fill="hold"/>
+                                        <p:cTn id="22" dur="500"/>
                                         <p:tgtEl>
                                           <p:spTgt spid="8"/>
                                         </p:tgtEl>
-                                        <p:attrNameLst>
-                                          <p:attrName>stroke.on</p:attrName>
-                                        </p:attrNameLst>
                                       </p:cBhvr>
-                                      <p:to>
-                                        <p:strVal val="true"/>
-                                      </p:to>
-                                    </p:set>
-                                  </p:childTnLst>
-                                </p:cTn>
-                              </p:par>
-                              <p:par>
-                                <p:cTn id="55" presetID="3" presetClass="emph" presetSubtype="2" fill="hold" nodeType="withEffect">
-                                  <p:stCondLst>
-                                    <p:cond delay="0"/>
-                                  </p:stCondLst>
-                                  <p:childTnLst>
-                                    <p:animClr clrSpc="rgb" dir="cw">
-                                      <p:cBhvr override="childStyle">
-                                        <p:cTn id="56" dur="1000" fill="hold"/>
-                                        <p:tgtEl>
-                                          <p:spTgt spid="8">
-                                            <p:txEl>
-                                              <p:pRg st="0" end="0"/>
-                                            </p:txEl>
-                                          </p:spTgt>
-                                        </p:tgtEl>
-                                        <p:attrNameLst>
-                                          <p:attrName>style.color</p:attrName>
-                                        </p:attrNameLst>
-                                      </p:cBhvr>
-                                      <p:to>
-                                        <a:srgbClr val="465562"/>
-                                      </p:to>
-                                    </p:animClr>
-                                  </p:childTnLst>
-                                </p:cTn>
-                              </p:par>
-                              <p:par>
-                                <p:cTn id="57" presetID="3" presetClass="emph" presetSubtype="2" fill="hold" nodeType="withEffect">
-                                  <p:stCondLst>
-                                    <p:cond delay="0"/>
-                                  </p:stCondLst>
-                                  <p:childTnLst>
-                                    <p:animClr clrSpc="rgb" dir="cw">
-                                      <p:cBhvr override="childStyle">
-                                        <p:cTn id="58" dur="1000" fill="hold"/>
-                                        <p:tgtEl>
-                                          <p:spTgt spid="8">
-                                            <p:txEl>
-                                              <p:pRg st="1" end="1"/>
-                                            </p:txEl>
-                                          </p:spTgt>
-                                        </p:tgtEl>
-                                        <p:attrNameLst>
-                                          <p:attrName>style.color</p:attrName>
-                                        </p:attrNameLst>
-                                      </p:cBhvr>
-                                      <p:to>
-                                        <a:srgbClr val="465562"/>
-                                      </p:to>
-                                    </p:animClr>
-                                  </p:childTnLst>
-                                </p:cTn>
-                              </p:par>
-                              <p:par>
-                                <p:cTn id="59" presetID="7" presetClass="emph" presetSubtype="2" fill="hold" nodeType="withEffect">
-                                  <p:stCondLst>
-                                    <p:cond delay="0"/>
-                                  </p:stCondLst>
-                                  <p:childTnLst>
-                                    <p:animClr clrSpc="rgb" dir="cw">
-                                      <p:cBhvr>
-                                        <p:cTn id="60" dur="1000" fill="hold"/>
-                                        <p:tgtEl>
-                                          <p:spTgt spid="7"/>
-                                        </p:tgtEl>
-                                        <p:attrNameLst>
-                                          <p:attrName>stroke.color</p:attrName>
-                                        </p:attrNameLst>
-                                      </p:cBhvr>
-                                      <p:to>
-                                        <a:srgbClr val="F2ECE2"/>
-                                      </p:to>
-                                    </p:animClr>
-                                    <p:set>
-                                      <p:cBhvr>
-                                        <p:cTn id="61" dur="1000" fill="hold"/>
-                                        <p:tgtEl>
-                                          <p:spTgt spid="7"/>
-                                        </p:tgtEl>
-                                        <p:attrNameLst>
-                                          <p:attrName>stroke.on</p:attrName>
-                                        </p:attrNameLst>
-                                      </p:cBhvr>
-                                      <p:to>
-                                        <p:strVal val="true"/>
-                                      </p:to>
-                                    </p:set>
-                                  </p:childTnLst>
-                                </p:cTn>
-                              </p:par>
-                              <p:par>
-                                <p:cTn id="62" presetID="3" presetClass="emph" presetSubtype="2" fill="hold" nodeType="withEffect">
-                                  <p:stCondLst>
-                                    <p:cond delay="0"/>
-                                  </p:stCondLst>
-                                  <p:childTnLst>
-                                    <p:animClr clrSpc="rgb" dir="cw">
-                                      <p:cBhvr override="childStyle">
-                                        <p:cTn id="63" dur="1000" fill="hold"/>
-                                        <p:tgtEl>
-                                          <p:spTgt spid="7">
-                                            <p:txEl>
-                                              <p:pRg st="0" end="0"/>
-                                            </p:txEl>
-                                          </p:spTgt>
-                                        </p:tgtEl>
-                                        <p:attrNameLst>
-                                          <p:attrName>style.color</p:attrName>
-                                        </p:attrNameLst>
-                                      </p:cBhvr>
-                                      <p:to>
-                                        <a:srgbClr val="F2ECE2"/>
-                                      </p:to>
-                                    </p:animClr>
-                                  </p:childTnLst>
-                                </p:cTn>
-                              </p:par>
-                              <p:par>
-                                <p:cTn id="64" presetID="3" presetClass="emph" presetSubtype="2" fill="hold" nodeType="withEffect">
-                                  <p:stCondLst>
-                                    <p:cond delay="0"/>
-                                  </p:stCondLst>
-                                  <p:childTnLst>
-                                    <p:animClr clrSpc="rgb" dir="cw">
-                                      <p:cBhvr override="childStyle">
-                                        <p:cTn id="65" dur="1000" fill="hold"/>
-                                        <p:tgtEl>
-                                          <p:spTgt spid="7">
-                                            <p:txEl>
-                                              <p:pRg st="1" end="1"/>
-                                            </p:txEl>
-                                          </p:spTgt>
-                                        </p:tgtEl>
-                                        <p:attrNameLst>
-                                          <p:attrName>style.color</p:attrName>
-                                        </p:attrNameLst>
-                                      </p:cBhvr>
-                                      <p:to>
-                                        <a:srgbClr val="F2ECE2"/>
-                                      </p:to>
-                                    </p:animClr>
-                                  </p:childTnLst>
-                                </p:cTn>
-                              </p:par>
-                              <p:par>
-                                <p:cTn id="66" presetID="3" presetClass="emph" presetSubtype="2" fill="hold" nodeType="withEffect">
-                                  <p:stCondLst>
-                                    <p:cond delay="0"/>
-                                  </p:stCondLst>
-                                  <p:childTnLst>
-                                    <p:animClr clrSpc="rgb" dir="cw">
-                                      <p:cBhvr override="childStyle">
-                                        <p:cTn id="67" dur="1000" fill="hold"/>
-                                        <p:tgtEl>
-                                          <p:spTgt spid="7">
-                                            <p:txEl>
-                                              <p:pRg st="2" end="2"/>
-                                            </p:txEl>
-                                          </p:spTgt>
-                                        </p:tgtEl>
-                                        <p:attrNameLst>
-                                          <p:attrName>style.color</p:attrName>
-                                        </p:attrNameLst>
-                                      </p:cBhvr>
-                                      <p:to>
-                                        <a:srgbClr val="F2ECE2"/>
-                                      </p:to>
-                                    </p:animClr>
-                                  </p:childTnLst>
-                                </p:cTn>
-                              </p:par>
-                              <p:par>
-                                <p:cTn id="68" presetID="3" presetClass="emph" presetSubtype="2" fill="hold" nodeType="withEffect">
-                                  <p:stCondLst>
-                                    <p:cond delay="0"/>
-                                  </p:stCondLst>
-                                  <p:childTnLst>
-                                    <p:animClr clrSpc="rgb" dir="cw">
-                                      <p:cBhvr override="childStyle">
-                                        <p:cTn id="69" dur="1000" fill="hold"/>
-                                        <p:tgtEl>
-                                          <p:spTgt spid="7">
-                                            <p:txEl>
-                                              <p:pRg st="3" end="3"/>
-                                            </p:txEl>
-                                          </p:spTgt>
-                                        </p:tgtEl>
-                                        <p:attrNameLst>
-                                          <p:attrName>style.color</p:attrName>
-                                        </p:attrNameLst>
-                                      </p:cBhvr>
-                                      <p:to>
-                                        <a:srgbClr val="F2ECE2"/>
-                                      </p:to>
-                                    </p:animClr>
-                                  </p:childTnLst>
-                                </p:cTn>
-                              </p:par>
-                              <p:par>
-                                <p:cTn id="70" presetID="3" presetClass="emph" presetSubtype="2" fill="hold" nodeType="withEffect">
-                                  <p:stCondLst>
-                                    <p:cond delay="0"/>
-                                  </p:stCondLst>
-                                  <p:childTnLst>
-                                    <p:animClr clrSpc="rgb" dir="cw">
-                                      <p:cBhvr override="childStyle">
-                                        <p:cTn id="71" dur="1000" fill="hold"/>
-                                        <p:tgtEl>
-                                          <p:spTgt spid="7">
-                                            <p:txEl>
-                                              <p:pRg st="4" end="4"/>
-                                            </p:txEl>
-                                          </p:spTgt>
-                                        </p:tgtEl>
-                                        <p:attrNameLst>
-                                          <p:attrName>style.color</p:attrName>
-                                        </p:attrNameLst>
-                                      </p:cBhvr>
-                                      <p:to>
-                                        <a:srgbClr val="F2ECE2"/>
-                                      </p:to>
-                                    </p:animClr>
+                                    </p:animEffect>
                                   </p:childTnLst>
                                 </p:cTn>
                               </p:par>
@@ -15038,6 +14846,12 @@
         </p:cTn>
       </p:par>
     </p:tnLst>
+    <p:bldLst>
+      <p:bldP spid="6" grpId="0" animBg="1"/>
+      <p:bldP spid="7" grpId="0" animBg="1"/>
+      <p:bldP spid="8" grpId="0" animBg="1"/>
+      <p:bldP spid="10" grpId="0" animBg="1"/>
+    </p:bldLst>
   </p:timing>
 </p:sld>
 </file>
@@ -15253,8 +15067,24 @@
           <a:lstStyle/>
           <a:p>
             <a:r>
+              <a:rPr lang="zh-CN" altLang="en-US" sz="1200" b="1" dirty="0">
+                <a:solidFill>
+                  <a:schemeClr val="accent4"/>
+                </a:solidFill>
+              </a:rPr>
+              <a:t>抽象→具象</a:t>
+            </a:r>
+            <a:endParaRPr lang="en-US" altLang="zh-CN" sz="1200" b="1" dirty="0">
+              <a:solidFill>
+                <a:schemeClr val="accent4"/>
+              </a:solidFill>
+            </a:endParaRPr>
+          </a:p>
+          <a:p>
+            <a:pPr lvl="1"/>
+            <a:r>
               <a:rPr lang="zh-CN" altLang="en-US" sz="1200" dirty="0"/>
-              <a:t>抽象→具象</a:t>
+              <a:t>抽象概念具象化：先定一个小目标：能在纸上画出来。</a:t>
             </a:r>
             <a:endParaRPr lang="en-US" altLang="zh-CN" sz="1200" dirty="0"/>
           </a:p>
@@ -15262,22 +15092,14 @@
             <a:pPr lvl="1"/>
             <a:r>
               <a:rPr lang="zh-CN" altLang="en-US" sz="1200" dirty="0"/>
-              <a:t>抽象概念具象化，先定一个小目标：能在纸上画出来。</a:t>
-            </a:r>
-            <a:endParaRPr lang="en-US" altLang="zh-CN" sz="1200" dirty="0"/>
-          </a:p>
-          <a:p>
-            <a:pPr lvl="1"/>
-            <a:r>
-              <a:rPr lang="zh-CN" altLang="en-US" sz="1200" dirty="0"/>
-              <a:t>对维度和图形复杂度的限制：（二维）一个点、一根直线、一个圆；（三维）一个嵌入平面、一个球 等等，都可能会成为验证猜测的平凡例子，且容易验证。</a:t>
+              <a:t>限制维度和图形复杂度：（二维）一个点、一根直线、一个圆；（三维）一个嵌入平面、一个球 等等，都会成为容易验证猜测的平凡例子。</a:t>
             </a:r>
             <a:endParaRPr lang="en-US" altLang="zh-CN" sz="1200" dirty="0"/>
           </a:p>
         </p:txBody>
       </p:sp>
-      <mc:AlternateContent xmlns:mc="http://schemas.openxmlformats.org/markup-compatibility/2006" xmlns:a14="http://schemas.microsoft.com/office/drawing/2010/main">
-        <mc:Choice Requires="a14">
+      <mc:AlternateContent xmlns:mc="http://schemas.openxmlformats.org/markup-compatibility/2006">
+        <mc:Choice xmlns:a14="http://schemas.microsoft.com/office/drawing/2010/main" Requires="a14">
           <p:sp>
             <p:nvSpPr>
               <p:cNvPr id="5" name="内容占位符 3">
@@ -15471,10 +15293,18 @@
               </a:lstStyle>
               <a:p>
                 <a:r>
-                  <a:rPr lang="zh-CN" altLang="en-US" sz="1200" dirty="0"/>
+                  <a:rPr lang="zh-CN" altLang="en-US" sz="1200" b="1" dirty="0">
+                    <a:solidFill>
+                      <a:schemeClr val="accent4"/>
+                    </a:solidFill>
+                  </a:rPr>
                   <a:t>低维→高维</a:t>
                 </a:r>
-                <a:endParaRPr lang="en-US" altLang="zh-CN" sz="1200" dirty="0"/>
+                <a:endParaRPr lang="en-US" altLang="zh-CN" sz="1200" b="1" dirty="0">
+                  <a:solidFill>
+                    <a:schemeClr val="accent4"/>
+                  </a:solidFill>
+                </a:endParaRPr>
               </a:p>
               <a:p>
                 <a:pPr lvl="1"/>
@@ -16874,7 +16704,7 @@
             </p:txBody>
           </p:sp>
         </mc:Choice>
-        <mc:Fallback xmlns="">
+        <mc:Fallback>
           <p:sp>
             <p:nvSpPr>
               <p:cNvPr id="5" name="内容占位符 3">
@@ -16919,8 +16749,8 @@
           </p:sp>
         </mc:Fallback>
       </mc:AlternateContent>
-      <mc:AlternateContent xmlns:mc="http://schemas.openxmlformats.org/markup-compatibility/2006" xmlns:a14="http://schemas.microsoft.com/office/drawing/2010/main">
-        <mc:Choice Requires="a14">
+      <mc:AlternateContent xmlns:mc="http://schemas.openxmlformats.org/markup-compatibility/2006">
+        <mc:Choice xmlns:a14="http://schemas.microsoft.com/office/drawing/2010/main" Requires="a14">
           <p:sp>
             <p:nvSpPr>
               <p:cNvPr id="6" name="内容占位符 3">
@@ -17114,10 +16944,18 @@
               </a:lstStyle>
               <a:p>
                 <a:r>
-                  <a:rPr lang="zh-CN" altLang="en-US" sz="1200" dirty="0"/>
+                  <a:rPr lang="zh-CN" altLang="en-US" sz="1200" b="1" dirty="0">
+                    <a:solidFill>
+                      <a:schemeClr val="accent4"/>
+                    </a:solidFill>
+                  </a:rPr>
                   <a:t>精确→近似</a:t>
                 </a:r>
-                <a:endParaRPr lang="en-US" altLang="zh-CN" sz="1200" dirty="0"/>
+                <a:endParaRPr lang="en-US" altLang="zh-CN" sz="1200" b="1" dirty="0">
+                  <a:solidFill>
+                    <a:schemeClr val="accent4"/>
+                  </a:solidFill>
+                </a:endParaRPr>
               </a:p>
               <a:p>
                 <a:pPr lvl="1"/>
@@ -18343,7 +18181,7 @@
             </p:txBody>
           </p:sp>
         </mc:Choice>
-        <mc:Fallback xmlns="">
+        <mc:Fallback>
           <p:sp>
             <p:nvSpPr>
               <p:cNvPr id="6" name="内容占位符 3">
@@ -18388,8 +18226,8 @@
           </p:sp>
         </mc:Fallback>
       </mc:AlternateContent>
-      <mc:AlternateContent xmlns:mc="http://schemas.openxmlformats.org/markup-compatibility/2006" xmlns:a14="http://schemas.microsoft.com/office/drawing/2010/main">
-        <mc:Choice Requires="a14">
+      <mc:AlternateContent xmlns:mc="http://schemas.openxmlformats.org/markup-compatibility/2006">
+        <mc:Choice xmlns:a14="http://schemas.microsoft.com/office/drawing/2010/main" Requires="a14">
           <p:sp>
             <p:nvSpPr>
               <p:cNvPr id="7" name="内容占位符 3">
@@ -18583,10 +18421,18 @@
               </a:lstStyle>
               <a:p>
                 <a:r>
-                  <a:rPr lang="zh-CN" altLang="en-US" sz="1200" dirty="0"/>
+                  <a:rPr lang="zh-CN" altLang="en-US" sz="1200" b="1" dirty="0">
+                    <a:solidFill>
+                      <a:schemeClr val="accent4"/>
+                    </a:solidFill>
+                  </a:rPr>
                   <a:t>通解→特例</a:t>
                 </a:r>
-                <a:endParaRPr lang="en-US" altLang="zh-CN" sz="1200" dirty="0"/>
+                <a:endParaRPr lang="en-US" altLang="zh-CN" sz="1200" b="1" dirty="0">
+                  <a:solidFill>
+                    <a:schemeClr val="accent4"/>
+                  </a:solidFill>
+                </a:endParaRPr>
               </a:p>
               <a:p>
                 <a:pPr lvl="1"/>
@@ -18757,7 +18603,7 @@
             </p:txBody>
           </p:sp>
         </mc:Choice>
-        <mc:Fallback xmlns="">
+        <mc:Fallback>
           <p:sp>
             <p:nvSpPr>
               <p:cNvPr id="7" name="内容占位符 3">
@@ -19223,8 +19069,8 @@
           </a:p>
         </p:txBody>
       </p:sp>
-      <mc:AlternateContent xmlns:mc="http://schemas.openxmlformats.org/markup-compatibility/2006" xmlns:a14="http://schemas.microsoft.com/office/drawing/2010/main">
-        <mc:Choice Requires="a14">
+      <mc:AlternateContent xmlns:mc="http://schemas.openxmlformats.org/markup-compatibility/2006">
+        <mc:Choice xmlns:a14="http://schemas.microsoft.com/office/drawing/2010/main" Requires="a14">
           <p:sp>
             <p:nvSpPr>
               <p:cNvPr id="3" name="内容占位符 3">
@@ -19243,8 +19089,8 @@
             </p:nvSpPr>
             <p:spPr>
               <a:xfrm>
-                <a:off x="1593436" y="1484784"/>
-                <a:ext cx="9782801" cy="936103"/>
+                <a:off x="1593436" y="1196752"/>
+                <a:ext cx="9782801" cy="1880980"/>
               </a:xfrm>
             </p:spPr>
             <p:txBody>
@@ -19254,10 +19100,18 @@
               <a:lstStyle/>
               <a:p>
                 <a:r>
-                  <a:rPr lang="zh-CN" altLang="en-US" sz="1400" dirty="0"/>
-                  <a:t>用 “自然语言”理解公式</a:t>
+                  <a:rPr lang="zh-CN" altLang="en-US" sz="1400" b="1" dirty="0">
+                    <a:solidFill>
+                      <a:schemeClr val="accent4"/>
+                    </a:solidFill>
+                  </a:rPr>
+                  <a:t>用人类语言“读出”公式</a:t>
                 </a:r>
-                <a:endParaRPr lang="en-US" altLang="zh-CN" sz="1400" dirty="0"/>
+                <a:endParaRPr lang="en-US" altLang="zh-CN" sz="1400" b="1" dirty="0">
+                  <a:solidFill>
+                    <a:schemeClr val="accent4"/>
+                  </a:solidFill>
+                </a:endParaRPr>
               </a:p>
               <a:p>
                 <a:pPr lvl="1"/>
@@ -19515,14 +19369,374 @@
                 </a14:m>
                 <a:r>
                   <a:rPr lang="zh-CN" altLang="en-US" sz="1400" dirty="0"/>
-                  <a:t> 。（柯西）</a:t>
+                  <a:t> 。（柯西，</a:t>
+                </a:r>
+                <a:r>
+                  <a:rPr lang="en-US" altLang="zh-CN" sz="1400" dirty="0"/>
+                  <a:t> </a:t>
+                </a:r>
+                <a14:m>
+                  <m:oMath xmlns:m="http://schemas.openxmlformats.org/officeDocument/2006/math">
+                    <m:r>
+                      <a:rPr lang="en-US" altLang="zh-CN" sz="1400" i="1">
+                        <a:latin typeface="Cambria Math" panose="02040503050406030204" pitchFamily="18" charset="0"/>
+                      </a:rPr>
+                      <m:t>𝜖</m:t>
+                    </m:r>
+                    <m:r>
+                      <a:rPr lang="en-US" altLang="zh-CN" sz="1400" i="1" smtClean="0">
+                        <a:latin typeface="Cambria Math" panose="02040503050406030204" pitchFamily="18" charset="0"/>
+                      </a:rPr>
+                      <m:t>-</m:t>
+                    </m:r>
+                    <m:r>
+                      <a:rPr lang="en-US" altLang="zh-CN" sz="1400" i="1">
+                        <a:latin typeface="Cambria Math" panose="02040503050406030204" pitchFamily="18" charset="0"/>
+                      </a:rPr>
+                      <m:t>𝑁</m:t>
+                    </m:r>
+                    <m:r>
+                      <a:rPr lang="en-US" altLang="zh-CN" sz="1400" i="1">
+                        <a:latin typeface="Cambria Math" panose="02040503050406030204" pitchFamily="18" charset="0"/>
+                      </a:rPr>
+                      <m:t> </m:t>
+                    </m:r>
+                  </m:oMath>
+                </a14:m>
+                <a:r>
+                  <a:rPr lang="zh-CN" altLang="en-US" sz="1400" dirty="0"/>
+                  <a:t>语言，高等数学一大卡关高发地。）</a:t>
+                </a:r>
+                <a:endParaRPr lang="en-US" altLang="zh-CN" sz="1400" dirty="0"/>
+              </a:p>
+              <a:p>
+                <a:pPr lvl="1"/>
+                <a:r>
+                  <a:rPr lang="zh-CN" altLang="en-US" sz="1400" dirty="0"/>
+                  <a:t>人类语言：</a:t>
+                </a:r>
+                <a:endParaRPr lang="en-US" altLang="zh-CN" sz="1400" dirty="0"/>
+              </a:p>
+              <a:p>
+                <a:pPr marL="365760" lvl="1" indent="0">
+                  <a:buNone/>
+                </a:pPr>
+                <a:r>
+                  <a:rPr lang="zh-CN" altLang="en-US" sz="1400" dirty="0"/>
+                  <a:t>     甲</a:t>
+                </a:r>
+                <a:r>
+                  <a:rPr lang="en-US" altLang="zh-CN" sz="1400" dirty="0"/>
+                  <a:t>-</a:t>
+                </a:r>
+                <a:r>
+                  <a:rPr lang="zh-CN" altLang="en-US" sz="1400" dirty="0"/>
+                  <a:t>“如果 </a:t>
+                </a:r>
+                <a14:m>
+                  <m:oMath xmlns:m="http://schemas.openxmlformats.org/officeDocument/2006/math">
+                    <m:sSub>
+                      <m:sSubPr>
+                        <m:ctrlPr>
+                          <a:rPr lang="en-US" altLang="zh-CN" sz="1400" i="1">
+                            <a:latin typeface="Cambria Math" panose="02040503050406030204" pitchFamily="18" charset="0"/>
+                          </a:rPr>
+                        </m:ctrlPr>
+                      </m:sSubPr>
+                      <m:e>
+                        <m:r>
+                          <a:rPr lang="en-US" altLang="zh-CN" sz="1400" i="1">
+                            <a:latin typeface="Cambria Math" panose="02040503050406030204" pitchFamily="18" charset="0"/>
+                          </a:rPr>
+                          <m:t>𝑥</m:t>
+                        </m:r>
+                      </m:e>
+                      <m:sub>
+                        <m:r>
+                          <a:rPr lang="en-US" altLang="zh-CN" sz="1400" i="1">
+                            <a:latin typeface="Cambria Math" panose="02040503050406030204" pitchFamily="18" charset="0"/>
+                          </a:rPr>
+                          <m:t>0</m:t>
+                        </m:r>
+                      </m:sub>
+                    </m:sSub>
+                  </m:oMath>
+                </a14:m>
+                <a:r>
+                  <a:rPr lang="zh-CN" altLang="en-US" sz="1400" dirty="0"/>
+                  <a:t> 是数列 </a:t>
+                </a:r>
+                <a14:m>
+                  <m:oMath xmlns:m="http://schemas.openxmlformats.org/officeDocument/2006/math">
+                    <m:d>
+                      <m:dPr>
+                        <m:begChr m:val="{"/>
+                        <m:endChr m:val="}"/>
+                        <m:ctrlPr>
+                          <a:rPr lang="en-US" altLang="zh-CN" sz="1400" i="1">
+                            <a:latin typeface="Cambria Math" panose="02040503050406030204" pitchFamily="18" charset="0"/>
+                          </a:rPr>
+                        </m:ctrlPr>
+                      </m:dPr>
+                      <m:e>
+                        <m:sSub>
+                          <m:sSubPr>
+                            <m:ctrlPr>
+                              <a:rPr lang="en-US" altLang="zh-CN" sz="1400" i="1">
+                                <a:latin typeface="Cambria Math" panose="02040503050406030204" pitchFamily="18" charset="0"/>
+                              </a:rPr>
+                            </m:ctrlPr>
+                          </m:sSubPr>
+                          <m:e>
+                            <m:r>
+                              <a:rPr lang="en-US" altLang="zh-CN" sz="1400" i="1">
+                                <a:latin typeface="Cambria Math" panose="02040503050406030204" pitchFamily="18" charset="0"/>
+                              </a:rPr>
+                              <m:t>𝑥</m:t>
+                            </m:r>
+                          </m:e>
+                          <m:sub>
+                            <m:r>
+                              <a:rPr lang="en-US" altLang="zh-CN" sz="1400" i="1">
+                                <a:latin typeface="Cambria Math" panose="02040503050406030204" pitchFamily="18" charset="0"/>
+                              </a:rPr>
+                              <m:t>𝑛</m:t>
+                            </m:r>
+                          </m:sub>
+                        </m:sSub>
+                      </m:e>
+                    </m:d>
+                  </m:oMath>
+                </a14:m>
+                <a:r>
+                  <a:rPr lang="zh-CN" altLang="en-US" sz="1400" dirty="0"/>
+                  <a:t> 的极限，你能保证这个梳理里面有很多数都离 </a:t>
+                </a:r>
+                <a14:m>
+                  <m:oMath xmlns:m="http://schemas.openxmlformats.org/officeDocument/2006/math">
+                    <m:sSub>
+                      <m:sSubPr>
+                        <m:ctrlPr>
+                          <a:rPr lang="en-US" altLang="zh-CN" sz="1400" i="1">
+                            <a:latin typeface="Cambria Math" panose="02040503050406030204" pitchFamily="18" charset="0"/>
+                          </a:rPr>
+                        </m:ctrlPr>
+                      </m:sSubPr>
+                      <m:e>
+                        <m:r>
+                          <a:rPr lang="en-US" altLang="zh-CN" sz="1400" i="1">
+                            <a:latin typeface="Cambria Math" panose="02040503050406030204" pitchFamily="18" charset="0"/>
+                          </a:rPr>
+                          <m:t>𝑥</m:t>
+                        </m:r>
+                      </m:e>
+                      <m:sub>
+                        <m:r>
+                          <a:rPr lang="en-US" altLang="zh-CN" sz="1400" i="1">
+                            <a:latin typeface="Cambria Math" panose="02040503050406030204" pitchFamily="18" charset="0"/>
+                          </a:rPr>
+                          <m:t>0</m:t>
+                        </m:r>
+                      </m:sub>
+                    </m:sSub>
+                  </m:oMath>
+                </a14:m>
+                <a:r>
+                  <a:rPr lang="zh-CN" altLang="en-US" sz="1400" dirty="0"/>
+                  <a:t> 很近吗？”</a:t>
+                </a:r>
+                <a:endParaRPr lang="en-US" altLang="zh-CN" sz="1400" dirty="0"/>
+              </a:p>
+              <a:p>
+                <a:pPr marL="365760" lvl="1" indent="0">
+                  <a:buNone/>
+                </a:pPr>
+                <a:r>
+                  <a:rPr lang="zh-CN" altLang="en-US" sz="1400" dirty="0"/>
+                  <a:t>     乙</a:t>
+                </a:r>
+                <a:r>
+                  <a:rPr lang="en-US" altLang="zh-CN" sz="1400" dirty="0"/>
+                  <a:t>-</a:t>
+                </a:r>
+                <a:r>
+                  <a:rPr lang="zh-CN" altLang="en-US" sz="1400" dirty="0"/>
+                  <a:t>“只要你给我一个标准（</a:t>
+                </a:r>
+                <a14:m>
+                  <m:oMath xmlns:m="http://schemas.openxmlformats.org/officeDocument/2006/math">
+                    <m:r>
+                      <a:rPr lang="en-US" altLang="zh-CN" sz="1400" i="1">
+                        <a:latin typeface="Cambria Math" panose="02040503050406030204" pitchFamily="18" charset="0"/>
+                      </a:rPr>
+                      <m:t>𝜖</m:t>
+                    </m:r>
+                    <m:r>
+                      <a:rPr lang="zh-CN" altLang="en-US" sz="1400" i="1" smtClean="0">
+                        <a:latin typeface="Cambria Math" panose="02040503050406030204" pitchFamily="18" charset="0"/>
+                      </a:rPr>
+                      <m:t>）</m:t>
+                    </m:r>
+                  </m:oMath>
+                </a14:m>
+                <a:r>
+                  <a:rPr lang="zh-CN" altLang="en-US" sz="1400" dirty="0"/>
+                  <a:t>，我保证给你找到数列里的一个位置 </a:t>
+                </a:r>
+                <a14:m>
+                  <m:oMath xmlns:m="http://schemas.openxmlformats.org/officeDocument/2006/math">
+                    <m:r>
+                      <a:rPr lang="zh-CN" altLang="en-US" sz="1400" i="1" dirty="0" smtClean="0">
+                        <a:latin typeface="Cambria Math" panose="02040503050406030204" pitchFamily="18" charset="0"/>
+                      </a:rPr>
+                      <m:t>（</m:t>
+                    </m:r>
+                    <m:r>
+                      <a:rPr lang="en-US" altLang="zh-CN" sz="1400" i="1">
+                        <a:latin typeface="Cambria Math" panose="02040503050406030204" pitchFamily="18" charset="0"/>
+                      </a:rPr>
+                      <m:t>𝑁</m:t>
+                    </m:r>
+                    <m:r>
+                      <a:rPr lang="zh-CN" altLang="en-US" sz="1400" i="1" dirty="0">
+                        <a:latin typeface="Cambria Math" panose="02040503050406030204" pitchFamily="18" charset="0"/>
+                      </a:rPr>
+                      <m:t>）</m:t>
+                    </m:r>
+                  </m:oMath>
+                </a14:m>
+                <a:r>
+                  <a:rPr lang="zh-CN" altLang="en-US" sz="1400" dirty="0"/>
+                  <a:t>，从这儿以后所有数离 </a:t>
+                </a:r>
+                <a14:m>
+                  <m:oMath xmlns:m="http://schemas.openxmlformats.org/officeDocument/2006/math">
+                    <m:sSub>
+                      <m:sSubPr>
+                        <m:ctrlPr>
+                          <a:rPr lang="en-US" altLang="zh-CN" sz="1400" i="1">
+                            <a:latin typeface="Cambria Math" panose="02040503050406030204" pitchFamily="18" charset="0"/>
+                          </a:rPr>
+                        </m:ctrlPr>
+                      </m:sSubPr>
+                      <m:e>
+                        <m:r>
+                          <a:rPr lang="en-US" altLang="zh-CN" sz="1400" i="1">
+                            <a:latin typeface="Cambria Math" panose="02040503050406030204" pitchFamily="18" charset="0"/>
+                          </a:rPr>
+                          <m:t>𝑥</m:t>
+                        </m:r>
+                      </m:e>
+                      <m:sub>
+                        <m:r>
+                          <a:rPr lang="en-US" altLang="zh-CN" sz="1400" i="1">
+                            <a:latin typeface="Cambria Math" panose="02040503050406030204" pitchFamily="18" charset="0"/>
+                          </a:rPr>
+                          <m:t>0</m:t>
+                        </m:r>
+                      </m:sub>
+                    </m:sSub>
+                  </m:oMath>
+                </a14:m>
+                <a:r>
+                  <a:rPr lang="zh-CN" altLang="en-US" sz="1400" dirty="0"/>
+                  <a:t> 的距离都比你的那个标准近（</a:t>
+                </a:r>
+                <a14:m>
+                  <m:oMath xmlns:m="http://schemas.openxmlformats.org/officeDocument/2006/math">
+                    <m:d>
+                      <m:dPr>
+                        <m:begChr m:val="|"/>
+                        <m:endChr m:val="|"/>
+                        <m:ctrlPr>
+                          <a:rPr lang="en-US" altLang="zh-CN" sz="1400" i="1">
+                            <a:latin typeface="Cambria Math" panose="02040503050406030204" pitchFamily="18" charset="0"/>
+                          </a:rPr>
+                        </m:ctrlPr>
+                      </m:dPr>
+                      <m:e>
+                        <m:sSub>
+                          <m:sSubPr>
+                            <m:ctrlPr>
+                              <a:rPr lang="en-US" altLang="zh-CN" sz="1400" i="1">
+                                <a:latin typeface="Cambria Math" panose="02040503050406030204" pitchFamily="18" charset="0"/>
+                              </a:rPr>
+                            </m:ctrlPr>
+                          </m:sSubPr>
+                          <m:e>
+                            <m:r>
+                              <a:rPr lang="en-US" altLang="zh-CN" sz="1400" i="1">
+                                <a:latin typeface="Cambria Math" panose="02040503050406030204" pitchFamily="18" charset="0"/>
+                              </a:rPr>
+                              <m:t>𝑥</m:t>
+                            </m:r>
+                          </m:e>
+                          <m:sub>
+                            <m:r>
+                              <a:rPr lang="en-US" altLang="zh-CN" sz="1400" i="1">
+                                <a:latin typeface="Cambria Math" panose="02040503050406030204" pitchFamily="18" charset="0"/>
+                              </a:rPr>
+                              <m:t>𝑛</m:t>
+                            </m:r>
+                          </m:sub>
+                        </m:sSub>
+                        <m:r>
+                          <a:rPr lang="en-US" altLang="zh-CN" sz="1400" i="1">
+                            <a:latin typeface="Cambria Math" panose="02040503050406030204" pitchFamily="18" charset="0"/>
+                          </a:rPr>
+                          <m:t>−</m:t>
+                        </m:r>
+                        <m:sSub>
+                          <m:sSubPr>
+                            <m:ctrlPr>
+                              <a:rPr lang="en-US" altLang="zh-CN" sz="1400" i="1">
+                                <a:latin typeface="Cambria Math" panose="02040503050406030204" pitchFamily="18" charset="0"/>
+                              </a:rPr>
+                            </m:ctrlPr>
+                          </m:sSubPr>
+                          <m:e>
+                            <m:r>
+                              <a:rPr lang="en-US" altLang="zh-CN" sz="1400" i="1">
+                                <a:latin typeface="Cambria Math" panose="02040503050406030204" pitchFamily="18" charset="0"/>
+                              </a:rPr>
+                              <m:t>𝑥</m:t>
+                            </m:r>
+                          </m:e>
+                          <m:sub>
+                            <m:r>
+                              <a:rPr lang="en-US" altLang="zh-CN" sz="1400" i="1">
+                                <a:latin typeface="Cambria Math" panose="02040503050406030204" pitchFamily="18" charset="0"/>
+                              </a:rPr>
+                              <m:t>0</m:t>
+                            </m:r>
+                          </m:sub>
+                        </m:sSub>
+                      </m:e>
+                    </m:d>
+                    <m:r>
+                      <a:rPr lang="en-US" altLang="zh-CN" sz="1400" i="1">
+                        <a:latin typeface="Cambria Math" panose="02040503050406030204" pitchFamily="18" charset="0"/>
+                      </a:rPr>
+                      <m:t>&lt;</m:t>
+                    </m:r>
+                    <m:r>
+                      <a:rPr lang="en-US" altLang="zh-CN" sz="1400" i="1">
+                        <a:latin typeface="Cambria Math" panose="02040503050406030204" pitchFamily="18" charset="0"/>
+                      </a:rPr>
+                      <m:t>𝜖</m:t>
+                    </m:r>
+                  </m:oMath>
+                </a14:m>
+                <a:r>
+                  <a:rPr lang="zh-CN" altLang="en-US" sz="1400" dirty="0"/>
+                  <a:t>）。”</a:t>
                 </a:r>
                 <a:endParaRPr lang="en-US" altLang="zh-CN" sz="1400" dirty="0"/>
               </a:p>
             </p:txBody>
           </p:sp>
         </mc:Choice>
-        <mc:Fallback xmlns="">
+        <mc:Fallback>
           <p:sp>
             <p:nvSpPr>
               <p:cNvPr id="3" name="内容占位符 3">
@@ -19541,13 +19755,13 @@
             </p:nvSpPr>
             <p:spPr>
               <a:xfrm>
-                <a:off x="1593436" y="1484784"/>
-                <a:ext cx="9782801" cy="936103"/>
+                <a:off x="1593436" y="1196752"/>
+                <a:ext cx="9782801" cy="1880980"/>
               </a:xfrm>
               <a:blipFill>
                 <a:blip r:embed="rId2"/>
                 <a:stretch>
-                  <a:fillRect l="-249" t="-6536"/>
+                  <a:fillRect l="-249" t="-2913"/>
                 </a:stretch>
               </a:blipFill>
             </p:spPr>
@@ -19566,8 +19780,8 @@
           </p:sp>
         </mc:Fallback>
       </mc:AlternateContent>
-      <mc:AlternateContent xmlns:mc="http://schemas.openxmlformats.org/markup-compatibility/2006" xmlns:a14="http://schemas.microsoft.com/office/drawing/2010/main">
-        <mc:Choice Requires="a14">
+      <mc:AlternateContent xmlns:mc="http://schemas.openxmlformats.org/markup-compatibility/2006">
+        <mc:Choice xmlns:a14="http://schemas.microsoft.com/office/drawing/2010/main" Requires="a14">
           <p:sp>
             <p:nvSpPr>
               <p:cNvPr id="11" name="内容占位符 3">
@@ -19584,7 +19798,7 @@
             </p:nvSpPr>
             <p:spPr>
               <a:xfrm>
-                <a:off x="1593435" y="2560641"/>
+                <a:off x="1593435" y="3172448"/>
                 <a:ext cx="9782801" cy="794216"/>
               </a:xfrm>
               <a:prstGeom prst="rect">
@@ -19761,18 +19975,34 @@
               </a:lstStyle>
               <a:p>
                 <a:r>
-                  <a:rPr lang="zh-CN" altLang="en-US" sz="1400" dirty="0"/>
+                  <a:rPr lang="zh-CN" altLang="en-US" sz="1400" b="1" dirty="0">
+                    <a:solidFill>
+                      <a:schemeClr val="accent4"/>
+                    </a:solidFill>
+                  </a:rPr>
                   <a:t>了解数学史的一些小故事</a:t>
                 </a:r>
                 <a:r>
-                  <a:rPr lang="en-US" altLang="zh-CN" sz="1400" dirty="0"/>
+                  <a:rPr lang="en-US" altLang="zh-CN" sz="1400" b="1" dirty="0">
+                    <a:solidFill>
+                      <a:schemeClr val="accent4"/>
+                    </a:solidFill>
+                  </a:rPr>
                   <a:t>/</a:t>
                 </a:r>
                 <a:r>
-                  <a:rPr lang="zh-CN" altLang="en-US" sz="1400" dirty="0"/>
+                  <a:rPr lang="zh-CN" altLang="en-US" sz="1400" b="1" dirty="0">
+                    <a:solidFill>
+                      <a:schemeClr val="accent4"/>
+                    </a:solidFill>
+                  </a:rPr>
                   <a:t>黑历史</a:t>
                 </a:r>
-                <a:endParaRPr lang="en-US" altLang="zh-CN" sz="1400" dirty="0"/>
+                <a:endParaRPr lang="en-US" altLang="zh-CN" sz="1400" b="1" dirty="0">
+                  <a:solidFill>
+                    <a:schemeClr val="accent4"/>
+                  </a:solidFill>
+                </a:endParaRPr>
               </a:p>
               <a:p>
                 <a:pPr lvl="1"/>
@@ -19855,7 +20085,7 @@
             </p:txBody>
           </p:sp>
         </mc:Choice>
-        <mc:Fallback xmlns="">
+        <mc:Fallback>
           <p:sp>
             <p:nvSpPr>
               <p:cNvPr id="11" name="内容占位符 3">
@@ -19872,7 +20102,7 @@
             </p:nvSpPr>
             <p:spPr>
               <a:xfrm>
-                <a:off x="1593435" y="2560641"/>
+                <a:off x="1593435" y="3172448"/>
                 <a:ext cx="9782801" cy="794216"/>
               </a:xfrm>
               <a:prstGeom prst="rect">
@@ -19881,7 +20111,7 @@
               <a:blipFill>
                 <a:blip r:embed="rId3"/>
                 <a:stretch>
-                  <a:fillRect l="-249" t="-6923"/>
+                  <a:fillRect l="-249" t="-6870"/>
                 </a:stretch>
               </a:blipFill>
             </p:spPr>
@@ -19900,8 +20130,8 @@
           </p:sp>
         </mc:Fallback>
       </mc:AlternateContent>
-      <mc:AlternateContent xmlns:mc="http://schemas.openxmlformats.org/markup-compatibility/2006" xmlns:a14="http://schemas.microsoft.com/office/drawing/2010/main">
-        <mc:Choice Requires="a14">
+      <mc:AlternateContent xmlns:mc="http://schemas.openxmlformats.org/markup-compatibility/2006">
+        <mc:Choice xmlns:a14="http://schemas.microsoft.com/office/drawing/2010/main" Requires="a14">
           <p:sp>
             <p:nvSpPr>
               <p:cNvPr id="12" name="文本框 11">
@@ -19916,7 +20146,7 @@
             </p:nvSpPr>
             <p:spPr>
               <a:xfrm>
-                <a:off x="4690256" y="3212976"/>
+                <a:off x="4690256" y="3824783"/>
                 <a:ext cx="2808312" cy="584775"/>
               </a:xfrm>
               <a:prstGeom prst="rect">
@@ -19975,7 +20205,7 @@
             </p:txBody>
           </p:sp>
         </mc:Choice>
-        <mc:Fallback xmlns="">
+        <mc:Fallback>
           <p:sp>
             <p:nvSpPr>
               <p:cNvPr id="12" name="文本框 11">
@@ -19992,7 +20222,7 @@
             </p:nvSpPr>
             <p:spPr>
               <a:xfrm>
-                <a:off x="4690256" y="3212976"/>
+                <a:off x="4690256" y="3824783"/>
                 <a:ext cx="2808312" cy="584775"/>
               </a:xfrm>
               <a:prstGeom prst="rect">
@@ -20036,7 +20266,7 @@
         </p:nvCxnSpPr>
         <p:spPr>
           <a:xfrm>
-            <a:off x="7030516" y="3811748"/>
+            <a:off x="7030516" y="4423555"/>
             <a:ext cx="468052" cy="292297"/>
           </a:xfrm>
           <a:prstGeom prst="straightConnector1">
@@ -20075,7 +20305,7 @@
         </p:nvSpPr>
         <p:spPr>
           <a:xfrm>
-            <a:off x="7264542" y="4104045"/>
+            <a:off x="7264542" y="4715852"/>
             <a:ext cx="615874" cy="369332"/>
           </a:xfrm>
           <a:prstGeom prst="rect">
@@ -20113,7 +20343,7 @@
         </p:nvCxnSpPr>
         <p:spPr>
           <a:xfrm flipH="1">
-            <a:off x="5446340" y="3789040"/>
+            <a:off x="5446340" y="4400847"/>
             <a:ext cx="504056" cy="292297"/>
           </a:xfrm>
           <a:prstGeom prst="straightConnector1">
@@ -20152,7 +20382,7 @@
         </p:nvSpPr>
         <p:spPr>
           <a:xfrm>
-            <a:off x="4736206" y="4104045"/>
+            <a:off x="4736206" y="4715852"/>
             <a:ext cx="1290738" cy="369332"/>
           </a:xfrm>
           <a:prstGeom prst="rect">
@@ -20190,7 +20420,7 @@
         </p:nvCxnSpPr>
         <p:spPr>
           <a:xfrm flipH="1">
-            <a:off x="4150196" y="4320069"/>
+            <a:off x="4150196" y="4931876"/>
             <a:ext cx="504056" cy="0"/>
           </a:xfrm>
           <a:prstGeom prst="straightConnector1">
@@ -20229,7 +20459,7 @@
         </p:nvSpPr>
         <p:spPr>
           <a:xfrm>
-            <a:off x="2566020" y="4104045"/>
+            <a:off x="2566020" y="4715852"/>
             <a:ext cx="1505477" cy="369332"/>
           </a:xfrm>
           <a:prstGeom prst="rect">
@@ -20267,7 +20497,7 @@
         </p:nvSpPr>
         <p:spPr>
           <a:xfrm>
-            <a:off x="1593435" y="5024225"/>
+            <a:off x="1593435" y="5312261"/>
             <a:ext cx="9782801" cy="1501115"/>
           </a:xfrm>
           <a:prstGeom prst="rect">
@@ -20444,10 +20674,18 @@
           </a:lstStyle>
           <a:p>
             <a:r>
-              <a:rPr lang="zh-CN" altLang="en-US" sz="1400" dirty="0"/>
+              <a:rPr lang="zh-CN" altLang="en-US" sz="1400" b="1" dirty="0">
+                <a:solidFill>
+                  <a:schemeClr val="accent4"/>
+                </a:solidFill>
+              </a:rPr>
               <a:t>了解基本的运算规则，记不住的知识知道去哪里查找概念</a:t>
             </a:r>
-            <a:endParaRPr lang="en-US" altLang="zh-CN" sz="1400" dirty="0"/>
+            <a:endParaRPr lang="en-US" altLang="zh-CN" sz="1400" b="1" dirty="0">
+              <a:solidFill>
+                <a:schemeClr val="accent4"/>
+              </a:solidFill>
+            </a:endParaRPr>
           </a:p>
           <a:p>
             <a:pPr lvl="1"/>
@@ -20628,6 +20866,135 @@
                                   </p:childTnLst>
                                 </p:cTn>
                               </p:par>
+                              <p:par>
+                                <p:cTn id="11" presetID="10" presetClass="entr" presetSubtype="0" fill="hold" grpId="0" nodeType="withEffect">
+                                  <p:stCondLst>
+                                    <p:cond delay="0"/>
+                                  </p:stCondLst>
+                                  <p:childTnLst>
+                                    <p:set>
+                                      <p:cBhvr>
+                                        <p:cTn id="12" dur="1" fill="hold">
+                                          <p:stCondLst>
+                                            <p:cond delay="0"/>
+                                          </p:stCondLst>
+                                        </p:cTn>
+                                        <p:tgtEl>
+                                          <p:spTgt spid="3">
+                                            <p:txEl>
+                                              <p:pRg st="2" end="2"/>
+                                            </p:txEl>
+                                          </p:spTgt>
+                                        </p:tgtEl>
+                                        <p:attrNameLst>
+                                          <p:attrName>style.visibility</p:attrName>
+                                        </p:attrNameLst>
+                                      </p:cBhvr>
+                                      <p:to>
+                                        <p:strVal val="visible"/>
+                                      </p:to>
+                                    </p:set>
+                                    <p:animEffect transition="in" filter="fade">
+                                      <p:cBhvr>
+                                        <p:cTn id="13" dur="500"/>
+                                        <p:tgtEl>
+                                          <p:spTgt spid="3">
+                                            <p:txEl>
+                                              <p:pRg st="2" end="2"/>
+                                            </p:txEl>
+                                          </p:spTgt>
+                                        </p:tgtEl>
+                                      </p:cBhvr>
+                                    </p:animEffect>
+                                  </p:childTnLst>
+                                </p:cTn>
+                              </p:par>
+                              <p:par>
+                                <p:cTn id="14" presetID="10" presetClass="entr" presetSubtype="0" fill="hold" grpId="0" nodeType="withEffect">
+                                  <p:stCondLst>
+                                    <p:cond delay="0"/>
+                                  </p:stCondLst>
+                                  <p:childTnLst>
+                                    <p:set>
+                                      <p:cBhvr>
+                                        <p:cTn id="15" dur="1" fill="hold">
+                                          <p:stCondLst>
+                                            <p:cond delay="0"/>
+                                          </p:stCondLst>
+                                        </p:cTn>
+                                        <p:tgtEl>
+                                          <p:spTgt spid="3">
+                                            <p:txEl>
+                                              <p:pRg st="3" end="3"/>
+                                            </p:txEl>
+                                          </p:spTgt>
+                                        </p:tgtEl>
+                                        <p:attrNameLst>
+                                          <p:attrName>style.visibility</p:attrName>
+                                        </p:attrNameLst>
+                                      </p:cBhvr>
+                                      <p:to>
+                                        <p:strVal val="visible"/>
+                                      </p:to>
+                                    </p:set>
+                                    <p:animEffect transition="in" filter="fade">
+                                      <p:cBhvr>
+                                        <p:cTn id="16" dur="500"/>
+                                        <p:tgtEl>
+                                          <p:spTgt spid="3">
+                                            <p:txEl>
+                                              <p:pRg st="3" end="3"/>
+                                            </p:txEl>
+                                          </p:spTgt>
+                                        </p:tgtEl>
+                                      </p:cBhvr>
+                                    </p:animEffect>
+                                  </p:childTnLst>
+                                </p:cTn>
+                              </p:par>
+                              <p:par>
+                                <p:cTn id="17" presetID="10" presetClass="entr" presetSubtype="0" fill="hold" grpId="0" nodeType="withEffect">
+                                  <p:stCondLst>
+                                    <p:cond delay="0"/>
+                                  </p:stCondLst>
+                                  <p:childTnLst>
+                                    <p:set>
+                                      <p:cBhvr>
+                                        <p:cTn id="18" dur="1" fill="hold">
+                                          <p:stCondLst>
+                                            <p:cond delay="0"/>
+                                          </p:stCondLst>
+                                        </p:cTn>
+                                        <p:tgtEl>
+                                          <p:spTgt spid="3">
+                                            <p:txEl>
+                                              <p:pRg st="4" end="4"/>
+                                            </p:txEl>
+                                          </p:spTgt>
+                                        </p:tgtEl>
+                                        <p:attrNameLst>
+                                          <p:attrName>style.visibility</p:attrName>
+                                        </p:attrNameLst>
+                                      </p:cBhvr>
+                                      <p:to>
+                                        <p:strVal val="visible"/>
+                                      </p:to>
+                                    </p:set>
+                                    <p:animEffect transition="in" filter="fade">
+                                      <p:cBhvr>
+                                        <p:cTn id="19" dur="500"/>
+                                        <p:tgtEl>
+                                          <p:spTgt spid="3">
+                                            <p:txEl>
+                                              <p:pRg st="4" end="4"/>
+                                            </p:txEl>
+                                          </p:spTgt>
+                                        </p:tgtEl>
+                                      </p:cBhvr>
+                                    </p:animEffect>
+                                  </p:childTnLst>
+                                </p:cTn>
+                              </p:par>
                             </p:childTnLst>
                           </p:cTn>
                         </p:par>
@@ -20635,26 +21002,26 @@
                     </p:cTn>
                   </p:par>
                   <p:par>
-                    <p:cTn id="11" fill="hold">
+                    <p:cTn id="20" fill="hold">
                       <p:stCondLst>
                         <p:cond delay="indefinite"/>
                       </p:stCondLst>
                       <p:childTnLst>
                         <p:par>
-                          <p:cTn id="12" fill="hold">
+                          <p:cTn id="21" fill="hold">
                             <p:stCondLst>
                               <p:cond delay="0"/>
                             </p:stCondLst>
                             <p:childTnLst>
                               <p:par>
-                                <p:cTn id="13" presetID="10" presetClass="entr" presetSubtype="0" fill="hold" grpId="0" nodeType="clickEffect">
+                                <p:cTn id="22" presetID="10" presetClass="entr" presetSubtype="0" fill="hold" grpId="0" nodeType="clickEffect">
                                   <p:stCondLst>
                                     <p:cond delay="0"/>
                                   </p:stCondLst>
                                   <p:childTnLst>
                                     <p:set>
                                       <p:cBhvr>
-                                        <p:cTn id="14" dur="1" fill="hold">
+                                        <p:cTn id="23" dur="1" fill="hold">
                                           <p:stCondLst>
                                             <p:cond delay="0"/>
                                           </p:stCondLst>
@@ -20672,7 +21039,7 @@
                                     </p:set>
                                     <p:animEffect transition="in" filter="fade">
                                       <p:cBhvr>
-                                        <p:cTn id="15" dur="500"/>
+                                        <p:cTn id="24" dur="500"/>
                                         <p:tgtEl>
                                           <p:spTgt spid="11"/>
                                         </p:tgtEl>
@@ -20688,26 +21055,26 @@
                     </p:cTn>
                   </p:par>
                   <p:par>
-                    <p:cTn id="16" fill="hold">
+                    <p:cTn id="25" fill="hold">
                       <p:stCondLst>
                         <p:cond delay="indefinite"/>
                       </p:stCondLst>
                       <p:childTnLst>
                         <p:par>
-                          <p:cTn id="17" fill="hold">
+                          <p:cTn id="26" fill="hold">
                             <p:stCondLst>
                               <p:cond delay="0"/>
                             </p:stCondLst>
                             <p:childTnLst>
                               <p:par>
-                                <p:cTn id="18" presetID="10" presetClass="entr" presetSubtype="0" fill="hold" grpId="0" nodeType="clickEffect">
+                                <p:cTn id="27" presetID="10" presetClass="entr" presetSubtype="0" fill="hold" grpId="0" nodeType="clickEffect">
                                   <p:stCondLst>
                                     <p:cond delay="0"/>
                                   </p:stCondLst>
                                   <p:childTnLst>
                                     <p:set>
                                       <p:cBhvr>
-                                        <p:cTn id="19" dur="1" fill="hold">
+                                        <p:cTn id="28" dur="1" fill="hold">
                                           <p:stCondLst>
                                             <p:cond delay="0"/>
                                           </p:stCondLst>
@@ -20725,7 +21092,7 @@
                                     </p:set>
                                     <p:animEffect transition="in" filter="fade">
                                       <p:cBhvr>
-                                        <p:cTn id="20" dur="500"/>
+                                        <p:cTn id="29" dur="500"/>
                                         <p:tgtEl>
                                           <p:spTgt spid="12"/>
                                         </p:tgtEl>
@@ -20735,14 +21102,14 @@
                                 </p:cTn>
                               </p:par>
                               <p:par>
-                                <p:cTn id="21" presetID="10" presetClass="entr" presetSubtype="0" fill="hold" nodeType="withEffect">
+                                <p:cTn id="30" presetID="10" presetClass="entr" presetSubtype="0" fill="hold" nodeType="withEffect">
                                   <p:stCondLst>
                                     <p:cond delay="0"/>
                                   </p:stCondLst>
                                   <p:childTnLst>
                                     <p:set>
                                       <p:cBhvr>
-                                        <p:cTn id="22" dur="1" fill="hold">
+                                        <p:cTn id="31" dur="1" fill="hold">
                                           <p:stCondLst>
                                             <p:cond delay="0"/>
                                           </p:stCondLst>
@@ -20760,7 +21127,7 @@
                                     </p:set>
                                     <p:animEffect transition="in" filter="fade">
                                       <p:cBhvr>
-                                        <p:cTn id="23" dur="500"/>
+                                        <p:cTn id="32" dur="500"/>
                                         <p:tgtEl>
                                           <p:spTgt spid="14"/>
                                         </p:tgtEl>
@@ -20770,14 +21137,14 @@
                                 </p:cTn>
                               </p:par>
                               <p:par>
-                                <p:cTn id="24" presetID="10" presetClass="entr" presetSubtype="0" fill="hold" grpId="0" nodeType="withEffect">
+                                <p:cTn id="33" presetID="10" presetClass="entr" presetSubtype="0" fill="hold" grpId="0" nodeType="withEffect">
                                   <p:stCondLst>
                                     <p:cond delay="0"/>
                                   </p:stCondLst>
                                   <p:childTnLst>
                                     <p:set>
                                       <p:cBhvr>
-                                        <p:cTn id="25" dur="1" fill="hold">
+                                        <p:cTn id="34" dur="1" fill="hold">
                                           <p:stCondLst>
                                             <p:cond delay="0"/>
                                           </p:stCondLst>
@@ -20795,7 +21162,7 @@
                                     </p:set>
                                     <p:animEffect transition="in" filter="fade">
                                       <p:cBhvr>
-                                        <p:cTn id="26" dur="500"/>
+                                        <p:cTn id="35" dur="500"/>
                                         <p:tgtEl>
                                           <p:spTgt spid="16"/>
                                         </p:tgtEl>
@@ -20811,26 +21178,26 @@
                     </p:cTn>
                   </p:par>
                   <p:par>
-                    <p:cTn id="27" fill="hold">
+                    <p:cTn id="36" fill="hold">
                       <p:stCondLst>
                         <p:cond delay="indefinite"/>
                       </p:stCondLst>
                       <p:childTnLst>
                         <p:par>
-                          <p:cTn id="28" fill="hold">
+                          <p:cTn id="37" fill="hold">
                             <p:stCondLst>
                               <p:cond delay="0"/>
                             </p:stCondLst>
                             <p:childTnLst>
                               <p:par>
-                                <p:cTn id="29" presetID="10" presetClass="entr" presetSubtype="0" fill="hold" nodeType="clickEffect">
+                                <p:cTn id="38" presetID="10" presetClass="entr" presetSubtype="0" fill="hold" nodeType="clickEffect">
                                   <p:stCondLst>
                                     <p:cond delay="0"/>
                                   </p:stCondLst>
                                   <p:childTnLst>
                                     <p:set>
                                       <p:cBhvr>
-                                        <p:cTn id="30" dur="1" fill="hold">
+                                        <p:cTn id="39" dur="1" fill="hold">
                                           <p:stCondLst>
                                             <p:cond delay="0"/>
                                           </p:stCondLst>
@@ -20848,7 +21215,7 @@
                                     </p:set>
                                     <p:animEffect transition="in" filter="fade">
                                       <p:cBhvr>
-                                        <p:cTn id="31" dur="500"/>
+                                        <p:cTn id="40" dur="500"/>
                                         <p:tgtEl>
                                           <p:spTgt spid="17"/>
                                         </p:tgtEl>
@@ -20858,14 +21225,14 @@
                                 </p:cTn>
                               </p:par>
                               <p:par>
-                                <p:cTn id="32" presetID="10" presetClass="entr" presetSubtype="0" fill="hold" grpId="0" nodeType="withEffect">
+                                <p:cTn id="41" presetID="10" presetClass="entr" presetSubtype="0" fill="hold" grpId="0" nodeType="withEffect">
                                   <p:stCondLst>
                                     <p:cond delay="0"/>
                                   </p:stCondLst>
                                   <p:childTnLst>
                                     <p:set>
                                       <p:cBhvr>
-                                        <p:cTn id="33" dur="1" fill="hold">
+                                        <p:cTn id="42" dur="1" fill="hold">
                                           <p:stCondLst>
                                             <p:cond delay="0"/>
                                           </p:stCondLst>
@@ -20883,7 +21250,7 @@
                                     </p:set>
                                     <p:animEffect transition="in" filter="fade">
                                       <p:cBhvr>
-                                        <p:cTn id="34" dur="500"/>
+                                        <p:cTn id="43" dur="500"/>
                                         <p:tgtEl>
                                           <p:spTgt spid="19"/>
                                         </p:tgtEl>
@@ -20899,26 +21266,26 @@
                     </p:cTn>
                   </p:par>
                   <p:par>
-                    <p:cTn id="35" fill="hold">
+                    <p:cTn id="44" fill="hold">
                       <p:stCondLst>
                         <p:cond delay="indefinite"/>
                       </p:stCondLst>
                       <p:childTnLst>
                         <p:par>
-                          <p:cTn id="36" fill="hold">
+                          <p:cTn id="45" fill="hold">
                             <p:stCondLst>
                               <p:cond delay="0"/>
                             </p:stCondLst>
                             <p:childTnLst>
                               <p:par>
-                                <p:cTn id="37" presetID="10" presetClass="entr" presetSubtype="0" fill="hold" nodeType="clickEffect">
+                                <p:cTn id="46" presetID="10" presetClass="entr" presetSubtype="0" fill="hold" nodeType="clickEffect">
                                   <p:stCondLst>
                                     <p:cond delay="0"/>
                                   </p:stCondLst>
                                   <p:childTnLst>
                                     <p:set>
                                       <p:cBhvr>
-                                        <p:cTn id="38" dur="1" fill="hold">
+                                        <p:cTn id="47" dur="1" fill="hold">
                                           <p:stCondLst>
                                             <p:cond delay="0"/>
                                           </p:stCondLst>
@@ -20936,7 +21303,7 @@
                                     </p:set>
                                     <p:animEffect transition="in" filter="fade">
                                       <p:cBhvr>
-                                        <p:cTn id="39" dur="500"/>
+                                        <p:cTn id="48" dur="500"/>
                                         <p:tgtEl>
                                           <p:spTgt spid="20"/>
                                         </p:tgtEl>
@@ -20946,14 +21313,14 @@
                                 </p:cTn>
                               </p:par>
                               <p:par>
-                                <p:cTn id="40" presetID="10" presetClass="entr" presetSubtype="0" fill="hold" grpId="0" nodeType="withEffect">
+                                <p:cTn id="49" presetID="10" presetClass="entr" presetSubtype="0" fill="hold" grpId="0" nodeType="withEffect">
                                   <p:stCondLst>
                                     <p:cond delay="0"/>
                                   </p:stCondLst>
                                   <p:childTnLst>
                                     <p:set>
                                       <p:cBhvr>
-                                        <p:cTn id="41" dur="1" fill="hold">
+                                        <p:cTn id="50" dur="1" fill="hold">
                                           <p:stCondLst>
                                             <p:cond delay="0"/>
                                           </p:stCondLst>
@@ -20971,7 +21338,7 @@
                                     </p:set>
                                     <p:animEffect transition="in" filter="fade">
                                       <p:cBhvr>
-                                        <p:cTn id="42" dur="500"/>
+                                        <p:cTn id="51" dur="500"/>
                                         <p:tgtEl>
                                           <p:spTgt spid="22"/>
                                         </p:tgtEl>
@@ -20987,26 +21354,26 @@
                     </p:cTn>
                   </p:par>
                   <p:par>
-                    <p:cTn id="43" fill="hold">
+                    <p:cTn id="52" fill="hold">
                       <p:stCondLst>
                         <p:cond delay="indefinite"/>
                       </p:stCondLst>
                       <p:childTnLst>
                         <p:par>
-                          <p:cTn id="44" fill="hold">
+                          <p:cTn id="53" fill="hold">
                             <p:stCondLst>
                               <p:cond delay="0"/>
                             </p:stCondLst>
                             <p:childTnLst>
                               <p:par>
-                                <p:cTn id="45" presetID="10" presetClass="entr" presetSubtype="0" fill="hold" grpId="0" nodeType="clickEffect">
+                                <p:cTn id="54" presetID="10" presetClass="entr" presetSubtype="0" fill="hold" grpId="0" nodeType="clickEffect">
                                   <p:stCondLst>
                                     <p:cond delay="0"/>
                                   </p:stCondLst>
                                   <p:childTnLst>
                                     <p:set>
                                       <p:cBhvr>
-                                        <p:cTn id="46" dur="1" fill="hold">
+                                        <p:cTn id="55" dur="1" fill="hold">
                                           <p:stCondLst>
                                             <p:cond delay="0"/>
                                           </p:stCondLst>
@@ -21024,7 +21391,7 @@
                                     </p:set>
                                     <p:animEffect transition="in" filter="fade">
                                       <p:cBhvr>
-                                        <p:cTn id="47" dur="500"/>
+                                        <p:cTn id="56" dur="500"/>
                                         <p:tgtEl>
                                           <p:spTgt spid="23"/>
                                         </p:tgtEl>
@@ -21495,13 +21862,13 @@
   <p:clrMapOvr>
     <a:masterClrMapping/>
   </p:clrMapOvr>
-  <mc:AlternateContent xmlns:mc="http://schemas.openxmlformats.org/markup-compatibility/2006">
-    <mc:Choice xmlns:p14="http://schemas.microsoft.com/office/powerpoint/2010/main" Requires="p14">
+  <mc:AlternateContent xmlns:mc="http://schemas.openxmlformats.org/markup-compatibility/2006" xmlns:p14="http://schemas.microsoft.com/office/powerpoint/2010/main">
+    <mc:Choice Requires="p14">
       <p:transition spd="med" p14:dur="700">
         <p:fade/>
       </p:transition>
     </mc:Choice>
-    <mc:Fallback>
+    <mc:Fallback xmlns="">
       <p:transition spd="med">
         <p:fade/>
       </p:transition>
@@ -22562,13 +22929,13 @@
   <p:clrMapOvr>
     <a:masterClrMapping/>
   </p:clrMapOvr>
-  <mc:AlternateContent xmlns:mc="http://schemas.openxmlformats.org/markup-compatibility/2006">
-    <mc:Choice xmlns:p14="http://schemas.microsoft.com/office/powerpoint/2010/main" Requires="p14">
+  <mc:AlternateContent xmlns:mc="http://schemas.openxmlformats.org/markup-compatibility/2006" xmlns:p14="http://schemas.microsoft.com/office/powerpoint/2010/main">
+    <mc:Choice Requires="p14">
       <p:transition spd="med" p14:dur="700">
         <p:fade/>
       </p:transition>
     </mc:Choice>
-    <mc:Fallback>
+    <mc:Fallback xmlns="">
       <p:transition spd="med">
         <p:fade/>
       </p:transition>
@@ -24879,13 +25246,13 @@
   <p:clrMapOvr>
     <a:masterClrMapping/>
   </p:clrMapOvr>
-  <mc:AlternateContent xmlns:mc="http://schemas.openxmlformats.org/markup-compatibility/2006">
-    <mc:Choice xmlns:p14="http://schemas.microsoft.com/office/powerpoint/2010/main" Requires="p14">
+  <mc:AlternateContent xmlns:mc="http://schemas.openxmlformats.org/markup-compatibility/2006" xmlns:p14="http://schemas.microsoft.com/office/powerpoint/2010/main">
+    <mc:Choice Requires="p14">
       <p:transition spd="med" p14:dur="700">
         <p:fade/>
       </p:transition>
     </mc:Choice>
-    <mc:Fallback>
+    <mc:Fallback xmlns="">
       <p:transition spd="med">
         <p:fade/>
       </p:transition>
@@ -24946,33 +25313,15 @@
                                   </p:childTnLst>
                                 </p:cTn>
                               </p:par>
-                            </p:childTnLst>
-                          </p:cTn>
-                        </p:par>
-                      </p:childTnLst>
-                    </p:cTn>
-                  </p:par>
-                  <p:par>
-                    <p:cTn id="8" fill="hold">
-                      <p:stCondLst>
-                        <p:cond delay="indefinite"/>
-                      </p:stCondLst>
-                      <p:childTnLst>
-                        <p:par>
-                          <p:cTn id="9" fill="hold">
-                            <p:stCondLst>
-                              <p:cond delay="0"/>
-                            </p:stCondLst>
-                            <p:childTnLst>
                               <p:par>
-                                <p:cTn id="10" presetID="16" presetClass="entr" presetSubtype="21" fill="hold" grpId="0" nodeType="clickEffect">
+                                <p:cTn id="8" presetID="16" presetClass="entr" presetSubtype="21" fill="hold" grpId="0" nodeType="withEffect">
                                   <p:stCondLst>
                                     <p:cond delay="0"/>
                                   </p:stCondLst>
                                   <p:childTnLst>
                                     <p:set>
                                       <p:cBhvr>
-                                        <p:cTn id="11" dur="1" fill="hold">
+                                        <p:cTn id="9" dur="1" fill="hold">
                                           <p:stCondLst>
                                             <p:cond delay="0"/>
                                           </p:stCondLst>
@@ -24990,7 +25339,7 @@
                                     </p:set>
                                     <p:animEffect transition="in" filter="barn(inVertical)">
                                       <p:cBhvr>
-                                        <p:cTn id="12" dur="500"/>
+                                        <p:cTn id="10" dur="500"/>
                                         <p:tgtEl>
                                           <p:spTgt spid="136"/>
                                         </p:tgtEl>
@@ -25006,26 +25355,26 @@
                     </p:cTn>
                   </p:par>
                   <p:par>
-                    <p:cTn id="13" fill="hold">
+                    <p:cTn id="11" fill="hold">
                       <p:stCondLst>
                         <p:cond delay="indefinite"/>
                       </p:stCondLst>
                       <p:childTnLst>
                         <p:par>
-                          <p:cTn id="14" fill="hold">
+                          <p:cTn id="12" fill="hold">
                             <p:stCondLst>
                               <p:cond delay="0"/>
                             </p:stCondLst>
                             <p:childTnLst>
                               <p:par>
-                                <p:cTn id="15" presetID="16" presetClass="entr" presetSubtype="21" fill="hold" grpId="0" nodeType="clickEffect">
+                                <p:cTn id="13" presetID="16" presetClass="entr" presetSubtype="21" fill="hold" grpId="0" nodeType="clickEffect">
                                   <p:stCondLst>
                                     <p:cond delay="0"/>
                                   </p:stCondLst>
                                   <p:childTnLst>
                                     <p:set>
                                       <p:cBhvr>
-                                        <p:cTn id="16" dur="1" fill="hold">
+                                        <p:cTn id="14" dur="1" fill="hold">
                                           <p:stCondLst>
                                             <p:cond delay="0"/>
                                           </p:stCondLst>
@@ -25043,7 +25392,7 @@
                                     </p:set>
                                     <p:animEffect transition="in" filter="barn(inVertical)">
                                       <p:cBhvr>
-                                        <p:cTn id="17" dur="500"/>
+                                        <p:cTn id="15" dur="500"/>
                                         <p:tgtEl>
                                           <p:spTgt spid="137"/>
                                         </p:tgtEl>
@@ -26109,8 +26458,16 @@
           <a:lstStyle/>
           <a:p>
             <a:r>
+              <a:rPr lang="zh-CN" altLang="en-US" sz="1600" b="1" dirty="0">
+                <a:solidFill>
+                  <a:schemeClr val="accent4"/>
+                </a:solidFill>
+              </a:rPr>
+              <a:t>案例一：</a:t>
+            </a:r>
+            <a:r>
               <a:rPr lang="zh-CN" altLang="en-US" sz="1600" dirty="0"/>
-              <a:t>案例一：张三毕业后来上海打拼，拥有一份每个月赚</a:t>
+              <a:t>张三毕业后来上海打拼，拥有一份每个月赚</a:t>
             </a:r>
             <a:r>
               <a:rPr lang="en-US" altLang="zh-CN" sz="1600" dirty="0"/>
@@ -26138,8 +26495,8 @@
           </a:p>
         </p:txBody>
       </p:sp>
-      <mc:AlternateContent xmlns:mc="http://schemas.openxmlformats.org/markup-compatibility/2006" xmlns:a14="http://schemas.microsoft.com/office/drawing/2010/main">
-        <mc:Choice Requires="a14">
+      <mc:AlternateContent xmlns:mc="http://schemas.openxmlformats.org/markup-compatibility/2006">
+        <mc:Choice xmlns:a14="http://schemas.microsoft.com/office/drawing/2010/main" Requires="a14">
           <p:sp>
             <p:nvSpPr>
               <p:cNvPr id="7" name="文本框 6">
@@ -26169,8 +26526,16 @@
               <a:lstStyle/>
               <a:p>
                 <a:r>
+                  <a:rPr lang="zh-CN" altLang="en-US" sz="1600" b="1" dirty="0">
+                    <a:solidFill>
+                      <a:schemeClr val="accent4"/>
+                    </a:solidFill>
+                  </a:rPr>
+                  <a:t>案例二：</a:t>
+                </a:r>
+                <a:r>
                   <a:rPr lang="zh-CN" altLang="en-US" sz="1600" dirty="0"/>
-                  <a:t>案例二：张三通过努力，进入了一家国际连锁餐饮企业负责买菜。</a:t>
+                  <a:t>张三通过努力，进入了一家国际连锁餐饮企业负责买菜。</a:t>
                 </a:r>
                 <a:endParaRPr lang="en-US" altLang="zh-CN" sz="1600" dirty="0"/>
               </a:p>
@@ -26362,7 +26727,7 @@
             </p:txBody>
           </p:sp>
         </mc:Choice>
-        <mc:Fallback xmlns="">
+        <mc:Fallback>
           <p:sp>
             <p:nvSpPr>
               <p:cNvPr id="7" name="文本框 6">
@@ -27927,7 +28292,7 @@
                                     </p:set>
                                     <p:animEffect transition="in" filter="fade">
                                       <p:cBhvr>
-                                        <p:cTn id="7" dur="1000"/>
+                                        <p:cTn id="7" dur="500"/>
                                         <p:tgtEl>
                                           <p:spTgt spid="6"/>
                                         </p:tgtEl>
@@ -27935,7 +28300,7 @@
                                     </p:animEffect>
                                     <p:anim calcmode="lin" valueType="num">
                                       <p:cBhvr>
-                                        <p:cTn id="8" dur="1000" fill="hold"/>
+                                        <p:cTn id="8" dur="500" fill="hold"/>
                                         <p:tgtEl>
                                           <p:spTgt spid="6"/>
                                         </p:tgtEl>
@@ -27958,7 +28323,7 @@
                                     </p:anim>
                                     <p:anim calcmode="lin" valueType="num">
                                       <p:cBhvr>
-                                        <p:cTn id="9" dur="1000" fill="hold"/>
+                                        <p:cTn id="9" dur="500" fill="hold"/>
                                         <p:tgtEl>
                                           <p:spTgt spid="6"/>
                                         </p:tgtEl>
@@ -28008,7 +28373,7 @@
                                     </p:set>
                                     <p:animEffect transition="in" filter="fade">
                                       <p:cBhvr>
-                                        <p:cTn id="12" dur="1000"/>
+                                        <p:cTn id="12" dur="500"/>
                                         <p:tgtEl>
                                           <p:spTgt spid="9"/>
                                         </p:tgtEl>
@@ -28016,7 +28381,7 @@
                                     </p:animEffect>
                                     <p:anim calcmode="lin" valueType="num">
                                       <p:cBhvr>
-                                        <p:cTn id="13" dur="1000" fill="hold"/>
+                                        <p:cTn id="13" dur="500" fill="hold"/>
                                         <p:tgtEl>
                                           <p:spTgt spid="9"/>
                                         </p:tgtEl>
@@ -28039,7 +28404,7 @@
                                     </p:anim>
                                     <p:anim calcmode="lin" valueType="num">
                                       <p:cBhvr>
-                                        <p:cTn id="14" dur="1000" fill="hold"/>
+                                        <p:cTn id="14" dur="500" fill="hold"/>
                                         <p:tgtEl>
                                           <p:spTgt spid="9"/>
                                         </p:tgtEl>
@@ -28089,7 +28454,7 @@
                                     </p:set>
                                     <p:animEffect transition="in" filter="fade">
                                       <p:cBhvr>
-                                        <p:cTn id="17" dur="1000"/>
+                                        <p:cTn id="17" dur="500"/>
                                         <p:tgtEl>
                                           <p:spTgt spid="11"/>
                                         </p:tgtEl>
@@ -28097,7 +28462,7 @@
                                     </p:animEffect>
                                     <p:anim calcmode="lin" valueType="num">
                                       <p:cBhvr>
-                                        <p:cTn id="18" dur="1000" fill="hold"/>
+                                        <p:cTn id="18" dur="500" fill="hold"/>
                                         <p:tgtEl>
                                           <p:spTgt spid="11"/>
                                         </p:tgtEl>
@@ -28120,7 +28485,7 @@
                                     </p:anim>
                                     <p:anim calcmode="lin" valueType="num">
                                       <p:cBhvr>
-                                        <p:cTn id="19" dur="1000" fill="hold"/>
+                                        <p:cTn id="19" dur="500" fill="hold"/>
                                         <p:tgtEl>
                                           <p:spTgt spid="11"/>
                                         </p:tgtEl>
@@ -28188,7 +28553,7 @@
                                     </p:set>
                                     <p:animEffect transition="in" filter="diamond(in)">
                                       <p:cBhvr>
-                                        <p:cTn id="24" dur="2000"/>
+                                        <p:cTn id="24" dur="1000"/>
                                         <p:tgtEl>
                                           <p:spTgt spid="4"/>
                                         </p:tgtEl>
@@ -28875,33 +29240,15 @@
                                   </p:childTnLst>
                                 </p:cTn>
                               </p:par>
-                            </p:childTnLst>
-                          </p:cTn>
-                        </p:par>
-                      </p:childTnLst>
-                    </p:cTn>
-                  </p:par>
-                  <p:par>
-                    <p:cTn id="8" fill="hold">
-                      <p:stCondLst>
-                        <p:cond delay="indefinite"/>
-                      </p:stCondLst>
-                      <p:childTnLst>
-                        <p:par>
-                          <p:cTn id="9" fill="hold">
-                            <p:stCondLst>
-                              <p:cond delay="0"/>
-                            </p:stCondLst>
-                            <p:childTnLst>
                               <p:par>
-                                <p:cTn id="10" presetID="16" presetClass="entr" presetSubtype="21" fill="hold" grpId="0" nodeType="clickEffect">
+                                <p:cTn id="8" presetID="16" presetClass="entr" presetSubtype="21" fill="hold" grpId="0" nodeType="withEffect">
                                   <p:stCondLst>
                                     <p:cond delay="0"/>
                                   </p:stCondLst>
                                   <p:childTnLst>
                                     <p:set>
                                       <p:cBhvr>
-                                        <p:cTn id="11" dur="1" fill="hold">
+                                        <p:cTn id="9" dur="1" fill="hold">
                                           <p:stCondLst>
                                             <p:cond delay="0"/>
                                           </p:stCondLst>
@@ -28923,7 +29270,7 @@
                                     </p:set>
                                     <p:animEffect transition="in" filter="barn(inVertical)">
                                       <p:cBhvr>
-                                        <p:cTn id="12" dur="500"/>
+                                        <p:cTn id="10" dur="500"/>
                                         <p:tgtEl>
                                           <p:spTgt spid="3">
                                             <p:txEl>
@@ -28943,26 +29290,26 @@
                     </p:cTn>
                   </p:par>
                   <p:par>
-                    <p:cTn id="13" fill="hold">
+                    <p:cTn id="11" fill="hold">
                       <p:stCondLst>
                         <p:cond delay="indefinite"/>
                       </p:stCondLst>
                       <p:childTnLst>
                         <p:par>
-                          <p:cTn id="14" fill="hold">
+                          <p:cTn id="12" fill="hold">
                             <p:stCondLst>
                               <p:cond delay="0"/>
                             </p:stCondLst>
                             <p:childTnLst>
                               <p:par>
-                                <p:cTn id="15" presetID="16" presetClass="entr" presetSubtype="21" fill="hold" grpId="0" nodeType="clickEffect">
+                                <p:cTn id="13" presetID="16" presetClass="entr" presetSubtype="21" fill="hold" grpId="0" nodeType="clickEffect">
                                   <p:stCondLst>
                                     <p:cond delay="0"/>
                                   </p:stCondLst>
                                   <p:childTnLst>
                                     <p:set>
                                       <p:cBhvr>
-                                        <p:cTn id="16" dur="1" fill="hold">
+                                        <p:cTn id="14" dur="1" fill="hold">
                                           <p:stCondLst>
                                             <p:cond delay="0"/>
                                           </p:stCondLst>
@@ -28980,7 +29327,7 @@
                                     </p:set>
                                     <p:animEffect transition="in" filter="barn(inVertical)">
                                       <p:cBhvr>
-                                        <p:cTn id="17" dur="500"/>
+                                        <p:cTn id="15" dur="500"/>
                                         <p:tgtEl>
                                           <p:spTgt spid="8"/>
                                         </p:tgtEl>

--- a/Python-Meetup/20200719/面向一小部分程序员的数学学习相关话题简言.pptx
+++ b/Python-Meetup/20200719/面向一小部分程序员的数学学习相关话题简言.pptx
@@ -258,7 +258,7 @@
                 <a:latin typeface="微软雅黑" panose="020B0503020204020204" pitchFamily="34" charset="-122"/>
                 <a:ea typeface="微软雅黑" panose="020B0503020204020204" pitchFamily="34" charset="-122"/>
               </a:rPr>
-              <a:t>2020年7月10日</a:t>
+              <a:t>2020年7月11日</a:t>
             </a:fld>
             <a:endParaRPr lang="zh-CN" altLang="en-US" dirty="0">
               <a:latin typeface="微软雅黑" panose="020B0503020204020204" pitchFamily="34" charset="-122"/>
@@ -450,7 +450,7 @@
             <a:fld id="{07D6BDDC-F39A-4E16-93D6-E40B88AA6D58}" type="datetime2">
               <a:rPr lang="zh-CN" altLang="en-US" smtClean="0"/>
               <a:pPr/>
-              <a:t>2020年7月10日</a:t>
+              <a:t>2020年7月11日</a:t>
             </a:fld>
             <a:endParaRPr lang="zh-CN" altLang="en-US" dirty="0"/>
           </a:p>
@@ -2390,7 +2390,7 @@
             <a:fld id="{4947C3F0-2957-4D41-9FB7-182757A04D67}" type="datetime2">
               <a:rPr lang="zh-CN" altLang="en-US" smtClean="0"/>
               <a:pPr/>
-              <a:t>2020年7月10日</a:t>
+              <a:t>2020年7月11日</a:t>
             </a:fld>
             <a:endParaRPr lang="zh-CN" altLang="en-US" dirty="0"/>
           </a:p>
@@ -2623,7 +2623,7 @@
             <a:fld id="{8DF8E148-EC1F-43A2-8C9E-1F57F6D08A76}" type="datetime2">
               <a:rPr lang="zh-CN" altLang="en-US" smtClean="0"/>
               <a:pPr/>
-              <a:t>2020年7月10日</a:t>
+              <a:t>2020年7月11日</a:t>
             </a:fld>
             <a:endParaRPr lang="zh-CN" altLang="en-US" dirty="0"/>
           </a:p>
@@ -3505,7 +3505,7 @@
             <a:fld id="{FB7B4C11-1E14-4887-9E78-A9346EC068F1}" type="datetime2">
               <a:rPr lang="zh-CN" altLang="en-US" smtClean="0"/>
               <a:pPr/>
-              <a:t>2020年7月10日</a:t>
+              <a:t>2020年7月11日</a:t>
             </a:fld>
             <a:endParaRPr lang="zh-CN" altLang="en-US" dirty="0"/>
           </a:p>
@@ -3764,7 +3764,7 @@
             <a:fld id="{86FD5D46-E987-42B2-B42C-B8920598FADE}" type="datetime2">
               <a:rPr lang="zh-CN" altLang="en-US" smtClean="0"/>
               <a:pPr/>
-              <a:t>2020年7月10日</a:t>
+              <a:t>2020年7月11日</a:t>
             </a:fld>
             <a:endParaRPr lang="zh-CN" altLang="en-US" dirty="0"/>
           </a:p>
@@ -5090,7 +5090,7 @@
             <a:fld id="{8365F240-A7EF-41C8-A85B-C448CF84B5E5}" type="datetime2">
               <a:rPr lang="zh-CN" altLang="en-US" smtClean="0"/>
               <a:pPr/>
-              <a:t>2020年7月10日</a:t>
+              <a:t>2020年7月11日</a:t>
             </a:fld>
             <a:endParaRPr lang="zh-CN" altLang="en-US" dirty="0"/>
           </a:p>
@@ -5425,7 +5425,7 @@
             <a:fld id="{F770B30E-8728-44DB-AEE3-E4A75AEDBBD9}" type="datetime2">
               <a:rPr lang="zh-CN" altLang="en-US" smtClean="0"/>
               <a:pPr/>
-              <a:t>2020年7月10日</a:t>
+              <a:t>2020年7月11日</a:t>
             </a:fld>
             <a:endParaRPr lang="zh-CN" altLang="en-US" dirty="0"/>
           </a:p>
@@ -5926,7 +5926,7 @@
             <a:fld id="{680BCF82-A51A-4389-A573-378AD02C5141}" type="datetime2">
               <a:rPr lang="zh-CN" altLang="en-US" smtClean="0"/>
               <a:pPr/>
-              <a:t>2020年7月10日</a:t>
+              <a:t>2020年7月11日</a:t>
             </a:fld>
             <a:endParaRPr lang="zh-CN" altLang="en-US" dirty="0"/>
           </a:p>
@@ -6081,7 +6081,7 @@
             <a:fld id="{CE03A716-E3DC-4D9D-823C-60FCD8C9B163}" type="datetime2">
               <a:rPr lang="zh-CN" altLang="en-US" smtClean="0"/>
               <a:pPr/>
-              <a:t>2020年7月10日</a:t>
+              <a:t>2020年7月11日</a:t>
             </a:fld>
             <a:endParaRPr lang="zh-CN" altLang="en-US" dirty="0"/>
           </a:p>
@@ -6441,7 +6441,7 @@
             <a:fld id="{C16B8A94-44E5-4844-A22C-F796FCAA90D9}" type="datetime2">
               <a:rPr lang="zh-CN" altLang="en-US" smtClean="0"/>
               <a:pPr/>
-              <a:t>2020年7月10日</a:t>
+              <a:t>2020年7月11日</a:t>
             </a:fld>
             <a:endParaRPr lang="zh-CN" altLang="en-US" dirty="0"/>
           </a:p>
@@ -6983,7 +6983,7 @@
             <a:fld id="{F288B2AC-AC0A-4E49-82A3-94EE74FA7FBF}" type="datetime2">
               <a:rPr lang="zh-CN" altLang="en-US" smtClean="0"/>
               <a:pPr/>
-              <a:t>2020年7月10日</a:t>
+              <a:t>2020年7月11日</a:t>
             </a:fld>
             <a:endParaRPr lang="zh-CN" altLang="en-US" dirty="0"/>
           </a:p>
@@ -7469,7 +7469,7 @@
             <a:fld id="{1878E339-1BD2-4FEE-A113-9A0301740CF6}" type="datetime2">
               <a:rPr lang="zh-CN" altLang="en-US" smtClean="0"/>
               <a:pPr/>
-              <a:t>2020年7月10日</a:t>
+              <a:t>2020年7月11日</a:t>
             </a:fld>
             <a:endParaRPr lang="zh-CN" altLang="en-US" dirty="0"/>
           </a:p>
@@ -8392,7 +8392,7 @@
             <a:fld id="{A339CB27-C670-4AAB-948C-7E3D1D9FAE30}" type="datetime2">
               <a:rPr lang="zh-CN" altLang="en-US" smtClean="0"/>
               <a:pPr/>
-              <a:t>2020年7月10日</a:t>
+              <a:t>2020年7月11日</a:t>
             </a:fld>
             <a:endParaRPr lang="zh-CN" altLang="en-US" dirty="0"/>
           </a:p>
@@ -11354,8 +11354,8 @@
           </a:p>
         </p:txBody>
       </p:sp>
-      <mc:AlternateContent xmlns:mc="http://schemas.openxmlformats.org/markup-compatibility/2006">
-        <mc:Choice xmlns:a14="http://schemas.microsoft.com/office/drawing/2010/main" Requires="a14">
+      <mc:AlternateContent xmlns:mc="http://schemas.openxmlformats.org/markup-compatibility/2006" xmlns:a14="http://schemas.microsoft.com/office/drawing/2010/main">
+        <mc:Choice Requires="a14">
           <p:sp>
             <p:nvSpPr>
               <p:cNvPr id="6" name="内容占位符 3">
@@ -11902,7 +11902,7 @@
             </p:txBody>
           </p:sp>
         </mc:Choice>
-        <mc:Fallback>
+        <mc:Fallback xmlns="">
           <p:sp>
             <p:nvSpPr>
               <p:cNvPr id="6" name="内容占位符 3">
@@ -12173,7 +12173,7 @@
                       <a:schemeClr val="tx1"/>
                     </a:solidFill>
                   </a:rPr>
-                  <a:t>我在中学时发现球体积 </a:t>
+                  <a:t>中学时我发现球体积 </a:t>
                 </a:r>
                 <a14:m>
                   <m:oMath xmlns:m="http://schemas.openxmlformats.org/officeDocument/2006/math">
@@ -12639,46 +12639,7 @@
                       <a:schemeClr val="tx1"/>
                     </a:solidFill>
                   </a:rPr>
-                  <a:t>表面积在 </a:t>
-                </a:r>
-                <a14:m>
-                  <m:oMath xmlns:m="http://schemas.openxmlformats.org/officeDocument/2006/math">
-                    <m:r>
-                      <a:rPr lang="en-US" altLang="zh-CN" sz="1400" b="0" i="1" smtClean="0">
-                        <a:solidFill>
-                          <a:schemeClr val="tx1"/>
-                        </a:solidFill>
-                        <a:latin typeface="Cambria Math" panose="02040503050406030204" pitchFamily="18" charset="0"/>
-                      </a:rPr>
-                      <m:t>[0, </m:t>
-                    </m:r>
-                    <m:r>
-                      <a:rPr lang="en-US" altLang="zh-CN" sz="1400" b="0" i="1" smtClean="0">
-                        <a:solidFill>
-                          <a:schemeClr val="tx1"/>
-                        </a:solidFill>
-                        <a:latin typeface="Cambria Math" panose="02040503050406030204" pitchFamily="18" charset="0"/>
-                      </a:rPr>
-                      <m:t>𝑅</m:t>
-                    </m:r>
-                    <m:r>
-                      <a:rPr lang="en-US" altLang="zh-CN" sz="1400" b="0" i="1" smtClean="0">
-                        <a:solidFill>
-                          <a:schemeClr val="tx1"/>
-                        </a:solidFill>
-                        <a:latin typeface="Cambria Math" panose="02040503050406030204" pitchFamily="18" charset="0"/>
-                      </a:rPr>
-                      <m:t>]</m:t>
-                    </m:r>
-                  </m:oMath>
-                </a14:m>
-                <a:r>
-                  <a:rPr lang="zh-CN" altLang="en-US" sz="1400" dirty="0">
-                    <a:solidFill>
-                      <a:schemeClr val="tx1"/>
-                    </a:solidFill>
-                  </a:rPr>
-                  <a:t> 上的积分，记为 </a:t>
+                  <a:t>表面积的积分，记为 </a:t>
                 </a:r>
                 <a14:m>
                   <m:oMath xmlns:m="http://schemas.openxmlformats.org/officeDocument/2006/math">
@@ -12699,7 +12660,22 @@
                       <a:schemeClr val="tx1"/>
                     </a:solidFill>
                   </a:rPr>
-                  <a:t>。那么问题来了。</a:t>
+                  <a:t>。</a:t>
+                </a:r>
+                <a:br>
+                  <a:rPr lang="en-US" altLang="zh-CN" sz="1400" dirty="0">
+                    <a:solidFill>
+                      <a:schemeClr val="tx1"/>
+                    </a:solidFill>
+                  </a:rPr>
+                </a:br>
+                <a:r>
+                  <a:rPr lang="zh-CN" altLang="en-US" sz="1400" dirty="0">
+                    <a:solidFill>
+                      <a:schemeClr val="tx1"/>
+                    </a:solidFill>
+                  </a:rPr>
+                  <a:t>那么问题来了。</a:t>
                 </a:r>
                 <a:endParaRPr lang="en-US" altLang="zh-CN" sz="1400" dirty="0">
                   <a:solidFill>
@@ -12715,7 +12691,7 @@
                       <a:schemeClr val="tx1"/>
                     </a:solidFill>
                   </a:rPr>
-                  <a:t>如果把球像切菜一样直上直下的切片，每一片在平面 </a:t>
+                  <a:t>如果把球像切萝卜一样直上直下的切片，每一片在平面 </a:t>
                 </a:r>
                 <a14:m>
                   <m:oMath xmlns:m="http://schemas.openxmlformats.org/officeDocument/2006/math">
@@ -14358,7 +14334,7 @@
             <a:pPr lvl="1"/>
             <a:r>
               <a:rPr lang="zh-CN" altLang="en-US" sz="1400" dirty="0"/>
-              <a:t>傅里叶变换 和 最小二乘逼近 的关系是什么？（分析数学→线性代数的跨域）</a:t>
+              <a:t>傅里叶变换 和 最小二乘逼近 的关系是什么？（分析数学→线性代数的跨域，衍生出泛函分析。）</a:t>
             </a:r>
           </a:p>
         </p:txBody>
@@ -14578,7 +14554,7 @@
             <a:pPr lvl="1"/>
             <a:r>
               <a:rPr lang="zh-CN" altLang="en-US" sz="1400" dirty="0"/>
-              <a:t>积分都是什么？（感性、具象）</a:t>
+              <a:t>积分是什么？切割的面积？累加的微小量？</a:t>
             </a:r>
           </a:p>
         </p:txBody>
@@ -15098,8 +15074,8 @@
           </a:p>
         </p:txBody>
       </p:sp>
-      <mc:AlternateContent xmlns:mc="http://schemas.openxmlformats.org/markup-compatibility/2006">
-        <mc:Choice xmlns:a14="http://schemas.microsoft.com/office/drawing/2010/main" Requires="a14">
+      <mc:AlternateContent xmlns:mc="http://schemas.openxmlformats.org/markup-compatibility/2006" xmlns:a14="http://schemas.microsoft.com/office/drawing/2010/main">
+        <mc:Choice Requires="a14">
           <p:sp>
             <p:nvSpPr>
               <p:cNvPr id="5" name="内容占位符 3">
@@ -16704,7 +16680,7 @@
             </p:txBody>
           </p:sp>
         </mc:Choice>
-        <mc:Fallback>
+        <mc:Fallback xmlns="">
           <p:sp>
             <p:nvSpPr>
               <p:cNvPr id="5" name="内容占位符 3">
@@ -16749,8 +16725,8 @@
           </p:sp>
         </mc:Fallback>
       </mc:AlternateContent>
-      <mc:AlternateContent xmlns:mc="http://schemas.openxmlformats.org/markup-compatibility/2006">
-        <mc:Choice xmlns:a14="http://schemas.microsoft.com/office/drawing/2010/main" Requires="a14">
+      <mc:AlternateContent xmlns:mc="http://schemas.openxmlformats.org/markup-compatibility/2006" xmlns:a14="http://schemas.microsoft.com/office/drawing/2010/main">
+        <mc:Choice Requires="a14">
           <p:sp>
             <p:nvSpPr>
               <p:cNvPr id="6" name="内容占位符 3">
@@ -18181,7 +18157,7 @@
             </p:txBody>
           </p:sp>
         </mc:Choice>
-        <mc:Fallback>
+        <mc:Fallback xmlns="">
           <p:sp>
             <p:nvSpPr>
               <p:cNvPr id="6" name="内容占位符 3">
@@ -18226,8 +18202,8 @@
           </p:sp>
         </mc:Fallback>
       </mc:AlternateContent>
-      <mc:AlternateContent xmlns:mc="http://schemas.openxmlformats.org/markup-compatibility/2006">
-        <mc:Choice xmlns:a14="http://schemas.microsoft.com/office/drawing/2010/main" Requires="a14">
+      <mc:AlternateContent xmlns:mc="http://schemas.openxmlformats.org/markup-compatibility/2006" xmlns:a14="http://schemas.microsoft.com/office/drawing/2010/main">
+        <mc:Choice Requires="a14">
           <p:sp>
             <p:nvSpPr>
               <p:cNvPr id="7" name="内容占位符 3">
@@ -18603,7 +18579,7 @@
             </p:txBody>
           </p:sp>
         </mc:Choice>
-        <mc:Fallback>
+        <mc:Fallback xmlns="">
           <p:sp>
             <p:nvSpPr>
               <p:cNvPr id="7" name="内容占位符 3">
@@ -19387,7 +19363,7 @@
                       <a:rPr lang="en-US" altLang="zh-CN" sz="1400" i="1" smtClean="0">
                         <a:latin typeface="Cambria Math" panose="02040503050406030204" pitchFamily="18" charset="0"/>
                       </a:rPr>
-                      <m:t>-</m:t>
+                      <m:t>−</m:t>
                     </m:r>
                     <m:r>
                       <a:rPr lang="en-US" altLang="zh-CN" sz="1400" i="1">
@@ -19415,15 +19391,12 @@
                   <a:rPr lang="zh-CN" altLang="en-US" sz="1400" dirty="0"/>
                   <a:t>人类语言：</a:t>
                 </a:r>
-                <a:endParaRPr lang="en-US" altLang="zh-CN" sz="1400" dirty="0"/>
-              </a:p>
-              <a:p>
-                <a:pPr marL="365760" lvl="1" indent="0">
-                  <a:buNone/>
-                </a:pPr>
+                <a:br>
+                  <a:rPr lang="en-US" altLang="zh-CN" sz="1400" dirty="0"/>
+                </a:br>
                 <a:r>
                   <a:rPr lang="zh-CN" altLang="en-US" sz="1400" dirty="0"/>
-                  <a:t>     甲</a:t>
+                  <a:t>甲</a:t>
                 </a:r>
                 <a:r>
                   <a:rPr lang="en-US" altLang="zh-CN" sz="1400" dirty="0"/>
@@ -19510,7 +19483,7 @@
                 </a14:m>
                 <a:r>
                   <a:rPr lang="zh-CN" altLang="en-US" sz="1400" dirty="0"/>
-                  <a:t> 的极限，你能保证这个梳理里面有很多数都离 </a:t>
+                  <a:t> 的极限，你能保证这个数列里面有很多数都离 </a:t>
                 </a:r>
                 <a14:m>
                   <m:oMath xmlns:m="http://schemas.openxmlformats.org/officeDocument/2006/math">
@@ -19545,15 +19518,12 @@
                   <a:rPr lang="zh-CN" altLang="en-US" sz="1400" dirty="0"/>
                   <a:t> 很近吗？”</a:t>
                 </a:r>
-                <a:endParaRPr lang="en-US" altLang="zh-CN" sz="1400" dirty="0"/>
-              </a:p>
-              <a:p>
-                <a:pPr marL="365760" lvl="1" indent="0">
-                  <a:buNone/>
-                </a:pPr>
+                <a:br>
+                  <a:rPr lang="en-US" altLang="zh-CN" sz="1400" dirty="0"/>
+                </a:br>
                 <a:r>
                   <a:rPr lang="zh-CN" altLang="en-US" sz="1400" dirty="0"/>
-                  <a:t>     乙</a:t>
+                  <a:t>乙</a:t>
                 </a:r>
                 <a:r>
                   <a:rPr lang="en-US" altLang="zh-CN" sz="1400" dirty="0"/>
@@ -19761,7 +19731,7 @@
               <a:blipFill>
                 <a:blip r:embed="rId2"/>
                 <a:stretch>
-                  <a:fillRect l="-249" t="-2913"/>
+                  <a:fillRect l="-249" t="-2913" r="-125"/>
                 </a:stretch>
               </a:blipFill>
             </p:spPr>
@@ -20008,7 +19978,7 @@
                 <a:pPr lvl="1"/>
                 <a:r>
                   <a:rPr lang="zh-CN" altLang="en-US" sz="1400" dirty="0"/>
-                  <a:t>二维笛卡尔坐标系的直线方程 </a:t>
+                  <a:t>（轻松一刻）二维笛卡尔坐标系的直线方程 </a:t>
                 </a:r>
                 <a14:m>
                   <m:oMath xmlns:m="http://schemas.openxmlformats.org/officeDocument/2006/math">
@@ -20130,8 +20100,8 @@
           </p:sp>
         </mc:Fallback>
       </mc:AlternateContent>
-      <mc:AlternateContent xmlns:mc="http://schemas.openxmlformats.org/markup-compatibility/2006">
-        <mc:Choice xmlns:a14="http://schemas.microsoft.com/office/drawing/2010/main" Requires="a14">
+      <mc:AlternateContent xmlns:mc="http://schemas.openxmlformats.org/markup-compatibility/2006" xmlns:a14="http://schemas.microsoft.com/office/drawing/2010/main">
+        <mc:Choice Requires="a14">
           <p:sp>
             <p:nvSpPr>
               <p:cNvPr id="12" name="文本框 11">
@@ -20205,7 +20175,7 @@
             </p:txBody>
           </p:sp>
         </mc:Choice>
-        <mc:Fallback>
+        <mc:Fallback xmlns="">
           <p:sp>
             <p:nvSpPr>
               <p:cNvPr id="12" name="文本框 11">
@@ -20909,92 +20879,6 @@
                                   </p:childTnLst>
                                 </p:cTn>
                               </p:par>
-                              <p:par>
-                                <p:cTn id="14" presetID="10" presetClass="entr" presetSubtype="0" fill="hold" grpId="0" nodeType="withEffect">
-                                  <p:stCondLst>
-                                    <p:cond delay="0"/>
-                                  </p:stCondLst>
-                                  <p:childTnLst>
-                                    <p:set>
-                                      <p:cBhvr>
-                                        <p:cTn id="15" dur="1" fill="hold">
-                                          <p:stCondLst>
-                                            <p:cond delay="0"/>
-                                          </p:stCondLst>
-                                        </p:cTn>
-                                        <p:tgtEl>
-                                          <p:spTgt spid="3">
-                                            <p:txEl>
-                                              <p:pRg st="3" end="3"/>
-                                            </p:txEl>
-                                          </p:spTgt>
-                                        </p:tgtEl>
-                                        <p:attrNameLst>
-                                          <p:attrName>style.visibility</p:attrName>
-                                        </p:attrNameLst>
-                                      </p:cBhvr>
-                                      <p:to>
-                                        <p:strVal val="visible"/>
-                                      </p:to>
-                                    </p:set>
-                                    <p:animEffect transition="in" filter="fade">
-                                      <p:cBhvr>
-                                        <p:cTn id="16" dur="500"/>
-                                        <p:tgtEl>
-                                          <p:spTgt spid="3">
-                                            <p:txEl>
-                                              <p:pRg st="3" end="3"/>
-                                            </p:txEl>
-                                          </p:spTgt>
-                                        </p:tgtEl>
-                                      </p:cBhvr>
-                                    </p:animEffect>
-                                  </p:childTnLst>
-                                </p:cTn>
-                              </p:par>
-                              <p:par>
-                                <p:cTn id="17" presetID="10" presetClass="entr" presetSubtype="0" fill="hold" grpId="0" nodeType="withEffect">
-                                  <p:stCondLst>
-                                    <p:cond delay="0"/>
-                                  </p:stCondLst>
-                                  <p:childTnLst>
-                                    <p:set>
-                                      <p:cBhvr>
-                                        <p:cTn id="18" dur="1" fill="hold">
-                                          <p:stCondLst>
-                                            <p:cond delay="0"/>
-                                          </p:stCondLst>
-                                        </p:cTn>
-                                        <p:tgtEl>
-                                          <p:spTgt spid="3">
-                                            <p:txEl>
-                                              <p:pRg st="4" end="4"/>
-                                            </p:txEl>
-                                          </p:spTgt>
-                                        </p:tgtEl>
-                                        <p:attrNameLst>
-                                          <p:attrName>style.visibility</p:attrName>
-                                        </p:attrNameLst>
-                                      </p:cBhvr>
-                                      <p:to>
-                                        <p:strVal val="visible"/>
-                                      </p:to>
-                                    </p:set>
-                                    <p:animEffect transition="in" filter="fade">
-                                      <p:cBhvr>
-                                        <p:cTn id="19" dur="500"/>
-                                        <p:tgtEl>
-                                          <p:spTgt spid="3">
-                                            <p:txEl>
-                                              <p:pRg st="4" end="4"/>
-                                            </p:txEl>
-                                          </p:spTgt>
-                                        </p:tgtEl>
-                                      </p:cBhvr>
-                                    </p:animEffect>
-                                  </p:childTnLst>
-                                </p:cTn>
-                              </p:par>
                             </p:childTnLst>
                           </p:cTn>
                         </p:par>
@@ -21002,26 +20886,26 @@
                     </p:cTn>
                   </p:par>
                   <p:par>
-                    <p:cTn id="20" fill="hold">
+                    <p:cTn id="14" fill="hold">
                       <p:stCondLst>
                         <p:cond delay="indefinite"/>
                       </p:stCondLst>
                       <p:childTnLst>
                         <p:par>
-                          <p:cTn id="21" fill="hold">
+                          <p:cTn id="15" fill="hold">
                             <p:stCondLst>
                               <p:cond delay="0"/>
                             </p:stCondLst>
                             <p:childTnLst>
                               <p:par>
-                                <p:cTn id="22" presetID="10" presetClass="entr" presetSubtype="0" fill="hold" grpId="0" nodeType="clickEffect">
+                                <p:cTn id="16" presetID="10" presetClass="entr" presetSubtype="0" fill="hold" grpId="0" nodeType="clickEffect">
                                   <p:stCondLst>
                                     <p:cond delay="0"/>
                                   </p:stCondLst>
                                   <p:childTnLst>
                                     <p:set>
                                       <p:cBhvr>
-                                        <p:cTn id="23" dur="1" fill="hold">
+                                        <p:cTn id="17" dur="1" fill="hold">
                                           <p:stCondLst>
                                             <p:cond delay="0"/>
                                           </p:stCondLst>
@@ -21039,7 +20923,7 @@
                                     </p:set>
                                     <p:animEffect transition="in" filter="fade">
                                       <p:cBhvr>
-                                        <p:cTn id="24" dur="500"/>
+                                        <p:cTn id="18" dur="500"/>
                                         <p:tgtEl>
                                           <p:spTgt spid="11"/>
                                         </p:tgtEl>
@@ -21055,26 +20939,26 @@
                     </p:cTn>
                   </p:par>
                   <p:par>
-                    <p:cTn id="25" fill="hold">
+                    <p:cTn id="19" fill="hold">
                       <p:stCondLst>
                         <p:cond delay="indefinite"/>
                       </p:stCondLst>
                       <p:childTnLst>
                         <p:par>
-                          <p:cTn id="26" fill="hold">
+                          <p:cTn id="20" fill="hold">
                             <p:stCondLst>
                               <p:cond delay="0"/>
                             </p:stCondLst>
                             <p:childTnLst>
                               <p:par>
-                                <p:cTn id="27" presetID="10" presetClass="entr" presetSubtype="0" fill="hold" grpId="0" nodeType="clickEffect">
+                                <p:cTn id="21" presetID="10" presetClass="entr" presetSubtype="0" fill="hold" grpId="0" nodeType="clickEffect">
                                   <p:stCondLst>
                                     <p:cond delay="0"/>
                                   </p:stCondLst>
                                   <p:childTnLst>
                                     <p:set>
                                       <p:cBhvr>
-                                        <p:cTn id="28" dur="1" fill="hold">
+                                        <p:cTn id="22" dur="1" fill="hold">
                                           <p:stCondLst>
                                             <p:cond delay="0"/>
                                           </p:stCondLst>
@@ -21092,7 +20976,7 @@
                                     </p:set>
                                     <p:animEffect transition="in" filter="fade">
                                       <p:cBhvr>
-                                        <p:cTn id="29" dur="500"/>
+                                        <p:cTn id="23" dur="500"/>
                                         <p:tgtEl>
                                           <p:spTgt spid="12"/>
                                         </p:tgtEl>
@@ -21102,14 +20986,14 @@
                                 </p:cTn>
                               </p:par>
                               <p:par>
-                                <p:cTn id="30" presetID="10" presetClass="entr" presetSubtype="0" fill="hold" nodeType="withEffect">
+                                <p:cTn id="24" presetID="10" presetClass="entr" presetSubtype="0" fill="hold" nodeType="withEffect">
                                   <p:stCondLst>
                                     <p:cond delay="0"/>
                                   </p:stCondLst>
                                   <p:childTnLst>
                                     <p:set>
                                       <p:cBhvr>
-                                        <p:cTn id="31" dur="1" fill="hold">
+                                        <p:cTn id="25" dur="1" fill="hold">
                                           <p:stCondLst>
                                             <p:cond delay="0"/>
                                           </p:stCondLst>
@@ -21127,7 +21011,7 @@
                                     </p:set>
                                     <p:animEffect transition="in" filter="fade">
                                       <p:cBhvr>
-                                        <p:cTn id="32" dur="500"/>
+                                        <p:cTn id="26" dur="500"/>
                                         <p:tgtEl>
                                           <p:spTgt spid="14"/>
                                         </p:tgtEl>
@@ -21137,14 +21021,14 @@
                                 </p:cTn>
                               </p:par>
                               <p:par>
-                                <p:cTn id="33" presetID="10" presetClass="entr" presetSubtype="0" fill="hold" grpId="0" nodeType="withEffect">
+                                <p:cTn id="27" presetID="10" presetClass="entr" presetSubtype="0" fill="hold" grpId="0" nodeType="withEffect">
                                   <p:stCondLst>
                                     <p:cond delay="0"/>
                                   </p:stCondLst>
                                   <p:childTnLst>
                                     <p:set>
                                       <p:cBhvr>
-                                        <p:cTn id="34" dur="1" fill="hold">
+                                        <p:cTn id="28" dur="1" fill="hold">
                                           <p:stCondLst>
                                             <p:cond delay="0"/>
                                           </p:stCondLst>
@@ -21162,7 +21046,7 @@
                                     </p:set>
                                     <p:animEffect transition="in" filter="fade">
                                       <p:cBhvr>
-                                        <p:cTn id="35" dur="500"/>
+                                        <p:cTn id="29" dur="500"/>
                                         <p:tgtEl>
                                           <p:spTgt spid="16"/>
                                         </p:tgtEl>
@@ -21178,26 +21062,26 @@
                     </p:cTn>
                   </p:par>
                   <p:par>
-                    <p:cTn id="36" fill="hold">
+                    <p:cTn id="30" fill="hold">
                       <p:stCondLst>
                         <p:cond delay="indefinite"/>
                       </p:stCondLst>
                       <p:childTnLst>
                         <p:par>
-                          <p:cTn id="37" fill="hold">
+                          <p:cTn id="31" fill="hold">
                             <p:stCondLst>
                               <p:cond delay="0"/>
                             </p:stCondLst>
                             <p:childTnLst>
                               <p:par>
-                                <p:cTn id="38" presetID="10" presetClass="entr" presetSubtype="0" fill="hold" nodeType="clickEffect">
+                                <p:cTn id="32" presetID="10" presetClass="entr" presetSubtype="0" fill="hold" nodeType="clickEffect">
                                   <p:stCondLst>
                                     <p:cond delay="0"/>
                                   </p:stCondLst>
                                   <p:childTnLst>
                                     <p:set>
                                       <p:cBhvr>
-                                        <p:cTn id="39" dur="1" fill="hold">
+                                        <p:cTn id="33" dur="1" fill="hold">
                                           <p:stCondLst>
                                             <p:cond delay="0"/>
                                           </p:stCondLst>
@@ -21215,7 +21099,7 @@
                                     </p:set>
                                     <p:animEffect transition="in" filter="fade">
                                       <p:cBhvr>
-                                        <p:cTn id="40" dur="500"/>
+                                        <p:cTn id="34" dur="500"/>
                                         <p:tgtEl>
                                           <p:spTgt spid="17"/>
                                         </p:tgtEl>
@@ -21225,14 +21109,14 @@
                                 </p:cTn>
                               </p:par>
                               <p:par>
-                                <p:cTn id="41" presetID="10" presetClass="entr" presetSubtype="0" fill="hold" grpId="0" nodeType="withEffect">
+                                <p:cTn id="35" presetID="10" presetClass="entr" presetSubtype="0" fill="hold" grpId="0" nodeType="withEffect">
                                   <p:stCondLst>
                                     <p:cond delay="0"/>
                                   </p:stCondLst>
                                   <p:childTnLst>
                                     <p:set>
                                       <p:cBhvr>
-                                        <p:cTn id="42" dur="1" fill="hold">
+                                        <p:cTn id="36" dur="1" fill="hold">
                                           <p:stCondLst>
                                             <p:cond delay="0"/>
                                           </p:stCondLst>
@@ -21250,7 +21134,7 @@
                                     </p:set>
                                     <p:animEffect transition="in" filter="fade">
                                       <p:cBhvr>
-                                        <p:cTn id="43" dur="500"/>
+                                        <p:cTn id="37" dur="500"/>
                                         <p:tgtEl>
                                           <p:spTgt spid="19"/>
                                         </p:tgtEl>
@@ -21266,26 +21150,26 @@
                     </p:cTn>
                   </p:par>
                   <p:par>
-                    <p:cTn id="44" fill="hold">
+                    <p:cTn id="38" fill="hold">
                       <p:stCondLst>
                         <p:cond delay="indefinite"/>
                       </p:stCondLst>
                       <p:childTnLst>
                         <p:par>
-                          <p:cTn id="45" fill="hold">
+                          <p:cTn id="39" fill="hold">
                             <p:stCondLst>
                               <p:cond delay="0"/>
                             </p:stCondLst>
                             <p:childTnLst>
                               <p:par>
-                                <p:cTn id="46" presetID="10" presetClass="entr" presetSubtype="0" fill="hold" nodeType="clickEffect">
+                                <p:cTn id="40" presetID="10" presetClass="entr" presetSubtype="0" fill="hold" nodeType="clickEffect">
                                   <p:stCondLst>
                                     <p:cond delay="0"/>
                                   </p:stCondLst>
                                   <p:childTnLst>
                                     <p:set>
                                       <p:cBhvr>
-                                        <p:cTn id="47" dur="1" fill="hold">
+                                        <p:cTn id="41" dur="1" fill="hold">
                                           <p:stCondLst>
                                             <p:cond delay="0"/>
                                           </p:stCondLst>
@@ -21303,7 +21187,7 @@
                                     </p:set>
                                     <p:animEffect transition="in" filter="fade">
                                       <p:cBhvr>
-                                        <p:cTn id="48" dur="500"/>
+                                        <p:cTn id="42" dur="500"/>
                                         <p:tgtEl>
                                           <p:spTgt spid="20"/>
                                         </p:tgtEl>
@@ -21313,14 +21197,14 @@
                                 </p:cTn>
                               </p:par>
                               <p:par>
-                                <p:cTn id="49" presetID="10" presetClass="entr" presetSubtype="0" fill="hold" grpId="0" nodeType="withEffect">
+                                <p:cTn id="43" presetID="10" presetClass="entr" presetSubtype="0" fill="hold" grpId="0" nodeType="withEffect">
                                   <p:stCondLst>
                                     <p:cond delay="0"/>
                                   </p:stCondLst>
                                   <p:childTnLst>
                                     <p:set>
                                       <p:cBhvr>
-                                        <p:cTn id="50" dur="1" fill="hold">
+                                        <p:cTn id="44" dur="1" fill="hold">
                                           <p:stCondLst>
                                             <p:cond delay="0"/>
                                           </p:stCondLst>
@@ -21338,7 +21222,7 @@
                                     </p:set>
                                     <p:animEffect transition="in" filter="fade">
                                       <p:cBhvr>
-                                        <p:cTn id="51" dur="500"/>
+                                        <p:cTn id="45" dur="500"/>
                                         <p:tgtEl>
                                           <p:spTgt spid="22"/>
                                         </p:tgtEl>
@@ -21354,26 +21238,26 @@
                     </p:cTn>
                   </p:par>
                   <p:par>
-                    <p:cTn id="52" fill="hold">
+                    <p:cTn id="46" fill="hold">
                       <p:stCondLst>
                         <p:cond delay="indefinite"/>
                       </p:stCondLst>
                       <p:childTnLst>
                         <p:par>
-                          <p:cTn id="53" fill="hold">
+                          <p:cTn id="47" fill="hold">
                             <p:stCondLst>
                               <p:cond delay="0"/>
                             </p:stCondLst>
                             <p:childTnLst>
                               <p:par>
-                                <p:cTn id="54" presetID="10" presetClass="entr" presetSubtype="0" fill="hold" grpId="0" nodeType="clickEffect">
+                                <p:cTn id="48" presetID="10" presetClass="entr" presetSubtype="0" fill="hold" grpId="0" nodeType="clickEffect">
                                   <p:stCondLst>
                                     <p:cond delay="0"/>
                                   </p:stCondLst>
                                   <p:childTnLst>
                                     <p:set>
                                       <p:cBhvr>
-                                        <p:cTn id="55" dur="1" fill="hold">
+                                        <p:cTn id="49" dur="1" fill="hold">
                                           <p:stCondLst>
                                             <p:cond delay="0"/>
                                           </p:stCondLst>
@@ -21391,7 +21275,7 @@
                                     </p:set>
                                     <p:animEffect transition="in" filter="fade">
                                       <p:cBhvr>
-                                        <p:cTn id="56" dur="500"/>
+                                        <p:cTn id="50" dur="500"/>
                                         <p:tgtEl>
                                           <p:spTgt spid="23"/>
                                         </p:tgtEl>
@@ -21847,7 +21731,7 @@
             <a:pPr algn="ctr"/>
             <a:r>
               <a:rPr lang="zh-CN" altLang="en-US" dirty="0"/>
-              <a:t>算数学</a:t>
+              <a:t>算数</a:t>
             </a:r>
           </a:p>
         </p:txBody>
@@ -21896,6 +21780,63 @@
       </p:grpSpPr>
       <p:sp>
         <p:nvSpPr>
+          <p:cNvPr id="64" name="矩形 63">
+            <a:extLst>
+              <a:ext uri="{FF2B5EF4-FFF2-40B4-BE49-F238E27FC236}">
+                <a16:creationId xmlns:a16="http://schemas.microsoft.com/office/drawing/2014/main" id="{D84722CD-A223-4CA1-993A-3195D9FEEE10}"/>
+              </a:ext>
+            </a:extLst>
+          </p:cNvPr>
+          <p:cNvSpPr/>
+          <p:nvPr/>
+        </p:nvSpPr>
+        <p:spPr>
+          <a:xfrm>
+            <a:off x="1485900" y="3429000"/>
+            <a:ext cx="10153128" cy="3168352"/>
+          </a:xfrm>
+          <a:prstGeom prst="rect">
+            <a:avLst/>
+          </a:prstGeom>
+          <a:solidFill>
+            <a:schemeClr val="accent4">
+              <a:alpha val="20000"/>
+            </a:schemeClr>
+          </a:solidFill>
+        </p:spPr>
+        <p:style>
+          <a:lnRef idx="2">
+            <a:schemeClr val="accent4">
+              <a:shade val="50000"/>
+            </a:schemeClr>
+          </a:lnRef>
+          <a:fillRef idx="1">
+            <a:schemeClr val="accent4"/>
+          </a:fillRef>
+          <a:effectRef idx="0">
+            <a:schemeClr val="accent4"/>
+          </a:effectRef>
+          <a:fontRef idx="minor">
+            <a:schemeClr val="lt1"/>
+          </a:fontRef>
+        </p:style>
+        <p:txBody>
+          <a:bodyPr rtlCol="0" anchor="b"/>
+          <a:lstStyle/>
+          <a:p>
+            <a:r>
+              <a:rPr lang="zh-CN" altLang="en-US" dirty="0">
+                <a:solidFill>
+                  <a:schemeClr val="accent4"/>
+                </a:solidFill>
+              </a:rPr>
+              <a:t>建议学习</a:t>
+            </a:r>
+          </a:p>
+        </p:txBody>
+      </p:sp>
+      <p:sp>
+        <p:nvSpPr>
           <p:cNvPr id="2" name="标题 1">
             <a:extLst>
               <a:ext uri="{FF2B5EF4-FFF2-40B4-BE49-F238E27FC236}">
@@ -22465,7 +22406,7 @@
             <a:pPr algn="ctr"/>
             <a:r>
               <a:rPr lang="zh-CN" altLang="en-US" dirty="0"/>
-              <a:t>算数学</a:t>
+              <a:t>算数</a:t>
             </a:r>
           </a:p>
         </p:txBody>
@@ -22862,63 +22803,49 @@
           </a:fontRef>
         </p:style>
       </p:cxnSp>
-      <p:sp>
-        <p:nvSpPr>
-          <p:cNvPr id="64" name="矩形 63">
+      <p:cxnSp>
+        <p:nvCxnSpPr>
+          <p:cNvPr id="24" name="直接箭头连接符 23">
             <a:extLst>
               <a:ext uri="{FF2B5EF4-FFF2-40B4-BE49-F238E27FC236}">
-                <a16:creationId xmlns:a16="http://schemas.microsoft.com/office/drawing/2014/main" id="{D84722CD-A223-4CA1-993A-3195D9FEEE10}"/>
+                <a16:creationId xmlns:a16="http://schemas.microsoft.com/office/drawing/2014/main" id="{E148C250-848A-4B40-BC14-6038BD2F381F}"/>
               </a:ext>
             </a:extLst>
           </p:cNvPr>
-          <p:cNvSpPr/>
+          <p:cNvCxnSpPr>
+            <a:cxnSpLocks/>
+            <a:stCxn id="25" idx="0"/>
+            <a:endCxn id="6" idx="2"/>
+          </p:cNvCxnSpPr>
           <p:nvPr/>
-        </p:nvSpPr>
+        </p:nvCxnSpPr>
         <p:spPr>
-          <a:xfrm>
-            <a:off x="1485900" y="3429000"/>
-            <a:ext cx="10153128" cy="3168352"/>
+          <a:xfrm flipH="1" flipV="1">
+            <a:off x="5709248" y="3143776"/>
+            <a:ext cx="1653862" cy="1095880"/>
           </a:xfrm>
-          <a:prstGeom prst="rect">
+          <a:prstGeom prst="straightConnector1">
             <a:avLst/>
           </a:prstGeom>
-          <a:solidFill>
-            <a:schemeClr val="accent4">
-              <a:alpha val="20000"/>
-            </a:schemeClr>
-          </a:solidFill>
+          <a:ln>
+            <a:tailEnd type="triangle"/>
+          </a:ln>
         </p:spPr>
         <p:style>
-          <a:lnRef idx="2">
-            <a:schemeClr val="accent4">
-              <a:shade val="50000"/>
-            </a:schemeClr>
+          <a:lnRef idx="3">
+            <a:schemeClr val="dk1"/>
           </a:lnRef>
-          <a:fillRef idx="1">
-            <a:schemeClr val="accent4"/>
+          <a:fillRef idx="0">
+            <a:schemeClr val="dk1"/>
           </a:fillRef>
-          <a:effectRef idx="0">
-            <a:schemeClr val="accent4"/>
+          <a:effectRef idx="2">
+            <a:schemeClr val="dk1"/>
           </a:effectRef>
           <a:fontRef idx="minor">
-            <a:schemeClr val="lt1"/>
+            <a:schemeClr val="tx1"/>
           </a:fontRef>
         </p:style>
-        <p:txBody>
-          <a:bodyPr rtlCol="0" anchor="b"/>
-          <a:lstStyle/>
-          <a:p>
-            <a:r>
-              <a:rPr lang="zh-CN" altLang="en-US" dirty="0">
-                <a:solidFill>
-                  <a:schemeClr val="accent4"/>
-                </a:solidFill>
-              </a:rPr>
-              <a:t>建议学习</a:t>
-            </a:r>
-          </a:p>
-        </p:txBody>
-      </p:sp>
+      </p:cxnSp>
     </p:spTree>
     <p:extLst>
       <p:ext uri="{BB962C8B-B14F-4D97-AF65-F5344CB8AC3E}">
@@ -23653,7 +23580,7 @@
         </p:nvSpPr>
         <p:spPr>
           <a:xfrm>
-            <a:off x="6742485" y="1196753"/>
+            <a:off x="6814493" y="1196753"/>
             <a:ext cx="3261170" cy="3177418"/>
           </a:xfrm>
           <a:prstGeom prst="rect">
@@ -23716,7 +23643,7 @@
         </p:nvSpPr>
         <p:spPr>
           <a:xfrm>
-            <a:off x="6612059" y="4974226"/>
+            <a:off x="6684067" y="4974226"/>
             <a:ext cx="3391596" cy="1623126"/>
           </a:xfrm>
           <a:prstGeom prst="rect">
@@ -23770,7 +23697,7 @@
         </p:nvSpPr>
         <p:spPr>
           <a:xfrm>
-            <a:off x="1341884" y="1196752"/>
+            <a:off x="1413892" y="1196752"/>
             <a:ext cx="5270175" cy="5400600"/>
           </a:xfrm>
           <a:prstGeom prst="rect">
@@ -23864,7 +23791,7 @@
         </p:nvSpPr>
         <p:spPr>
           <a:xfrm>
-            <a:off x="4582244" y="5393237"/>
+            <a:off x="4654252" y="5393237"/>
             <a:ext cx="1440160" cy="684076"/>
           </a:xfrm>
           <a:prstGeom prst="rect">
@@ -23929,7 +23856,7 @@
         </p:nvSpPr>
         <p:spPr>
           <a:xfrm>
-            <a:off x="7678588" y="5382283"/>
+            <a:off x="7750596" y="5382283"/>
             <a:ext cx="1440160" cy="684076"/>
           </a:xfrm>
           <a:prstGeom prst="rect">
@@ -23986,7 +23913,7 @@
         </p:nvSpPr>
         <p:spPr>
           <a:xfrm>
-            <a:off x="2926060" y="5393237"/>
+            <a:off x="2998068" y="5393237"/>
             <a:ext cx="1440160" cy="684076"/>
           </a:xfrm>
           <a:prstGeom prst="rect">
@@ -24043,7 +23970,7 @@
         </p:nvSpPr>
         <p:spPr>
           <a:xfrm>
-            <a:off x="8433069" y="3330054"/>
+            <a:off x="8505077" y="3330054"/>
             <a:ext cx="1440160" cy="684076"/>
           </a:xfrm>
           <a:prstGeom prst="rect">
@@ -24092,7 +24019,7 @@
         </p:nvSpPr>
         <p:spPr>
           <a:xfrm>
-            <a:off x="2277988" y="3330055"/>
+            <a:off x="2349996" y="3330055"/>
             <a:ext cx="1440160" cy="684076"/>
           </a:xfrm>
           <a:prstGeom prst="rect">
@@ -24141,7 +24068,7 @@
         </p:nvSpPr>
         <p:spPr>
           <a:xfrm>
-            <a:off x="1680400" y="1716792"/>
+            <a:off x="1752408" y="1716792"/>
             <a:ext cx="1440160" cy="684076"/>
           </a:xfrm>
           <a:prstGeom prst="rect">
@@ -24190,7 +24117,7 @@
         </p:nvSpPr>
         <p:spPr>
           <a:xfrm>
-            <a:off x="10198868" y="4014131"/>
+            <a:off x="10270876" y="4014131"/>
             <a:ext cx="1440160" cy="2583222"/>
           </a:xfrm>
           <a:prstGeom prst="rect">
@@ -24259,7 +24186,7 @@
         </p:nvSpPr>
         <p:spPr>
           <a:xfrm>
-            <a:off x="5014292" y="1716792"/>
+            <a:off x="5086300" y="1716792"/>
             <a:ext cx="1440160" cy="684076"/>
           </a:xfrm>
           <a:prstGeom prst="rect">
@@ -24316,7 +24243,7 @@
         </p:nvSpPr>
         <p:spPr>
           <a:xfrm>
-            <a:off x="7678588" y="1716792"/>
+            <a:off x="7750596" y="1716792"/>
             <a:ext cx="1440160" cy="684076"/>
           </a:xfrm>
           <a:prstGeom prst="rect">
@@ -24373,7 +24300,7 @@
         </p:nvSpPr>
         <p:spPr>
           <a:xfrm>
-            <a:off x="3358108" y="1716792"/>
+            <a:off x="3430116" y="1716792"/>
             <a:ext cx="1440160" cy="684076"/>
           </a:xfrm>
           <a:prstGeom prst="rect">
@@ -24442,7 +24369,7 @@
         </p:nvCxnSpPr>
         <p:spPr>
           <a:xfrm flipH="1" flipV="1">
-            <a:off x="2998068" y="4014131"/>
+            <a:off x="3070076" y="4014131"/>
             <a:ext cx="648072" cy="1379106"/>
           </a:xfrm>
           <a:prstGeom prst="straightConnector1">
@@ -24485,7 +24412,7 @@
         </p:nvCxnSpPr>
         <p:spPr>
           <a:xfrm flipV="1">
-            <a:off x="2998068" y="2400868"/>
+            <a:off x="3070076" y="2400868"/>
             <a:ext cx="1080120" cy="929187"/>
           </a:xfrm>
           <a:prstGeom prst="straightConnector1">
@@ -24528,7 +24455,7 @@
         </p:nvCxnSpPr>
         <p:spPr>
           <a:xfrm flipH="1" flipV="1">
-            <a:off x="4078188" y="2400868"/>
+            <a:off x="4150196" y="2400868"/>
             <a:ext cx="1224136" cy="2992369"/>
           </a:xfrm>
           <a:prstGeom prst="straightConnector1">
@@ -24571,7 +24498,7 @@
         </p:nvCxnSpPr>
         <p:spPr>
           <a:xfrm flipH="1" flipV="1">
-            <a:off x="2400480" y="2400868"/>
+            <a:off x="2472488" y="2400868"/>
             <a:ext cx="597588" cy="929187"/>
           </a:xfrm>
           <a:prstGeom prst="straightConnector1">
@@ -24610,7 +24537,7 @@
         </p:nvSpPr>
         <p:spPr>
           <a:xfrm>
-            <a:off x="5014292" y="3330055"/>
+            <a:off x="5086300" y="3330055"/>
             <a:ext cx="1440160" cy="684076"/>
           </a:xfrm>
           <a:prstGeom prst="rect">
@@ -24671,7 +24598,7 @@
         </p:nvCxnSpPr>
         <p:spPr>
           <a:xfrm flipV="1">
-            <a:off x="3646140" y="4014131"/>
+            <a:off x="3718148" y="4014131"/>
             <a:ext cx="2088232" cy="1379106"/>
           </a:xfrm>
           <a:prstGeom prst="straightConnector1">
@@ -24714,7 +24641,7 @@
         </p:nvCxnSpPr>
         <p:spPr>
           <a:xfrm flipV="1">
-            <a:off x="5302324" y="4014131"/>
+            <a:off x="5374332" y="4014131"/>
             <a:ext cx="432048" cy="1379106"/>
           </a:xfrm>
           <a:prstGeom prst="straightConnector1">
@@ -24757,7 +24684,7 @@
         </p:nvCxnSpPr>
         <p:spPr>
           <a:xfrm flipV="1">
-            <a:off x="5734372" y="2400868"/>
+            <a:off x="5806380" y="2400868"/>
             <a:ext cx="0" cy="929187"/>
           </a:xfrm>
           <a:prstGeom prst="straightConnector1">
@@ -24800,7 +24727,7 @@
         </p:nvCxnSpPr>
         <p:spPr>
           <a:xfrm flipV="1">
-            <a:off x="8398668" y="4014130"/>
+            <a:off x="8470676" y="4014130"/>
             <a:ext cx="754481" cy="1368153"/>
           </a:xfrm>
           <a:prstGeom prst="straightConnector1">
@@ -24843,7 +24770,7 @@
         </p:nvCxnSpPr>
         <p:spPr>
           <a:xfrm flipH="1" flipV="1">
-            <a:off x="8398668" y="2400868"/>
+            <a:off x="8470676" y="2400868"/>
             <a:ext cx="754481" cy="929186"/>
           </a:xfrm>
           <a:prstGeom prst="straightConnector1">
@@ -24882,7 +24809,7 @@
         </p:nvSpPr>
         <p:spPr>
           <a:xfrm>
-            <a:off x="10198868" y="1196752"/>
+            <a:off x="10270876" y="1196752"/>
             <a:ext cx="1440160" cy="2583222"/>
           </a:xfrm>
           <a:prstGeom prst="rect">
@@ -25027,7 +24954,7 @@
         </p:nvSpPr>
         <p:spPr>
           <a:xfrm>
-            <a:off x="6869206" y="3330054"/>
+            <a:off x="6941214" y="3330054"/>
             <a:ext cx="1440160" cy="684076"/>
           </a:xfrm>
           <a:prstGeom prst="rect">
@@ -25080,7 +25007,7 @@
         </p:nvCxnSpPr>
         <p:spPr>
           <a:xfrm flipV="1">
-            <a:off x="3646140" y="4014130"/>
+            <a:off x="3718148" y="4014130"/>
             <a:ext cx="3943146" cy="1379107"/>
           </a:xfrm>
           <a:prstGeom prst="straightConnector1">
@@ -25123,7 +25050,7 @@
         </p:nvCxnSpPr>
         <p:spPr>
           <a:xfrm flipV="1">
-            <a:off x="5302324" y="4014130"/>
+            <a:off x="5374332" y="4014130"/>
             <a:ext cx="2286962" cy="1379107"/>
           </a:xfrm>
           <a:prstGeom prst="straightConnector1">
@@ -25165,7 +25092,7 @@
         </p:nvCxnSpPr>
         <p:spPr>
           <a:xfrm rot="5400000" flipH="1" flipV="1">
-            <a:off x="6661829" y="2402598"/>
+            <a:off x="6733837" y="2402598"/>
             <a:ext cx="1" cy="1854914"/>
           </a:xfrm>
           <a:prstGeom prst="curvedConnector3">
@@ -25211,7 +25138,7 @@
         </p:nvCxnSpPr>
         <p:spPr>
           <a:xfrm flipV="1">
-            <a:off x="7589286" y="2400868"/>
+            <a:off x="7661294" y="2400868"/>
             <a:ext cx="809382" cy="929186"/>
           </a:xfrm>
           <a:prstGeom prst="straightConnector1">
@@ -26495,8 +26422,8 @@
           </a:p>
         </p:txBody>
       </p:sp>
-      <mc:AlternateContent xmlns:mc="http://schemas.openxmlformats.org/markup-compatibility/2006">
-        <mc:Choice xmlns:a14="http://schemas.microsoft.com/office/drawing/2010/main" Requires="a14">
+      <mc:AlternateContent xmlns:mc="http://schemas.openxmlformats.org/markup-compatibility/2006" xmlns:a14="http://schemas.microsoft.com/office/drawing/2010/main">
+        <mc:Choice Requires="a14">
           <p:sp>
             <p:nvSpPr>
               <p:cNvPr id="7" name="文本框 6">
@@ -26727,7 +26654,7 @@
             </p:txBody>
           </p:sp>
         </mc:Choice>
-        <mc:Fallback>
+        <mc:Fallback xmlns="">
           <p:sp>
             <p:nvSpPr>
               <p:cNvPr id="7" name="文本框 6">

--- a/Python-Meetup/20200719/面向一小部分程序员的数学学习相关话题简言.pptx
+++ b/Python-Meetup/20200719/面向一小部分程序员的数学学习相关话题简言.pptx
@@ -258,7 +258,7 @@
                 <a:latin typeface="微软雅黑" panose="020B0503020204020204" pitchFamily="34" charset="-122"/>
                 <a:ea typeface="微软雅黑" panose="020B0503020204020204" pitchFamily="34" charset="-122"/>
               </a:rPr>
-              <a:t>2020年7月11日</a:t>
+              <a:t>2020年7月18日</a:t>
             </a:fld>
             <a:endParaRPr lang="zh-CN" altLang="en-US" dirty="0">
               <a:latin typeface="微软雅黑" panose="020B0503020204020204" pitchFamily="34" charset="-122"/>
@@ -450,7 +450,7 @@
             <a:fld id="{07D6BDDC-F39A-4E16-93D6-E40B88AA6D58}" type="datetime2">
               <a:rPr lang="zh-CN" altLang="en-US" smtClean="0"/>
               <a:pPr/>
-              <a:t>2020年7月11日</a:t>
+              <a:t>2020年7月18日</a:t>
             </a:fld>
             <a:endParaRPr lang="zh-CN" altLang="en-US" dirty="0"/>
           </a:p>
@@ -2390,7 +2390,7 @@
             <a:fld id="{4947C3F0-2957-4D41-9FB7-182757A04D67}" type="datetime2">
               <a:rPr lang="zh-CN" altLang="en-US" smtClean="0"/>
               <a:pPr/>
-              <a:t>2020年7月11日</a:t>
+              <a:t>2020年7月18日</a:t>
             </a:fld>
             <a:endParaRPr lang="zh-CN" altLang="en-US" dirty="0"/>
           </a:p>
@@ -2623,7 +2623,7 @@
             <a:fld id="{8DF8E148-EC1F-43A2-8C9E-1F57F6D08A76}" type="datetime2">
               <a:rPr lang="zh-CN" altLang="en-US" smtClean="0"/>
               <a:pPr/>
-              <a:t>2020年7月11日</a:t>
+              <a:t>2020年7月18日</a:t>
             </a:fld>
             <a:endParaRPr lang="zh-CN" altLang="en-US" dirty="0"/>
           </a:p>
@@ -3505,7 +3505,7 @@
             <a:fld id="{FB7B4C11-1E14-4887-9E78-A9346EC068F1}" type="datetime2">
               <a:rPr lang="zh-CN" altLang="en-US" smtClean="0"/>
               <a:pPr/>
-              <a:t>2020年7月11日</a:t>
+              <a:t>2020年7月18日</a:t>
             </a:fld>
             <a:endParaRPr lang="zh-CN" altLang="en-US" dirty="0"/>
           </a:p>
@@ -3764,7 +3764,7 @@
             <a:fld id="{86FD5D46-E987-42B2-B42C-B8920598FADE}" type="datetime2">
               <a:rPr lang="zh-CN" altLang="en-US" smtClean="0"/>
               <a:pPr/>
-              <a:t>2020年7月11日</a:t>
+              <a:t>2020年7月18日</a:t>
             </a:fld>
             <a:endParaRPr lang="zh-CN" altLang="en-US" dirty="0"/>
           </a:p>
@@ -5090,7 +5090,7 @@
             <a:fld id="{8365F240-A7EF-41C8-A85B-C448CF84B5E5}" type="datetime2">
               <a:rPr lang="zh-CN" altLang="en-US" smtClean="0"/>
               <a:pPr/>
-              <a:t>2020年7月11日</a:t>
+              <a:t>2020年7月18日</a:t>
             </a:fld>
             <a:endParaRPr lang="zh-CN" altLang="en-US" dirty="0"/>
           </a:p>
@@ -5425,7 +5425,7 @@
             <a:fld id="{F770B30E-8728-44DB-AEE3-E4A75AEDBBD9}" type="datetime2">
               <a:rPr lang="zh-CN" altLang="en-US" smtClean="0"/>
               <a:pPr/>
-              <a:t>2020年7月11日</a:t>
+              <a:t>2020年7月18日</a:t>
             </a:fld>
             <a:endParaRPr lang="zh-CN" altLang="en-US" dirty="0"/>
           </a:p>
@@ -5926,7 +5926,7 @@
             <a:fld id="{680BCF82-A51A-4389-A573-378AD02C5141}" type="datetime2">
               <a:rPr lang="zh-CN" altLang="en-US" smtClean="0"/>
               <a:pPr/>
-              <a:t>2020年7月11日</a:t>
+              <a:t>2020年7月18日</a:t>
             </a:fld>
             <a:endParaRPr lang="zh-CN" altLang="en-US" dirty="0"/>
           </a:p>
@@ -6081,7 +6081,7 @@
             <a:fld id="{CE03A716-E3DC-4D9D-823C-60FCD8C9B163}" type="datetime2">
               <a:rPr lang="zh-CN" altLang="en-US" smtClean="0"/>
               <a:pPr/>
-              <a:t>2020年7月11日</a:t>
+              <a:t>2020年7月18日</a:t>
             </a:fld>
             <a:endParaRPr lang="zh-CN" altLang="en-US" dirty="0"/>
           </a:p>
@@ -6441,7 +6441,7 @@
             <a:fld id="{C16B8A94-44E5-4844-A22C-F796FCAA90D9}" type="datetime2">
               <a:rPr lang="zh-CN" altLang="en-US" smtClean="0"/>
               <a:pPr/>
-              <a:t>2020年7月11日</a:t>
+              <a:t>2020年7月18日</a:t>
             </a:fld>
             <a:endParaRPr lang="zh-CN" altLang="en-US" dirty="0"/>
           </a:p>
@@ -6983,7 +6983,7 @@
             <a:fld id="{F288B2AC-AC0A-4E49-82A3-94EE74FA7FBF}" type="datetime2">
               <a:rPr lang="zh-CN" altLang="en-US" smtClean="0"/>
               <a:pPr/>
-              <a:t>2020年7月11日</a:t>
+              <a:t>2020年7月18日</a:t>
             </a:fld>
             <a:endParaRPr lang="zh-CN" altLang="en-US" dirty="0"/>
           </a:p>
@@ -7469,7 +7469,7 @@
             <a:fld id="{1878E339-1BD2-4FEE-A113-9A0301740CF6}" type="datetime2">
               <a:rPr lang="zh-CN" altLang="en-US" smtClean="0"/>
               <a:pPr/>
-              <a:t>2020年7月11日</a:t>
+              <a:t>2020年7月18日</a:t>
             </a:fld>
             <a:endParaRPr lang="zh-CN" altLang="en-US" dirty="0"/>
           </a:p>
@@ -8392,7 +8392,7 @@
             <a:fld id="{A339CB27-C670-4AAB-948C-7E3D1D9FAE30}" type="datetime2">
               <a:rPr lang="zh-CN" altLang="en-US" smtClean="0"/>
               <a:pPr/>
-              <a:t>2020年7月11日</a:t>
+              <a:t>2020年7月18日</a:t>
             </a:fld>
             <a:endParaRPr lang="zh-CN" altLang="en-US" dirty="0"/>
           </a:p>
@@ -9106,71 +9106,6 @@
           </a:prstGeom>
         </p:spPr>
       </p:pic>
-      <p:pic>
-        <p:nvPicPr>
-          <p:cNvPr id="15" name="图片 14">
-            <a:extLst>
-              <a:ext uri="{FF2B5EF4-FFF2-40B4-BE49-F238E27FC236}">
-                <a16:creationId xmlns:a16="http://schemas.microsoft.com/office/drawing/2014/main" id="{5C417883-D963-414E-B76E-2555137A627F}"/>
-              </a:ext>
-            </a:extLst>
-          </p:cNvPr>
-          <p:cNvPicPr>
-            <a:picLocks noChangeAspect="1"/>
-          </p:cNvPicPr>
-          <p:nvPr/>
-        </p:nvPicPr>
-        <p:blipFill>
-          <a:blip r:embed="rId8"/>
-          <a:stretch>
-            <a:fillRect/>
-          </a:stretch>
-        </p:blipFill>
-        <p:spPr>
-          <a:xfrm>
-            <a:off x="9548092" y="121707"/>
-            <a:ext cx="1154832" cy="1154832"/>
-          </a:xfrm>
-          <a:prstGeom prst="rect">
-            <a:avLst/>
-          </a:prstGeom>
-        </p:spPr>
-      </p:pic>
-      <p:sp>
-        <p:nvSpPr>
-          <p:cNvPr id="16" name="文本框 15">
-            <a:extLst>
-              <a:ext uri="{FF2B5EF4-FFF2-40B4-BE49-F238E27FC236}">
-                <a16:creationId xmlns:a16="http://schemas.microsoft.com/office/drawing/2014/main" id="{F75405DE-3FAF-450A-AA8E-4781F6668C5C}"/>
-              </a:ext>
-            </a:extLst>
-          </p:cNvPr>
-          <p:cNvSpPr txBox="1"/>
-          <p:nvPr/>
-        </p:nvSpPr>
-        <p:spPr>
-          <a:xfrm>
-            <a:off x="9725398" y="1230157"/>
-            <a:ext cx="800219" cy="276999"/>
-          </a:xfrm>
-          <a:prstGeom prst="rect">
-            <a:avLst/>
-          </a:prstGeom>
-          <a:noFill/>
-        </p:spPr>
-        <p:txBody>
-          <a:bodyPr wrap="none" rtlCol="0">
-            <a:spAutoFit/>
-          </a:bodyPr>
-          <a:lstStyle/>
-          <a:p>
-            <a:r>
-              <a:rPr lang="zh-CN" altLang="en-US" sz="1200" dirty="0"/>
-              <a:t>直播报名</a:t>
-            </a:r>
-          </a:p>
-        </p:txBody>
-      </p:sp>
       <p:sp>
         <p:nvSpPr>
           <p:cNvPr id="17" name="文本框 16">
@@ -11952,8 +11887,8 @@
           </p:sp>
         </mc:Fallback>
       </mc:AlternateContent>
-      <mc:AlternateContent xmlns:mc="http://schemas.openxmlformats.org/markup-compatibility/2006">
-        <mc:Choice xmlns:a14="http://schemas.microsoft.com/office/drawing/2010/main" Requires="a14">
+      <mc:AlternateContent xmlns:mc="http://schemas.openxmlformats.org/markup-compatibility/2006" xmlns:a14="http://schemas.microsoft.com/office/drawing/2010/main">
+        <mc:Choice Requires="a14">
           <p:sp>
             <p:nvSpPr>
               <p:cNvPr id="7" name="内容占位符 3">
@@ -14069,7 +14004,7 @@
             </p:txBody>
           </p:sp>
         </mc:Choice>
-        <mc:Fallback>
+        <mc:Fallback xmlns="">
           <p:sp>
             <p:nvSpPr>
               <p:cNvPr id="7" name="内容占位符 3">
@@ -19045,8 +18980,8 @@
           </a:p>
         </p:txBody>
       </p:sp>
-      <mc:AlternateContent xmlns:mc="http://schemas.openxmlformats.org/markup-compatibility/2006">
-        <mc:Choice xmlns:a14="http://schemas.microsoft.com/office/drawing/2010/main" Requires="a14">
+      <mc:AlternateContent xmlns:mc="http://schemas.openxmlformats.org/markup-compatibility/2006" xmlns:a14="http://schemas.microsoft.com/office/drawing/2010/main">
+        <mc:Choice Requires="a14">
           <p:sp>
             <p:nvSpPr>
               <p:cNvPr id="3" name="内容占位符 3">
@@ -19706,7 +19641,7 @@
             </p:txBody>
           </p:sp>
         </mc:Choice>
-        <mc:Fallback>
+        <mc:Fallback xmlns="">
           <p:sp>
             <p:nvSpPr>
               <p:cNvPr id="3" name="内容占位符 3">
@@ -19750,8 +19685,8 @@
           </p:sp>
         </mc:Fallback>
       </mc:AlternateContent>
-      <mc:AlternateContent xmlns:mc="http://schemas.openxmlformats.org/markup-compatibility/2006">
-        <mc:Choice xmlns:a14="http://schemas.microsoft.com/office/drawing/2010/main" Requires="a14">
+      <mc:AlternateContent xmlns:mc="http://schemas.openxmlformats.org/markup-compatibility/2006" xmlns:a14="http://schemas.microsoft.com/office/drawing/2010/main">
+        <mc:Choice Requires="a14">
           <p:sp>
             <p:nvSpPr>
               <p:cNvPr id="11" name="内容占位符 3">
@@ -20055,7 +19990,7 @@
             </p:txBody>
           </p:sp>
         </mc:Choice>
-        <mc:Fallback>
+        <mc:Fallback xmlns="">
           <p:sp>
             <p:nvSpPr>
               <p:cNvPr id="11" name="内容占位符 3">
@@ -25767,6 +25702,131 @@
               <a:latin typeface="Arial" panose="020B0604020202020204" pitchFamily="34" charset="0"/>
               <a:sym typeface="Arial" panose="020B0604020202020204" pitchFamily="34" charset="0"/>
             </a:endParaRPr>
+          </a:p>
+        </p:txBody>
+      </p:sp>
+      <p:pic>
+        <p:nvPicPr>
+          <p:cNvPr id="6" name="图片 5">
+            <a:extLst>
+              <a:ext uri="{FF2B5EF4-FFF2-40B4-BE49-F238E27FC236}">
+                <a16:creationId xmlns:a16="http://schemas.microsoft.com/office/drawing/2014/main" id="{F11D889A-0F80-4CC7-9809-DB41D7422F7F}"/>
+              </a:ext>
+            </a:extLst>
+          </p:cNvPr>
+          <p:cNvPicPr>
+            <a:picLocks noChangeAspect="1"/>
+          </p:cNvPicPr>
+          <p:nvPr/>
+        </p:nvPicPr>
+        <p:blipFill>
+          <a:blip r:embed="rId4"/>
+          <a:stretch>
+            <a:fillRect/>
+          </a:stretch>
+        </p:blipFill>
+        <p:spPr>
+          <a:xfrm>
+            <a:off x="10990956" y="0"/>
+            <a:ext cx="875928" cy="1056589"/>
+          </a:xfrm>
+          <a:prstGeom prst="rect">
+            <a:avLst/>
+          </a:prstGeom>
+        </p:spPr>
+      </p:pic>
+      <p:pic>
+        <p:nvPicPr>
+          <p:cNvPr id="8" name="图片 7">
+            <a:extLst>
+              <a:ext uri="{FF2B5EF4-FFF2-40B4-BE49-F238E27FC236}">
+                <a16:creationId xmlns:a16="http://schemas.microsoft.com/office/drawing/2014/main" id="{990B14A1-CA34-452F-BCE2-DCCFDEFB1F45}"/>
+              </a:ext>
+            </a:extLst>
+          </p:cNvPr>
+          <p:cNvPicPr>
+            <a:picLocks noChangeAspect="1"/>
+          </p:cNvPicPr>
+          <p:nvPr/>
+        </p:nvPicPr>
+        <p:blipFill>
+          <a:blip r:embed="rId5"/>
+          <a:stretch>
+            <a:fillRect/>
+          </a:stretch>
+        </p:blipFill>
+        <p:spPr>
+          <a:xfrm>
+            <a:off x="10990956" y="1056590"/>
+            <a:ext cx="875928" cy="883730"/>
+          </a:xfrm>
+          <a:prstGeom prst="rect">
+            <a:avLst/>
+          </a:prstGeom>
+        </p:spPr>
+      </p:pic>
+      <p:pic>
+        <p:nvPicPr>
+          <p:cNvPr id="10" name="图片 9">
+            <a:extLst>
+              <a:ext uri="{FF2B5EF4-FFF2-40B4-BE49-F238E27FC236}">
+                <a16:creationId xmlns:a16="http://schemas.microsoft.com/office/drawing/2014/main" id="{8A40E257-F270-489D-AD14-A20A9953A1F1}"/>
+              </a:ext>
+            </a:extLst>
+          </p:cNvPr>
+          <p:cNvPicPr>
+            <a:picLocks noChangeAspect="1"/>
+          </p:cNvPicPr>
+          <p:nvPr/>
+        </p:nvPicPr>
+        <p:blipFill>
+          <a:blip r:embed="rId6"/>
+          <a:stretch>
+            <a:fillRect/>
+          </a:stretch>
+        </p:blipFill>
+        <p:spPr>
+          <a:xfrm>
+            <a:off x="9550796" y="162003"/>
+            <a:ext cx="1071476" cy="1071476"/>
+          </a:xfrm>
+          <a:prstGeom prst="rect">
+            <a:avLst/>
+          </a:prstGeom>
+        </p:spPr>
+      </p:pic>
+      <p:sp>
+        <p:nvSpPr>
+          <p:cNvPr id="12" name="文本框 11">
+            <a:extLst>
+              <a:ext uri="{FF2B5EF4-FFF2-40B4-BE49-F238E27FC236}">
+                <a16:creationId xmlns:a16="http://schemas.microsoft.com/office/drawing/2014/main" id="{0C9DF91C-9779-422C-A412-DEFFCCEC49BF}"/>
+              </a:ext>
+            </a:extLst>
+          </p:cNvPr>
+          <p:cNvSpPr txBox="1"/>
+          <p:nvPr/>
+        </p:nvSpPr>
+        <p:spPr>
+          <a:xfrm>
+            <a:off x="9686424" y="1246743"/>
+            <a:ext cx="800219" cy="276999"/>
+          </a:xfrm>
+          <a:prstGeom prst="rect">
+            <a:avLst/>
+          </a:prstGeom>
+          <a:noFill/>
+        </p:spPr>
+        <p:txBody>
+          <a:bodyPr wrap="none" rtlCol="0">
+            <a:spAutoFit/>
+          </a:bodyPr>
+          <a:lstStyle/>
+          <a:p>
+            <a:r>
+              <a:rPr lang="zh-CN" altLang="en-US" sz="1200" dirty="0"/>
+              <a:t>讲师募集</a:t>
+            </a:r>
           </a:p>
         </p:txBody>
       </p:sp>
